--- a/grad-presentation-sopova 2.pptx
+++ b/grad-presentation-sopova 2.pptx
@@ -2,7 +2,7 @@
 <file path=ppt/presentation.xml><?xml version="1.0" encoding="utf-8"?>
 <p:presentation xmlns:a="http://schemas.openxmlformats.org/drawingml/2006/main" xmlns:r="http://schemas.openxmlformats.org/officeDocument/2006/relationships" xmlns:p="http://schemas.openxmlformats.org/presentationml/2006/main" saveSubsetFonts="1" autoCompressPictures="0">
   <p:sldMasterIdLst>
-    <p:sldMasterId id="2147483648" r:id="rId1"/>
+    <p:sldMasterId id="2147483660" r:id="rId1"/>
   </p:sldMasterIdLst>
   <p:notesMasterIdLst>
     <p:notesMasterId r:id="rId31"/>
@@ -15,21 +15,21 @@
     <p:sldId id="263" r:id="rId6"/>
     <p:sldId id="264" r:id="rId7"/>
     <p:sldId id="261" r:id="rId8"/>
-    <p:sldId id="266" r:id="rId9"/>
-    <p:sldId id="267" r:id="rId10"/>
-    <p:sldId id="268" r:id="rId11"/>
-    <p:sldId id="258" r:id="rId12"/>
-    <p:sldId id="283" r:id="rId13"/>
-    <p:sldId id="285" r:id="rId14"/>
-    <p:sldId id="286" r:id="rId15"/>
-    <p:sldId id="287" r:id="rId16"/>
-    <p:sldId id="269" r:id="rId17"/>
-    <p:sldId id="282" r:id="rId18"/>
-    <p:sldId id="271" r:id="rId19"/>
-    <p:sldId id="284" r:id="rId20"/>
-    <p:sldId id="274" r:id="rId21"/>
-    <p:sldId id="272" r:id="rId22"/>
-    <p:sldId id="273" r:id="rId23"/>
+    <p:sldId id="282" r:id="rId9"/>
+    <p:sldId id="283" r:id="rId10"/>
+    <p:sldId id="285" r:id="rId11"/>
+    <p:sldId id="287" r:id="rId12"/>
+    <p:sldId id="266" r:id="rId13"/>
+    <p:sldId id="267" r:id="rId14"/>
+    <p:sldId id="288" r:id="rId15"/>
+    <p:sldId id="268" r:id="rId16"/>
+    <p:sldId id="272" r:id="rId17"/>
+    <p:sldId id="289" r:id="rId18"/>
+    <p:sldId id="273" r:id="rId19"/>
+    <p:sldId id="258" r:id="rId20"/>
+    <p:sldId id="271" r:id="rId21"/>
+    <p:sldId id="284" r:id="rId22"/>
+    <p:sldId id="274" r:id="rId23"/>
     <p:sldId id="275" r:id="rId24"/>
     <p:sldId id="276" r:id="rId25"/>
     <p:sldId id="281" r:id="rId26"/>
@@ -653,7 +653,7 @@
           <a:p>
             <a:fld id="{078D3A81-2A6C-A641-A4CE-9D515A03F769}" type="slidenum">
               <a:rPr lang="en-US" smtClean="0"/>
-              <a:t>13</a:t>
+              <a:t>10</a:t>
             </a:fld>
             <a:endParaRPr lang="en-US"/>
           </a:p>
@@ -2976,6 +2976,10 @@
             </a:lvl9pPr>
           </a:lstStyle>
           <a:p>
+            <a:r>
+              <a:rPr lang="en-US" smtClean="0"/>
+              <a:t>Drag picture to placeholder or click icon to add</a:t>
+            </a:r>
             <a:endParaRPr lang="en-US"/>
           </a:p>
         </p:txBody>
@@ -3168,7 +3172,7 @@
           <a:lstStyle/>
           <a:p>
             <a:r>
-              <a:rPr lang="en-US" dirty="0" smtClean="0"/>
+              <a:rPr lang="en-US" smtClean="0"/>
               <a:t>Click to edit Master title style</a:t>
             </a:r>
             <a:endParaRPr lang="en-US" dirty="0"/>
@@ -3364,7 +3368,7 @@
           <p:cNvPicPr>
             <a:picLocks noChangeAspect="1"/>
           </p:cNvPicPr>
-          <p:nvPr userDrawn="1"/>
+          <p:nvPr/>
         </p:nvPicPr>
         <p:blipFill>
           <a:blip r:embed="rId13"/>
@@ -3382,21 +3386,50 @@
           </a:prstGeom>
         </p:spPr>
       </p:pic>
+      <p:pic>
+        <p:nvPicPr>
+          <p:cNvPr id="8" name="Picture 7" descr="new template.jpg"/>
+          <p:cNvPicPr>
+            <a:picLocks noChangeAspect="1"/>
+          </p:cNvPicPr>
+          <p:nvPr userDrawn="1"/>
+        </p:nvPicPr>
+        <p:blipFill>
+          <a:blip r:embed="rId14"/>
+          <a:stretch>
+            <a:fillRect/>
+          </a:stretch>
+        </p:blipFill>
+        <p:spPr>
+          <a:xfrm>
+            <a:off x="0" y="0"/>
+            <a:ext cx="9144000" cy="6858000"/>
+          </a:xfrm>
+          <a:prstGeom prst="rect">
+            <a:avLst/>
+          </a:prstGeom>
+        </p:spPr>
+      </p:pic>
     </p:spTree>
+    <p:extLst>
+      <p:ext uri="{BB962C8B-B14F-4D97-AF65-F5344CB8AC3E}">
+        <p14:creationId xmlns:p14="http://schemas.microsoft.com/office/powerpoint/2010/main" val="1473000534"/>
+      </p:ext>
+    </p:extLst>
   </p:cSld>
   <p:clrMap bg1="lt1" tx1="dk1" bg2="lt2" tx2="dk2" accent1="accent1" accent2="accent2" accent3="accent3" accent4="accent4" accent5="accent5" accent6="accent6" hlink="hlink" folHlink="folHlink"/>
   <p:sldLayoutIdLst>
-    <p:sldLayoutId id="2147483649" r:id="rId1"/>
-    <p:sldLayoutId id="2147483650" r:id="rId2"/>
-    <p:sldLayoutId id="2147483651" r:id="rId3"/>
-    <p:sldLayoutId id="2147483652" r:id="rId4"/>
-    <p:sldLayoutId id="2147483653" r:id="rId5"/>
-    <p:sldLayoutId id="2147483654" r:id="rId6"/>
-    <p:sldLayoutId id="2147483655" r:id="rId7"/>
-    <p:sldLayoutId id="2147483656" r:id="rId8"/>
-    <p:sldLayoutId id="2147483657" r:id="rId9"/>
-    <p:sldLayoutId id="2147483658" r:id="rId10"/>
-    <p:sldLayoutId id="2147483659" r:id="rId11"/>
+    <p:sldLayoutId id="2147483661" r:id="rId1"/>
+    <p:sldLayoutId id="2147483662" r:id="rId2"/>
+    <p:sldLayoutId id="2147483663" r:id="rId3"/>
+    <p:sldLayoutId id="2147483664" r:id="rId4"/>
+    <p:sldLayoutId id="2147483665" r:id="rId5"/>
+    <p:sldLayoutId id="2147483666" r:id="rId6"/>
+    <p:sldLayoutId id="2147483667" r:id="rId7"/>
+    <p:sldLayoutId id="2147483668" r:id="rId8"/>
+    <p:sldLayoutId id="2147483669" r:id="rId9"/>
+    <p:sldLayoutId id="2147483670" r:id="rId10"/>
+    <p:sldLayoutId id="2147483671" r:id="rId11"/>
   </p:sldLayoutIdLst>
   <p:txStyles>
     <p:titleStyle>
@@ -3879,6 +3912,1611 @@
         <p:spPr/>
         <p:txBody>
           <a:bodyPr>
+            <a:normAutofit/>
+          </a:bodyPr>
+          <a:lstStyle/>
+          <a:p>
+            <a:r>
+              <a:rPr lang="en-US" dirty="0" smtClean="0"/>
+              <a:t>Motivation for Machine Learning</a:t>
+            </a:r>
+            <a:endParaRPr lang="en-US" dirty="0"/>
+          </a:p>
+        </p:txBody>
+      </p:sp>
+      <p:sp>
+        <p:nvSpPr>
+          <p:cNvPr id="3" name="Content Placeholder 2"/>
+          <p:cNvSpPr>
+            <a:spLocks noGrp="1"/>
+          </p:cNvSpPr>
+          <p:nvPr>
+            <p:ph idx="1"/>
+          </p:nvPr>
+        </p:nvSpPr>
+        <p:spPr>
+          <a:xfrm>
+            <a:off x="457198" y="1347723"/>
+            <a:ext cx="8546123" cy="608428"/>
+          </a:xfrm>
+        </p:spPr>
+        <p:txBody>
+          <a:bodyPr/>
+          <a:lstStyle/>
+          <a:p>
+            <a:r>
+              <a:rPr lang="en-US" dirty="0" smtClean="0"/>
+              <a:t>Human language </a:t>
+            </a:r>
+            <a:r>
+              <a:rPr lang="en-US" dirty="0"/>
+              <a:t>is ambiguous</a:t>
+            </a:r>
+          </a:p>
+        </p:txBody>
+      </p:sp>
+      <p:pic>
+        <p:nvPicPr>
+          <p:cNvPr id="6" name="Picture 5"/>
+          <p:cNvPicPr>
+            <a:picLocks noChangeAspect="1"/>
+          </p:cNvPicPr>
+          <p:nvPr/>
+        </p:nvPicPr>
+        <p:blipFill>
+          <a:blip r:embed="rId3">
+            <a:extLst>
+              <a:ext uri="{28A0092B-C50C-407E-A947-70E740481C1C}">
+                <a14:useLocalDpi xmlns:a14="http://schemas.microsoft.com/office/drawing/2010/main" val="0"/>
+              </a:ext>
+            </a:extLst>
+          </a:blip>
+          <a:stretch>
+            <a:fillRect/>
+          </a:stretch>
+        </p:blipFill>
+        <p:spPr>
+          <a:xfrm>
+            <a:off x="469898" y="3994256"/>
+            <a:ext cx="7333571" cy="1066253"/>
+          </a:xfrm>
+          <a:prstGeom prst="rect">
+            <a:avLst/>
+          </a:prstGeom>
+          <a:ln>
+            <a:solidFill>
+              <a:schemeClr val="tx1"/>
+            </a:solidFill>
+          </a:ln>
+        </p:spPr>
+      </p:pic>
+      <p:pic>
+        <p:nvPicPr>
+          <p:cNvPr id="7" name="Picture 6"/>
+          <p:cNvPicPr>
+            <a:picLocks noChangeAspect="1"/>
+          </p:cNvPicPr>
+          <p:nvPr/>
+        </p:nvPicPr>
+        <p:blipFill rotWithShape="1">
+          <a:blip r:embed="rId4">
+            <a:extLst>
+              <a:ext uri="{28A0092B-C50C-407E-A947-70E740481C1C}">
+                <a14:useLocalDpi xmlns:a14="http://schemas.microsoft.com/office/drawing/2010/main" val="0"/>
+              </a:ext>
+            </a:extLst>
+          </a:blip>
+          <a:srcRect b="35584"/>
+          <a:stretch/>
+        </p:blipFill>
+        <p:spPr>
+          <a:xfrm>
+            <a:off x="469898" y="3097131"/>
+            <a:ext cx="7333571" cy="793536"/>
+          </a:xfrm>
+          <a:prstGeom prst="rect">
+            <a:avLst/>
+          </a:prstGeom>
+          <a:ln>
+            <a:solidFill>
+              <a:schemeClr val="tx1"/>
+            </a:solidFill>
+          </a:ln>
+        </p:spPr>
+      </p:pic>
+      <p:sp>
+        <p:nvSpPr>
+          <p:cNvPr id="15" name="Content Placeholder 2"/>
+          <p:cNvSpPr txBox="1">
+            <a:spLocks/>
+          </p:cNvSpPr>
+          <p:nvPr/>
+        </p:nvSpPr>
+        <p:spPr>
+          <a:xfrm>
+            <a:off x="450169" y="2059529"/>
+            <a:ext cx="8693831" cy="862388"/>
+          </a:xfrm>
+          <a:prstGeom prst="rect">
+            <a:avLst/>
+          </a:prstGeom>
+        </p:spPr>
+        <p:txBody>
+          <a:bodyPr vert="horz" lIns="91440" tIns="45720" rIns="91440" bIns="45720" rtlCol="0">
+            <a:normAutofit/>
+          </a:bodyPr>
+          <a:lstStyle>
+            <a:lvl1pPr marL="342900" indent="-342900" algn="l" defTabSz="457200" rtl="0" eaLnBrk="1" latinLnBrk="0" hangingPunct="1">
+              <a:spcBef>
+                <a:spcPct val="20000"/>
+              </a:spcBef>
+              <a:buFont typeface="Arial"/>
+              <a:buChar char="•"/>
+              <a:defRPr sz="3200" kern="1200">
+                <a:solidFill>
+                  <a:schemeClr val="tx1"/>
+                </a:solidFill>
+                <a:latin typeface="+mn-lt"/>
+                <a:ea typeface="+mn-ea"/>
+                <a:cs typeface="+mn-cs"/>
+              </a:defRPr>
+            </a:lvl1pPr>
+            <a:lvl2pPr marL="742950" indent="-285750" algn="l" defTabSz="457200" rtl="0" eaLnBrk="1" latinLnBrk="0" hangingPunct="1">
+              <a:spcBef>
+                <a:spcPct val="20000"/>
+              </a:spcBef>
+              <a:buFont typeface="Arial"/>
+              <a:buChar char="–"/>
+              <a:defRPr sz="2800" kern="1200">
+                <a:solidFill>
+                  <a:schemeClr val="tx1"/>
+                </a:solidFill>
+                <a:latin typeface="+mn-lt"/>
+                <a:ea typeface="+mn-ea"/>
+                <a:cs typeface="+mn-cs"/>
+              </a:defRPr>
+            </a:lvl2pPr>
+            <a:lvl3pPr marL="1143000" indent="-228600" algn="l" defTabSz="457200" rtl="0" eaLnBrk="1" latinLnBrk="0" hangingPunct="1">
+              <a:spcBef>
+                <a:spcPct val="20000"/>
+              </a:spcBef>
+              <a:buFont typeface="Arial"/>
+              <a:buChar char="•"/>
+              <a:defRPr sz="2400" kern="1200">
+                <a:solidFill>
+                  <a:schemeClr val="tx1"/>
+                </a:solidFill>
+                <a:latin typeface="+mn-lt"/>
+                <a:ea typeface="+mn-ea"/>
+                <a:cs typeface="+mn-cs"/>
+              </a:defRPr>
+            </a:lvl3pPr>
+            <a:lvl4pPr marL="1600200" indent="-228600" algn="l" defTabSz="457200" rtl="0" eaLnBrk="1" latinLnBrk="0" hangingPunct="1">
+              <a:spcBef>
+                <a:spcPct val="20000"/>
+              </a:spcBef>
+              <a:buFont typeface="Arial"/>
+              <a:buChar char="–"/>
+              <a:defRPr sz="2000" kern="1200">
+                <a:solidFill>
+                  <a:schemeClr val="tx1"/>
+                </a:solidFill>
+                <a:latin typeface="+mn-lt"/>
+                <a:ea typeface="+mn-ea"/>
+                <a:cs typeface="+mn-cs"/>
+              </a:defRPr>
+            </a:lvl4pPr>
+            <a:lvl5pPr marL="2057400" indent="-228600" algn="l" defTabSz="457200" rtl="0" eaLnBrk="1" latinLnBrk="0" hangingPunct="1">
+              <a:spcBef>
+                <a:spcPct val="20000"/>
+              </a:spcBef>
+              <a:buFont typeface="Arial"/>
+              <a:buChar char="»"/>
+              <a:defRPr sz="2000" kern="1200">
+                <a:solidFill>
+                  <a:schemeClr val="tx1"/>
+                </a:solidFill>
+                <a:latin typeface="+mn-lt"/>
+                <a:ea typeface="+mn-ea"/>
+                <a:cs typeface="+mn-cs"/>
+              </a:defRPr>
+            </a:lvl5pPr>
+            <a:lvl6pPr marL="2514600" indent="-228600" algn="l" defTabSz="457200" rtl="0" eaLnBrk="1" latinLnBrk="0" hangingPunct="1">
+              <a:spcBef>
+                <a:spcPct val="20000"/>
+              </a:spcBef>
+              <a:buFont typeface="Arial"/>
+              <a:buChar char="•"/>
+              <a:defRPr sz="2000" kern="1200">
+                <a:solidFill>
+                  <a:schemeClr val="tx1"/>
+                </a:solidFill>
+                <a:latin typeface="+mn-lt"/>
+                <a:ea typeface="+mn-ea"/>
+                <a:cs typeface="+mn-cs"/>
+              </a:defRPr>
+            </a:lvl6pPr>
+            <a:lvl7pPr marL="2971800" indent="-228600" algn="l" defTabSz="457200" rtl="0" eaLnBrk="1" latinLnBrk="0" hangingPunct="1">
+              <a:spcBef>
+                <a:spcPct val="20000"/>
+              </a:spcBef>
+              <a:buFont typeface="Arial"/>
+              <a:buChar char="•"/>
+              <a:defRPr sz="2000" kern="1200">
+                <a:solidFill>
+                  <a:schemeClr val="tx1"/>
+                </a:solidFill>
+                <a:latin typeface="+mn-lt"/>
+                <a:ea typeface="+mn-ea"/>
+                <a:cs typeface="+mn-cs"/>
+              </a:defRPr>
+            </a:lvl7pPr>
+            <a:lvl8pPr marL="3429000" indent="-228600" algn="l" defTabSz="457200" rtl="0" eaLnBrk="1" latinLnBrk="0" hangingPunct="1">
+              <a:spcBef>
+                <a:spcPct val="20000"/>
+              </a:spcBef>
+              <a:buFont typeface="Arial"/>
+              <a:buChar char="•"/>
+              <a:defRPr sz="2000" kern="1200">
+                <a:solidFill>
+                  <a:schemeClr val="tx1"/>
+                </a:solidFill>
+                <a:latin typeface="+mn-lt"/>
+                <a:ea typeface="+mn-ea"/>
+                <a:cs typeface="+mn-cs"/>
+              </a:defRPr>
+            </a:lvl8pPr>
+            <a:lvl9pPr marL="3886200" indent="-228600" algn="l" defTabSz="457200" rtl="0" eaLnBrk="1" latinLnBrk="0" hangingPunct="1">
+              <a:spcBef>
+                <a:spcPct val="20000"/>
+              </a:spcBef>
+              <a:buFont typeface="Arial"/>
+              <a:buChar char="•"/>
+              <a:defRPr sz="2000" kern="1200">
+                <a:solidFill>
+                  <a:schemeClr val="tx1"/>
+                </a:solidFill>
+                <a:latin typeface="+mn-lt"/>
+                <a:ea typeface="+mn-ea"/>
+                <a:cs typeface="+mn-cs"/>
+              </a:defRPr>
+            </a:lvl9pPr>
+          </a:lstStyle>
+          <a:p>
+            <a:pPr marL="0" indent="0">
+              <a:buNone/>
+            </a:pPr>
+            <a:r>
+              <a:rPr lang="en-US" sz="2400" dirty="0" smtClean="0"/>
+              <a:t>Could you come up with a </a:t>
+            </a:r>
+            <a:r>
+              <a:rPr lang="en-US" sz="2400" dirty="0" smtClean="0"/>
+              <a:t>general rule to </a:t>
+            </a:r>
+            <a:r>
+              <a:rPr lang="en-US" sz="2400" dirty="0" smtClean="0"/>
+              <a:t>tell which tweets are about natural disasters?</a:t>
+            </a:r>
+            <a:endParaRPr lang="en-US" sz="2400" dirty="0"/>
+          </a:p>
+        </p:txBody>
+      </p:sp>
+      <p:pic>
+        <p:nvPicPr>
+          <p:cNvPr id="11" name="Picture 10"/>
+          <p:cNvPicPr>
+            <a:picLocks noChangeAspect="1"/>
+          </p:cNvPicPr>
+          <p:nvPr/>
+        </p:nvPicPr>
+        <p:blipFill>
+          <a:blip r:embed="rId5">
+            <a:extLst>
+              <a:ext uri="{28A0092B-C50C-407E-A947-70E740481C1C}">
+                <a14:useLocalDpi xmlns:a14="http://schemas.microsoft.com/office/drawing/2010/main" val="0"/>
+              </a:ext>
+            </a:extLst>
+          </a:blip>
+          <a:stretch>
+            <a:fillRect/>
+          </a:stretch>
+        </p:blipFill>
+        <p:spPr>
+          <a:xfrm>
+            <a:off x="465409" y="5164098"/>
+            <a:ext cx="7338060" cy="825500"/>
+          </a:xfrm>
+          <a:prstGeom prst="rect">
+            <a:avLst/>
+          </a:prstGeom>
+          <a:ln>
+            <a:solidFill>
+              <a:schemeClr val="tx1"/>
+            </a:solidFill>
+          </a:ln>
+        </p:spPr>
+      </p:pic>
+    </p:spTree>
+    <p:extLst>
+      <p:ext uri="{BB962C8B-B14F-4D97-AF65-F5344CB8AC3E}">
+        <p14:creationId xmlns:p14="http://schemas.microsoft.com/office/powerpoint/2010/main" val="1482366640"/>
+      </p:ext>
+    </p:extLst>
+  </p:cSld>
+  <p:clrMapOvr>
+    <a:masterClrMapping/>
+  </p:clrMapOvr>
+  <p:timing>
+    <p:tnLst>
+      <p:par>
+        <p:cTn id="1" dur="indefinite" restart="never" nodeType="tmRoot"/>
+      </p:par>
+    </p:tnLst>
+  </p:timing>
+</p:sld>
+</file>
+
+<file path=ppt/slides/slide11.xml><?xml version="1.0" encoding="utf-8"?>
+<p:sld xmlns:a="http://schemas.openxmlformats.org/drawingml/2006/main" xmlns:r="http://schemas.openxmlformats.org/officeDocument/2006/relationships" xmlns:p="http://schemas.openxmlformats.org/presentationml/2006/main">
+  <p:cSld>
+    <p:spTree>
+      <p:nvGrpSpPr>
+        <p:cNvPr id="1" name=""/>
+        <p:cNvGrpSpPr/>
+        <p:nvPr/>
+      </p:nvGrpSpPr>
+      <p:grpSpPr>
+        <a:xfrm>
+          <a:off x="0" y="0"/>
+          <a:ext cx="0" cy="0"/>
+          <a:chOff x="0" y="0"/>
+          <a:chExt cx="0" cy="0"/>
+        </a:xfrm>
+      </p:grpSpPr>
+      <p:sp>
+        <p:nvSpPr>
+          <p:cNvPr id="2" name="Title 1"/>
+          <p:cNvSpPr>
+            <a:spLocks noGrp="1"/>
+          </p:cNvSpPr>
+          <p:nvPr>
+            <p:ph type="title"/>
+          </p:nvPr>
+        </p:nvSpPr>
+        <p:spPr/>
+        <p:txBody>
+          <a:bodyPr>
+            <a:normAutofit/>
+          </a:bodyPr>
+          <a:lstStyle/>
+          <a:p>
+            <a:r>
+              <a:rPr lang="en-US" dirty="0" smtClean="0"/>
+              <a:t>Motivation for Machine Learning</a:t>
+            </a:r>
+            <a:endParaRPr lang="en-US" dirty="0"/>
+          </a:p>
+        </p:txBody>
+      </p:sp>
+      <p:sp>
+        <p:nvSpPr>
+          <p:cNvPr id="3" name="Content Placeholder 2"/>
+          <p:cNvSpPr>
+            <a:spLocks noGrp="1"/>
+          </p:cNvSpPr>
+          <p:nvPr>
+            <p:ph idx="1"/>
+          </p:nvPr>
+        </p:nvSpPr>
+        <p:spPr>
+          <a:xfrm>
+            <a:off x="457198" y="1347723"/>
+            <a:ext cx="8546123" cy="608428"/>
+          </a:xfrm>
+        </p:spPr>
+        <p:txBody>
+          <a:bodyPr/>
+          <a:lstStyle/>
+          <a:p>
+            <a:r>
+              <a:rPr lang="en-US" dirty="0" smtClean="0"/>
+              <a:t>Human language </a:t>
+            </a:r>
+            <a:r>
+              <a:rPr lang="en-US" dirty="0"/>
+              <a:t>is ambiguous</a:t>
+            </a:r>
+          </a:p>
+        </p:txBody>
+      </p:sp>
+      <p:sp>
+        <p:nvSpPr>
+          <p:cNvPr id="4" name="Content Placeholder 2"/>
+          <p:cNvSpPr txBox="1">
+            <a:spLocks/>
+          </p:cNvSpPr>
+          <p:nvPr/>
+        </p:nvSpPr>
+        <p:spPr>
+          <a:xfrm>
+            <a:off x="457199" y="1956150"/>
+            <a:ext cx="3158198" cy="2798729"/>
+          </a:xfrm>
+          <a:prstGeom prst="rect">
+            <a:avLst/>
+          </a:prstGeom>
+        </p:spPr>
+        <p:txBody>
+          <a:bodyPr vert="horz" lIns="91440" tIns="45720" rIns="91440" bIns="45720" rtlCol="0">
+            <a:normAutofit/>
+          </a:bodyPr>
+          <a:lstStyle>
+            <a:lvl1pPr marL="342900" indent="-342900" algn="l" defTabSz="457200" rtl="0" eaLnBrk="1" latinLnBrk="0" hangingPunct="1">
+              <a:spcBef>
+                <a:spcPct val="20000"/>
+              </a:spcBef>
+              <a:buFont typeface="Arial"/>
+              <a:buChar char="•"/>
+              <a:defRPr sz="3200" kern="1200">
+                <a:solidFill>
+                  <a:schemeClr val="tx1"/>
+                </a:solidFill>
+                <a:latin typeface="+mn-lt"/>
+                <a:ea typeface="+mn-ea"/>
+                <a:cs typeface="+mn-cs"/>
+              </a:defRPr>
+            </a:lvl1pPr>
+            <a:lvl2pPr marL="742950" indent="-285750" algn="l" defTabSz="457200" rtl="0" eaLnBrk="1" latinLnBrk="0" hangingPunct="1">
+              <a:spcBef>
+                <a:spcPct val="20000"/>
+              </a:spcBef>
+              <a:buFont typeface="Arial"/>
+              <a:buChar char="–"/>
+              <a:defRPr sz="2800" kern="1200">
+                <a:solidFill>
+                  <a:schemeClr val="tx1"/>
+                </a:solidFill>
+                <a:latin typeface="+mn-lt"/>
+                <a:ea typeface="+mn-ea"/>
+                <a:cs typeface="+mn-cs"/>
+              </a:defRPr>
+            </a:lvl2pPr>
+            <a:lvl3pPr marL="1143000" indent="-228600" algn="l" defTabSz="457200" rtl="0" eaLnBrk="1" latinLnBrk="0" hangingPunct="1">
+              <a:spcBef>
+                <a:spcPct val="20000"/>
+              </a:spcBef>
+              <a:buFont typeface="Arial"/>
+              <a:buChar char="•"/>
+              <a:defRPr sz="2400" kern="1200">
+                <a:solidFill>
+                  <a:schemeClr val="tx1"/>
+                </a:solidFill>
+                <a:latin typeface="+mn-lt"/>
+                <a:ea typeface="+mn-ea"/>
+                <a:cs typeface="+mn-cs"/>
+              </a:defRPr>
+            </a:lvl3pPr>
+            <a:lvl4pPr marL="1600200" indent="-228600" algn="l" defTabSz="457200" rtl="0" eaLnBrk="1" latinLnBrk="0" hangingPunct="1">
+              <a:spcBef>
+                <a:spcPct val="20000"/>
+              </a:spcBef>
+              <a:buFont typeface="Arial"/>
+              <a:buChar char="–"/>
+              <a:defRPr sz="2000" kern="1200">
+                <a:solidFill>
+                  <a:schemeClr val="tx1"/>
+                </a:solidFill>
+                <a:latin typeface="+mn-lt"/>
+                <a:ea typeface="+mn-ea"/>
+                <a:cs typeface="+mn-cs"/>
+              </a:defRPr>
+            </a:lvl4pPr>
+            <a:lvl5pPr marL="2057400" indent="-228600" algn="l" defTabSz="457200" rtl="0" eaLnBrk="1" latinLnBrk="0" hangingPunct="1">
+              <a:spcBef>
+                <a:spcPct val="20000"/>
+              </a:spcBef>
+              <a:buFont typeface="Arial"/>
+              <a:buChar char="»"/>
+              <a:defRPr sz="2000" kern="1200">
+                <a:solidFill>
+                  <a:schemeClr val="tx1"/>
+                </a:solidFill>
+                <a:latin typeface="+mn-lt"/>
+                <a:ea typeface="+mn-ea"/>
+                <a:cs typeface="+mn-cs"/>
+              </a:defRPr>
+            </a:lvl5pPr>
+            <a:lvl6pPr marL="2514600" indent="-228600" algn="l" defTabSz="457200" rtl="0" eaLnBrk="1" latinLnBrk="0" hangingPunct="1">
+              <a:spcBef>
+                <a:spcPct val="20000"/>
+              </a:spcBef>
+              <a:buFont typeface="Arial"/>
+              <a:buChar char="•"/>
+              <a:defRPr sz="2000" kern="1200">
+                <a:solidFill>
+                  <a:schemeClr val="tx1"/>
+                </a:solidFill>
+                <a:latin typeface="+mn-lt"/>
+                <a:ea typeface="+mn-ea"/>
+                <a:cs typeface="+mn-cs"/>
+              </a:defRPr>
+            </a:lvl6pPr>
+            <a:lvl7pPr marL="2971800" indent="-228600" algn="l" defTabSz="457200" rtl="0" eaLnBrk="1" latinLnBrk="0" hangingPunct="1">
+              <a:spcBef>
+                <a:spcPct val="20000"/>
+              </a:spcBef>
+              <a:buFont typeface="Arial"/>
+              <a:buChar char="•"/>
+              <a:defRPr sz="2000" kern="1200">
+                <a:solidFill>
+                  <a:schemeClr val="tx1"/>
+                </a:solidFill>
+                <a:latin typeface="+mn-lt"/>
+                <a:ea typeface="+mn-ea"/>
+                <a:cs typeface="+mn-cs"/>
+              </a:defRPr>
+            </a:lvl7pPr>
+            <a:lvl8pPr marL="3429000" indent="-228600" algn="l" defTabSz="457200" rtl="0" eaLnBrk="1" latinLnBrk="0" hangingPunct="1">
+              <a:spcBef>
+                <a:spcPct val="20000"/>
+              </a:spcBef>
+              <a:buFont typeface="Arial"/>
+              <a:buChar char="•"/>
+              <a:defRPr sz="2000" kern="1200">
+                <a:solidFill>
+                  <a:schemeClr val="tx1"/>
+                </a:solidFill>
+                <a:latin typeface="+mn-lt"/>
+                <a:ea typeface="+mn-ea"/>
+                <a:cs typeface="+mn-cs"/>
+              </a:defRPr>
+            </a:lvl8pPr>
+            <a:lvl9pPr marL="3886200" indent="-228600" algn="l" defTabSz="457200" rtl="0" eaLnBrk="1" latinLnBrk="0" hangingPunct="1">
+              <a:spcBef>
+                <a:spcPct val="20000"/>
+              </a:spcBef>
+              <a:buFont typeface="Arial"/>
+              <a:buChar char="•"/>
+              <a:defRPr sz="2000" kern="1200">
+                <a:solidFill>
+                  <a:schemeClr val="tx1"/>
+                </a:solidFill>
+                <a:latin typeface="+mn-lt"/>
+                <a:ea typeface="+mn-ea"/>
+                <a:cs typeface="+mn-cs"/>
+              </a:defRPr>
+            </a:lvl9pPr>
+          </a:lstStyle>
+          <a:p>
+            <a:pPr marL="0" indent="0">
+              <a:buNone/>
+            </a:pPr>
+            <a:r>
+              <a:rPr lang="en-US" sz="2400" dirty="0" smtClean="0"/>
+              <a:t>Using hashtags?</a:t>
+            </a:r>
+          </a:p>
+          <a:p>
+            <a:pPr marL="0" indent="0">
+              <a:buNone/>
+            </a:pPr>
+            <a:r>
+              <a:rPr lang="en-US" sz="2400" dirty="0" smtClean="0"/>
+              <a:t>– not too reliable:</a:t>
+            </a:r>
+          </a:p>
+          <a:p>
+            <a:pPr marL="0" indent="0">
+              <a:buNone/>
+            </a:pPr>
+            <a:endParaRPr lang="en-US" sz="2400" dirty="0"/>
+          </a:p>
+        </p:txBody>
+      </p:sp>
+      <p:pic>
+        <p:nvPicPr>
+          <p:cNvPr id="5" name="Picture 4"/>
+          <p:cNvPicPr>
+            <a:picLocks noChangeAspect="1"/>
+          </p:cNvPicPr>
+          <p:nvPr/>
+        </p:nvPicPr>
+        <p:blipFill rotWithShape="1">
+          <a:blip r:embed="rId2">
+            <a:extLst>
+              <a:ext uri="{28A0092B-C50C-407E-A947-70E740481C1C}">
+                <a14:useLocalDpi xmlns:a14="http://schemas.microsoft.com/office/drawing/2010/main" val="0"/>
+              </a:ext>
+            </a:extLst>
+          </a:blip>
+          <a:srcRect r="1975"/>
+          <a:stretch/>
+        </p:blipFill>
+        <p:spPr>
+          <a:xfrm>
+            <a:off x="3221503" y="1956150"/>
+            <a:ext cx="2637692" cy="4058686"/>
+          </a:xfrm>
+          <a:prstGeom prst="rect">
+            <a:avLst/>
+          </a:prstGeom>
+        </p:spPr>
+      </p:pic>
+    </p:spTree>
+    <p:extLst>
+      <p:ext uri="{BB962C8B-B14F-4D97-AF65-F5344CB8AC3E}">
+        <p14:creationId xmlns:p14="http://schemas.microsoft.com/office/powerpoint/2010/main" val="709546584"/>
+      </p:ext>
+    </p:extLst>
+  </p:cSld>
+  <p:clrMapOvr>
+    <a:masterClrMapping/>
+  </p:clrMapOvr>
+  <p:timing>
+    <p:tnLst>
+      <p:par>
+        <p:cTn id="1" dur="indefinite" restart="never" nodeType="tmRoot"/>
+      </p:par>
+    </p:tnLst>
+  </p:timing>
+</p:sld>
+</file>
+
+<file path=ppt/slides/slide12.xml><?xml version="1.0" encoding="utf-8"?>
+<p:sld xmlns:a="http://schemas.openxmlformats.org/drawingml/2006/main" xmlns:r="http://schemas.openxmlformats.org/officeDocument/2006/relationships" xmlns:p="http://schemas.openxmlformats.org/presentationml/2006/main">
+  <p:cSld>
+    <p:spTree>
+      <p:nvGrpSpPr>
+        <p:cNvPr id="1" name=""/>
+        <p:cNvGrpSpPr/>
+        <p:nvPr/>
+      </p:nvGrpSpPr>
+      <p:grpSpPr>
+        <a:xfrm>
+          <a:off x="0" y="0"/>
+          <a:ext cx="0" cy="0"/>
+          <a:chOff x="0" y="0"/>
+          <a:chExt cx="0" cy="0"/>
+        </a:xfrm>
+      </p:grpSpPr>
+      <p:sp>
+        <p:nvSpPr>
+          <p:cNvPr id="2" name="Title 1"/>
+          <p:cNvSpPr>
+            <a:spLocks noGrp="1"/>
+          </p:cNvSpPr>
+          <p:nvPr>
+            <p:ph type="title"/>
+          </p:nvPr>
+        </p:nvSpPr>
+        <p:spPr/>
+        <p:txBody>
+          <a:bodyPr>
+            <a:normAutofit fontScale="90000"/>
+          </a:bodyPr>
+          <a:lstStyle/>
+          <a:p>
+            <a:r>
+              <a:rPr lang="en-US" dirty="0" smtClean="0"/>
+              <a:t>Supervised Learning Model Workflow</a:t>
+            </a:r>
+            <a:endParaRPr lang="en-US" dirty="0"/>
+          </a:p>
+        </p:txBody>
+      </p:sp>
+      <p:sp>
+        <p:nvSpPr>
+          <p:cNvPr id="4" name="Rounded Rectangle 3"/>
+          <p:cNvSpPr/>
+          <p:nvPr/>
+        </p:nvSpPr>
+        <p:spPr>
+          <a:xfrm>
+            <a:off x="457200" y="3013023"/>
+            <a:ext cx="2016177" cy="944380"/>
+          </a:xfrm>
+          <a:prstGeom prst="roundRect">
+            <a:avLst/>
+          </a:prstGeom>
+          <a:ln>
+            <a:noFill/>
+          </a:ln>
+        </p:spPr>
+        <p:style>
+          <a:lnRef idx="1">
+            <a:schemeClr val="accent1"/>
+          </a:lnRef>
+          <a:fillRef idx="3">
+            <a:schemeClr val="accent1"/>
+          </a:fillRef>
+          <a:effectRef idx="2">
+            <a:schemeClr val="accent1"/>
+          </a:effectRef>
+          <a:fontRef idx="minor">
+            <a:schemeClr val="lt1"/>
+          </a:fontRef>
+        </p:style>
+        <p:txBody>
+          <a:bodyPr rtlCol="0" anchor="ctr"/>
+          <a:lstStyle/>
+          <a:p>
+            <a:pPr algn="ctr"/>
+            <a:r>
+              <a:rPr lang="en-US" sz="3200" dirty="0" smtClean="0"/>
+              <a:t>Raw Data, Labels</a:t>
+            </a:r>
+            <a:endParaRPr lang="en-US" sz="3200" dirty="0"/>
+          </a:p>
+        </p:txBody>
+      </p:sp>
+      <p:sp>
+        <p:nvSpPr>
+          <p:cNvPr id="5" name="Striped Right Arrow 4"/>
+          <p:cNvSpPr/>
+          <p:nvPr/>
+        </p:nvSpPr>
+        <p:spPr>
+          <a:xfrm>
+            <a:off x="2844385" y="2563318"/>
+            <a:ext cx="2810658" cy="1858780"/>
+          </a:xfrm>
+          <a:prstGeom prst="stripedRightArrow">
+            <a:avLst/>
+          </a:prstGeom>
+          <a:ln>
+            <a:noFill/>
+          </a:ln>
+        </p:spPr>
+        <p:style>
+          <a:lnRef idx="1">
+            <a:schemeClr val="accent1"/>
+          </a:lnRef>
+          <a:fillRef idx="3">
+            <a:schemeClr val="accent1"/>
+          </a:fillRef>
+          <a:effectRef idx="2">
+            <a:schemeClr val="accent1"/>
+          </a:effectRef>
+          <a:fontRef idx="minor">
+            <a:schemeClr val="lt1"/>
+          </a:fontRef>
+        </p:style>
+        <p:txBody>
+          <a:bodyPr rtlCol="0" anchor="ctr"/>
+          <a:lstStyle/>
+          <a:p>
+            <a:pPr algn="ctr"/>
+            <a:r>
+              <a:rPr lang="en-US" sz="3200" dirty="0" smtClean="0"/>
+              <a:t>Feature Extraction</a:t>
+            </a:r>
+            <a:endParaRPr lang="en-US" sz="3200" dirty="0"/>
+          </a:p>
+        </p:txBody>
+      </p:sp>
+      <p:sp>
+        <p:nvSpPr>
+          <p:cNvPr id="6" name="Rounded Rectangle 5"/>
+          <p:cNvSpPr/>
+          <p:nvPr/>
+        </p:nvSpPr>
+        <p:spPr>
+          <a:xfrm>
+            <a:off x="6026051" y="2615740"/>
+            <a:ext cx="2597045" cy="1806358"/>
+          </a:xfrm>
+          <a:prstGeom prst="roundRect">
+            <a:avLst/>
+          </a:prstGeom>
+          <a:gradFill flip="none" rotWithShape="1">
+            <a:gsLst>
+              <a:gs pos="0">
+                <a:srgbClr val="439007">
+                  <a:shade val="30000"/>
+                  <a:satMod val="115000"/>
+                </a:srgbClr>
+              </a:gs>
+              <a:gs pos="50000">
+                <a:srgbClr val="439007">
+                  <a:shade val="67500"/>
+                  <a:satMod val="115000"/>
+                </a:srgbClr>
+              </a:gs>
+              <a:gs pos="100000">
+                <a:srgbClr val="439007">
+                  <a:shade val="100000"/>
+                  <a:satMod val="115000"/>
+                </a:srgbClr>
+              </a:gs>
+            </a:gsLst>
+            <a:lin ang="16200000" scaled="1"/>
+            <a:tileRect/>
+          </a:gradFill>
+        </p:spPr>
+        <p:style>
+          <a:lnRef idx="1">
+            <a:schemeClr val="accent3"/>
+          </a:lnRef>
+          <a:fillRef idx="3">
+            <a:schemeClr val="accent3"/>
+          </a:fillRef>
+          <a:effectRef idx="2">
+            <a:schemeClr val="accent3"/>
+          </a:effectRef>
+          <a:fontRef idx="minor">
+            <a:schemeClr val="lt1"/>
+          </a:fontRef>
+        </p:style>
+        <p:txBody>
+          <a:bodyPr rtlCol="0" anchor="ctr"/>
+          <a:lstStyle/>
+          <a:p>
+            <a:pPr algn="ctr"/>
+            <a:r>
+              <a:rPr lang="en-US" sz="3200" dirty="0" smtClean="0"/>
+              <a:t>Preprocessed Data, Labels</a:t>
+            </a:r>
+            <a:endParaRPr lang="en-US" sz="3200" dirty="0"/>
+          </a:p>
+        </p:txBody>
+      </p:sp>
+      <p:sp>
+        <p:nvSpPr>
+          <p:cNvPr id="12" name="Title 1"/>
+          <p:cNvSpPr txBox="1">
+            <a:spLocks/>
+          </p:cNvSpPr>
+          <p:nvPr/>
+        </p:nvSpPr>
+        <p:spPr>
+          <a:xfrm>
+            <a:off x="352269" y="1283468"/>
+            <a:ext cx="8679305" cy="1144939"/>
+          </a:xfrm>
+          <a:prstGeom prst="rect">
+            <a:avLst/>
+          </a:prstGeom>
+        </p:spPr>
+        <p:txBody>
+          <a:bodyPr vert="horz" lIns="91440" tIns="45720" rIns="91440" bIns="45720" rtlCol="0" anchor="ctr">
+            <a:normAutofit fontScale="97500"/>
+          </a:bodyPr>
+          <a:lstStyle>
+            <a:lvl1pPr algn="ctr" defTabSz="457200" rtl="0" eaLnBrk="1" latinLnBrk="0" hangingPunct="1">
+              <a:spcBef>
+                <a:spcPct val="0"/>
+              </a:spcBef>
+              <a:buNone/>
+              <a:defRPr sz="4400" kern="1200">
+                <a:solidFill>
+                  <a:schemeClr val="tx1"/>
+                </a:solidFill>
+                <a:latin typeface="+mj-lt"/>
+                <a:ea typeface="+mj-ea"/>
+                <a:cs typeface="+mj-cs"/>
+              </a:defRPr>
+            </a:lvl1pPr>
+          </a:lstStyle>
+          <a:p>
+            <a:pPr algn="l"/>
+            <a:r>
+              <a:rPr lang="en-US" sz="3200" dirty="0" smtClean="0"/>
+              <a:t>Step 1: Collecting, cleaning, preprocessing of data (</a:t>
+            </a:r>
+            <a:r>
+              <a:rPr lang="en-US" sz="3200" smtClean="0"/>
+              <a:t>training data)</a:t>
+            </a:r>
+            <a:endParaRPr lang="en-US" sz="3200" dirty="0"/>
+          </a:p>
+        </p:txBody>
+      </p:sp>
+    </p:spTree>
+    <p:extLst>
+      <p:ext uri="{BB962C8B-B14F-4D97-AF65-F5344CB8AC3E}">
+        <p14:creationId xmlns:p14="http://schemas.microsoft.com/office/powerpoint/2010/main" val="1479253259"/>
+      </p:ext>
+    </p:extLst>
+  </p:cSld>
+  <p:clrMapOvr>
+    <a:masterClrMapping/>
+  </p:clrMapOvr>
+  <p:timing>
+    <p:tnLst>
+      <p:par>
+        <p:cTn id="1" dur="indefinite" restart="never" nodeType="tmRoot"/>
+      </p:par>
+    </p:tnLst>
+  </p:timing>
+</p:sld>
+</file>
+
+<file path=ppt/slides/slide13.xml><?xml version="1.0" encoding="utf-8"?>
+<p:sld xmlns:a="http://schemas.openxmlformats.org/drawingml/2006/main" xmlns:r="http://schemas.openxmlformats.org/officeDocument/2006/relationships" xmlns:p="http://schemas.openxmlformats.org/presentationml/2006/main">
+  <p:cSld>
+    <p:spTree>
+      <p:nvGrpSpPr>
+        <p:cNvPr id="1" name=""/>
+        <p:cNvGrpSpPr/>
+        <p:nvPr/>
+      </p:nvGrpSpPr>
+      <p:grpSpPr>
+        <a:xfrm>
+          <a:off x="0" y="0"/>
+          <a:ext cx="0" cy="0"/>
+          <a:chOff x="0" y="0"/>
+          <a:chExt cx="0" cy="0"/>
+        </a:xfrm>
+      </p:grpSpPr>
+      <p:sp>
+        <p:nvSpPr>
+          <p:cNvPr id="2" name="Title 1"/>
+          <p:cNvSpPr>
+            <a:spLocks noGrp="1"/>
+          </p:cNvSpPr>
+          <p:nvPr>
+            <p:ph type="title"/>
+          </p:nvPr>
+        </p:nvSpPr>
+        <p:spPr/>
+        <p:txBody>
+          <a:bodyPr>
+            <a:normAutofit fontScale="90000"/>
+          </a:bodyPr>
+          <a:lstStyle/>
+          <a:p>
+            <a:r>
+              <a:rPr lang="en-US" dirty="0" smtClean="0"/>
+              <a:t>Supervised Learning Model Workflow</a:t>
+            </a:r>
+            <a:endParaRPr lang="en-US" dirty="0"/>
+          </a:p>
+        </p:txBody>
+      </p:sp>
+      <p:sp>
+        <p:nvSpPr>
+          <p:cNvPr id="6" name="Rounded Rectangle 5"/>
+          <p:cNvSpPr/>
+          <p:nvPr/>
+        </p:nvSpPr>
+        <p:spPr>
+          <a:xfrm>
+            <a:off x="311050" y="2375921"/>
+            <a:ext cx="2597045" cy="1806358"/>
+          </a:xfrm>
+          <a:prstGeom prst="roundRect">
+            <a:avLst/>
+          </a:prstGeom>
+          <a:gradFill flip="none" rotWithShape="1">
+            <a:gsLst>
+              <a:gs pos="0">
+                <a:srgbClr val="439007">
+                  <a:shade val="30000"/>
+                  <a:satMod val="115000"/>
+                </a:srgbClr>
+              </a:gs>
+              <a:gs pos="50000">
+                <a:srgbClr val="439007">
+                  <a:shade val="67500"/>
+                  <a:satMod val="115000"/>
+                </a:srgbClr>
+              </a:gs>
+              <a:gs pos="100000">
+                <a:srgbClr val="439007">
+                  <a:shade val="100000"/>
+                  <a:satMod val="115000"/>
+                </a:srgbClr>
+              </a:gs>
+            </a:gsLst>
+            <a:lin ang="16200000" scaled="1"/>
+            <a:tileRect/>
+          </a:gradFill>
+        </p:spPr>
+        <p:style>
+          <a:lnRef idx="1">
+            <a:schemeClr val="accent3"/>
+          </a:lnRef>
+          <a:fillRef idx="3">
+            <a:schemeClr val="accent3"/>
+          </a:fillRef>
+          <a:effectRef idx="2">
+            <a:schemeClr val="accent3"/>
+          </a:effectRef>
+          <a:fontRef idx="minor">
+            <a:schemeClr val="lt1"/>
+          </a:fontRef>
+        </p:style>
+        <p:txBody>
+          <a:bodyPr rtlCol="0" anchor="ctr"/>
+          <a:lstStyle/>
+          <a:p>
+            <a:pPr algn="ctr"/>
+            <a:r>
+              <a:rPr lang="en-US" sz="3200" dirty="0" smtClean="0"/>
+              <a:t>Preprocessed Data, Labels</a:t>
+            </a:r>
+            <a:endParaRPr lang="en-US" sz="3200" dirty="0"/>
+          </a:p>
+        </p:txBody>
+      </p:sp>
+      <p:sp>
+        <p:nvSpPr>
+          <p:cNvPr id="7" name="Oval 6"/>
+          <p:cNvSpPr/>
+          <p:nvPr/>
+        </p:nvSpPr>
+        <p:spPr>
+          <a:xfrm>
+            <a:off x="6322099" y="2293518"/>
+            <a:ext cx="2627030" cy="1888761"/>
+          </a:xfrm>
+          <a:prstGeom prst="ellipse">
+            <a:avLst/>
+          </a:prstGeom>
+          <a:gradFill>
+            <a:gsLst>
+              <a:gs pos="0">
+                <a:srgbClr val="FF9300"/>
+              </a:gs>
+              <a:gs pos="100000">
+                <a:schemeClr val="accent6">
+                  <a:tint val="50000"/>
+                  <a:shade val="100000"/>
+                  <a:satMod val="350000"/>
+                </a:schemeClr>
+              </a:gs>
+            </a:gsLst>
+          </a:gradFill>
+          <a:ln>
+            <a:noFill/>
+          </a:ln>
+        </p:spPr>
+        <p:style>
+          <a:lnRef idx="1">
+            <a:schemeClr val="accent6"/>
+          </a:lnRef>
+          <a:fillRef idx="3">
+            <a:schemeClr val="accent6"/>
+          </a:fillRef>
+          <a:effectRef idx="2">
+            <a:schemeClr val="accent6"/>
+          </a:effectRef>
+          <a:fontRef idx="minor">
+            <a:schemeClr val="lt1"/>
+          </a:fontRef>
+        </p:style>
+        <p:txBody>
+          <a:bodyPr rtlCol="0" anchor="ctr"/>
+          <a:lstStyle/>
+          <a:p>
+            <a:pPr algn="ctr"/>
+            <a:r>
+              <a:rPr lang="en-US" sz="3200" dirty="0" smtClean="0"/>
+              <a:t>Machine Learning Algorithm</a:t>
+            </a:r>
+            <a:endParaRPr lang="en-US" sz="3200" dirty="0"/>
+          </a:p>
+        </p:txBody>
+      </p:sp>
+      <p:sp>
+        <p:nvSpPr>
+          <p:cNvPr id="10" name="Title 1"/>
+          <p:cNvSpPr txBox="1">
+            <a:spLocks/>
+          </p:cNvSpPr>
+          <p:nvPr/>
+        </p:nvSpPr>
+        <p:spPr>
+          <a:xfrm>
+            <a:off x="457200" y="1197340"/>
+            <a:ext cx="8679305" cy="1143000"/>
+          </a:xfrm>
+          <a:prstGeom prst="rect">
+            <a:avLst/>
+          </a:prstGeom>
+        </p:spPr>
+        <p:txBody>
+          <a:bodyPr vert="horz" lIns="91440" tIns="45720" rIns="91440" bIns="45720" rtlCol="0" anchor="ctr">
+            <a:normAutofit fontScale="97500"/>
+          </a:bodyPr>
+          <a:lstStyle>
+            <a:lvl1pPr algn="ctr" defTabSz="457200" rtl="0" eaLnBrk="1" latinLnBrk="0" hangingPunct="1">
+              <a:spcBef>
+                <a:spcPct val="0"/>
+              </a:spcBef>
+              <a:buNone/>
+              <a:defRPr sz="4400" kern="1200">
+                <a:solidFill>
+                  <a:schemeClr val="tx1"/>
+                </a:solidFill>
+                <a:latin typeface="+mj-lt"/>
+                <a:ea typeface="+mj-ea"/>
+                <a:cs typeface="+mj-cs"/>
+              </a:defRPr>
+            </a:lvl1pPr>
+          </a:lstStyle>
+          <a:p>
+            <a:pPr algn="l"/>
+            <a:r>
+              <a:rPr lang="en-US" sz="3200" dirty="0" smtClean="0"/>
+              <a:t>Step 2: Training a machine learning model  </a:t>
+            </a:r>
+            <a:endParaRPr lang="en-US" sz="3200" dirty="0"/>
+          </a:p>
+        </p:txBody>
+      </p:sp>
+      <p:sp>
+        <p:nvSpPr>
+          <p:cNvPr id="22" name="Striped Right Arrow 21"/>
+          <p:cNvSpPr/>
+          <p:nvPr/>
+        </p:nvSpPr>
+        <p:spPr>
+          <a:xfrm>
+            <a:off x="3054245" y="2546476"/>
+            <a:ext cx="3121703" cy="1394085"/>
+          </a:xfrm>
+          <a:prstGeom prst="stripedRightArrow">
+            <a:avLst/>
+          </a:prstGeom>
+          <a:solidFill>
+            <a:srgbClr val="439007"/>
+          </a:solidFill>
+          <a:ln>
+            <a:noFill/>
+          </a:ln>
+        </p:spPr>
+        <p:style>
+          <a:lnRef idx="1">
+            <a:schemeClr val="accent1"/>
+          </a:lnRef>
+          <a:fillRef idx="3">
+            <a:schemeClr val="accent1"/>
+          </a:fillRef>
+          <a:effectRef idx="2">
+            <a:schemeClr val="accent1"/>
+          </a:effectRef>
+          <a:fontRef idx="minor">
+            <a:schemeClr val="lt1"/>
+          </a:fontRef>
+        </p:style>
+        <p:txBody>
+          <a:bodyPr rtlCol="0" anchor="ctr"/>
+          <a:lstStyle/>
+          <a:p>
+            <a:pPr algn="ctr"/>
+            <a:r>
+              <a:rPr lang="en-US" sz="3200" dirty="0" smtClean="0"/>
+              <a:t>Feed the data</a:t>
+            </a:r>
+            <a:endParaRPr lang="en-US" sz="3200" dirty="0"/>
+          </a:p>
+        </p:txBody>
+      </p:sp>
+      <p:sp>
+        <p:nvSpPr>
+          <p:cNvPr id="23" name="Striped Right Arrow 22"/>
+          <p:cNvSpPr/>
+          <p:nvPr/>
+        </p:nvSpPr>
+        <p:spPr>
+          <a:xfrm rot="8296209">
+            <a:off x="5569715" y="3759624"/>
+            <a:ext cx="1046703" cy="848448"/>
+          </a:xfrm>
+          <a:prstGeom prst="stripedRightArrow">
+            <a:avLst/>
+          </a:prstGeom>
+          <a:ln>
+            <a:noFill/>
+          </a:ln>
+        </p:spPr>
+        <p:style>
+          <a:lnRef idx="1">
+            <a:schemeClr val="accent6"/>
+          </a:lnRef>
+          <a:fillRef idx="3">
+            <a:schemeClr val="accent6"/>
+          </a:fillRef>
+          <a:effectRef idx="2">
+            <a:schemeClr val="accent6"/>
+          </a:effectRef>
+          <a:fontRef idx="minor">
+            <a:schemeClr val="lt1"/>
+          </a:fontRef>
+        </p:style>
+        <p:txBody>
+          <a:bodyPr rtlCol="0" anchor="ctr"/>
+          <a:lstStyle/>
+          <a:p>
+            <a:pPr algn="ctr"/>
+            <a:endParaRPr lang="en-US"/>
+          </a:p>
+        </p:txBody>
+      </p:sp>
+      <p:sp>
+        <p:nvSpPr>
+          <p:cNvPr id="24" name="Oval 23"/>
+          <p:cNvSpPr/>
+          <p:nvPr/>
+        </p:nvSpPr>
+        <p:spPr>
+          <a:xfrm>
+            <a:off x="1944124" y="4399616"/>
+            <a:ext cx="4231823" cy="1615152"/>
+          </a:xfrm>
+          <a:prstGeom prst="ellipse">
+            <a:avLst/>
+          </a:prstGeom>
+          <a:gradFill flip="none" rotWithShape="1">
+            <a:gsLst>
+              <a:gs pos="0">
+                <a:srgbClr val="00B0F0">
+                  <a:shade val="30000"/>
+                  <a:satMod val="115000"/>
+                </a:srgbClr>
+              </a:gs>
+              <a:gs pos="50000">
+                <a:srgbClr val="00B0F0">
+                  <a:shade val="67500"/>
+                  <a:satMod val="115000"/>
+                </a:srgbClr>
+              </a:gs>
+              <a:gs pos="100000">
+                <a:srgbClr val="00B0F0">
+                  <a:shade val="100000"/>
+                  <a:satMod val="115000"/>
+                </a:srgbClr>
+              </a:gs>
+            </a:gsLst>
+            <a:lin ang="16200000" scaled="1"/>
+            <a:tileRect/>
+          </a:gradFill>
+          <a:ln>
+            <a:noFill/>
+          </a:ln>
+        </p:spPr>
+        <p:style>
+          <a:lnRef idx="1">
+            <a:schemeClr val="accent4"/>
+          </a:lnRef>
+          <a:fillRef idx="3">
+            <a:schemeClr val="accent4"/>
+          </a:fillRef>
+          <a:effectRef idx="2">
+            <a:schemeClr val="accent4"/>
+          </a:effectRef>
+          <a:fontRef idx="minor">
+            <a:schemeClr val="lt1"/>
+          </a:fontRef>
+        </p:style>
+        <p:txBody>
+          <a:bodyPr rtlCol="0" anchor="ctr"/>
+          <a:lstStyle/>
+          <a:p>
+            <a:pPr algn="ctr"/>
+            <a:r>
+              <a:rPr lang="en-US" sz="3200" dirty="0" smtClean="0"/>
+              <a:t>Trained Machine Learning Model</a:t>
+            </a:r>
+            <a:endParaRPr lang="en-US" sz="3200" dirty="0"/>
+          </a:p>
+        </p:txBody>
+      </p:sp>
+    </p:spTree>
+    <p:extLst>
+      <p:ext uri="{BB962C8B-B14F-4D97-AF65-F5344CB8AC3E}">
+        <p14:creationId xmlns:p14="http://schemas.microsoft.com/office/powerpoint/2010/main" val="1448376329"/>
+      </p:ext>
+    </p:extLst>
+  </p:cSld>
+  <p:clrMapOvr>
+    <a:masterClrMapping/>
+  </p:clrMapOvr>
+  <p:timing>
+    <p:tnLst>
+      <p:par>
+        <p:cTn id="1" dur="indefinite" restart="never" nodeType="tmRoot"/>
+      </p:par>
+    </p:tnLst>
+  </p:timing>
+</p:sld>
+</file>
+
+<file path=ppt/slides/slide14.xml><?xml version="1.0" encoding="utf-8"?>
+<p:sld xmlns:a="http://schemas.openxmlformats.org/drawingml/2006/main" xmlns:r="http://schemas.openxmlformats.org/officeDocument/2006/relationships" xmlns:p="http://schemas.openxmlformats.org/presentationml/2006/main">
+  <p:cSld>
+    <p:spTree>
+      <p:nvGrpSpPr>
+        <p:cNvPr id="1" name=""/>
+        <p:cNvGrpSpPr/>
+        <p:nvPr/>
+      </p:nvGrpSpPr>
+      <p:grpSpPr>
+        <a:xfrm>
+          <a:off x="0" y="0"/>
+          <a:ext cx="0" cy="0"/>
+          <a:chOff x="0" y="0"/>
+          <a:chExt cx="0" cy="0"/>
+        </a:xfrm>
+      </p:grpSpPr>
+      <p:sp>
+        <p:nvSpPr>
+          <p:cNvPr id="2" name="Title 1"/>
+          <p:cNvSpPr>
+            <a:spLocks noGrp="1"/>
+          </p:cNvSpPr>
+          <p:nvPr>
+            <p:ph type="title"/>
+          </p:nvPr>
+        </p:nvSpPr>
+        <p:spPr/>
+        <p:txBody>
+          <a:bodyPr>
+            <a:normAutofit fontScale="90000"/>
+          </a:bodyPr>
+          <a:lstStyle/>
+          <a:p>
+            <a:r>
+              <a:rPr lang="en-US" dirty="0" smtClean="0"/>
+              <a:t>Supervised Learning Model Workflow</a:t>
+            </a:r>
+            <a:endParaRPr lang="en-US" dirty="0"/>
+          </a:p>
+        </p:txBody>
+      </p:sp>
+      <p:sp>
+        <p:nvSpPr>
+          <p:cNvPr id="4" name="Rounded Rectangle 3"/>
+          <p:cNvSpPr/>
+          <p:nvPr/>
+        </p:nvSpPr>
+        <p:spPr>
+          <a:xfrm>
+            <a:off x="457200" y="3013023"/>
+            <a:ext cx="2016177" cy="944380"/>
+          </a:xfrm>
+          <a:prstGeom prst="roundRect">
+            <a:avLst/>
+          </a:prstGeom>
+          <a:ln>
+            <a:noFill/>
+          </a:ln>
+        </p:spPr>
+        <p:style>
+          <a:lnRef idx="1">
+            <a:schemeClr val="accent1"/>
+          </a:lnRef>
+          <a:fillRef idx="3">
+            <a:schemeClr val="accent1"/>
+          </a:fillRef>
+          <a:effectRef idx="2">
+            <a:schemeClr val="accent1"/>
+          </a:effectRef>
+          <a:fontRef idx="minor">
+            <a:schemeClr val="lt1"/>
+          </a:fontRef>
+        </p:style>
+        <p:txBody>
+          <a:bodyPr rtlCol="0" anchor="ctr"/>
+          <a:lstStyle/>
+          <a:p>
+            <a:pPr algn="ctr"/>
+            <a:r>
+              <a:rPr lang="en-US" sz="3200" dirty="0" smtClean="0"/>
+              <a:t>Unseen Raw Data</a:t>
+            </a:r>
+            <a:endParaRPr lang="en-US" sz="3200" dirty="0"/>
+          </a:p>
+        </p:txBody>
+      </p:sp>
+      <p:sp>
+        <p:nvSpPr>
+          <p:cNvPr id="5" name="Striped Right Arrow 4"/>
+          <p:cNvSpPr/>
+          <p:nvPr/>
+        </p:nvSpPr>
+        <p:spPr>
+          <a:xfrm>
+            <a:off x="2844385" y="2563318"/>
+            <a:ext cx="2810658" cy="1858780"/>
+          </a:xfrm>
+          <a:prstGeom prst="stripedRightArrow">
+            <a:avLst/>
+          </a:prstGeom>
+          <a:ln>
+            <a:noFill/>
+          </a:ln>
+        </p:spPr>
+        <p:style>
+          <a:lnRef idx="1">
+            <a:schemeClr val="accent1"/>
+          </a:lnRef>
+          <a:fillRef idx="3">
+            <a:schemeClr val="accent1"/>
+          </a:fillRef>
+          <a:effectRef idx="2">
+            <a:schemeClr val="accent1"/>
+          </a:effectRef>
+          <a:fontRef idx="minor">
+            <a:schemeClr val="lt1"/>
+          </a:fontRef>
+        </p:style>
+        <p:txBody>
+          <a:bodyPr rtlCol="0" anchor="ctr"/>
+          <a:lstStyle/>
+          <a:p>
+            <a:pPr algn="ctr"/>
+            <a:r>
+              <a:rPr lang="en-US" sz="3200" dirty="0" smtClean="0"/>
+              <a:t>Feature Extraction</a:t>
+            </a:r>
+            <a:endParaRPr lang="en-US" sz="3200" dirty="0"/>
+          </a:p>
+        </p:txBody>
+      </p:sp>
+      <p:sp>
+        <p:nvSpPr>
+          <p:cNvPr id="12" name="Title 1"/>
+          <p:cNvSpPr txBox="1">
+            <a:spLocks/>
+          </p:cNvSpPr>
+          <p:nvPr/>
+        </p:nvSpPr>
+        <p:spPr>
+          <a:xfrm>
+            <a:off x="352269" y="1283468"/>
+            <a:ext cx="8679305" cy="1144939"/>
+          </a:xfrm>
+          <a:prstGeom prst="rect">
+            <a:avLst/>
+          </a:prstGeom>
+        </p:spPr>
+        <p:txBody>
+          <a:bodyPr vert="horz" lIns="91440" tIns="45720" rIns="91440" bIns="45720" rtlCol="0" anchor="ctr">
+            <a:normAutofit fontScale="97500"/>
+          </a:bodyPr>
+          <a:lstStyle>
+            <a:lvl1pPr algn="ctr" defTabSz="457200" rtl="0" eaLnBrk="1" latinLnBrk="0" hangingPunct="1">
+              <a:spcBef>
+                <a:spcPct val="0"/>
+              </a:spcBef>
+              <a:buNone/>
+              <a:defRPr sz="4400" kern="1200">
+                <a:solidFill>
+                  <a:schemeClr val="tx1"/>
+                </a:solidFill>
+                <a:latin typeface="+mj-lt"/>
+                <a:ea typeface="+mj-ea"/>
+                <a:cs typeface="+mj-cs"/>
+              </a:defRPr>
+            </a:lvl1pPr>
+          </a:lstStyle>
+          <a:p>
+            <a:pPr algn="l"/>
+            <a:r>
+              <a:rPr lang="en-US" sz="3200" dirty="0" smtClean="0"/>
+              <a:t>Step </a:t>
+            </a:r>
+            <a:r>
+              <a:rPr lang="en-US" sz="3200" dirty="0" smtClean="0"/>
+              <a:t>3.1</a:t>
+            </a:r>
+            <a:r>
+              <a:rPr lang="en-US" sz="3200" dirty="0" smtClean="0"/>
+              <a:t>: </a:t>
+            </a:r>
+            <a:r>
+              <a:rPr lang="en-US" sz="3200" dirty="0" smtClean="0"/>
+              <a:t>Preprocessing of unseen data (testing data</a:t>
+            </a:r>
+            <a:r>
+              <a:rPr lang="en-US" sz="3200" dirty="0" smtClean="0"/>
+              <a:t>)</a:t>
+            </a:r>
+            <a:endParaRPr lang="en-US" sz="3200" dirty="0"/>
+          </a:p>
+        </p:txBody>
+      </p:sp>
+      <p:sp>
+        <p:nvSpPr>
+          <p:cNvPr id="7" name="Rounded Rectangle 6"/>
+          <p:cNvSpPr/>
+          <p:nvPr/>
+        </p:nvSpPr>
+        <p:spPr>
+          <a:xfrm>
+            <a:off x="5905629" y="2633978"/>
+            <a:ext cx="2597045" cy="1806358"/>
+          </a:xfrm>
+          <a:prstGeom prst="roundRect">
+            <a:avLst/>
+          </a:prstGeom>
+          <a:solidFill>
+            <a:srgbClr val="C00000"/>
+          </a:solidFill>
+          <a:ln>
+            <a:noFill/>
+          </a:ln>
+        </p:spPr>
+        <p:style>
+          <a:lnRef idx="1">
+            <a:schemeClr val="accent3"/>
+          </a:lnRef>
+          <a:fillRef idx="3">
+            <a:schemeClr val="accent3"/>
+          </a:fillRef>
+          <a:effectRef idx="2">
+            <a:schemeClr val="accent3"/>
+          </a:effectRef>
+          <a:fontRef idx="minor">
+            <a:schemeClr val="lt1"/>
+          </a:fontRef>
+        </p:style>
+        <p:txBody>
+          <a:bodyPr rtlCol="0" anchor="ctr"/>
+          <a:lstStyle/>
+          <a:p>
+            <a:pPr algn="ctr"/>
+            <a:r>
+              <a:rPr lang="en-US" sz="3200" dirty="0" smtClean="0"/>
+              <a:t>Preprocessed Unseen Data</a:t>
+            </a:r>
+            <a:endParaRPr lang="en-US" sz="3200" dirty="0"/>
+          </a:p>
+        </p:txBody>
+      </p:sp>
+    </p:spTree>
+    <p:extLst>
+      <p:ext uri="{BB962C8B-B14F-4D97-AF65-F5344CB8AC3E}">
+        <p14:creationId xmlns:p14="http://schemas.microsoft.com/office/powerpoint/2010/main" val="521744437"/>
+      </p:ext>
+    </p:extLst>
+  </p:cSld>
+  <p:clrMapOvr>
+    <a:masterClrMapping/>
+  </p:clrMapOvr>
+  <p:timing>
+    <p:tnLst>
+      <p:par>
+        <p:cTn id="1" dur="indefinite" restart="never" nodeType="tmRoot"/>
+      </p:par>
+    </p:tnLst>
+  </p:timing>
+</p:sld>
+</file>
+
+<file path=ppt/slides/slide15.xml><?xml version="1.0" encoding="utf-8"?>
+<p:sld xmlns:a="http://schemas.openxmlformats.org/drawingml/2006/main" xmlns:r="http://schemas.openxmlformats.org/officeDocument/2006/relationships" xmlns:p="http://schemas.openxmlformats.org/presentationml/2006/main">
+  <p:cSld>
+    <p:spTree>
+      <p:nvGrpSpPr>
+        <p:cNvPr id="1" name=""/>
+        <p:cNvGrpSpPr/>
+        <p:nvPr/>
+      </p:nvGrpSpPr>
+      <p:grpSpPr>
+        <a:xfrm>
+          <a:off x="0" y="0"/>
+          <a:ext cx="0" cy="0"/>
+          <a:chOff x="0" y="0"/>
+          <a:chExt cx="0" cy="0"/>
+        </a:xfrm>
+      </p:grpSpPr>
+      <p:sp>
+        <p:nvSpPr>
+          <p:cNvPr id="2" name="Title 1"/>
+          <p:cNvSpPr>
+            <a:spLocks noGrp="1"/>
+          </p:cNvSpPr>
+          <p:nvPr>
+            <p:ph type="title"/>
+          </p:nvPr>
+        </p:nvSpPr>
+        <p:spPr/>
+        <p:txBody>
+          <a:bodyPr>
             <a:normAutofit fontScale="90000"/>
           </a:bodyPr>
           <a:lstStyle/>
@@ -3980,7 +5618,15 @@
             <a:pPr algn="l"/>
             <a:r>
               <a:rPr lang="en-US" sz="3200" dirty="0" smtClean="0"/>
-              <a:t>Step 2: Predicting output on unseen data (testing data)</a:t>
+              <a:t>Step </a:t>
+            </a:r>
+            <a:r>
+              <a:rPr lang="en-US" sz="3200" dirty="0" smtClean="0"/>
+              <a:t>3.2 : </a:t>
+            </a:r>
+            <a:r>
+              <a:rPr lang="en-US" sz="3200" dirty="0" smtClean="0"/>
+              <a:t>Predicting output on unseen data (testing data)</a:t>
             </a:r>
             <a:endParaRPr lang="en-US" sz="3200" dirty="0"/>
           </a:p>
@@ -4264,1535 +5910,6 @@
 </p:sld>
 </file>
 
-<file path=ppt/slides/slide11.xml><?xml version="1.0" encoding="utf-8"?>
-<p:sld xmlns:a="http://schemas.openxmlformats.org/drawingml/2006/main" xmlns:r="http://schemas.openxmlformats.org/officeDocument/2006/relationships" xmlns:p="http://schemas.openxmlformats.org/presentationml/2006/main">
-  <p:cSld>
-    <p:spTree>
-      <p:nvGrpSpPr>
-        <p:cNvPr id="1" name=""/>
-        <p:cNvGrpSpPr/>
-        <p:nvPr/>
-      </p:nvGrpSpPr>
-      <p:grpSpPr>
-        <a:xfrm>
-          <a:off x="0" y="0"/>
-          <a:ext cx="0" cy="0"/>
-          <a:chOff x="0" y="0"/>
-          <a:chExt cx="0" cy="0"/>
-        </a:xfrm>
-      </p:grpSpPr>
-      <p:sp>
-        <p:nvSpPr>
-          <p:cNvPr id="2" name="Title 1"/>
-          <p:cNvSpPr>
-            <a:spLocks noGrp="1"/>
-          </p:cNvSpPr>
-          <p:nvPr>
-            <p:ph type="title"/>
-          </p:nvPr>
-        </p:nvSpPr>
-        <p:spPr/>
-        <p:txBody>
-          <a:bodyPr/>
-          <a:lstStyle/>
-          <a:p>
-            <a:r>
-              <a:rPr lang="en-US" dirty="0" smtClean="0"/>
-              <a:t>Supervised Machine Learning</a:t>
-            </a:r>
-            <a:endParaRPr lang="en-US" dirty="0"/>
-          </a:p>
-        </p:txBody>
-      </p:sp>
-      <p:sp>
-        <p:nvSpPr>
-          <p:cNvPr id="3" name="Content Placeholder 2"/>
-          <p:cNvSpPr>
-            <a:spLocks noGrp="1"/>
-          </p:cNvSpPr>
-          <p:nvPr>
-            <p:ph idx="1"/>
-          </p:nvPr>
-        </p:nvSpPr>
-        <p:spPr/>
-        <p:txBody>
-          <a:bodyPr/>
-          <a:lstStyle/>
-          <a:p>
-            <a:endParaRPr lang="en-US" dirty="0"/>
-          </a:p>
-        </p:txBody>
-      </p:sp>
-    </p:spTree>
-    <p:extLst>
-      <p:ext uri="{BB962C8B-B14F-4D97-AF65-F5344CB8AC3E}">
-        <p14:creationId xmlns:p14="http://schemas.microsoft.com/office/powerpoint/2010/main" val="84683829"/>
-      </p:ext>
-    </p:extLst>
-  </p:cSld>
-  <p:clrMapOvr>
-    <a:masterClrMapping/>
-  </p:clrMapOvr>
-  <p:timing>
-    <p:tnLst>
-      <p:par>
-        <p:cTn id="1" dur="indefinite" restart="never" nodeType="tmRoot"/>
-      </p:par>
-    </p:tnLst>
-  </p:timing>
-</p:sld>
-</file>
-
-<file path=ppt/slides/slide12.xml><?xml version="1.0" encoding="utf-8"?>
-<p:sld xmlns:a="http://schemas.openxmlformats.org/drawingml/2006/main" xmlns:r="http://schemas.openxmlformats.org/officeDocument/2006/relationships" xmlns:p="http://schemas.openxmlformats.org/presentationml/2006/main">
-  <p:cSld>
-    <p:spTree>
-      <p:nvGrpSpPr>
-        <p:cNvPr id="1" name=""/>
-        <p:cNvGrpSpPr/>
-        <p:nvPr/>
-      </p:nvGrpSpPr>
-      <p:grpSpPr>
-        <a:xfrm>
-          <a:off x="0" y="0"/>
-          <a:ext cx="0" cy="0"/>
-          <a:chOff x="0" y="0"/>
-          <a:chExt cx="0" cy="0"/>
-        </a:xfrm>
-      </p:grpSpPr>
-      <p:sp>
-        <p:nvSpPr>
-          <p:cNvPr id="2" name="Title 1"/>
-          <p:cNvSpPr>
-            <a:spLocks noGrp="1"/>
-          </p:cNvSpPr>
-          <p:nvPr>
-            <p:ph type="title"/>
-          </p:nvPr>
-        </p:nvSpPr>
-        <p:spPr/>
-        <p:txBody>
-          <a:bodyPr>
-            <a:normAutofit/>
-          </a:bodyPr>
-          <a:lstStyle/>
-          <a:p>
-            <a:r>
-              <a:rPr lang="en-US" dirty="0" smtClean="0"/>
-              <a:t>Motivation for </a:t>
-            </a:r>
-            <a:r>
-              <a:rPr lang="en-US" dirty="0" smtClean="0"/>
-              <a:t>Machine Learning</a:t>
-            </a:r>
-            <a:endParaRPr lang="en-US" dirty="0"/>
-          </a:p>
-        </p:txBody>
-      </p:sp>
-      <p:sp>
-        <p:nvSpPr>
-          <p:cNvPr id="3" name="Content Placeholder 2"/>
-          <p:cNvSpPr>
-            <a:spLocks noGrp="1"/>
-          </p:cNvSpPr>
-          <p:nvPr>
-            <p:ph idx="1"/>
-          </p:nvPr>
-        </p:nvSpPr>
-        <p:spPr>
-          <a:xfrm>
-            <a:off x="457198" y="1347723"/>
-            <a:ext cx="8546123" cy="608428"/>
-          </a:xfrm>
-        </p:spPr>
-        <p:txBody>
-          <a:bodyPr/>
-          <a:lstStyle/>
-          <a:p>
-            <a:r>
-              <a:rPr lang="en-US"/>
-              <a:t>S</a:t>
-            </a:r>
-            <a:r>
-              <a:rPr lang="en-US" smtClean="0"/>
-              <a:t>ome </a:t>
-            </a:r>
-            <a:r>
-              <a:rPr lang="en-US" dirty="0"/>
-              <a:t>tasks are difficult to define algorithmically</a:t>
-            </a:r>
-            <a:r>
-              <a:rPr lang="en-US" dirty="0"/>
-              <a:t> </a:t>
-            </a:r>
-            <a:endParaRPr lang="en-US" dirty="0"/>
-          </a:p>
-        </p:txBody>
-      </p:sp>
-      <p:sp>
-        <p:nvSpPr>
-          <p:cNvPr id="4" name="Content Placeholder 2"/>
-          <p:cNvSpPr txBox="1">
-            <a:spLocks/>
-          </p:cNvSpPr>
-          <p:nvPr/>
-        </p:nvSpPr>
-        <p:spPr>
-          <a:xfrm>
-            <a:off x="457198" y="1956151"/>
-            <a:ext cx="8546123" cy="608428"/>
-          </a:xfrm>
-          <a:prstGeom prst="rect">
-            <a:avLst/>
-          </a:prstGeom>
-        </p:spPr>
-        <p:txBody>
-          <a:bodyPr vert="horz" lIns="91440" tIns="45720" rIns="91440" bIns="45720" rtlCol="0">
-            <a:normAutofit/>
-          </a:bodyPr>
-          <a:lstStyle>
-            <a:lvl1pPr marL="342900" indent="-342900" algn="l" defTabSz="457200" rtl="0" eaLnBrk="1" latinLnBrk="0" hangingPunct="1">
-              <a:spcBef>
-                <a:spcPct val="20000"/>
-              </a:spcBef>
-              <a:buFont typeface="Arial"/>
-              <a:buChar char="•"/>
-              <a:defRPr sz="3200" kern="1200">
-                <a:solidFill>
-                  <a:schemeClr val="tx1"/>
-                </a:solidFill>
-                <a:latin typeface="+mn-lt"/>
-                <a:ea typeface="+mn-ea"/>
-                <a:cs typeface="+mn-cs"/>
-              </a:defRPr>
-            </a:lvl1pPr>
-            <a:lvl2pPr marL="742950" indent="-285750" algn="l" defTabSz="457200" rtl="0" eaLnBrk="1" latinLnBrk="0" hangingPunct="1">
-              <a:spcBef>
-                <a:spcPct val="20000"/>
-              </a:spcBef>
-              <a:buFont typeface="Arial"/>
-              <a:buChar char="–"/>
-              <a:defRPr sz="2800" kern="1200">
-                <a:solidFill>
-                  <a:schemeClr val="tx1"/>
-                </a:solidFill>
-                <a:latin typeface="+mn-lt"/>
-                <a:ea typeface="+mn-ea"/>
-                <a:cs typeface="+mn-cs"/>
-              </a:defRPr>
-            </a:lvl2pPr>
-            <a:lvl3pPr marL="1143000" indent="-228600" algn="l" defTabSz="457200" rtl="0" eaLnBrk="1" latinLnBrk="0" hangingPunct="1">
-              <a:spcBef>
-                <a:spcPct val="20000"/>
-              </a:spcBef>
-              <a:buFont typeface="Arial"/>
-              <a:buChar char="•"/>
-              <a:defRPr sz="2400" kern="1200">
-                <a:solidFill>
-                  <a:schemeClr val="tx1"/>
-                </a:solidFill>
-                <a:latin typeface="+mn-lt"/>
-                <a:ea typeface="+mn-ea"/>
-                <a:cs typeface="+mn-cs"/>
-              </a:defRPr>
-            </a:lvl3pPr>
-            <a:lvl4pPr marL="1600200" indent="-228600" algn="l" defTabSz="457200" rtl="0" eaLnBrk="1" latinLnBrk="0" hangingPunct="1">
-              <a:spcBef>
-                <a:spcPct val="20000"/>
-              </a:spcBef>
-              <a:buFont typeface="Arial"/>
-              <a:buChar char="–"/>
-              <a:defRPr sz="2000" kern="1200">
-                <a:solidFill>
-                  <a:schemeClr val="tx1"/>
-                </a:solidFill>
-                <a:latin typeface="+mn-lt"/>
-                <a:ea typeface="+mn-ea"/>
-                <a:cs typeface="+mn-cs"/>
-              </a:defRPr>
-            </a:lvl4pPr>
-            <a:lvl5pPr marL="2057400" indent="-228600" algn="l" defTabSz="457200" rtl="0" eaLnBrk="1" latinLnBrk="0" hangingPunct="1">
-              <a:spcBef>
-                <a:spcPct val="20000"/>
-              </a:spcBef>
-              <a:buFont typeface="Arial"/>
-              <a:buChar char="»"/>
-              <a:defRPr sz="2000" kern="1200">
-                <a:solidFill>
-                  <a:schemeClr val="tx1"/>
-                </a:solidFill>
-                <a:latin typeface="+mn-lt"/>
-                <a:ea typeface="+mn-ea"/>
-                <a:cs typeface="+mn-cs"/>
-              </a:defRPr>
-            </a:lvl5pPr>
-            <a:lvl6pPr marL="2514600" indent="-228600" algn="l" defTabSz="457200" rtl="0" eaLnBrk="1" latinLnBrk="0" hangingPunct="1">
-              <a:spcBef>
-                <a:spcPct val="20000"/>
-              </a:spcBef>
-              <a:buFont typeface="Arial"/>
-              <a:buChar char="•"/>
-              <a:defRPr sz="2000" kern="1200">
-                <a:solidFill>
-                  <a:schemeClr val="tx1"/>
-                </a:solidFill>
-                <a:latin typeface="+mn-lt"/>
-                <a:ea typeface="+mn-ea"/>
-                <a:cs typeface="+mn-cs"/>
-              </a:defRPr>
-            </a:lvl6pPr>
-            <a:lvl7pPr marL="2971800" indent="-228600" algn="l" defTabSz="457200" rtl="0" eaLnBrk="1" latinLnBrk="0" hangingPunct="1">
-              <a:spcBef>
-                <a:spcPct val="20000"/>
-              </a:spcBef>
-              <a:buFont typeface="Arial"/>
-              <a:buChar char="•"/>
-              <a:defRPr sz="2000" kern="1200">
-                <a:solidFill>
-                  <a:schemeClr val="tx1"/>
-                </a:solidFill>
-                <a:latin typeface="+mn-lt"/>
-                <a:ea typeface="+mn-ea"/>
-                <a:cs typeface="+mn-cs"/>
-              </a:defRPr>
-            </a:lvl7pPr>
-            <a:lvl8pPr marL="3429000" indent="-228600" algn="l" defTabSz="457200" rtl="0" eaLnBrk="1" latinLnBrk="0" hangingPunct="1">
-              <a:spcBef>
-                <a:spcPct val="20000"/>
-              </a:spcBef>
-              <a:buFont typeface="Arial"/>
-              <a:buChar char="•"/>
-              <a:defRPr sz="2000" kern="1200">
-                <a:solidFill>
-                  <a:schemeClr val="tx1"/>
-                </a:solidFill>
-                <a:latin typeface="+mn-lt"/>
-                <a:ea typeface="+mn-ea"/>
-                <a:cs typeface="+mn-cs"/>
-              </a:defRPr>
-            </a:lvl8pPr>
-            <a:lvl9pPr marL="3886200" indent="-228600" algn="l" defTabSz="457200" rtl="0" eaLnBrk="1" latinLnBrk="0" hangingPunct="1">
-              <a:spcBef>
-                <a:spcPct val="20000"/>
-              </a:spcBef>
-              <a:buFont typeface="Arial"/>
-              <a:buChar char="•"/>
-              <a:defRPr sz="2000" kern="1200">
-                <a:solidFill>
-                  <a:schemeClr val="tx1"/>
-                </a:solidFill>
-                <a:latin typeface="+mn-lt"/>
-                <a:ea typeface="+mn-ea"/>
-                <a:cs typeface="+mn-cs"/>
-              </a:defRPr>
-            </a:lvl9pPr>
-          </a:lstStyle>
-          <a:p>
-            <a:pPr marL="0" indent="0">
-              <a:buNone/>
-            </a:pPr>
-            <a:r>
-              <a:rPr lang="en-US" sz="2400" dirty="0"/>
-              <a:t>E</a:t>
-            </a:r>
-            <a:r>
-              <a:rPr lang="en-US" sz="2400" dirty="0" smtClean="0"/>
-              <a:t>xample: is there a bird in a given picture?</a:t>
-            </a:r>
-            <a:endParaRPr lang="en-US" sz="2400" dirty="0"/>
-          </a:p>
-        </p:txBody>
-      </p:sp>
-      <p:pic>
-        <p:nvPicPr>
-          <p:cNvPr id="1026" name="Picture 2" descr="mage result for bird"/>
-          <p:cNvPicPr>
-            <a:picLocks noChangeAspect="1" noChangeArrowheads="1"/>
-          </p:cNvPicPr>
-          <p:nvPr/>
-        </p:nvPicPr>
-        <p:blipFill rotWithShape="1">
-          <a:blip r:embed="rId2">
-            <a:extLst>
-              <a:ext uri="{28A0092B-C50C-407E-A947-70E740481C1C}">
-                <a14:useLocalDpi xmlns:a14="http://schemas.microsoft.com/office/drawing/2010/main" val="0"/>
-              </a:ext>
-            </a:extLst>
-          </a:blip>
-          <a:srcRect l="14705" r="17636" b="3607"/>
-          <a:stretch/>
-        </p:blipFill>
-        <p:spPr bwMode="auto">
-          <a:xfrm>
-            <a:off x="562708" y="2564579"/>
-            <a:ext cx="2340122" cy="1711999"/>
-          </a:xfrm>
-          <a:prstGeom prst="rect">
-            <a:avLst/>
-          </a:prstGeom>
-          <a:noFill/>
-          <a:extLst>
-            <a:ext uri="{909E8E84-426E-40DD-AFC4-6F175D3DCCD1}">
-              <a14:hiddenFill xmlns:a14="http://schemas.microsoft.com/office/drawing/2010/main">
-                <a:solidFill>
-                  <a:srgbClr val="FFFFFF"/>
-                </a:solidFill>
-              </a14:hiddenFill>
-            </a:ext>
-          </a:extLst>
-        </p:spPr>
-      </p:pic>
-      <p:pic>
-        <p:nvPicPr>
-          <p:cNvPr id="1028" name="Picture 4" descr="mage result"/>
-          <p:cNvPicPr>
-            <a:picLocks noChangeAspect="1" noChangeArrowheads="1"/>
-          </p:cNvPicPr>
-          <p:nvPr/>
-        </p:nvPicPr>
-        <p:blipFill rotWithShape="1">
-          <a:blip r:embed="rId3">
-            <a:extLst>
-              <a:ext uri="{28A0092B-C50C-407E-A947-70E740481C1C}">
-                <a14:useLocalDpi xmlns:a14="http://schemas.microsoft.com/office/drawing/2010/main" val="0"/>
-              </a:ext>
-            </a:extLst>
-          </a:blip>
-          <a:srcRect l="9533" t="8558" r="17450" b="7263"/>
-          <a:stretch/>
-        </p:blipFill>
-        <p:spPr bwMode="auto">
-          <a:xfrm>
-            <a:off x="2998763" y="2564579"/>
-            <a:ext cx="1908715" cy="1894879"/>
-          </a:xfrm>
-          <a:prstGeom prst="rect">
-            <a:avLst/>
-          </a:prstGeom>
-          <a:noFill/>
-          <a:extLst>
-            <a:ext uri="{909E8E84-426E-40DD-AFC4-6F175D3DCCD1}">
-              <a14:hiddenFill xmlns:a14="http://schemas.microsoft.com/office/drawing/2010/main">
-                <a:solidFill>
-                  <a:srgbClr val="FFFFFF"/>
-                </a:solidFill>
-              </a14:hiddenFill>
-            </a:ext>
-          </a:extLst>
-        </p:spPr>
-      </p:pic>
-      <p:pic>
-        <p:nvPicPr>
-          <p:cNvPr id="1030" name="Picture 6" descr="elated image"/>
-          <p:cNvPicPr>
-            <a:picLocks noChangeAspect="1" noChangeArrowheads="1"/>
-          </p:cNvPicPr>
-          <p:nvPr/>
-        </p:nvPicPr>
-        <p:blipFill rotWithShape="1">
-          <a:blip r:embed="rId4">
-            <a:extLst>
-              <a:ext uri="{28A0092B-C50C-407E-A947-70E740481C1C}">
-                <a14:useLocalDpi xmlns:a14="http://schemas.microsoft.com/office/drawing/2010/main" val="0"/>
-              </a:ext>
-            </a:extLst>
-          </a:blip>
-          <a:srcRect l="20863" t="11752" r="18040" b="19301"/>
-          <a:stretch/>
-        </p:blipFill>
-        <p:spPr bwMode="auto">
-          <a:xfrm>
-            <a:off x="583763" y="4354831"/>
-            <a:ext cx="2132179" cy="1525463"/>
-          </a:xfrm>
-          <a:prstGeom prst="rect">
-            <a:avLst/>
-          </a:prstGeom>
-          <a:noFill/>
-          <a:extLst>
-            <a:ext uri="{909E8E84-426E-40DD-AFC4-6F175D3DCCD1}">
-              <a14:hiddenFill xmlns:a14="http://schemas.microsoft.com/office/drawing/2010/main">
-                <a:solidFill>
-                  <a:srgbClr val="FFFFFF"/>
-                </a:solidFill>
-              </a14:hiddenFill>
-            </a:ext>
-          </a:extLst>
-        </p:spPr>
-      </p:pic>
-      <p:pic>
-        <p:nvPicPr>
-          <p:cNvPr id="1032" name="Picture 8" descr="mage result for bird funny"/>
-          <p:cNvPicPr>
-            <a:picLocks noChangeAspect="1" noChangeArrowheads="1"/>
-          </p:cNvPicPr>
-          <p:nvPr/>
-        </p:nvPicPr>
-        <p:blipFill>
-          <a:blip r:embed="rId5">
-            <a:extLst>
-              <a:ext uri="{28A0092B-C50C-407E-A947-70E740481C1C}">
-                <a14:useLocalDpi xmlns:a14="http://schemas.microsoft.com/office/drawing/2010/main" val="0"/>
-              </a:ext>
-            </a:extLst>
-          </a:blip>
-          <a:srcRect/>
-          <a:stretch>
-            <a:fillRect/>
-          </a:stretch>
-        </p:blipFill>
-        <p:spPr bwMode="auto">
-          <a:xfrm>
-            <a:off x="2790748" y="4557932"/>
-            <a:ext cx="2116730" cy="1322362"/>
-          </a:xfrm>
-          <a:prstGeom prst="rect">
-            <a:avLst/>
-          </a:prstGeom>
-          <a:noFill/>
-          <a:extLst>
-            <a:ext uri="{909E8E84-426E-40DD-AFC4-6F175D3DCCD1}">
-              <a14:hiddenFill xmlns:a14="http://schemas.microsoft.com/office/drawing/2010/main">
-                <a:solidFill>
-                  <a:srgbClr val="FFFFFF"/>
-                </a:solidFill>
-              </a14:hiddenFill>
-            </a:ext>
-          </a:extLst>
-        </p:spPr>
-      </p:pic>
-      <p:pic>
-        <p:nvPicPr>
-          <p:cNvPr id="1034" name="Picture 10" descr="asks"/>
-          <p:cNvPicPr>
-            <a:picLocks noChangeAspect="1" noChangeArrowheads="1"/>
-          </p:cNvPicPr>
-          <p:nvPr/>
-        </p:nvPicPr>
-        <p:blipFill>
-          <a:blip r:embed="rId6">
-            <a:extLst>
-              <a:ext uri="{28A0092B-C50C-407E-A947-70E740481C1C}">
-                <a14:useLocalDpi xmlns:a14="http://schemas.microsoft.com/office/drawing/2010/main" val="0"/>
-              </a:ext>
-            </a:extLst>
-          </a:blip>
-          <a:srcRect/>
-          <a:stretch>
-            <a:fillRect/>
-          </a:stretch>
-        </p:blipFill>
-        <p:spPr bwMode="auto">
-          <a:xfrm>
-            <a:off x="6035040" y="2067005"/>
-            <a:ext cx="2329694" cy="3909000"/>
-          </a:xfrm>
-          <a:prstGeom prst="rect">
-            <a:avLst/>
-          </a:prstGeom>
-          <a:noFill/>
-          <a:extLst>
-            <a:ext uri="{909E8E84-426E-40DD-AFC4-6F175D3DCCD1}">
-              <a14:hiddenFill xmlns:a14="http://schemas.microsoft.com/office/drawing/2010/main">
-                <a:solidFill>
-                  <a:srgbClr val="FFFFFF"/>
-                </a:solidFill>
-              </a14:hiddenFill>
-            </a:ext>
-          </a:extLst>
-        </p:spPr>
-      </p:pic>
-    </p:spTree>
-    <p:extLst>
-      <p:ext uri="{BB962C8B-B14F-4D97-AF65-F5344CB8AC3E}">
-        <p14:creationId xmlns:p14="http://schemas.microsoft.com/office/powerpoint/2010/main" val="1874972098"/>
-      </p:ext>
-    </p:extLst>
-  </p:cSld>
-  <p:clrMapOvr>
-    <a:masterClrMapping/>
-  </p:clrMapOvr>
-  <p:timing>
-    <p:tnLst>
-      <p:par>
-        <p:cTn id="1" dur="indefinite" restart="never" nodeType="tmRoot"/>
-      </p:par>
-    </p:tnLst>
-  </p:timing>
-</p:sld>
-</file>
-
-<file path=ppt/slides/slide13.xml><?xml version="1.0" encoding="utf-8"?>
-<p:sld xmlns:a="http://schemas.openxmlformats.org/drawingml/2006/main" xmlns:r="http://schemas.openxmlformats.org/officeDocument/2006/relationships" xmlns:p="http://schemas.openxmlformats.org/presentationml/2006/main">
-  <p:cSld>
-    <p:spTree>
-      <p:nvGrpSpPr>
-        <p:cNvPr id="1" name=""/>
-        <p:cNvGrpSpPr/>
-        <p:nvPr/>
-      </p:nvGrpSpPr>
-      <p:grpSpPr>
-        <a:xfrm>
-          <a:off x="0" y="0"/>
-          <a:ext cx="0" cy="0"/>
-          <a:chOff x="0" y="0"/>
-          <a:chExt cx="0" cy="0"/>
-        </a:xfrm>
-      </p:grpSpPr>
-      <p:sp>
-        <p:nvSpPr>
-          <p:cNvPr id="2" name="Title 1"/>
-          <p:cNvSpPr>
-            <a:spLocks noGrp="1"/>
-          </p:cNvSpPr>
-          <p:nvPr>
-            <p:ph type="title"/>
-          </p:nvPr>
-        </p:nvSpPr>
-        <p:spPr/>
-        <p:txBody>
-          <a:bodyPr>
-            <a:normAutofit/>
-          </a:bodyPr>
-          <a:lstStyle/>
-          <a:p>
-            <a:r>
-              <a:rPr lang="en-US" dirty="0" smtClean="0"/>
-              <a:t>Motivation for </a:t>
-            </a:r>
-            <a:r>
-              <a:rPr lang="en-US" dirty="0" smtClean="0"/>
-              <a:t>Machine Learning</a:t>
-            </a:r>
-            <a:endParaRPr lang="en-US" dirty="0"/>
-          </a:p>
-        </p:txBody>
-      </p:sp>
-      <p:sp>
-        <p:nvSpPr>
-          <p:cNvPr id="3" name="Content Placeholder 2"/>
-          <p:cNvSpPr>
-            <a:spLocks noGrp="1"/>
-          </p:cNvSpPr>
-          <p:nvPr>
-            <p:ph idx="1"/>
-          </p:nvPr>
-        </p:nvSpPr>
-        <p:spPr>
-          <a:xfrm>
-            <a:off x="457198" y="1347723"/>
-            <a:ext cx="8546123" cy="608428"/>
-          </a:xfrm>
-        </p:spPr>
-        <p:txBody>
-          <a:bodyPr/>
-          <a:lstStyle/>
-          <a:p>
-            <a:r>
-              <a:rPr lang="en-US" dirty="0" smtClean="0"/>
-              <a:t>Human language </a:t>
-            </a:r>
-            <a:r>
-              <a:rPr lang="en-US" dirty="0"/>
-              <a:t>is ambiguous</a:t>
-            </a:r>
-            <a:endParaRPr lang="en-US" dirty="0"/>
-          </a:p>
-        </p:txBody>
-      </p:sp>
-      <p:pic>
-        <p:nvPicPr>
-          <p:cNvPr id="6" name="Picture 5"/>
-          <p:cNvPicPr>
-            <a:picLocks noChangeAspect="1"/>
-          </p:cNvPicPr>
-          <p:nvPr/>
-        </p:nvPicPr>
-        <p:blipFill>
-          <a:blip r:embed="rId3">
-            <a:extLst>
-              <a:ext uri="{28A0092B-C50C-407E-A947-70E740481C1C}">
-                <a14:useLocalDpi xmlns:a14="http://schemas.microsoft.com/office/drawing/2010/main" val="0"/>
-              </a:ext>
-            </a:extLst>
-          </a:blip>
-          <a:stretch>
-            <a:fillRect/>
-          </a:stretch>
-        </p:blipFill>
-        <p:spPr>
-          <a:xfrm>
-            <a:off x="452743" y="3922631"/>
-            <a:ext cx="7387610" cy="1066253"/>
-          </a:xfrm>
-          <a:prstGeom prst="rect">
-            <a:avLst/>
-          </a:prstGeom>
-        </p:spPr>
-      </p:pic>
-      <p:pic>
-        <p:nvPicPr>
-          <p:cNvPr id="7" name="Picture 6"/>
-          <p:cNvPicPr>
-            <a:picLocks noChangeAspect="1"/>
-          </p:cNvPicPr>
-          <p:nvPr/>
-        </p:nvPicPr>
-        <p:blipFill rotWithShape="1">
-          <a:blip r:embed="rId4">
-            <a:extLst>
-              <a:ext uri="{28A0092B-C50C-407E-A947-70E740481C1C}">
-                <a14:useLocalDpi xmlns:a14="http://schemas.microsoft.com/office/drawing/2010/main" val="0"/>
-              </a:ext>
-            </a:extLst>
-          </a:blip>
-          <a:srcRect b="35584"/>
-          <a:stretch/>
-        </p:blipFill>
-        <p:spPr>
-          <a:xfrm>
-            <a:off x="469898" y="3097131"/>
-            <a:ext cx="7366000" cy="793536"/>
-          </a:xfrm>
-          <a:prstGeom prst="rect">
-            <a:avLst/>
-          </a:prstGeom>
-        </p:spPr>
-      </p:pic>
-      <p:sp>
-        <p:nvSpPr>
-          <p:cNvPr id="15" name="Content Placeholder 2"/>
-          <p:cNvSpPr txBox="1">
-            <a:spLocks/>
-          </p:cNvSpPr>
-          <p:nvPr/>
-        </p:nvSpPr>
-        <p:spPr>
-          <a:xfrm>
-            <a:off x="450169" y="2059529"/>
-            <a:ext cx="8693831" cy="862388"/>
-          </a:xfrm>
-          <a:prstGeom prst="rect">
-            <a:avLst/>
-          </a:prstGeom>
-        </p:spPr>
-        <p:txBody>
-          <a:bodyPr vert="horz" lIns="91440" tIns="45720" rIns="91440" bIns="45720" rtlCol="0">
-            <a:normAutofit/>
-          </a:bodyPr>
-          <a:lstStyle>
-            <a:lvl1pPr marL="342900" indent="-342900" algn="l" defTabSz="457200" rtl="0" eaLnBrk="1" latinLnBrk="0" hangingPunct="1">
-              <a:spcBef>
-                <a:spcPct val="20000"/>
-              </a:spcBef>
-              <a:buFont typeface="Arial"/>
-              <a:buChar char="•"/>
-              <a:defRPr sz="3200" kern="1200">
-                <a:solidFill>
-                  <a:schemeClr val="tx1"/>
-                </a:solidFill>
-                <a:latin typeface="+mn-lt"/>
-                <a:ea typeface="+mn-ea"/>
-                <a:cs typeface="+mn-cs"/>
-              </a:defRPr>
-            </a:lvl1pPr>
-            <a:lvl2pPr marL="742950" indent="-285750" algn="l" defTabSz="457200" rtl="0" eaLnBrk="1" latinLnBrk="0" hangingPunct="1">
-              <a:spcBef>
-                <a:spcPct val="20000"/>
-              </a:spcBef>
-              <a:buFont typeface="Arial"/>
-              <a:buChar char="–"/>
-              <a:defRPr sz="2800" kern="1200">
-                <a:solidFill>
-                  <a:schemeClr val="tx1"/>
-                </a:solidFill>
-                <a:latin typeface="+mn-lt"/>
-                <a:ea typeface="+mn-ea"/>
-                <a:cs typeface="+mn-cs"/>
-              </a:defRPr>
-            </a:lvl2pPr>
-            <a:lvl3pPr marL="1143000" indent="-228600" algn="l" defTabSz="457200" rtl="0" eaLnBrk="1" latinLnBrk="0" hangingPunct="1">
-              <a:spcBef>
-                <a:spcPct val="20000"/>
-              </a:spcBef>
-              <a:buFont typeface="Arial"/>
-              <a:buChar char="•"/>
-              <a:defRPr sz="2400" kern="1200">
-                <a:solidFill>
-                  <a:schemeClr val="tx1"/>
-                </a:solidFill>
-                <a:latin typeface="+mn-lt"/>
-                <a:ea typeface="+mn-ea"/>
-                <a:cs typeface="+mn-cs"/>
-              </a:defRPr>
-            </a:lvl3pPr>
-            <a:lvl4pPr marL="1600200" indent="-228600" algn="l" defTabSz="457200" rtl="0" eaLnBrk="1" latinLnBrk="0" hangingPunct="1">
-              <a:spcBef>
-                <a:spcPct val="20000"/>
-              </a:spcBef>
-              <a:buFont typeface="Arial"/>
-              <a:buChar char="–"/>
-              <a:defRPr sz="2000" kern="1200">
-                <a:solidFill>
-                  <a:schemeClr val="tx1"/>
-                </a:solidFill>
-                <a:latin typeface="+mn-lt"/>
-                <a:ea typeface="+mn-ea"/>
-                <a:cs typeface="+mn-cs"/>
-              </a:defRPr>
-            </a:lvl4pPr>
-            <a:lvl5pPr marL="2057400" indent="-228600" algn="l" defTabSz="457200" rtl="0" eaLnBrk="1" latinLnBrk="0" hangingPunct="1">
-              <a:spcBef>
-                <a:spcPct val="20000"/>
-              </a:spcBef>
-              <a:buFont typeface="Arial"/>
-              <a:buChar char="»"/>
-              <a:defRPr sz="2000" kern="1200">
-                <a:solidFill>
-                  <a:schemeClr val="tx1"/>
-                </a:solidFill>
-                <a:latin typeface="+mn-lt"/>
-                <a:ea typeface="+mn-ea"/>
-                <a:cs typeface="+mn-cs"/>
-              </a:defRPr>
-            </a:lvl5pPr>
-            <a:lvl6pPr marL="2514600" indent="-228600" algn="l" defTabSz="457200" rtl="0" eaLnBrk="1" latinLnBrk="0" hangingPunct="1">
-              <a:spcBef>
-                <a:spcPct val="20000"/>
-              </a:spcBef>
-              <a:buFont typeface="Arial"/>
-              <a:buChar char="•"/>
-              <a:defRPr sz="2000" kern="1200">
-                <a:solidFill>
-                  <a:schemeClr val="tx1"/>
-                </a:solidFill>
-                <a:latin typeface="+mn-lt"/>
-                <a:ea typeface="+mn-ea"/>
-                <a:cs typeface="+mn-cs"/>
-              </a:defRPr>
-            </a:lvl6pPr>
-            <a:lvl7pPr marL="2971800" indent="-228600" algn="l" defTabSz="457200" rtl="0" eaLnBrk="1" latinLnBrk="0" hangingPunct="1">
-              <a:spcBef>
-                <a:spcPct val="20000"/>
-              </a:spcBef>
-              <a:buFont typeface="Arial"/>
-              <a:buChar char="•"/>
-              <a:defRPr sz="2000" kern="1200">
-                <a:solidFill>
-                  <a:schemeClr val="tx1"/>
-                </a:solidFill>
-                <a:latin typeface="+mn-lt"/>
-                <a:ea typeface="+mn-ea"/>
-                <a:cs typeface="+mn-cs"/>
-              </a:defRPr>
-            </a:lvl7pPr>
-            <a:lvl8pPr marL="3429000" indent="-228600" algn="l" defTabSz="457200" rtl="0" eaLnBrk="1" latinLnBrk="0" hangingPunct="1">
-              <a:spcBef>
-                <a:spcPct val="20000"/>
-              </a:spcBef>
-              <a:buFont typeface="Arial"/>
-              <a:buChar char="•"/>
-              <a:defRPr sz="2000" kern="1200">
-                <a:solidFill>
-                  <a:schemeClr val="tx1"/>
-                </a:solidFill>
-                <a:latin typeface="+mn-lt"/>
-                <a:ea typeface="+mn-ea"/>
-                <a:cs typeface="+mn-cs"/>
-              </a:defRPr>
-            </a:lvl8pPr>
-            <a:lvl9pPr marL="3886200" indent="-228600" algn="l" defTabSz="457200" rtl="0" eaLnBrk="1" latinLnBrk="0" hangingPunct="1">
-              <a:spcBef>
-                <a:spcPct val="20000"/>
-              </a:spcBef>
-              <a:buFont typeface="Arial"/>
-              <a:buChar char="•"/>
-              <a:defRPr sz="2000" kern="1200">
-                <a:solidFill>
-                  <a:schemeClr val="tx1"/>
-                </a:solidFill>
-                <a:latin typeface="+mn-lt"/>
-                <a:ea typeface="+mn-ea"/>
-                <a:cs typeface="+mn-cs"/>
-              </a:defRPr>
-            </a:lvl9pPr>
-          </a:lstStyle>
-          <a:p>
-            <a:pPr marL="0" indent="0">
-              <a:buNone/>
-            </a:pPr>
-            <a:r>
-              <a:rPr lang="en-US" sz="2400" dirty="0" smtClean="0"/>
-              <a:t>Could you come up with a universal rule to tell which tweets are about natural disasters?</a:t>
-            </a:r>
-            <a:endParaRPr lang="en-US" sz="2400" dirty="0"/>
-          </a:p>
-        </p:txBody>
-      </p:sp>
-      <p:pic>
-        <p:nvPicPr>
-          <p:cNvPr id="11" name="Picture 10"/>
-          <p:cNvPicPr>
-            <a:picLocks noChangeAspect="1"/>
-          </p:cNvPicPr>
-          <p:nvPr/>
-        </p:nvPicPr>
-        <p:blipFill>
-          <a:blip r:embed="rId5">
-            <a:extLst>
-              <a:ext uri="{28A0092B-C50C-407E-A947-70E740481C1C}">
-                <a14:useLocalDpi xmlns:a14="http://schemas.microsoft.com/office/drawing/2010/main" val="0"/>
-              </a:ext>
-            </a:extLst>
-          </a:blip>
-          <a:stretch>
-            <a:fillRect/>
-          </a:stretch>
-        </p:blipFill>
-        <p:spPr>
-          <a:xfrm>
-            <a:off x="469898" y="4988884"/>
-            <a:ext cx="7353300" cy="825500"/>
-          </a:xfrm>
-          <a:prstGeom prst="rect">
-            <a:avLst/>
-          </a:prstGeom>
-        </p:spPr>
-      </p:pic>
-    </p:spTree>
-    <p:extLst>
-      <p:ext uri="{BB962C8B-B14F-4D97-AF65-F5344CB8AC3E}">
-        <p14:creationId xmlns:p14="http://schemas.microsoft.com/office/powerpoint/2010/main" val="1482366640"/>
-      </p:ext>
-    </p:extLst>
-  </p:cSld>
-  <p:clrMapOvr>
-    <a:masterClrMapping/>
-  </p:clrMapOvr>
-  <p:timing>
-    <p:tnLst>
-      <p:par>
-        <p:cTn id="1" dur="indefinite" restart="never" nodeType="tmRoot"/>
-      </p:par>
-    </p:tnLst>
-  </p:timing>
-</p:sld>
-</file>
-
-<file path=ppt/slides/slide14.xml><?xml version="1.0" encoding="utf-8"?>
-<p:sld xmlns:a="http://schemas.openxmlformats.org/drawingml/2006/main" xmlns:r="http://schemas.openxmlformats.org/officeDocument/2006/relationships" xmlns:p="http://schemas.openxmlformats.org/presentationml/2006/main">
-  <p:cSld>
-    <p:spTree>
-      <p:nvGrpSpPr>
-        <p:cNvPr id="1" name=""/>
-        <p:cNvGrpSpPr/>
-        <p:nvPr/>
-      </p:nvGrpSpPr>
-      <p:grpSpPr>
-        <a:xfrm>
-          <a:off x="0" y="0"/>
-          <a:ext cx="0" cy="0"/>
-          <a:chOff x="0" y="0"/>
-          <a:chExt cx="0" cy="0"/>
-        </a:xfrm>
-      </p:grpSpPr>
-      <p:sp>
-        <p:nvSpPr>
-          <p:cNvPr id="2" name="Title 1"/>
-          <p:cNvSpPr>
-            <a:spLocks noGrp="1"/>
-          </p:cNvSpPr>
-          <p:nvPr>
-            <p:ph type="title"/>
-          </p:nvPr>
-        </p:nvSpPr>
-        <p:spPr/>
-        <p:txBody>
-          <a:bodyPr>
-            <a:normAutofit/>
-          </a:bodyPr>
-          <a:lstStyle/>
-          <a:p>
-            <a:r>
-              <a:rPr lang="en-US" dirty="0" smtClean="0"/>
-              <a:t>Motivation for </a:t>
-            </a:r>
-            <a:r>
-              <a:rPr lang="en-US" dirty="0" smtClean="0"/>
-              <a:t>Machine Learning</a:t>
-            </a:r>
-            <a:endParaRPr lang="en-US" dirty="0"/>
-          </a:p>
-        </p:txBody>
-      </p:sp>
-      <p:sp>
-        <p:nvSpPr>
-          <p:cNvPr id="3" name="Content Placeholder 2"/>
-          <p:cNvSpPr>
-            <a:spLocks noGrp="1"/>
-          </p:cNvSpPr>
-          <p:nvPr>
-            <p:ph idx="1"/>
-          </p:nvPr>
-        </p:nvSpPr>
-        <p:spPr>
-          <a:xfrm>
-            <a:off x="457198" y="1347723"/>
-            <a:ext cx="8546123" cy="608428"/>
-          </a:xfrm>
-        </p:spPr>
-        <p:txBody>
-          <a:bodyPr/>
-          <a:lstStyle/>
-          <a:p>
-            <a:r>
-              <a:rPr lang="en-US" dirty="0" smtClean="0"/>
-              <a:t>Human language </a:t>
-            </a:r>
-            <a:r>
-              <a:rPr lang="en-US" dirty="0"/>
-              <a:t>is ambiguous</a:t>
-            </a:r>
-            <a:endParaRPr lang="en-US" dirty="0"/>
-          </a:p>
-        </p:txBody>
-      </p:sp>
-      <p:sp>
-        <p:nvSpPr>
-          <p:cNvPr id="4" name="Content Placeholder 2"/>
-          <p:cNvSpPr txBox="1">
-            <a:spLocks/>
-          </p:cNvSpPr>
-          <p:nvPr/>
-        </p:nvSpPr>
-        <p:spPr>
-          <a:xfrm>
-            <a:off x="457199" y="1956150"/>
-            <a:ext cx="3158198" cy="2798729"/>
-          </a:xfrm>
-          <a:prstGeom prst="rect">
-            <a:avLst/>
-          </a:prstGeom>
-        </p:spPr>
-        <p:txBody>
-          <a:bodyPr vert="horz" lIns="91440" tIns="45720" rIns="91440" bIns="45720" rtlCol="0">
-            <a:normAutofit/>
-          </a:bodyPr>
-          <a:lstStyle>
-            <a:lvl1pPr marL="342900" indent="-342900" algn="l" defTabSz="457200" rtl="0" eaLnBrk="1" latinLnBrk="0" hangingPunct="1">
-              <a:spcBef>
-                <a:spcPct val="20000"/>
-              </a:spcBef>
-              <a:buFont typeface="Arial"/>
-              <a:buChar char="•"/>
-              <a:defRPr sz="3200" kern="1200">
-                <a:solidFill>
-                  <a:schemeClr val="tx1"/>
-                </a:solidFill>
-                <a:latin typeface="+mn-lt"/>
-                <a:ea typeface="+mn-ea"/>
-                <a:cs typeface="+mn-cs"/>
-              </a:defRPr>
-            </a:lvl1pPr>
-            <a:lvl2pPr marL="742950" indent="-285750" algn="l" defTabSz="457200" rtl="0" eaLnBrk="1" latinLnBrk="0" hangingPunct="1">
-              <a:spcBef>
-                <a:spcPct val="20000"/>
-              </a:spcBef>
-              <a:buFont typeface="Arial"/>
-              <a:buChar char="–"/>
-              <a:defRPr sz="2800" kern="1200">
-                <a:solidFill>
-                  <a:schemeClr val="tx1"/>
-                </a:solidFill>
-                <a:latin typeface="+mn-lt"/>
-                <a:ea typeface="+mn-ea"/>
-                <a:cs typeface="+mn-cs"/>
-              </a:defRPr>
-            </a:lvl2pPr>
-            <a:lvl3pPr marL="1143000" indent="-228600" algn="l" defTabSz="457200" rtl="0" eaLnBrk="1" latinLnBrk="0" hangingPunct="1">
-              <a:spcBef>
-                <a:spcPct val="20000"/>
-              </a:spcBef>
-              <a:buFont typeface="Arial"/>
-              <a:buChar char="•"/>
-              <a:defRPr sz="2400" kern="1200">
-                <a:solidFill>
-                  <a:schemeClr val="tx1"/>
-                </a:solidFill>
-                <a:latin typeface="+mn-lt"/>
-                <a:ea typeface="+mn-ea"/>
-                <a:cs typeface="+mn-cs"/>
-              </a:defRPr>
-            </a:lvl3pPr>
-            <a:lvl4pPr marL="1600200" indent="-228600" algn="l" defTabSz="457200" rtl="0" eaLnBrk="1" latinLnBrk="0" hangingPunct="1">
-              <a:spcBef>
-                <a:spcPct val="20000"/>
-              </a:spcBef>
-              <a:buFont typeface="Arial"/>
-              <a:buChar char="–"/>
-              <a:defRPr sz="2000" kern="1200">
-                <a:solidFill>
-                  <a:schemeClr val="tx1"/>
-                </a:solidFill>
-                <a:latin typeface="+mn-lt"/>
-                <a:ea typeface="+mn-ea"/>
-                <a:cs typeface="+mn-cs"/>
-              </a:defRPr>
-            </a:lvl4pPr>
-            <a:lvl5pPr marL="2057400" indent="-228600" algn="l" defTabSz="457200" rtl="0" eaLnBrk="1" latinLnBrk="0" hangingPunct="1">
-              <a:spcBef>
-                <a:spcPct val="20000"/>
-              </a:spcBef>
-              <a:buFont typeface="Arial"/>
-              <a:buChar char="»"/>
-              <a:defRPr sz="2000" kern="1200">
-                <a:solidFill>
-                  <a:schemeClr val="tx1"/>
-                </a:solidFill>
-                <a:latin typeface="+mn-lt"/>
-                <a:ea typeface="+mn-ea"/>
-                <a:cs typeface="+mn-cs"/>
-              </a:defRPr>
-            </a:lvl5pPr>
-            <a:lvl6pPr marL="2514600" indent="-228600" algn="l" defTabSz="457200" rtl="0" eaLnBrk="1" latinLnBrk="0" hangingPunct="1">
-              <a:spcBef>
-                <a:spcPct val="20000"/>
-              </a:spcBef>
-              <a:buFont typeface="Arial"/>
-              <a:buChar char="•"/>
-              <a:defRPr sz="2000" kern="1200">
-                <a:solidFill>
-                  <a:schemeClr val="tx1"/>
-                </a:solidFill>
-                <a:latin typeface="+mn-lt"/>
-                <a:ea typeface="+mn-ea"/>
-                <a:cs typeface="+mn-cs"/>
-              </a:defRPr>
-            </a:lvl6pPr>
-            <a:lvl7pPr marL="2971800" indent="-228600" algn="l" defTabSz="457200" rtl="0" eaLnBrk="1" latinLnBrk="0" hangingPunct="1">
-              <a:spcBef>
-                <a:spcPct val="20000"/>
-              </a:spcBef>
-              <a:buFont typeface="Arial"/>
-              <a:buChar char="•"/>
-              <a:defRPr sz="2000" kern="1200">
-                <a:solidFill>
-                  <a:schemeClr val="tx1"/>
-                </a:solidFill>
-                <a:latin typeface="+mn-lt"/>
-                <a:ea typeface="+mn-ea"/>
-                <a:cs typeface="+mn-cs"/>
-              </a:defRPr>
-            </a:lvl7pPr>
-            <a:lvl8pPr marL="3429000" indent="-228600" algn="l" defTabSz="457200" rtl="0" eaLnBrk="1" latinLnBrk="0" hangingPunct="1">
-              <a:spcBef>
-                <a:spcPct val="20000"/>
-              </a:spcBef>
-              <a:buFont typeface="Arial"/>
-              <a:buChar char="•"/>
-              <a:defRPr sz="2000" kern="1200">
-                <a:solidFill>
-                  <a:schemeClr val="tx1"/>
-                </a:solidFill>
-                <a:latin typeface="+mn-lt"/>
-                <a:ea typeface="+mn-ea"/>
-                <a:cs typeface="+mn-cs"/>
-              </a:defRPr>
-            </a:lvl8pPr>
-            <a:lvl9pPr marL="3886200" indent="-228600" algn="l" defTabSz="457200" rtl="0" eaLnBrk="1" latinLnBrk="0" hangingPunct="1">
-              <a:spcBef>
-                <a:spcPct val="20000"/>
-              </a:spcBef>
-              <a:buFont typeface="Arial"/>
-              <a:buChar char="•"/>
-              <a:defRPr sz="2000" kern="1200">
-                <a:solidFill>
-                  <a:schemeClr val="tx1"/>
-                </a:solidFill>
-                <a:latin typeface="+mn-lt"/>
-                <a:ea typeface="+mn-ea"/>
-                <a:cs typeface="+mn-cs"/>
-              </a:defRPr>
-            </a:lvl9pPr>
-          </a:lstStyle>
-          <a:p>
-            <a:pPr marL="0" indent="0">
-              <a:buNone/>
-            </a:pPr>
-            <a:r>
-              <a:rPr lang="en-US" sz="2400" dirty="0" smtClean="0"/>
-              <a:t>Using hashtags?</a:t>
-            </a:r>
-          </a:p>
-          <a:p>
-            <a:pPr marL="0" indent="0">
-              <a:buNone/>
-            </a:pPr>
-            <a:endParaRPr lang="en-US" sz="2400" dirty="0"/>
-          </a:p>
-        </p:txBody>
-      </p:sp>
-      <p:pic>
-        <p:nvPicPr>
-          <p:cNvPr id="8" name="Picture 7"/>
-          <p:cNvPicPr>
-            <a:picLocks noChangeAspect="1"/>
-          </p:cNvPicPr>
-          <p:nvPr/>
-        </p:nvPicPr>
-        <p:blipFill>
-          <a:blip r:embed="rId2">
-            <a:extLst>
-              <a:ext uri="{28A0092B-C50C-407E-A947-70E740481C1C}">
-                <a14:useLocalDpi xmlns:a14="http://schemas.microsoft.com/office/drawing/2010/main" val="0"/>
-              </a:ext>
-            </a:extLst>
-          </a:blip>
-          <a:stretch>
-            <a:fillRect/>
-          </a:stretch>
-        </p:blipFill>
-        <p:spPr>
-          <a:xfrm>
-            <a:off x="4184422" y="1915161"/>
-            <a:ext cx="4368735" cy="4133947"/>
-          </a:xfrm>
-          <a:prstGeom prst="rect">
-            <a:avLst/>
-          </a:prstGeom>
-        </p:spPr>
-      </p:pic>
-    </p:spTree>
-    <p:extLst>
-      <p:ext uri="{BB962C8B-B14F-4D97-AF65-F5344CB8AC3E}">
-        <p14:creationId xmlns:p14="http://schemas.microsoft.com/office/powerpoint/2010/main" val="770176297"/>
-      </p:ext>
-    </p:extLst>
-  </p:cSld>
-  <p:clrMapOvr>
-    <a:masterClrMapping/>
-  </p:clrMapOvr>
-  <p:timing>
-    <p:tnLst>
-      <p:par>
-        <p:cTn id="1" dur="indefinite" restart="never" nodeType="tmRoot"/>
-      </p:par>
-    </p:tnLst>
-  </p:timing>
-</p:sld>
-</file>
-
-<file path=ppt/slides/slide15.xml><?xml version="1.0" encoding="utf-8"?>
-<p:sld xmlns:a="http://schemas.openxmlformats.org/drawingml/2006/main" xmlns:r="http://schemas.openxmlformats.org/officeDocument/2006/relationships" xmlns:p="http://schemas.openxmlformats.org/presentationml/2006/main">
-  <p:cSld>
-    <p:spTree>
-      <p:nvGrpSpPr>
-        <p:cNvPr id="1" name=""/>
-        <p:cNvGrpSpPr/>
-        <p:nvPr/>
-      </p:nvGrpSpPr>
-      <p:grpSpPr>
-        <a:xfrm>
-          <a:off x="0" y="0"/>
-          <a:ext cx="0" cy="0"/>
-          <a:chOff x="0" y="0"/>
-          <a:chExt cx="0" cy="0"/>
-        </a:xfrm>
-      </p:grpSpPr>
-      <p:sp>
-        <p:nvSpPr>
-          <p:cNvPr id="2" name="Title 1"/>
-          <p:cNvSpPr>
-            <a:spLocks noGrp="1"/>
-          </p:cNvSpPr>
-          <p:nvPr>
-            <p:ph type="title"/>
-          </p:nvPr>
-        </p:nvSpPr>
-        <p:spPr/>
-        <p:txBody>
-          <a:bodyPr>
-            <a:normAutofit/>
-          </a:bodyPr>
-          <a:lstStyle/>
-          <a:p>
-            <a:r>
-              <a:rPr lang="en-US" dirty="0" smtClean="0"/>
-              <a:t>Motivation for </a:t>
-            </a:r>
-            <a:r>
-              <a:rPr lang="en-US" dirty="0" smtClean="0"/>
-              <a:t>Machine Learning</a:t>
-            </a:r>
-            <a:endParaRPr lang="en-US" dirty="0"/>
-          </a:p>
-        </p:txBody>
-      </p:sp>
-      <p:sp>
-        <p:nvSpPr>
-          <p:cNvPr id="3" name="Content Placeholder 2"/>
-          <p:cNvSpPr>
-            <a:spLocks noGrp="1"/>
-          </p:cNvSpPr>
-          <p:nvPr>
-            <p:ph idx="1"/>
-          </p:nvPr>
-        </p:nvSpPr>
-        <p:spPr>
-          <a:xfrm>
-            <a:off x="457198" y="1347723"/>
-            <a:ext cx="8546123" cy="608428"/>
-          </a:xfrm>
-        </p:spPr>
-        <p:txBody>
-          <a:bodyPr/>
-          <a:lstStyle/>
-          <a:p>
-            <a:r>
-              <a:rPr lang="en-US" dirty="0" smtClean="0"/>
-              <a:t>Human language </a:t>
-            </a:r>
-            <a:r>
-              <a:rPr lang="en-US" dirty="0"/>
-              <a:t>is ambiguous</a:t>
-            </a:r>
-            <a:endParaRPr lang="en-US" dirty="0"/>
-          </a:p>
-        </p:txBody>
-      </p:sp>
-      <p:sp>
-        <p:nvSpPr>
-          <p:cNvPr id="4" name="Content Placeholder 2"/>
-          <p:cNvSpPr txBox="1">
-            <a:spLocks/>
-          </p:cNvSpPr>
-          <p:nvPr/>
-        </p:nvSpPr>
-        <p:spPr>
-          <a:xfrm>
-            <a:off x="457199" y="1956150"/>
-            <a:ext cx="3158198" cy="2798729"/>
-          </a:xfrm>
-          <a:prstGeom prst="rect">
-            <a:avLst/>
-          </a:prstGeom>
-        </p:spPr>
-        <p:txBody>
-          <a:bodyPr vert="horz" lIns="91440" tIns="45720" rIns="91440" bIns="45720" rtlCol="0">
-            <a:normAutofit/>
-          </a:bodyPr>
-          <a:lstStyle>
-            <a:lvl1pPr marL="342900" indent="-342900" algn="l" defTabSz="457200" rtl="0" eaLnBrk="1" latinLnBrk="0" hangingPunct="1">
-              <a:spcBef>
-                <a:spcPct val="20000"/>
-              </a:spcBef>
-              <a:buFont typeface="Arial"/>
-              <a:buChar char="•"/>
-              <a:defRPr sz="3200" kern="1200">
-                <a:solidFill>
-                  <a:schemeClr val="tx1"/>
-                </a:solidFill>
-                <a:latin typeface="+mn-lt"/>
-                <a:ea typeface="+mn-ea"/>
-                <a:cs typeface="+mn-cs"/>
-              </a:defRPr>
-            </a:lvl1pPr>
-            <a:lvl2pPr marL="742950" indent="-285750" algn="l" defTabSz="457200" rtl="0" eaLnBrk="1" latinLnBrk="0" hangingPunct="1">
-              <a:spcBef>
-                <a:spcPct val="20000"/>
-              </a:spcBef>
-              <a:buFont typeface="Arial"/>
-              <a:buChar char="–"/>
-              <a:defRPr sz="2800" kern="1200">
-                <a:solidFill>
-                  <a:schemeClr val="tx1"/>
-                </a:solidFill>
-                <a:latin typeface="+mn-lt"/>
-                <a:ea typeface="+mn-ea"/>
-                <a:cs typeface="+mn-cs"/>
-              </a:defRPr>
-            </a:lvl2pPr>
-            <a:lvl3pPr marL="1143000" indent="-228600" algn="l" defTabSz="457200" rtl="0" eaLnBrk="1" latinLnBrk="0" hangingPunct="1">
-              <a:spcBef>
-                <a:spcPct val="20000"/>
-              </a:spcBef>
-              <a:buFont typeface="Arial"/>
-              <a:buChar char="•"/>
-              <a:defRPr sz="2400" kern="1200">
-                <a:solidFill>
-                  <a:schemeClr val="tx1"/>
-                </a:solidFill>
-                <a:latin typeface="+mn-lt"/>
-                <a:ea typeface="+mn-ea"/>
-                <a:cs typeface="+mn-cs"/>
-              </a:defRPr>
-            </a:lvl3pPr>
-            <a:lvl4pPr marL="1600200" indent="-228600" algn="l" defTabSz="457200" rtl="0" eaLnBrk="1" latinLnBrk="0" hangingPunct="1">
-              <a:spcBef>
-                <a:spcPct val="20000"/>
-              </a:spcBef>
-              <a:buFont typeface="Arial"/>
-              <a:buChar char="–"/>
-              <a:defRPr sz="2000" kern="1200">
-                <a:solidFill>
-                  <a:schemeClr val="tx1"/>
-                </a:solidFill>
-                <a:latin typeface="+mn-lt"/>
-                <a:ea typeface="+mn-ea"/>
-                <a:cs typeface="+mn-cs"/>
-              </a:defRPr>
-            </a:lvl4pPr>
-            <a:lvl5pPr marL="2057400" indent="-228600" algn="l" defTabSz="457200" rtl="0" eaLnBrk="1" latinLnBrk="0" hangingPunct="1">
-              <a:spcBef>
-                <a:spcPct val="20000"/>
-              </a:spcBef>
-              <a:buFont typeface="Arial"/>
-              <a:buChar char="»"/>
-              <a:defRPr sz="2000" kern="1200">
-                <a:solidFill>
-                  <a:schemeClr val="tx1"/>
-                </a:solidFill>
-                <a:latin typeface="+mn-lt"/>
-                <a:ea typeface="+mn-ea"/>
-                <a:cs typeface="+mn-cs"/>
-              </a:defRPr>
-            </a:lvl5pPr>
-            <a:lvl6pPr marL="2514600" indent="-228600" algn="l" defTabSz="457200" rtl="0" eaLnBrk="1" latinLnBrk="0" hangingPunct="1">
-              <a:spcBef>
-                <a:spcPct val="20000"/>
-              </a:spcBef>
-              <a:buFont typeface="Arial"/>
-              <a:buChar char="•"/>
-              <a:defRPr sz="2000" kern="1200">
-                <a:solidFill>
-                  <a:schemeClr val="tx1"/>
-                </a:solidFill>
-                <a:latin typeface="+mn-lt"/>
-                <a:ea typeface="+mn-ea"/>
-                <a:cs typeface="+mn-cs"/>
-              </a:defRPr>
-            </a:lvl6pPr>
-            <a:lvl7pPr marL="2971800" indent="-228600" algn="l" defTabSz="457200" rtl="0" eaLnBrk="1" latinLnBrk="0" hangingPunct="1">
-              <a:spcBef>
-                <a:spcPct val="20000"/>
-              </a:spcBef>
-              <a:buFont typeface="Arial"/>
-              <a:buChar char="•"/>
-              <a:defRPr sz="2000" kern="1200">
-                <a:solidFill>
-                  <a:schemeClr val="tx1"/>
-                </a:solidFill>
-                <a:latin typeface="+mn-lt"/>
-                <a:ea typeface="+mn-ea"/>
-                <a:cs typeface="+mn-cs"/>
-              </a:defRPr>
-            </a:lvl7pPr>
-            <a:lvl8pPr marL="3429000" indent="-228600" algn="l" defTabSz="457200" rtl="0" eaLnBrk="1" latinLnBrk="0" hangingPunct="1">
-              <a:spcBef>
-                <a:spcPct val="20000"/>
-              </a:spcBef>
-              <a:buFont typeface="Arial"/>
-              <a:buChar char="•"/>
-              <a:defRPr sz="2000" kern="1200">
-                <a:solidFill>
-                  <a:schemeClr val="tx1"/>
-                </a:solidFill>
-                <a:latin typeface="+mn-lt"/>
-                <a:ea typeface="+mn-ea"/>
-                <a:cs typeface="+mn-cs"/>
-              </a:defRPr>
-            </a:lvl8pPr>
-            <a:lvl9pPr marL="3886200" indent="-228600" algn="l" defTabSz="457200" rtl="0" eaLnBrk="1" latinLnBrk="0" hangingPunct="1">
-              <a:spcBef>
-                <a:spcPct val="20000"/>
-              </a:spcBef>
-              <a:buFont typeface="Arial"/>
-              <a:buChar char="•"/>
-              <a:defRPr sz="2000" kern="1200">
-                <a:solidFill>
-                  <a:schemeClr val="tx1"/>
-                </a:solidFill>
-                <a:latin typeface="+mn-lt"/>
-                <a:ea typeface="+mn-ea"/>
-                <a:cs typeface="+mn-cs"/>
-              </a:defRPr>
-            </a:lvl9pPr>
-          </a:lstStyle>
-          <a:p>
-            <a:pPr marL="0" indent="0">
-              <a:buNone/>
-            </a:pPr>
-            <a:r>
-              <a:rPr lang="en-US" sz="2400" dirty="0" smtClean="0"/>
-              <a:t>Using hashtags?</a:t>
-            </a:r>
-          </a:p>
-          <a:p>
-            <a:pPr marL="0" indent="0">
-              <a:buNone/>
-            </a:pPr>
-            <a:r>
-              <a:rPr lang="en-US" sz="2400" dirty="0" smtClean="0"/>
-              <a:t>– not too reliable:</a:t>
-            </a:r>
-          </a:p>
-          <a:p>
-            <a:pPr marL="0" indent="0">
-              <a:buNone/>
-            </a:pPr>
-            <a:endParaRPr lang="en-US" sz="2400" dirty="0"/>
-          </a:p>
-        </p:txBody>
-      </p:sp>
-      <p:pic>
-        <p:nvPicPr>
-          <p:cNvPr id="5" name="Picture 4"/>
-          <p:cNvPicPr>
-            <a:picLocks noChangeAspect="1"/>
-          </p:cNvPicPr>
-          <p:nvPr/>
-        </p:nvPicPr>
-        <p:blipFill rotWithShape="1">
-          <a:blip r:embed="rId2">
-            <a:extLst>
-              <a:ext uri="{28A0092B-C50C-407E-A947-70E740481C1C}">
-                <a14:useLocalDpi xmlns:a14="http://schemas.microsoft.com/office/drawing/2010/main" val="0"/>
-              </a:ext>
-            </a:extLst>
-          </a:blip>
-          <a:srcRect r="1975"/>
-          <a:stretch/>
-        </p:blipFill>
-        <p:spPr>
-          <a:xfrm>
-            <a:off x="3221503" y="1956150"/>
-            <a:ext cx="2637692" cy="4058686"/>
-          </a:xfrm>
-          <a:prstGeom prst="rect">
-            <a:avLst/>
-          </a:prstGeom>
-        </p:spPr>
-      </p:pic>
-    </p:spTree>
-    <p:extLst>
-      <p:ext uri="{BB962C8B-B14F-4D97-AF65-F5344CB8AC3E}">
-        <p14:creationId xmlns:p14="http://schemas.microsoft.com/office/powerpoint/2010/main" val="709546584"/>
-      </p:ext>
-    </p:extLst>
-  </p:cSld>
-  <p:clrMapOvr>
-    <a:masterClrMapping/>
-  </p:clrMapOvr>
-  <p:timing>
-    <p:tnLst>
-      <p:par>
-        <p:cTn id="1" dur="indefinite" restart="never" nodeType="tmRoot"/>
-      </p:par>
-    </p:tnLst>
-  </p:timing>
-</p:sld>
-</file>
-
 <file path=ppt/slides/slide16.xml><?xml version="1.0" encoding="utf-8"?>
 <p:sld xmlns:a="http://schemas.openxmlformats.org/drawingml/2006/main" xmlns:r="http://schemas.openxmlformats.org/officeDocument/2006/relationships" xmlns:p="http://schemas.openxmlformats.org/presentationml/2006/main">
   <p:cSld>
@@ -5810,6 +5927,35 @@
           <a:chExt cx="0" cy="0"/>
         </a:xfrm>
       </p:grpSpPr>
+      <p:pic>
+        <p:nvPicPr>
+          <p:cNvPr id="7" name="Picture 6"/>
+          <p:cNvPicPr>
+            <a:picLocks noChangeAspect="1"/>
+          </p:cNvPicPr>
+          <p:nvPr/>
+        </p:nvPicPr>
+        <p:blipFill rotWithShape="1">
+          <a:blip r:embed="rId2">
+            <a:extLst>
+              <a:ext uri="{28A0092B-C50C-407E-A947-70E740481C1C}">
+                <a14:useLocalDpi xmlns:a14="http://schemas.microsoft.com/office/drawing/2010/main" val="0"/>
+              </a:ext>
+            </a:extLst>
+          </a:blip>
+          <a:srcRect b="23527"/>
+          <a:stretch/>
+        </p:blipFill>
+        <p:spPr>
+          <a:xfrm>
+            <a:off x="258420" y="3017520"/>
+            <a:ext cx="8176991" cy="2794186"/>
+          </a:xfrm>
+          <a:prstGeom prst="rect">
+            <a:avLst/>
+          </a:prstGeom>
+        </p:spPr>
+      </p:pic>
       <p:sp>
         <p:nvSpPr>
           <p:cNvPr id="2" name="Title 1"/>
@@ -5823,13 +5969,13 @@
         <p:spPr/>
         <p:txBody>
           <a:bodyPr>
-            <a:normAutofit fontScale="90000"/>
+            <a:normAutofit/>
           </a:bodyPr>
           <a:lstStyle/>
           <a:p>
             <a:r>
               <a:rPr lang="en-US" dirty="0" smtClean="0"/>
-              <a:t>Background on Disaster Management</a:t>
+              <a:t>Data Description</a:t>
             </a:r>
             <a:endParaRPr lang="en-US" dirty="0"/>
           </a:p>
@@ -5845,11 +5991,43 @@
             <p:ph idx="1"/>
           </p:nvPr>
         </p:nvSpPr>
-        <p:spPr/>
-        <p:txBody>
-          <a:bodyPr/>
+        <p:spPr>
+          <a:xfrm>
+            <a:off x="258420" y="1491478"/>
+            <a:ext cx="8428380" cy="1404122"/>
+          </a:xfrm>
+        </p:spPr>
+        <p:txBody>
+          <a:bodyPr>
+            <a:noAutofit/>
+          </a:bodyPr>
           <a:lstStyle/>
           <a:p>
+            <a:pPr marL="0" indent="0">
+              <a:buNone/>
+            </a:pPr>
+            <a:r>
+              <a:rPr lang="en-US" dirty="0" smtClean="0"/>
+              <a:t>Original dataset:</a:t>
+            </a:r>
+          </a:p>
+          <a:p>
+            <a:r>
+              <a:rPr lang="en-US" dirty="0"/>
+              <a:t>60,000 </a:t>
+            </a:r>
+            <a:r>
+              <a:rPr lang="en-US" dirty="0" smtClean="0"/>
+              <a:t>tweets </a:t>
+            </a:r>
+            <a:r>
+              <a:rPr lang="en-US" dirty="0"/>
+              <a:t>posted during 6 crisis events in 2012 and </a:t>
+            </a:r>
+            <a:r>
+              <a:rPr lang="en-US" dirty="0" smtClean="0"/>
+              <a:t>2013</a:t>
+            </a:r>
             <a:endParaRPr lang="en-US" dirty="0"/>
           </a:p>
         </p:txBody>
@@ -5857,7 +6035,7 @@
     </p:spTree>
     <p:extLst>
       <p:ext uri="{BB962C8B-B14F-4D97-AF65-F5344CB8AC3E}">
-        <p14:creationId xmlns:p14="http://schemas.microsoft.com/office/powerpoint/2010/main" val="528643759"/>
+        <p14:creationId xmlns:p14="http://schemas.microsoft.com/office/powerpoint/2010/main" val="1779294547"/>
       </p:ext>
     </p:extLst>
   </p:cSld>
@@ -5904,13 +6082,44 @@
         <p:spPr/>
         <p:txBody>
           <a:bodyPr>
-            <a:normAutofit fontScale="90000"/>
+            <a:normAutofit/>
           </a:bodyPr>
           <a:lstStyle/>
           <a:p>
             <a:r>
               <a:rPr lang="en-US" dirty="0" smtClean="0"/>
-              <a:t>Background on Disaster Management</a:t>
+              <a:t>Data Description</a:t>
+            </a:r>
+            <a:endParaRPr lang="en-US" dirty="0"/>
+          </a:p>
+        </p:txBody>
+      </p:sp>
+      <p:sp>
+        <p:nvSpPr>
+          <p:cNvPr id="3" name="Content Placeholder 2"/>
+          <p:cNvSpPr>
+            <a:spLocks noGrp="1"/>
+          </p:cNvSpPr>
+          <p:nvPr>
+            <p:ph idx="1"/>
+          </p:nvPr>
+        </p:nvSpPr>
+        <p:spPr>
+          <a:xfrm>
+            <a:off x="258420" y="1491478"/>
+            <a:ext cx="8229600" cy="685800"/>
+          </a:xfrm>
+        </p:spPr>
+        <p:txBody>
+          <a:bodyPr/>
+          <a:lstStyle/>
+          <a:p>
+            <a:pPr marL="0" indent="0">
+              <a:buNone/>
+            </a:pPr>
+            <a:r>
+              <a:rPr lang="en-US" dirty="0" smtClean="0"/>
+              <a:t>Original tweets:</a:t>
             </a:r>
             <a:endParaRPr lang="en-US" dirty="0"/>
           </a:p>
@@ -5918,13 +6127,13 @@
       </p:sp>
       <p:pic>
         <p:nvPicPr>
-          <p:cNvPr id="4" name="Picture 3"/>
+          <p:cNvPr id="6" name="Picture 5"/>
           <p:cNvPicPr>
             <a:picLocks noChangeAspect="1"/>
           </p:cNvPicPr>
           <p:nvPr/>
         </p:nvPicPr>
-        <p:blipFill rotWithShape="1">
+        <p:blipFill>
           <a:blip r:embed="rId2">
             <a:extLst>
               <a:ext uri="{28A0092B-C50C-407E-A947-70E740481C1C}">
@@ -5932,72 +6141,24 @@
               </a:ext>
             </a:extLst>
           </a:blip>
-          <a:srcRect l="8993"/>
-          <a:stretch/>
+          <a:stretch>
+            <a:fillRect/>
+          </a:stretch>
         </p:blipFill>
         <p:spPr>
           <a:xfrm>
-            <a:off x="219878" y="1489039"/>
-            <a:ext cx="3744422" cy="4178822"/>
+            <a:off x="258420" y="2286001"/>
+            <a:ext cx="8627159" cy="2758439"/>
           </a:xfrm>
           <a:prstGeom prst="rect">
             <a:avLst/>
           </a:prstGeom>
-          <a:ln>
-            <a:noFill/>
-          </a:ln>
-          <a:effectLst>
-            <a:outerShdw blurRad="190500" algn="tl" rotWithShape="0">
-              <a:srgbClr val="000000">
-                <a:alpha val="70000"/>
-              </a:srgbClr>
-            </a:outerShdw>
-          </a:effectLst>
-        </p:spPr>
-      </p:pic>
-      <p:pic>
-        <p:nvPicPr>
-          <p:cNvPr id="5" name="Picture 4"/>
-          <p:cNvPicPr>
-            <a:picLocks noChangeAspect="1"/>
-          </p:cNvPicPr>
-          <p:nvPr/>
-        </p:nvPicPr>
-        <p:blipFill rotWithShape="1">
-          <a:blip r:embed="rId2">
-            <a:extLst>
-              <a:ext uri="{28A0092B-C50C-407E-A947-70E740481C1C}">
-                <a14:useLocalDpi xmlns:a14="http://schemas.microsoft.com/office/drawing/2010/main" val="0"/>
-              </a:ext>
-            </a:extLst>
-          </a:blip>
-          <a:srcRect l="10035" b="7551"/>
-          <a:stretch/>
-        </p:blipFill>
-        <p:spPr>
-          <a:xfrm>
-            <a:off x="4126028" y="1489038"/>
-            <a:ext cx="4796882" cy="4178822"/>
-          </a:xfrm>
-          <a:prstGeom prst="rect">
-            <a:avLst/>
-          </a:prstGeom>
-          <a:ln>
-            <a:noFill/>
-          </a:ln>
-          <a:effectLst>
-            <a:outerShdw blurRad="190500" algn="tl" rotWithShape="0">
-              <a:srgbClr val="000000">
-                <a:alpha val="70000"/>
-              </a:srgbClr>
-            </a:outerShdw>
-          </a:effectLst>
         </p:spPr>
       </p:pic>
     </p:spTree>
     <p:extLst>
       <p:ext uri="{BB962C8B-B14F-4D97-AF65-F5344CB8AC3E}">
-        <p14:creationId xmlns:p14="http://schemas.microsoft.com/office/powerpoint/2010/main" val="1067851627"/>
+        <p14:creationId xmlns:p14="http://schemas.microsoft.com/office/powerpoint/2010/main" val="16198188"/>
       </p:ext>
     </p:extLst>
   </p:cSld>
@@ -6050,7 +6211,7 @@
           <a:p>
             <a:r>
               <a:rPr lang="en-US" dirty="0" smtClean="0"/>
-              <a:t>Domain Adaptation Terminology</a:t>
+              <a:t>Data Preprocessing</a:t>
             </a:r>
             <a:endParaRPr lang="en-US" dirty="0"/>
           </a:p>
@@ -6066,19 +6227,112 @@
             <p:ph idx="1"/>
           </p:nvPr>
         </p:nvSpPr>
-        <p:spPr/>
+        <p:spPr>
+          <a:xfrm>
+            <a:off x="167640" y="1600201"/>
+            <a:ext cx="8793480" cy="4206240"/>
+          </a:xfrm>
+        </p:spPr>
         <p:txBody>
           <a:bodyPr/>
           <a:lstStyle/>
           <a:p>
+            <a:r>
+              <a:rPr lang="en-US" dirty="0" smtClean="0"/>
+              <a:t>Original tweets:</a:t>
+            </a:r>
+          </a:p>
+          <a:p>
+            <a:pPr marL="457200" indent="-457200">
+              <a:buFont typeface="+mj-lt"/>
+              <a:buAutoNum type="arabicPeriod"/>
+            </a:pPr>
+            <a:r>
+              <a:rPr lang="en-US" sz="2400" i="1" dirty="0" smtClean="0"/>
+              <a:t>“@</a:t>
+            </a:r>
+            <a:r>
+              <a:rPr lang="en-US" sz="2400" i="1" dirty="0" err="1"/>
+              <a:t>ibexgirl</a:t>
+            </a:r>
+            <a:r>
+              <a:rPr lang="en-US" sz="2400" i="1" dirty="0"/>
+              <a:t> thankfully Hurricane Waugh played it </a:t>
+            </a:r>
+            <a:r>
+              <a:rPr lang="en-US" sz="2400" i="1" dirty="0" smtClean="0"/>
+              <a:t>cool”</a:t>
+            </a:r>
+          </a:p>
+          <a:p>
+            <a:pPr marL="457200" indent="-457200">
+              <a:buFont typeface="+mj-lt"/>
+              <a:buAutoNum type="arabicPeriod"/>
+            </a:pPr>
+            <a:r>
+              <a:rPr lang="en-US" sz="2400" i="1" dirty="0"/>
+              <a:t>“I'm at Mad River Bar &amp;amp; Grille (New York, </a:t>
+            </a:r>
+            <a:r>
+              <a:rPr lang="en-US" sz="2400" i="1" dirty="0" smtClean="0"/>
+              <a:t>NY) http</a:t>
+            </a:r>
+            <a:r>
+              <a:rPr lang="en-US" sz="2400" i="1" dirty="0"/>
+              <a:t>://</a:t>
+            </a:r>
+            <a:r>
+              <a:rPr lang="en-US" sz="2400" i="1" dirty="0" smtClean="0"/>
+              <a:t>t.co/VSzKP”</a:t>
+            </a:r>
+          </a:p>
+          <a:p>
+            <a:r>
+              <a:rPr lang="en-US" dirty="0" smtClean="0"/>
+              <a:t>Preprocessed tweets:</a:t>
+            </a:r>
             <a:endParaRPr lang="en-US" dirty="0"/>
+          </a:p>
+          <a:p>
+            <a:pPr marL="457200" indent="-457200">
+              <a:buFont typeface="+mj-lt"/>
+              <a:buAutoNum type="arabicPeriod"/>
+            </a:pPr>
+            <a:r>
+              <a:rPr lang="en-US" sz="2400" i="1" dirty="0" smtClean="0"/>
+              <a:t>“USERNAME </a:t>
+            </a:r>
+            <a:r>
+              <a:rPr lang="en-US" sz="2400" i="1" dirty="0"/>
+              <a:t>thankfully Hurricane Waugh played it </a:t>
+            </a:r>
+            <a:r>
+              <a:rPr lang="en-US" sz="2400" i="1" dirty="0" smtClean="0"/>
+              <a:t>cool”</a:t>
+            </a:r>
+          </a:p>
+          <a:p>
+            <a:pPr marL="457200" indent="-457200">
+              <a:buFont typeface="+mj-lt"/>
+              <a:buAutoNum type="arabicPeriod"/>
+            </a:pPr>
+            <a:r>
+              <a:rPr lang="en-US" sz="2400" i="1" dirty="0"/>
+              <a:t>“I'm at Mad River Bar &amp; Grille (New York, NY) URL”</a:t>
+            </a:r>
+          </a:p>
+          <a:p>
+            <a:pPr marL="0" indent="0">
+              <a:buNone/>
+            </a:pPr>
+            <a:endParaRPr lang="en-US" sz="2400" i="1" dirty="0"/>
           </a:p>
         </p:txBody>
       </p:sp>
     </p:spTree>
     <p:extLst>
       <p:ext uri="{BB962C8B-B14F-4D97-AF65-F5344CB8AC3E}">
-        <p14:creationId xmlns:p14="http://schemas.microsoft.com/office/powerpoint/2010/main" val="44570929"/>
+        <p14:creationId xmlns:p14="http://schemas.microsoft.com/office/powerpoint/2010/main" val="893666954"/>
       </p:ext>
     </p:extLst>
   </p:cSld>
@@ -6124,14 +6378,12 @@
         </p:nvSpPr>
         <p:spPr/>
         <p:txBody>
-          <a:bodyPr>
-            <a:normAutofit/>
-          </a:bodyPr>
+          <a:bodyPr/>
           <a:lstStyle/>
           <a:p>
             <a:r>
               <a:rPr lang="en-US" dirty="0" smtClean="0"/>
-              <a:t>Motivation for Domain Adaptation</a:t>
+              <a:t>Supervised Machine Learning</a:t>
             </a:r>
             <a:endParaRPr lang="en-US" dirty="0"/>
           </a:p>
@@ -6159,7 +6411,7 @@
     </p:spTree>
     <p:extLst>
       <p:ext uri="{BB962C8B-B14F-4D97-AF65-F5344CB8AC3E}">
-        <p14:creationId xmlns:p14="http://schemas.microsoft.com/office/powerpoint/2010/main" val="493564228"/>
+        <p14:creationId xmlns:p14="http://schemas.microsoft.com/office/powerpoint/2010/main" val="84683829"/>
       </p:ext>
     </p:extLst>
   </p:cSld>
@@ -6262,7 +6514,7 @@
       </p:sp>
       <p:pic>
         <p:nvPicPr>
-          <p:cNvPr id="1026" name="Picture 2" descr="ttp://www-03.ibm.com/ibm/history/ibm100/images/icp/A138918I23240Y22/us__en_us__ibm100__700_series__check"/>
+          <p:cNvPr id="1026" name="Picture 2"/>
           <p:cNvPicPr>
             <a:picLocks noChangeAspect="1" noChangeArrowheads="1"/>
           </p:cNvPicPr>
@@ -6276,7 +6528,6 @@
               </a:ext>
             </a:extLst>
           </a:blip>
-          <a:srcRect/>
           <a:stretch>
             <a:fillRect/>
           </a:stretch>
@@ -6284,7 +6535,7 @@
         <p:spPr bwMode="auto">
           <a:xfrm>
             <a:off x="3454400" y="1460501"/>
-            <a:ext cx="5486400" cy="3097161"/>
+            <a:ext cx="5486399" cy="3097161"/>
           </a:xfrm>
           <a:prstGeom prst="rect">
             <a:avLst/>
@@ -6356,21 +6607,20 @@
       </p:sp>
       <p:pic>
         <p:nvPicPr>
-          <p:cNvPr id="1028" name="Picture 4" descr="ttps://www-cs.stanford.edu/sites/default/files/Arthur%20Samuel%20picture.jpg"/>
+          <p:cNvPr id="1028" name="Picture 4"/>
           <p:cNvPicPr>
             <a:picLocks noChangeAspect="1" noChangeArrowheads="1"/>
           </p:cNvPicPr>
           <p:nvPr/>
         </p:nvPicPr>
         <p:blipFill>
-          <a:blip r:embed="rId2">
+          <a:blip r:embed="rId3">
             <a:extLst>
               <a:ext uri="{28A0092B-C50C-407E-A947-70E740481C1C}">
                 <a14:useLocalDpi xmlns:a14="http://schemas.microsoft.com/office/drawing/2010/main" val="0"/>
               </a:ext>
             </a:extLst>
           </a:blip>
-          <a:srcRect/>
           <a:stretch>
             <a:fillRect/>
           </a:stretch>
@@ -6378,7 +6628,7 @@
         <p:spPr bwMode="auto">
           <a:xfrm>
             <a:off x="457200" y="1460500"/>
-            <a:ext cx="2383692" cy="3098799"/>
+            <a:ext cx="2383691" cy="3098799"/>
           </a:xfrm>
           <a:prstGeom prst="rect">
             <a:avLst/>
@@ -6451,7 +6701,7 @@
           <a:p>
             <a:r>
               <a:rPr lang="en-US" dirty="0" smtClean="0"/>
-              <a:t>Problem Definition</a:t>
+              <a:t>Domain Adaptation Terminology</a:t>
             </a:r>
             <a:endParaRPr lang="en-US" dirty="0"/>
           </a:p>
@@ -6479,7 +6729,7 @@
     </p:spTree>
     <p:extLst>
       <p:ext uri="{BB962C8B-B14F-4D97-AF65-F5344CB8AC3E}">
-        <p14:creationId xmlns:p14="http://schemas.microsoft.com/office/powerpoint/2010/main" val="359868760"/>
+        <p14:creationId xmlns:p14="http://schemas.microsoft.com/office/powerpoint/2010/main" val="44570929"/>
       </p:ext>
     </p:extLst>
   </p:cSld>
@@ -6532,7 +6782,7 @@
           <a:p>
             <a:r>
               <a:rPr lang="en-US" dirty="0" smtClean="0"/>
-              <a:t>Data Description</a:t>
+              <a:t>Motivation for Domain Adaptation</a:t>
             </a:r>
             <a:endParaRPr lang="en-US" dirty="0"/>
           </a:p>
@@ -6560,7 +6810,7 @@
     </p:spTree>
     <p:extLst>
       <p:ext uri="{BB962C8B-B14F-4D97-AF65-F5344CB8AC3E}">
-        <p14:creationId xmlns:p14="http://schemas.microsoft.com/office/powerpoint/2010/main" val="1779294547"/>
+        <p14:creationId xmlns:p14="http://schemas.microsoft.com/office/powerpoint/2010/main" val="493564228"/>
       </p:ext>
     </p:extLst>
   </p:cSld>
@@ -6613,7 +6863,7 @@
           <a:p>
             <a:r>
               <a:rPr lang="en-US" dirty="0" smtClean="0"/>
-              <a:t>Data Preprocessing</a:t>
+              <a:t>Problem Definition</a:t>
             </a:r>
             <a:endParaRPr lang="en-US" dirty="0"/>
           </a:p>
@@ -6641,7 +6891,7 @@
     </p:spTree>
     <p:extLst>
       <p:ext uri="{BB962C8B-B14F-4D97-AF65-F5344CB8AC3E}">
-        <p14:creationId xmlns:p14="http://schemas.microsoft.com/office/powerpoint/2010/main" val="893666954"/>
+        <p14:creationId xmlns:p14="http://schemas.microsoft.com/office/powerpoint/2010/main" val="359868760"/>
       </p:ext>
     </p:extLst>
   </p:cSld>
@@ -7336,6 +7586,14 @@
 <file path=ppt/slides/slide3.xml><?xml version="1.0" encoding="utf-8"?>
 <p:sld xmlns:a="http://schemas.openxmlformats.org/drawingml/2006/main" xmlns:r="http://schemas.openxmlformats.org/officeDocument/2006/relationships" xmlns:p="http://schemas.openxmlformats.org/presentationml/2006/main">
   <p:cSld>
+    <p:bg>
+      <p:bgPr>
+        <a:solidFill>
+          <a:schemeClr val="bg1"/>
+        </a:solidFill>
+        <a:effectLst/>
+      </p:bgPr>
+    </p:bg>
     <p:spTree>
       <p:nvGrpSpPr>
         <p:cNvPr id="1" name=""/>
@@ -7415,7 +7673,7 @@
       </p:sp>
       <p:pic>
         <p:nvPicPr>
-          <p:cNvPr id="2052" name="Picture 4" descr="mage result for netflix"/>
+          <p:cNvPr id="2052" name="Picture 4"/>
           <p:cNvPicPr>
             <a:picLocks noChangeAspect="1" noChangeArrowheads="1"/>
           </p:cNvPicPr>
@@ -7429,15 +7687,14 @@
               </a:ext>
             </a:extLst>
           </a:blip>
-          <a:srcRect/>
           <a:stretch>
             <a:fillRect/>
           </a:stretch>
         </p:blipFill>
         <p:spPr bwMode="auto">
           <a:xfrm>
-            <a:off x="414086" y="2325656"/>
-            <a:ext cx="2488277" cy="1400704"/>
+            <a:off x="414086" y="2449039"/>
+            <a:ext cx="2488277" cy="1153938"/>
           </a:xfrm>
           <a:prstGeom prst="rect">
             <a:avLst/>
@@ -8173,29 +8430,28 @@
       </p:sp>
       <p:pic>
         <p:nvPicPr>
-          <p:cNvPr id="2054" name="Picture 6" descr="ttp://techzulu.com/wp-content/uploads/2016/07/141002-self-driving-car-02_f124b0329691bfb4519f2108e0a1042"/>
+          <p:cNvPr id="2054" name="Picture 6"/>
           <p:cNvPicPr>
             <a:picLocks noChangeAspect="1" noChangeArrowheads="1"/>
           </p:cNvPicPr>
           <p:nvPr/>
         </p:nvPicPr>
         <p:blipFill>
-          <a:blip r:embed="rId2">
+          <a:blip r:embed="rId4">
             <a:extLst>
               <a:ext uri="{28A0092B-C50C-407E-A947-70E740481C1C}">
                 <a14:useLocalDpi xmlns:a14="http://schemas.microsoft.com/office/drawing/2010/main" val="0"/>
               </a:ext>
             </a:extLst>
           </a:blip>
-          <a:srcRect/>
           <a:stretch>
             <a:fillRect/>
           </a:stretch>
         </p:blipFill>
         <p:spPr bwMode="auto">
           <a:xfrm>
-            <a:off x="3501922" y="2318802"/>
-            <a:ext cx="2388602" cy="1402768"/>
+            <a:off x="3501922" y="2319370"/>
+            <a:ext cx="2388602" cy="1401631"/>
           </a:xfrm>
           <a:prstGeom prst="rect">
             <a:avLst/>
@@ -8241,7 +8497,7 @@
             </a:r>
             <a:r>
               <a:rPr lang="en-US" sz="1000" dirty="0" smtClean="0">
-                <a:hlinkClick r:id="rId4"/>
+                <a:hlinkClick r:id="rId5"/>
               </a:rPr>
               <a:t>Link</a:t>
             </a:r>
@@ -8257,32 +8513,38 @@
       </p:sp>
       <p:pic>
         <p:nvPicPr>
-          <p:cNvPr id="2056" name="Picture 8" descr="elated image"/>
+          <p:cNvPr id="2056" name="Picture 8"/>
           <p:cNvPicPr>
             <a:picLocks noChangeAspect="1" noChangeArrowheads="1"/>
           </p:cNvPicPr>
           <p:nvPr/>
         </p:nvPicPr>
-        <p:blipFill rotWithShape="1">
-          <a:blip r:embed="rId2">
+        <p:blipFill>
+          <a:blip r:embed="rId6">
             <a:extLst>
               <a:ext uri="{28A0092B-C50C-407E-A947-70E740481C1C}">
                 <a14:useLocalDpi xmlns:a14="http://schemas.microsoft.com/office/drawing/2010/main" val="0"/>
               </a:ext>
             </a:extLst>
           </a:blip>
-          <a:srcRect l="5141" t="11956" r="8584" b="6683"/>
-          <a:stretch/>
+          <a:stretch>
+            <a:fillRect/>
+          </a:stretch>
         </p:blipFill>
         <p:spPr bwMode="auto">
           <a:xfrm>
-            <a:off x="6041272" y="2406637"/>
-            <a:ext cx="3009175" cy="1081354"/>
+            <a:off x="6079343" y="2319370"/>
+            <a:ext cx="2952902" cy="1401631"/>
           </a:xfrm>
           <a:prstGeom prst="rect">
             <a:avLst/>
           </a:prstGeom>
           <a:noFill/>
+          <a:ln>
+            <a:solidFill>
+              <a:schemeClr val="tx1"/>
+            </a:solidFill>
+          </a:ln>
           <a:extLst>
             <a:ext uri="{909E8E84-426E-40DD-AFC4-6F175D3DCCD1}">
               <a14:hiddenFill xmlns:a14="http://schemas.microsoft.com/office/drawing/2010/main">
@@ -8296,29 +8558,28 @@
       </p:pic>
       <p:pic>
         <p:nvPicPr>
-          <p:cNvPr id="2058" name="Picture 10" descr="mage result for spam filtering"/>
+          <p:cNvPr id="2058" name="Picture 10"/>
           <p:cNvPicPr>
             <a:picLocks noChangeAspect="1" noChangeArrowheads="1"/>
           </p:cNvPicPr>
           <p:nvPr/>
         </p:nvPicPr>
         <p:blipFill>
-          <a:blip r:embed="rId2">
+          <a:blip r:embed="rId7">
             <a:extLst>
               <a:ext uri="{28A0092B-C50C-407E-A947-70E740481C1C}">
                 <a14:useLocalDpi xmlns:a14="http://schemas.microsoft.com/office/drawing/2010/main" val="0"/>
               </a:ext>
             </a:extLst>
           </a:blip>
-          <a:srcRect/>
           <a:stretch>
             <a:fillRect/>
           </a:stretch>
         </p:blipFill>
         <p:spPr bwMode="auto">
           <a:xfrm>
-            <a:off x="436622" y="4413935"/>
-            <a:ext cx="2413414" cy="1378062"/>
+            <a:off x="457200" y="4413935"/>
+            <a:ext cx="2445163" cy="1378062"/>
           </a:xfrm>
           <a:prstGeom prst="rect">
             <a:avLst/>
@@ -8364,7 +8625,7 @@
             </a:r>
             <a:r>
               <a:rPr lang="en-US" sz="1000" dirty="0" smtClean="0">
-                <a:hlinkClick r:id="rId5"/>
+                <a:hlinkClick r:id="rId8"/>
               </a:rPr>
               <a:t>Link</a:t>
             </a:r>
@@ -8380,29 +8641,28 @@
       </p:sp>
       <p:pic>
         <p:nvPicPr>
-          <p:cNvPr id="2060" name="Picture 12" descr="hotomath"/>
+          <p:cNvPr id="2060" name="Picture 12"/>
           <p:cNvPicPr>
             <a:picLocks noChangeAspect="1" noChangeArrowheads="1"/>
           </p:cNvPicPr>
           <p:nvPr/>
         </p:nvPicPr>
         <p:blipFill>
-          <a:blip r:embed="rId2">
+          <a:blip r:embed="rId9">
             <a:extLst>
               <a:ext uri="{28A0092B-C50C-407E-A947-70E740481C1C}">
                 <a14:useLocalDpi xmlns:a14="http://schemas.microsoft.com/office/drawing/2010/main" val="0"/>
               </a:ext>
             </a:extLst>
           </a:blip>
-          <a:srcRect/>
           <a:stretch>
             <a:fillRect/>
           </a:stretch>
         </p:blipFill>
         <p:spPr bwMode="auto">
           <a:xfrm>
-            <a:off x="3544735" y="4431289"/>
-            <a:ext cx="2345790" cy="1352044"/>
+            <a:off x="3544735" y="4448357"/>
+            <a:ext cx="2345790" cy="1317907"/>
           </a:xfrm>
           <a:prstGeom prst="rect">
             <a:avLst/>
@@ -8624,7 +8884,7 @@
             </a:r>
             <a:r>
               <a:rPr lang="en-US" sz="1000" dirty="0" smtClean="0">
-                <a:hlinkClick r:id="rId6"/>
+                <a:hlinkClick r:id="rId10"/>
               </a:rPr>
               <a:t>Link</a:t>
             </a:r>
@@ -8640,21 +8900,20 @@
       </p:sp>
       <p:pic>
         <p:nvPicPr>
-          <p:cNvPr id="2062" name="Picture 14" descr="mage result for machine translation"/>
+          <p:cNvPr id="2062" name="Picture 14"/>
           <p:cNvPicPr>
             <a:picLocks noChangeAspect="1" noChangeArrowheads="1"/>
           </p:cNvPicPr>
           <p:nvPr/>
         </p:nvPicPr>
         <p:blipFill>
-          <a:blip r:embed="rId2">
+          <a:blip r:embed="rId11">
             <a:extLst>
               <a:ext uri="{28A0092B-C50C-407E-A947-70E740481C1C}">
                 <a14:useLocalDpi xmlns:a14="http://schemas.microsoft.com/office/drawing/2010/main" val="0"/>
               </a:ext>
             </a:extLst>
           </a:blip>
-          <a:srcRect/>
           <a:stretch>
             <a:fillRect/>
           </a:stretch>
@@ -8662,7 +8921,7 @@
         <p:spPr bwMode="auto">
           <a:xfrm>
             <a:off x="6081439" y="4431289"/>
-            <a:ext cx="2899826" cy="1352044"/>
+            <a:ext cx="2899826" cy="1352043"/>
           </a:xfrm>
           <a:prstGeom prst="rect">
             <a:avLst/>
@@ -8885,7 +9144,7 @@
             </a:r>
             <a:r>
               <a:rPr lang="en-US" sz="1000" dirty="0" smtClean="0">
-                <a:hlinkClick r:id="rId7"/>
+                <a:hlinkClick r:id="rId12"/>
               </a:rPr>
               <a:t>Link</a:t>
             </a:r>
@@ -8988,13 +9247,13 @@
       </p:sp>
       <p:pic>
         <p:nvPicPr>
-          <p:cNvPr id="4098" name="Picture 2" descr="mage result for example table machine learning"/>
+          <p:cNvPr id="4098" name="Picture 2"/>
           <p:cNvPicPr>
             <a:picLocks noChangeAspect="1" noChangeArrowheads="1"/>
           </p:cNvPicPr>
           <p:nvPr/>
         </p:nvPicPr>
-        <p:blipFill rotWithShape="1">
+        <p:blipFill>
           <a:blip r:embed="rId2">
             <a:extLst>
               <a:ext uri="{28A0092B-C50C-407E-A947-70E740481C1C}">
@@ -9002,13 +9261,14 @@
               </a:ext>
             </a:extLst>
           </a:blip>
-          <a:srcRect b="26650"/>
-          <a:stretch/>
+          <a:stretch>
+            <a:fillRect/>
+          </a:stretch>
         </p:blipFill>
         <p:spPr bwMode="auto">
           <a:xfrm>
-            <a:off x="889000" y="1915410"/>
-            <a:ext cx="5803900" cy="2619367"/>
+            <a:off x="918679" y="1915410"/>
+            <a:ext cx="5744542" cy="2619367"/>
           </a:xfrm>
           <a:prstGeom prst="rect">
             <a:avLst/>
@@ -9204,34 +9464,35 @@
         <p:grpSpPr>
           <a:xfrm>
             <a:off x="889000" y="5086351"/>
-            <a:ext cx="4715970" cy="807263"/>
+            <a:ext cx="4715970" cy="792096"/>
             <a:chOff x="889000" y="5086351"/>
-            <a:chExt cx="4715970" cy="807263"/>
+            <a:chExt cx="4715970" cy="792096"/>
           </a:xfrm>
         </p:grpSpPr>
         <p:pic>
           <p:nvPicPr>
-            <p:cNvPr id="4100" name="Picture 4" descr="mage result for example table machine learning"/>
+            <p:cNvPr id="4100" name="Picture 4"/>
             <p:cNvPicPr>
               <a:picLocks noChangeAspect="1" noChangeArrowheads="1"/>
             </p:cNvPicPr>
             <p:nvPr/>
           </p:nvPicPr>
-          <p:blipFill rotWithShape="1">
-            <a:blip r:embed="rId2">
+          <p:blipFill>
+            <a:blip r:embed="rId3">
               <a:extLst>
                 <a:ext uri="{28A0092B-C50C-407E-A947-70E740481C1C}">
                   <a14:useLocalDpi xmlns:a14="http://schemas.microsoft.com/office/drawing/2010/main" val="0"/>
                 </a:ext>
               </a:extLst>
             </a:blip>
-            <a:srcRect t="72702" r="21218" b="7454"/>
-            <a:stretch/>
+            <a:stretch>
+              <a:fillRect/>
+            </a:stretch>
           </p:blipFill>
           <p:spPr bwMode="auto">
             <a:xfrm>
-              <a:off x="889000" y="5185763"/>
-              <a:ext cx="4567420" cy="707851"/>
+              <a:off x="889000" y="5207595"/>
+              <a:ext cx="4567420" cy="664186"/>
             </a:xfrm>
             <a:prstGeom prst="rect">
               <a:avLst/>
@@ -9782,19 +10043,19 @@
           <a:p>
             <a:r>
               <a:rPr lang="en-US" sz="1000" dirty="0" smtClean="0">
-                <a:hlinkClick r:id="rId3"/>
+                <a:hlinkClick r:id="rId4"/>
               </a:rPr>
               <a:t>[</a:t>
             </a:r>
             <a:r>
               <a:rPr lang="en-US" sz="1000" dirty="0" smtClean="0">
-                <a:hlinkClick r:id="rId4"/>
+                <a:hlinkClick r:id="rId5"/>
               </a:rPr>
               <a:t>Link</a:t>
             </a:r>
             <a:r>
               <a:rPr lang="en-US" sz="1000" dirty="0" smtClean="0">
-                <a:hlinkClick r:id="rId3"/>
+                <a:hlinkClick r:id="rId4"/>
               </a:rPr>
               <a:t>]</a:t>
             </a:r>
@@ -9825,19 +10086,19 @@
           <a:p>
             <a:r>
               <a:rPr lang="en-US" sz="1000" dirty="0" smtClean="0">
-                <a:hlinkClick r:id="rId3"/>
+                <a:hlinkClick r:id="rId4"/>
               </a:rPr>
               <a:t>[</a:t>
             </a:r>
             <a:r>
               <a:rPr lang="en-US" sz="1000" dirty="0" smtClean="0">
-                <a:hlinkClick r:id="rId4"/>
+                <a:hlinkClick r:id="rId5"/>
               </a:rPr>
               <a:t>Link</a:t>
             </a:r>
             <a:r>
               <a:rPr lang="en-US" sz="1000" dirty="0" smtClean="0">
-                <a:hlinkClick r:id="rId3"/>
+                <a:hlinkClick r:id="rId4"/>
               </a:rPr>
               <a:t>]</a:t>
             </a:r>
@@ -9934,13 +10195,13 @@
       </p:sp>
       <p:pic>
         <p:nvPicPr>
-          <p:cNvPr id="4098" name="Picture 2" descr="mage result for example table machine learning"/>
+          <p:cNvPr id="4098" name="Picture 2"/>
           <p:cNvPicPr>
             <a:picLocks noChangeAspect="1" noChangeArrowheads="1"/>
           </p:cNvPicPr>
           <p:nvPr/>
         </p:nvPicPr>
-        <p:blipFill rotWithShape="1">
+        <p:blipFill>
           <a:blip r:embed="rId2">
             <a:extLst>
               <a:ext uri="{28A0092B-C50C-407E-A947-70E740481C1C}">
@@ -9948,13 +10209,14 @@
               </a:ext>
             </a:extLst>
           </a:blip>
-          <a:srcRect b="26650"/>
-          <a:stretch/>
+          <a:stretch>
+            <a:fillRect/>
+          </a:stretch>
         </p:blipFill>
         <p:spPr bwMode="auto">
           <a:xfrm>
-            <a:off x="889000" y="1915410"/>
-            <a:ext cx="5803900" cy="2619367"/>
+            <a:off x="918679" y="1915410"/>
+            <a:ext cx="5744542" cy="2619367"/>
           </a:xfrm>
           <a:prstGeom prst="rect">
             <a:avLst/>
@@ -10150,34 +10412,35 @@
         <p:grpSpPr>
           <a:xfrm>
             <a:off x="889000" y="5086351"/>
-            <a:ext cx="4715970" cy="807263"/>
+            <a:ext cx="4715970" cy="792096"/>
             <a:chOff x="889000" y="5086351"/>
-            <a:chExt cx="4715970" cy="807263"/>
+            <a:chExt cx="4715970" cy="792096"/>
           </a:xfrm>
         </p:grpSpPr>
         <p:pic>
           <p:nvPicPr>
-            <p:cNvPr id="4100" name="Picture 4" descr="mage result for example table machine learning"/>
+            <p:cNvPr id="4100" name="Picture 4"/>
             <p:cNvPicPr>
               <a:picLocks noChangeAspect="1" noChangeArrowheads="1"/>
             </p:cNvPicPr>
             <p:nvPr/>
           </p:nvPicPr>
-          <p:blipFill rotWithShape="1">
-            <a:blip r:embed="rId2">
+          <p:blipFill>
+            <a:blip r:embed="rId3">
               <a:extLst>
                 <a:ext uri="{28A0092B-C50C-407E-A947-70E740481C1C}">
                   <a14:useLocalDpi xmlns:a14="http://schemas.microsoft.com/office/drawing/2010/main" val="0"/>
                 </a:ext>
               </a:extLst>
             </a:blip>
-            <a:srcRect t="72702" r="21218" b="7454"/>
-            <a:stretch/>
+            <a:stretch>
+              <a:fillRect/>
+            </a:stretch>
           </p:blipFill>
           <p:spPr bwMode="auto">
             <a:xfrm>
-              <a:off x="889000" y="5185763"/>
-              <a:ext cx="4567420" cy="707851"/>
+              <a:off x="889000" y="5207595"/>
+              <a:ext cx="4567420" cy="664186"/>
             </a:xfrm>
             <a:prstGeom prst="rect">
               <a:avLst/>
@@ -10809,19 +11072,19 @@
           <a:p>
             <a:r>
               <a:rPr lang="en-US" sz="1000" dirty="0" smtClean="0">
-                <a:hlinkClick r:id="rId3"/>
+                <a:hlinkClick r:id="rId4"/>
               </a:rPr>
               <a:t>[</a:t>
             </a:r>
             <a:r>
               <a:rPr lang="en-US" sz="1000" dirty="0" smtClean="0">
-                <a:hlinkClick r:id="rId4"/>
+                <a:hlinkClick r:id="rId5"/>
               </a:rPr>
               <a:t>Link</a:t>
             </a:r>
             <a:r>
               <a:rPr lang="en-US" sz="1000" dirty="0" smtClean="0">
-                <a:hlinkClick r:id="rId3"/>
+                <a:hlinkClick r:id="rId4"/>
               </a:rPr>
               <a:t>]</a:t>
             </a:r>
@@ -10852,19 +11115,19 @@
           <a:p>
             <a:r>
               <a:rPr lang="en-US" sz="1000" dirty="0" smtClean="0">
-                <a:hlinkClick r:id="rId3"/>
+                <a:hlinkClick r:id="rId4"/>
               </a:rPr>
               <a:t>[</a:t>
             </a:r>
             <a:r>
               <a:rPr lang="en-US" sz="1000" dirty="0" smtClean="0">
-                <a:hlinkClick r:id="rId4"/>
+                <a:hlinkClick r:id="rId5"/>
               </a:rPr>
               <a:t>Link</a:t>
             </a:r>
             <a:r>
               <a:rPr lang="en-US" sz="1000" dirty="0" smtClean="0">
-                <a:hlinkClick r:id="rId3"/>
+                <a:hlinkClick r:id="rId4"/>
               </a:rPr>
               <a:t>]</a:t>
             </a:r>
@@ -10961,13 +11224,13 @@
       </p:sp>
       <p:pic>
         <p:nvPicPr>
-          <p:cNvPr id="4098" name="Picture 2" descr="mage result for example table machine learning"/>
+          <p:cNvPr id="4098" name="Picture 2"/>
           <p:cNvPicPr>
             <a:picLocks noChangeAspect="1" noChangeArrowheads="1"/>
           </p:cNvPicPr>
           <p:nvPr/>
         </p:nvPicPr>
-        <p:blipFill rotWithShape="1">
+        <p:blipFill>
           <a:blip r:embed="rId2">
             <a:extLst>
               <a:ext uri="{28A0092B-C50C-407E-A947-70E740481C1C}">
@@ -10975,13 +11238,14 @@
               </a:ext>
             </a:extLst>
           </a:blip>
-          <a:srcRect b="26650"/>
-          <a:stretch/>
+          <a:stretch>
+            <a:fillRect/>
+          </a:stretch>
         </p:blipFill>
         <p:spPr bwMode="auto">
           <a:xfrm>
-            <a:off x="889000" y="1915410"/>
-            <a:ext cx="5803900" cy="2619367"/>
+            <a:off x="918679" y="1915410"/>
+            <a:ext cx="5744542" cy="2619367"/>
           </a:xfrm>
           <a:prstGeom prst="rect">
             <a:avLst/>
@@ -11177,34 +11441,35 @@
         <p:grpSpPr>
           <a:xfrm>
             <a:off x="889000" y="5086351"/>
-            <a:ext cx="4715970" cy="807263"/>
+            <a:ext cx="4715970" cy="792096"/>
             <a:chOff x="889000" y="5086351"/>
-            <a:chExt cx="4715970" cy="807263"/>
+            <a:chExt cx="4715970" cy="792096"/>
           </a:xfrm>
         </p:grpSpPr>
         <p:pic>
           <p:nvPicPr>
-            <p:cNvPr id="4100" name="Picture 4" descr="mage result for example table machine learning"/>
+            <p:cNvPr id="4100" name="Picture 4"/>
             <p:cNvPicPr>
               <a:picLocks noChangeAspect="1" noChangeArrowheads="1"/>
             </p:cNvPicPr>
             <p:nvPr/>
           </p:nvPicPr>
-          <p:blipFill rotWithShape="1">
-            <a:blip r:embed="rId2">
+          <p:blipFill>
+            <a:blip r:embed="rId3">
               <a:extLst>
                 <a:ext uri="{28A0092B-C50C-407E-A947-70E740481C1C}">
                   <a14:useLocalDpi xmlns:a14="http://schemas.microsoft.com/office/drawing/2010/main" val="0"/>
                 </a:ext>
               </a:extLst>
             </a:blip>
-            <a:srcRect t="72702" r="21218" b="7454"/>
-            <a:stretch/>
+            <a:stretch>
+              <a:fillRect/>
+            </a:stretch>
           </p:blipFill>
           <p:spPr bwMode="auto">
             <a:xfrm>
-              <a:off x="889000" y="5185763"/>
-              <a:ext cx="4567420" cy="707851"/>
+              <a:off x="889000" y="5207595"/>
+              <a:ext cx="4567420" cy="664186"/>
             </a:xfrm>
             <a:prstGeom prst="rect">
               <a:avLst/>
@@ -11755,19 +12020,19 @@
           <a:p>
             <a:r>
               <a:rPr lang="en-US" sz="1000" dirty="0" smtClean="0">
-                <a:hlinkClick r:id="rId3"/>
+                <a:hlinkClick r:id="rId4"/>
               </a:rPr>
               <a:t>[</a:t>
             </a:r>
             <a:r>
               <a:rPr lang="en-US" sz="1000" dirty="0" smtClean="0">
-                <a:hlinkClick r:id="rId4"/>
+                <a:hlinkClick r:id="rId5"/>
               </a:rPr>
               <a:t>Link</a:t>
             </a:r>
             <a:r>
               <a:rPr lang="en-US" sz="1000" dirty="0" smtClean="0">
-                <a:hlinkClick r:id="rId3"/>
+                <a:hlinkClick r:id="rId4"/>
               </a:rPr>
               <a:t>]</a:t>
             </a:r>
@@ -11798,19 +12063,19 @@
           <a:p>
             <a:r>
               <a:rPr lang="en-US" sz="1000" dirty="0" smtClean="0">
-                <a:hlinkClick r:id="rId3"/>
+                <a:hlinkClick r:id="rId4"/>
               </a:rPr>
               <a:t>[</a:t>
             </a:r>
             <a:r>
               <a:rPr lang="en-US" sz="1000" dirty="0" smtClean="0">
-                <a:hlinkClick r:id="rId4"/>
+                <a:hlinkClick r:id="rId5"/>
               </a:rPr>
               <a:t>Link</a:t>
             </a:r>
             <a:r>
               <a:rPr lang="en-US" sz="1000" dirty="0" smtClean="0">
-                <a:hlinkClick r:id="rId3"/>
+                <a:hlinkClick r:id="rId4"/>
               </a:rPr>
               <a:t>]</a:t>
             </a:r>
@@ -12230,229 +12495,105 @@
         <p:spPr/>
         <p:txBody>
           <a:bodyPr>
-            <a:normAutofit fontScale="90000"/>
+            <a:normAutofit/>
           </a:bodyPr>
           <a:lstStyle/>
           <a:p>
             <a:r>
               <a:rPr lang="en-US" dirty="0" smtClean="0"/>
-              <a:t>Supervised Learning Model Workflow</a:t>
+              <a:t>Twitter for Disaster </a:t>
+            </a:r>
+            <a:r>
+              <a:rPr lang="en-US" dirty="0" smtClean="0"/>
+              <a:t>Management</a:t>
             </a:r>
             <a:endParaRPr lang="en-US" dirty="0"/>
           </a:p>
         </p:txBody>
       </p:sp>
-      <p:sp>
-        <p:nvSpPr>
-          <p:cNvPr id="4" name="Rounded Rectangle 3"/>
-          <p:cNvSpPr/>
+      <p:pic>
+        <p:nvPicPr>
+          <p:cNvPr id="4" name="Picture 3"/>
+          <p:cNvPicPr>
+            <a:picLocks noChangeAspect="1"/>
+          </p:cNvPicPr>
           <p:nvPr/>
-        </p:nvSpPr>
+        </p:nvPicPr>
+        <p:blipFill rotWithShape="1">
+          <a:blip r:embed="rId2">
+            <a:extLst>
+              <a:ext uri="{28A0092B-C50C-407E-A947-70E740481C1C}">
+                <a14:useLocalDpi xmlns:a14="http://schemas.microsoft.com/office/drawing/2010/main" val="0"/>
+              </a:ext>
+            </a:extLst>
+          </a:blip>
+          <a:srcRect l="1642" r="-1"/>
+          <a:stretch/>
+        </p:blipFill>
         <p:spPr>
           <a:xfrm>
-            <a:off x="457200" y="3013023"/>
-            <a:ext cx="2016177" cy="944380"/>
+            <a:off x="281354" y="1497323"/>
+            <a:ext cx="3682946" cy="4162254"/>
           </a:xfrm>
-          <a:prstGeom prst="roundRect">
+          <a:prstGeom prst="rect">
             <a:avLst/>
           </a:prstGeom>
           <a:ln>
             <a:noFill/>
           </a:ln>
+          <a:effectLst>
+            <a:outerShdw blurRad="190500" algn="tl" rotWithShape="0">
+              <a:srgbClr val="000000">
+                <a:alpha val="70000"/>
+              </a:srgbClr>
+            </a:outerShdw>
+          </a:effectLst>
         </p:spPr>
-        <p:style>
-          <a:lnRef idx="1">
-            <a:schemeClr val="accent1"/>
-          </a:lnRef>
-          <a:fillRef idx="3">
-            <a:schemeClr val="accent1"/>
-          </a:fillRef>
-          <a:effectRef idx="2">
-            <a:schemeClr val="accent1"/>
-          </a:effectRef>
-          <a:fontRef idx="minor">
-            <a:schemeClr val="lt1"/>
-          </a:fontRef>
-        </p:style>
-        <p:txBody>
-          <a:bodyPr rtlCol="0" anchor="ctr"/>
-          <a:lstStyle/>
-          <a:p>
-            <a:pPr algn="ctr"/>
-            <a:r>
-              <a:rPr lang="en-US" sz="3200" dirty="0" smtClean="0"/>
-              <a:t>Raw Data, Labels</a:t>
-            </a:r>
-            <a:endParaRPr lang="en-US" sz="3200" dirty="0"/>
-          </a:p>
-        </p:txBody>
-      </p:sp>
-      <p:sp>
-        <p:nvSpPr>
-          <p:cNvPr id="5" name="Striped Right Arrow 4"/>
-          <p:cNvSpPr/>
+      </p:pic>
+      <p:pic>
+        <p:nvPicPr>
+          <p:cNvPr id="5" name="Picture 4"/>
+          <p:cNvPicPr>
+            <a:picLocks noChangeAspect="1"/>
+          </p:cNvPicPr>
           <p:nvPr/>
-        </p:nvSpPr>
+        </p:nvPicPr>
+        <p:blipFill>
+          <a:blip r:embed="rId3">
+            <a:extLst>
+              <a:ext uri="{28A0092B-C50C-407E-A947-70E740481C1C}">
+                <a14:useLocalDpi xmlns:a14="http://schemas.microsoft.com/office/drawing/2010/main" val="0"/>
+              </a:ext>
+            </a:extLst>
+          </a:blip>
+          <a:stretch>
+            <a:fillRect/>
+          </a:stretch>
+        </p:blipFill>
         <p:spPr>
           <a:xfrm>
-            <a:off x="2844385" y="2563318"/>
-            <a:ext cx="2810658" cy="1858780"/>
+            <a:off x="4126028" y="1494955"/>
+            <a:ext cx="4796882" cy="4166988"/>
           </a:xfrm>
-          <a:prstGeom prst="stripedRightArrow">
+          <a:prstGeom prst="rect">
             <a:avLst/>
           </a:prstGeom>
           <a:ln>
             <a:noFill/>
           </a:ln>
+          <a:effectLst>
+            <a:outerShdw blurRad="190500" algn="tl" rotWithShape="0">
+              <a:srgbClr val="000000">
+                <a:alpha val="70000"/>
+              </a:srgbClr>
+            </a:outerShdw>
+          </a:effectLst>
         </p:spPr>
-        <p:style>
-          <a:lnRef idx="1">
-            <a:schemeClr val="accent1"/>
-          </a:lnRef>
-          <a:fillRef idx="3">
-            <a:schemeClr val="accent1"/>
-          </a:fillRef>
-          <a:effectRef idx="2">
-            <a:schemeClr val="accent1"/>
-          </a:effectRef>
-          <a:fontRef idx="minor">
-            <a:schemeClr val="lt1"/>
-          </a:fontRef>
-        </p:style>
-        <p:txBody>
-          <a:bodyPr rtlCol="0" anchor="ctr"/>
-          <a:lstStyle/>
-          <a:p>
-            <a:pPr algn="ctr"/>
-            <a:r>
-              <a:rPr lang="en-US" sz="3200" dirty="0" smtClean="0"/>
-              <a:t>Feature Extraction</a:t>
-            </a:r>
-            <a:endParaRPr lang="en-US" sz="3200" dirty="0"/>
-          </a:p>
-        </p:txBody>
-      </p:sp>
-      <p:sp>
-        <p:nvSpPr>
-          <p:cNvPr id="6" name="Rounded Rectangle 5"/>
-          <p:cNvSpPr/>
-          <p:nvPr/>
-        </p:nvSpPr>
-        <p:spPr>
-          <a:xfrm>
-            <a:off x="6026051" y="2615740"/>
-            <a:ext cx="2597045" cy="1806358"/>
-          </a:xfrm>
-          <a:prstGeom prst="roundRect">
-            <a:avLst/>
-          </a:prstGeom>
-          <a:gradFill flip="none" rotWithShape="1">
-            <a:gsLst>
-              <a:gs pos="0">
-                <a:srgbClr val="439007">
-                  <a:shade val="30000"/>
-                  <a:satMod val="115000"/>
-                </a:srgbClr>
-              </a:gs>
-              <a:gs pos="50000">
-                <a:srgbClr val="439007">
-                  <a:shade val="67500"/>
-                  <a:satMod val="115000"/>
-                </a:srgbClr>
-              </a:gs>
-              <a:gs pos="100000">
-                <a:srgbClr val="439007">
-                  <a:shade val="100000"/>
-                  <a:satMod val="115000"/>
-                </a:srgbClr>
-              </a:gs>
-            </a:gsLst>
-            <a:lin ang="16200000" scaled="1"/>
-            <a:tileRect/>
-          </a:gradFill>
-        </p:spPr>
-        <p:style>
-          <a:lnRef idx="1">
-            <a:schemeClr val="accent3"/>
-          </a:lnRef>
-          <a:fillRef idx="3">
-            <a:schemeClr val="accent3"/>
-          </a:fillRef>
-          <a:effectRef idx="2">
-            <a:schemeClr val="accent3"/>
-          </a:effectRef>
-          <a:fontRef idx="minor">
-            <a:schemeClr val="lt1"/>
-          </a:fontRef>
-        </p:style>
-        <p:txBody>
-          <a:bodyPr rtlCol="0" anchor="ctr"/>
-          <a:lstStyle/>
-          <a:p>
-            <a:pPr algn="ctr"/>
-            <a:r>
-              <a:rPr lang="en-US" sz="3200" dirty="0" smtClean="0"/>
-              <a:t>Preprocessed Data, Labels</a:t>
-            </a:r>
-            <a:endParaRPr lang="en-US" sz="3200" dirty="0"/>
-          </a:p>
-        </p:txBody>
-      </p:sp>
-      <p:sp>
-        <p:nvSpPr>
-          <p:cNvPr id="12" name="Title 1"/>
-          <p:cNvSpPr txBox="1">
-            <a:spLocks/>
-          </p:cNvSpPr>
-          <p:nvPr/>
-        </p:nvSpPr>
-        <p:spPr>
-          <a:xfrm>
-            <a:off x="352269" y="1283468"/>
-            <a:ext cx="8679305" cy="1144939"/>
-          </a:xfrm>
-          <a:prstGeom prst="rect">
-            <a:avLst/>
-          </a:prstGeom>
-        </p:spPr>
-        <p:txBody>
-          <a:bodyPr vert="horz" lIns="91440" tIns="45720" rIns="91440" bIns="45720" rtlCol="0" anchor="ctr">
-            <a:normAutofit fontScale="97500"/>
-          </a:bodyPr>
-          <a:lstStyle>
-            <a:lvl1pPr algn="ctr" defTabSz="457200" rtl="0" eaLnBrk="1" latinLnBrk="0" hangingPunct="1">
-              <a:spcBef>
-                <a:spcPct val="0"/>
-              </a:spcBef>
-              <a:buNone/>
-              <a:defRPr sz="4400" kern="1200">
-                <a:solidFill>
-                  <a:schemeClr val="tx1"/>
-                </a:solidFill>
-                <a:latin typeface="+mj-lt"/>
-                <a:ea typeface="+mj-ea"/>
-                <a:cs typeface="+mj-cs"/>
-              </a:defRPr>
-            </a:lvl1pPr>
-          </a:lstStyle>
-          <a:p>
-            <a:pPr algn="l"/>
-            <a:r>
-              <a:rPr lang="en-US" sz="3200" dirty="0" smtClean="0"/>
-              <a:t>Step 1: Collecting, cleaning, preprocessing of data (</a:t>
-            </a:r>
-            <a:r>
-              <a:rPr lang="en-US" sz="3200" smtClean="0"/>
-              <a:t>training data)</a:t>
-            </a:r>
-            <a:endParaRPr lang="en-US" sz="3200" dirty="0"/>
-          </a:p>
-        </p:txBody>
-      </p:sp>
+      </p:pic>
     </p:spTree>
     <p:extLst>
       <p:ext uri="{BB962C8B-B14F-4D97-AF65-F5344CB8AC3E}">
-        <p14:creationId xmlns:p14="http://schemas.microsoft.com/office/powerpoint/2010/main" val="1479253259"/>
+        <p14:creationId xmlns:p14="http://schemas.microsoft.com/office/powerpoint/2010/main" val="1067851627"/>
       </p:ext>
     </p:extLst>
   </p:cSld>
@@ -12499,13 +12640,13 @@
         <p:spPr/>
         <p:txBody>
           <a:bodyPr>
-            <a:normAutofit fontScale="90000"/>
+            <a:normAutofit/>
           </a:bodyPr>
           <a:lstStyle/>
           <a:p>
             <a:r>
               <a:rPr lang="en-US" dirty="0" smtClean="0"/>
-              <a:t>Supervised Learning Model Workflow</a:t>
+              <a:t>Motivation for Machine Learning</a:t>
             </a:r>
             <a:endParaRPr lang="en-US" dirty="0"/>
           </a:p>
@@ -12513,338 +12654,416 @@
       </p:sp>
       <p:sp>
         <p:nvSpPr>
-          <p:cNvPr id="6" name="Rounded Rectangle 5"/>
-          <p:cNvSpPr/>
-          <p:nvPr/>
+          <p:cNvPr id="3" name="Content Placeholder 2"/>
+          <p:cNvSpPr>
+            <a:spLocks noGrp="1"/>
+          </p:cNvSpPr>
+          <p:nvPr>
+            <p:ph idx="1"/>
+          </p:nvPr>
         </p:nvSpPr>
         <p:spPr>
           <a:xfrm>
-            <a:off x="311050" y="2375921"/>
-            <a:ext cx="2597045" cy="1806358"/>
+            <a:off x="457198" y="1347723"/>
+            <a:ext cx="8546123" cy="608428"/>
           </a:xfrm>
-          <a:prstGeom prst="roundRect">
-            <a:avLst/>
-          </a:prstGeom>
-          <a:gradFill flip="none" rotWithShape="1">
-            <a:gsLst>
-              <a:gs pos="0">
-                <a:srgbClr val="439007">
-                  <a:shade val="30000"/>
-                  <a:satMod val="115000"/>
-                </a:srgbClr>
-              </a:gs>
-              <a:gs pos="50000">
-                <a:srgbClr val="439007">
-                  <a:shade val="67500"/>
-                  <a:satMod val="115000"/>
-                </a:srgbClr>
-              </a:gs>
-              <a:gs pos="100000">
-                <a:srgbClr val="439007">
-                  <a:shade val="100000"/>
-                  <a:satMod val="115000"/>
-                </a:srgbClr>
-              </a:gs>
-            </a:gsLst>
-            <a:lin ang="16200000" scaled="1"/>
-            <a:tileRect/>
-          </a:gradFill>
         </p:spPr>
-        <p:style>
-          <a:lnRef idx="1">
-            <a:schemeClr val="accent3"/>
-          </a:lnRef>
-          <a:fillRef idx="3">
-            <a:schemeClr val="accent3"/>
-          </a:fillRef>
-          <a:effectRef idx="2">
-            <a:schemeClr val="accent3"/>
-          </a:effectRef>
-          <a:fontRef idx="minor">
-            <a:schemeClr val="lt1"/>
-          </a:fontRef>
-        </p:style>
-        <p:txBody>
-          <a:bodyPr rtlCol="0" anchor="ctr"/>
+        <p:txBody>
+          <a:bodyPr/>
           <a:lstStyle/>
           <a:p>
-            <a:pPr algn="ctr"/>
-            <a:r>
-              <a:rPr lang="en-US" sz="3200" dirty="0" smtClean="0"/>
-              <a:t>Preprocessed Data, Labels</a:t>
-            </a:r>
-            <a:endParaRPr lang="en-US" sz="3200" dirty="0"/>
-          </a:p>
-        </p:txBody>
-      </p:sp>
-      <p:sp>
-        <p:nvSpPr>
-          <p:cNvPr id="7" name="Oval 6"/>
-          <p:cNvSpPr/>
+            <a:r>
+              <a:rPr lang="en-US"/>
+              <a:t>S</a:t>
+            </a:r>
+            <a:r>
+              <a:rPr lang="en-US" smtClean="0"/>
+              <a:t>ome </a:t>
+            </a:r>
+            <a:r>
+              <a:rPr lang="en-US" dirty="0"/>
+              <a:t>tasks are difficult to define algorithmically </a:t>
+            </a:r>
+          </a:p>
+        </p:txBody>
+      </p:sp>
+      <p:sp>
+        <p:nvSpPr>
+          <p:cNvPr id="4" name="Content Placeholder 2"/>
+          <p:cNvSpPr txBox="1">
+            <a:spLocks/>
+          </p:cNvSpPr>
           <p:nvPr/>
         </p:nvSpPr>
         <p:spPr>
           <a:xfrm>
-            <a:off x="6322099" y="2293518"/>
-            <a:ext cx="2627030" cy="1888761"/>
-          </a:xfrm>
-          <a:prstGeom prst="ellipse">
-            <a:avLst/>
-          </a:prstGeom>
-          <a:gradFill>
-            <a:gsLst>
-              <a:gs pos="0">
-                <a:srgbClr val="FF9300"/>
-              </a:gs>
-              <a:gs pos="100000">
-                <a:schemeClr val="accent6">
-                  <a:tint val="50000"/>
-                  <a:shade val="100000"/>
-                  <a:satMod val="350000"/>
-                </a:schemeClr>
-              </a:gs>
-            </a:gsLst>
-          </a:gradFill>
-          <a:ln>
-            <a:noFill/>
-          </a:ln>
-        </p:spPr>
-        <p:style>
-          <a:lnRef idx="1">
-            <a:schemeClr val="accent6"/>
-          </a:lnRef>
-          <a:fillRef idx="3">
-            <a:schemeClr val="accent6"/>
-          </a:fillRef>
-          <a:effectRef idx="2">
-            <a:schemeClr val="accent6"/>
-          </a:effectRef>
-          <a:fontRef idx="minor">
-            <a:schemeClr val="lt1"/>
-          </a:fontRef>
-        </p:style>
-        <p:txBody>
-          <a:bodyPr rtlCol="0" anchor="ctr"/>
-          <a:lstStyle/>
-          <a:p>
-            <a:pPr algn="ctr"/>
-            <a:r>
-              <a:rPr lang="en-US" sz="3200" dirty="0" smtClean="0"/>
-              <a:t>Machine Learning Algorithm</a:t>
-            </a:r>
-            <a:endParaRPr lang="en-US" sz="3200" dirty="0"/>
-          </a:p>
-        </p:txBody>
-      </p:sp>
-      <p:sp>
-        <p:nvSpPr>
-          <p:cNvPr id="10" name="Title 1"/>
-          <p:cNvSpPr txBox="1">
-            <a:spLocks/>
-          </p:cNvSpPr>
-          <p:nvPr/>
-        </p:nvSpPr>
-        <p:spPr>
-          <a:xfrm>
-            <a:off x="457200" y="1197340"/>
-            <a:ext cx="8679305" cy="1143000"/>
+            <a:off x="457198" y="1956151"/>
+            <a:ext cx="8546123" cy="608428"/>
           </a:xfrm>
           <a:prstGeom prst="rect">
             <a:avLst/>
           </a:prstGeom>
         </p:spPr>
         <p:txBody>
-          <a:bodyPr vert="horz" lIns="91440" tIns="45720" rIns="91440" bIns="45720" rtlCol="0" anchor="ctr">
-            <a:normAutofit fontScale="97500"/>
+          <a:bodyPr vert="horz" lIns="91440" tIns="45720" rIns="91440" bIns="45720" rtlCol="0">
+            <a:normAutofit/>
           </a:bodyPr>
           <a:lstStyle>
-            <a:lvl1pPr algn="ctr" defTabSz="457200" rtl="0" eaLnBrk="1" latinLnBrk="0" hangingPunct="1">
+            <a:lvl1pPr marL="342900" indent="-342900" algn="l" defTabSz="457200" rtl="0" eaLnBrk="1" latinLnBrk="0" hangingPunct="1">
               <a:spcBef>
-                <a:spcPct val="0"/>
+                <a:spcPct val="20000"/>
               </a:spcBef>
-              <a:buNone/>
-              <a:defRPr sz="4400" kern="1200">
+              <a:buFont typeface="Arial"/>
+              <a:buChar char="•"/>
+              <a:defRPr sz="3200" kern="1200">
                 <a:solidFill>
                   <a:schemeClr val="tx1"/>
                 </a:solidFill>
-                <a:latin typeface="+mj-lt"/>
-                <a:ea typeface="+mj-ea"/>
-                <a:cs typeface="+mj-cs"/>
+                <a:latin typeface="+mn-lt"/>
+                <a:ea typeface="+mn-ea"/>
+                <a:cs typeface="+mn-cs"/>
               </a:defRPr>
             </a:lvl1pPr>
+            <a:lvl2pPr marL="742950" indent="-285750" algn="l" defTabSz="457200" rtl="0" eaLnBrk="1" latinLnBrk="0" hangingPunct="1">
+              <a:spcBef>
+                <a:spcPct val="20000"/>
+              </a:spcBef>
+              <a:buFont typeface="Arial"/>
+              <a:buChar char="–"/>
+              <a:defRPr sz="2800" kern="1200">
+                <a:solidFill>
+                  <a:schemeClr val="tx1"/>
+                </a:solidFill>
+                <a:latin typeface="+mn-lt"/>
+                <a:ea typeface="+mn-ea"/>
+                <a:cs typeface="+mn-cs"/>
+              </a:defRPr>
+            </a:lvl2pPr>
+            <a:lvl3pPr marL="1143000" indent="-228600" algn="l" defTabSz="457200" rtl="0" eaLnBrk="1" latinLnBrk="0" hangingPunct="1">
+              <a:spcBef>
+                <a:spcPct val="20000"/>
+              </a:spcBef>
+              <a:buFont typeface="Arial"/>
+              <a:buChar char="•"/>
+              <a:defRPr sz="2400" kern="1200">
+                <a:solidFill>
+                  <a:schemeClr val="tx1"/>
+                </a:solidFill>
+                <a:latin typeface="+mn-lt"/>
+                <a:ea typeface="+mn-ea"/>
+                <a:cs typeface="+mn-cs"/>
+              </a:defRPr>
+            </a:lvl3pPr>
+            <a:lvl4pPr marL="1600200" indent="-228600" algn="l" defTabSz="457200" rtl="0" eaLnBrk="1" latinLnBrk="0" hangingPunct="1">
+              <a:spcBef>
+                <a:spcPct val="20000"/>
+              </a:spcBef>
+              <a:buFont typeface="Arial"/>
+              <a:buChar char="–"/>
+              <a:defRPr sz="2000" kern="1200">
+                <a:solidFill>
+                  <a:schemeClr val="tx1"/>
+                </a:solidFill>
+                <a:latin typeface="+mn-lt"/>
+                <a:ea typeface="+mn-ea"/>
+                <a:cs typeface="+mn-cs"/>
+              </a:defRPr>
+            </a:lvl4pPr>
+            <a:lvl5pPr marL="2057400" indent="-228600" algn="l" defTabSz="457200" rtl="0" eaLnBrk="1" latinLnBrk="0" hangingPunct="1">
+              <a:spcBef>
+                <a:spcPct val="20000"/>
+              </a:spcBef>
+              <a:buFont typeface="Arial"/>
+              <a:buChar char="»"/>
+              <a:defRPr sz="2000" kern="1200">
+                <a:solidFill>
+                  <a:schemeClr val="tx1"/>
+                </a:solidFill>
+                <a:latin typeface="+mn-lt"/>
+                <a:ea typeface="+mn-ea"/>
+                <a:cs typeface="+mn-cs"/>
+              </a:defRPr>
+            </a:lvl5pPr>
+            <a:lvl6pPr marL="2514600" indent="-228600" algn="l" defTabSz="457200" rtl="0" eaLnBrk="1" latinLnBrk="0" hangingPunct="1">
+              <a:spcBef>
+                <a:spcPct val="20000"/>
+              </a:spcBef>
+              <a:buFont typeface="Arial"/>
+              <a:buChar char="•"/>
+              <a:defRPr sz="2000" kern="1200">
+                <a:solidFill>
+                  <a:schemeClr val="tx1"/>
+                </a:solidFill>
+                <a:latin typeface="+mn-lt"/>
+                <a:ea typeface="+mn-ea"/>
+                <a:cs typeface="+mn-cs"/>
+              </a:defRPr>
+            </a:lvl6pPr>
+            <a:lvl7pPr marL="2971800" indent="-228600" algn="l" defTabSz="457200" rtl="0" eaLnBrk="1" latinLnBrk="0" hangingPunct="1">
+              <a:spcBef>
+                <a:spcPct val="20000"/>
+              </a:spcBef>
+              <a:buFont typeface="Arial"/>
+              <a:buChar char="•"/>
+              <a:defRPr sz="2000" kern="1200">
+                <a:solidFill>
+                  <a:schemeClr val="tx1"/>
+                </a:solidFill>
+                <a:latin typeface="+mn-lt"/>
+                <a:ea typeface="+mn-ea"/>
+                <a:cs typeface="+mn-cs"/>
+              </a:defRPr>
+            </a:lvl7pPr>
+            <a:lvl8pPr marL="3429000" indent="-228600" algn="l" defTabSz="457200" rtl="0" eaLnBrk="1" latinLnBrk="0" hangingPunct="1">
+              <a:spcBef>
+                <a:spcPct val="20000"/>
+              </a:spcBef>
+              <a:buFont typeface="Arial"/>
+              <a:buChar char="•"/>
+              <a:defRPr sz="2000" kern="1200">
+                <a:solidFill>
+                  <a:schemeClr val="tx1"/>
+                </a:solidFill>
+                <a:latin typeface="+mn-lt"/>
+                <a:ea typeface="+mn-ea"/>
+                <a:cs typeface="+mn-cs"/>
+              </a:defRPr>
+            </a:lvl8pPr>
+            <a:lvl9pPr marL="3886200" indent="-228600" algn="l" defTabSz="457200" rtl="0" eaLnBrk="1" latinLnBrk="0" hangingPunct="1">
+              <a:spcBef>
+                <a:spcPct val="20000"/>
+              </a:spcBef>
+              <a:buFont typeface="Arial"/>
+              <a:buChar char="•"/>
+              <a:defRPr sz="2000" kern="1200">
+                <a:solidFill>
+                  <a:schemeClr val="tx1"/>
+                </a:solidFill>
+                <a:latin typeface="+mn-lt"/>
+                <a:ea typeface="+mn-ea"/>
+                <a:cs typeface="+mn-cs"/>
+              </a:defRPr>
+            </a:lvl9pPr>
           </a:lstStyle>
           <a:p>
-            <a:pPr algn="l"/>
-            <a:r>
-              <a:rPr lang="en-US" sz="3200" dirty="0" smtClean="0"/>
-              <a:t>Step 2: Training a machine learning model  </a:t>
-            </a:r>
-            <a:endParaRPr lang="en-US" sz="3200" dirty="0"/>
-          </a:p>
-        </p:txBody>
-      </p:sp>
-      <p:sp>
-        <p:nvSpPr>
-          <p:cNvPr id="22" name="Striped Right Arrow 21"/>
-          <p:cNvSpPr/>
+            <a:pPr marL="0" indent="0">
+              <a:buNone/>
+            </a:pPr>
+            <a:r>
+              <a:rPr lang="en-US" sz="2400" dirty="0"/>
+              <a:t>E</a:t>
+            </a:r>
+            <a:r>
+              <a:rPr lang="en-US" sz="2400" dirty="0" smtClean="0"/>
+              <a:t>xample: is there a bird in a given picture?</a:t>
+            </a:r>
+            <a:endParaRPr lang="en-US" sz="2400" dirty="0"/>
+          </a:p>
+        </p:txBody>
+      </p:sp>
+      <p:pic>
+        <p:nvPicPr>
+          <p:cNvPr id="1026" name="Picture 2" descr="mage result for bird"/>
+          <p:cNvPicPr>
+            <a:picLocks noChangeAspect="1" noChangeArrowheads="1"/>
+          </p:cNvPicPr>
           <p:nvPr/>
-        </p:nvSpPr>
-        <p:spPr>
+        </p:nvPicPr>
+        <p:blipFill rotWithShape="1">
+          <a:blip r:embed="rId2">
+            <a:extLst>
+              <a:ext uri="{28A0092B-C50C-407E-A947-70E740481C1C}">
+                <a14:useLocalDpi xmlns:a14="http://schemas.microsoft.com/office/drawing/2010/main" val="0"/>
+              </a:ext>
+            </a:extLst>
+          </a:blip>
+          <a:srcRect l="14705" r="17636" b="3607"/>
+          <a:stretch/>
+        </p:blipFill>
+        <p:spPr bwMode="auto">
           <a:xfrm>
-            <a:off x="3054245" y="2546476"/>
-            <a:ext cx="3121703" cy="1394085"/>
+            <a:off x="562708" y="2564579"/>
+            <a:ext cx="2340122" cy="1711999"/>
           </a:xfrm>
-          <a:prstGeom prst="stripedRightArrow">
+          <a:prstGeom prst="rect">
             <a:avLst/>
           </a:prstGeom>
-          <a:solidFill>
-            <a:srgbClr val="439007"/>
-          </a:solidFill>
-          <a:ln>
-            <a:noFill/>
-          </a:ln>
+          <a:noFill/>
+          <a:extLst>
+            <a:ext uri="{909E8E84-426E-40DD-AFC4-6F175D3DCCD1}">
+              <a14:hiddenFill xmlns:a14="http://schemas.microsoft.com/office/drawing/2010/main">
+                <a:solidFill>
+                  <a:srgbClr val="FFFFFF"/>
+                </a:solidFill>
+              </a14:hiddenFill>
+            </a:ext>
+          </a:extLst>
         </p:spPr>
-        <p:style>
-          <a:lnRef idx="1">
-            <a:schemeClr val="accent1"/>
-          </a:lnRef>
-          <a:fillRef idx="3">
-            <a:schemeClr val="accent1"/>
-          </a:fillRef>
-          <a:effectRef idx="2">
-            <a:schemeClr val="accent1"/>
-          </a:effectRef>
-          <a:fontRef idx="minor">
-            <a:schemeClr val="lt1"/>
-          </a:fontRef>
-        </p:style>
-        <p:txBody>
-          <a:bodyPr rtlCol="0" anchor="ctr"/>
-          <a:lstStyle/>
-          <a:p>
-            <a:pPr algn="ctr"/>
-            <a:r>
-              <a:rPr lang="en-US" sz="3200" dirty="0" smtClean="0"/>
-              <a:t>Feed the data</a:t>
-            </a:r>
-            <a:endParaRPr lang="en-US" sz="3200" dirty="0"/>
-          </a:p>
-        </p:txBody>
-      </p:sp>
-      <p:sp>
-        <p:nvSpPr>
-          <p:cNvPr id="23" name="Striped Right Arrow 22"/>
-          <p:cNvSpPr/>
+      </p:pic>
+      <p:pic>
+        <p:nvPicPr>
+          <p:cNvPr id="1028" name="Picture 4" descr="mage result"/>
+          <p:cNvPicPr>
+            <a:picLocks noChangeAspect="1" noChangeArrowheads="1"/>
+          </p:cNvPicPr>
           <p:nvPr/>
-        </p:nvSpPr>
-        <p:spPr>
-          <a:xfrm rot="8296209">
-            <a:off x="5569715" y="3759624"/>
-            <a:ext cx="1046703" cy="848448"/>
+        </p:nvPicPr>
+        <p:blipFill rotWithShape="1">
+          <a:blip r:embed="rId3">
+            <a:extLst>
+              <a:ext uri="{28A0092B-C50C-407E-A947-70E740481C1C}">
+                <a14:useLocalDpi xmlns:a14="http://schemas.microsoft.com/office/drawing/2010/main" val="0"/>
+              </a:ext>
+            </a:extLst>
+          </a:blip>
+          <a:srcRect l="9533" t="8558" r="17450" b="7263"/>
+          <a:stretch/>
+        </p:blipFill>
+        <p:spPr bwMode="auto">
+          <a:xfrm>
+            <a:off x="2998763" y="2564579"/>
+            <a:ext cx="1908715" cy="1894879"/>
           </a:xfrm>
-          <a:prstGeom prst="stripedRightArrow">
+          <a:prstGeom prst="rect">
             <a:avLst/>
           </a:prstGeom>
-          <a:ln>
-            <a:noFill/>
-          </a:ln>
+          <a:noFill/>
+          <a:extLst>
+            <a:ext uri="{909E8E84-426E-40DD-AFC4-6F175D3DCCD1}">
+              <a14:hiddenFill xmlns:a14="http://schemas.microsoft.com/office/drawing/2010/main">
+                <a:solidFill>
+                  <a:srgbClr val="FFFFFF"/>
+                </a:solidFill>
+              </a14:hiddenFill>
+            </a:ext>
+          </a:extLst>
         </p:spPr>
-        <p:style>
-          <a:lnRef idx="1">
-            <a:schemeClr val="accent6"/>
-          </a:lnRef>
-          <a:fillRef idx="3">
-            <a:schemeClr val="accent6"/>
-          </a:fillRef>
-          <a:effectRef idx="2">
-            <a:schemeClr val="accent6"/>
-          </a:effectRef>
-          <a:fontRef idx="minor">
-            <a:schemeClr val="lt1"/>
-          </a:fontRef>
-        </p:style>
-        <p:txBody>
-          <a:bodyPr rtlCol="0" anchor="ctr"/>
-          <a:lstStyle/>
-          <a:p>
-            <a:pPr algn="ctr"/>
-            <a:endParaRPr lang="en-US"/>
-          </a:p>
-        </p:txBody>
-      </p:sp>
-      <p:sp>
-        <p:nvSpPr>
-          <p:cNvPr id="24" name="Oval 23"/>
-          <p:cNvSpPr/>
+      </p:pic>
+      <p:pic>
+        <p:nvPicPr>
+          <p:cNvPr id="1030" name="Picture 6" descr="elated image"/>
+          <p:cNvPicPr>
+            <a:picLocks noChangeAspect="1" noChangeArrowheads="1"/>
+          </p:cNvPicPr>
           <p:nvPr/>
-        </p:nvSpPr>
-        <p:spPr>
+        </p:nvPicPr>
+        <p:blipFill rotWithShape="1">
+          <a:blip r:embed="rId4">
+            <a:extLst>
+              <a:ext uri="{28A0092B-C50C-407E-A947-70E740481C1C}">
+                <a14:useLocalDpi xmlns:a14="http://schemas.microsoft.com/office/drawing/2010/main" val="0"/>
+              </a:ext>
+            </a:extLst>
+          </a:blip>
+          <a:srcRect l="20863" t="11752" r="18040" b="19301"/>
+          <a:stretch/>
+        </p:blipFill>
+        <p:spPr bwMode="auto">
           <a:xfrm>
-            <a:off x="1944124" y="4399616"/>
-            <a:ext cx="4231823" cy="1615152"/>
+            <a:off x="583763" y="4354831"/>
+            <a:ext cx="2132179" cy="1525463"/>
           </a:xfrm>
-          <a:prstGeom prst="ellipse">
+          <a:prstGeom prst="rect">
             <a:avLst/>
           </a:prstGeom>
-          <a:gradFill flip="none" rotWithShape="1">
-            <a:gsLst>
-              <a:gs pos="0">
-                <a:srgbClr val="00B0F0">
-                  <a:shade val="30000"/>
-                  <a:satMod val="115000"/>
-                </a:srgbClr>
-              </a:gs>
-              <a:gs pos="50000">
-                <a:srgbClr val="00B0F0">
-                  <a:shade val="67500"/>
-                  <a:satMod val="115000"/>
-                </a:srgbClr>
-              </a:gs>
-              <a:gs pos="100000">
-                <a:srgbClr val="00B0F0">
-                  <a:shade val="100000"/>
-                  <a:satMod val="115000"/>
-                </a:srgbClr>
-              </a:gs>
-            </a:gsLst>
-            <a:lin ang="16200000" scaled="1"/>
-            <a:tileRect/>
-          </a:gradFill>
-          <a:ln>
-            <a:noFill/>
-          </a:ln>
+          <a:noFill/>
+          <a:extLst>
+            <a:ext uri="{909E8E84-426E-40DD-AFC4-6F175D3DCCD1}">
+              <a14:hiddenFill xmlns:a14="http://schemas.microsoft.com/office/drawing/2010/main">
+                <a:solidFill>
+                  <a:srgbClr val="FFFFFF"/>
+                </a:solidFill>
+              </a14:hiddenFill>
+            </a:ext>
+          </a:extLst>
         </p:spPr>
-        <p:style>
-          <a:lnRef idx="1">
-            <a:schemeClr val="accent4"/>
-          </a:lnRef>
-          <a:fillRef idx="3">
-            <a:schemeClr val="accent4"/>
-          </a:fillRef>
-          <a:effectRef idx="2">
-            <a:schemeClr val="accent4"/>
-          </a:effectRef>
-          <a:fontRef idx="minor">
-            <a:schemeClr val="lt1"/>
-          </a:fontRef>
-        </p:style>
-        <p:txBody>
-          <a:bodyPr rtlCol="0" anchor="ctr"/>
-          <a:lstStyle/>
-          <a:p>
-            <a:pPr algn="ctr"/>
-            <a:r>
-              <a:rPr lang="en-US" sz="3200" dirty="0" smtClean="0"/>
-              <a:t>Trained Machine Learning Model</a:t>
-            </a:r>
-            <a:endParaRPr lang="en-US" sz="3200" dirty="0"/>
-          </a:p>
-        </p:txBody>
-      </p:sp>
+      </p:pic>
+      <p:pic>
+        <p:nvPicPr>
+          <p:cNvPr id="1032" name="Picture 8" descr="mage result for bird funny"/>
+          <p:cNvPicPr>
+            <a:picLocks noChangeAspect="1" noChangeArrowheads="1"/>
+          </p:cNvPicPr>
+          <p:nvPr/>
+        </p:nvPicPr>
+        <p:blipFill>
+          <a:blip r:embed="rId5">
+            <a:extLst>
+              <a:ext uri="{28A0092B-C50C-407E-A947-70E740481C1C}">
+                <a14:useLocalDpi xmlns:a14="http://schemas.microsoft.com/office/drawing/2010/main" val="0"/>
+              </a:ext>
+            </a:extLst>
+          </a:blip>
+          <a:srcRect/>
+          <a:stretch>
+            <a:fillRect/>
+          </a:stretch>
+        </p:blipFill>
+        <p:spPr bwMode="auto">
+          <a:xfrm>
+            <a:off x="2790748" y="4557932"/>
+            <a:ext cx="2116730" cy="1322362"/>
+          </a:xfrm>
+          <a:prstGeom prst="rect">
+            <a:avLst/>
+          </a:prstGeom>
+          <a:noFill/>
+          <a:extLst>
+            <a:ext uri="{909E8E84-426E-40DD-AFC4-6F175D3DCCD1}">
+              <a14:hiddenFill xmlns:a14="http://schemas.microsoft.com/office/drawing/2010/main">
+                <a:solidFill>
+                  <a:srgbClr val="FFFFFF"/>
+                </a:solidFill>
+              </a14:hiddenFill>
+            </a:ext>
+          </a:extLst>
+        </p:spPr>
+      </p:pic>
+      <p:pic>
+        <p:nvPicPr>
+          <p:cNvPr id="1034" name="Picture 10" descr="asks"/>
+          <p:cNvPicPr>
+            <a:picLocks noChangeAspect="1" noChangeArrowheads="1"/>
+          </p:cNvPicPr>
+          <p:nvPr/>
+        </p:nvPicPr>
+        <p:blipFill>
+          <a:blip r:embed="rId6">
+            <a:extLst>
+              <a:ext uri="{28A0092B-C50C-407E-A947-70E740481C1C}">
+                <a14:useLocalDpi xmlns:a14="http://schemas.microsoft.com/office/drawing/2010/main" val="0"/>
+              </a:ext>
+            </a:extLst>
+          </a:blip>
+          <a:srcRect/>
+          <a:stretch>
+            <a:fillRect/>
+          </a:stretch>
+        </p:blipFill>
+        <p:spPr bwMode="auto">
+          <a:xfrm>
+            <a:off x="6035040" y="2067005"/>
+            <a:ext cx="2329694" cy="3909000"/>
+          </a:xfrm>
+          <a:prstGeom prst="rect">
+            <a:avLst/>
+          </a:prstGeom>
+          <a:noFill/>
+          <a:extLst>
+            <a:ext uri="{909E8E84-426E-40DD-AFC4-6F175D3DCCD1}">
+              <a14:hiddenFill xmlns:a14="http://schemas.microsoft.com/office/drawing/2010/main">
+                <a:solidFill>
+                  <a:srgbClr val="FFFFFF"/>
+                </a:solidFill>
+              </a14:hiddenFill>
+            </a:ext>
+          </a:extLst>
+        </p:spPr>
+      </p:pic>
     </p:spTree>
     <p:extLst>
       <p:ext uri="{BB962C8B-B14F-4D97-AF65-F5344CB8AC3E}">
-        <p14:creationId xmlns:p14="http://schemas.microsoft.com/office/powerpoint/2010/main" val="1448376329"/>
+        <p14:creationId xmlns:p14="http://schemas.microsoft.com/office/powerpoint/2010/main" val="1874972098"/>
       </p:ext>
     </p:extLst>
   </p:cSld>
@@ -12862,7 +13081,7 @@
 </file>
 
 <file path=ppt/theme/theme1.xml><?xml version="1.0" encoding="utf-8"?>
-<a:theme xmlns:a="http://schemas.openxmlformats.org/drawingml/2006/main" name="Office Theme">
+<a:theme xmlns:a="http://schemas.openxmlformats.org/drawingml/2006/main" name="Wordmarktemplate">
   <a:themeElements>
     <a:clrScheme name="Office">
       <a:dk1>

--- a/grad-presentation-sopova 2.pptx
+++ b/grad-presentation-sopova 2.pptx
@@ -5,7 +5,7 @@
     <p:sldMasterId id="2147483660" r:id="rId1"/>
   </p:sldMasterIdLst>
   <p:notesMasterIdLst>
-    <p:notesMasterId r:id="rId31"/>
+    <p:notesMasterId r:id="rId36"/>
   </p:notesMasterIdLst>
   <p:sldIdLst>
     <p:sldId id="256" r:id="rId2"/>
@@ -14,29 +14,34 @@
     <p:sldId id="262" r:id="rId5"/>
     <p:sldId id="263" r:id="rId6"/>
     <p:sldId id="264" r:id="rId7"/>
-    <p:sldId id="261" r:id="rId8"/>
-    <p:sldId id="282" r:id="rId9"/>
-    <p:sldId id="283" r:id="rId10"/>
-    <p:sldId id="285" r:id="rId11"/>
-    <p:sldId id="287" r:id="rId12"/>
-    <p:sldId id="266" r:id="rId13"/>
-    <p:sldId id="267" r:id="rId14"/>
-    <p:sldId id="288" r:id="rId15"/>
-    <p:sldId id="268" r:id="rId16"/>
-    <p:sldId id="272" r:id="rId17"/>
-    <p:sldId id="289" r:id="rId18"/>
-    <p:sldId id="273" r:id="rId19"/>
-    <p:sldId id="258" r:id="rId20"/>
-    <p:sldId id="271" r:id="rId21"/>
-    <p:sldId id="284" r:id="rId22"/>
-    <p:sldId id="274" r:id="rId23"/>
-    <p:sldId id="275" r:id="rId24"/>
-    <p:sldId id="276" r:id="rId25"/>
-    <p:sldId id="281" r:id="rId26"/>
-    <p:sldId id="277" r:id="rId27"/>
-    <p:sldId id="279" r:id="rId28"/>
-    <p:sldId id="280" r:id="rId29"/>
-    <p:sldId id="270" r:id="rId30"/>
+    <p:sldId id="290" r:id="rId8"/>
+    <p:sldId id="291" r:id="rId9"/>
+    <p:sldId id="261" r:id="rId10"/>
+    <p:sldId id="282" r:id="rId11"/>
+    <p:sldId id="283" r:id="rId12"/>
+    <p:sldId id="285" r:id="rId13"/>
+    <p:sldId id="287" r:id="rId14"/>
+    <p:sldId id="266" r:id="rId15"/>
+    <p:sldId id="267" r:id="rId16"/>
+    <p:sldId id="288" r:id="rId17"/>
+    <p:sldId id="268" r:id="rId18"/>
+    <p:sldId id="272" r:id="rId19"/>
+    <p:sldId id="289" r:id="rId20"/>
+    <p:sldId id="273" r:id="rId21"/>
+    <p:sldId id="292" r:id="rId22"/>
+    <p:sldId id="258" r:id="rId23"/>
+    <p:sldId id="271" r:id="rId24"/>
+    <p:sldId id="284" r:id="rId25"/>
+    <p:sldId id="274" r:id="rId26"/>
+    <p:sldId id="275" r:id="rId27"/>
+    <p:sldId id="276" r:id="rId28"/>
+    <p:sldId id="281" r:id="rId29"/>
+    <p:sldId id="277" r:id="rId30"/>
+    <p:sldId id="279" r:id="rId31"/>
+    <p:sldId id="280" r:id="rId32"/>
+    <p:sldId id="293" r:id="rId33"/>
+    <p:sldId id="294" r:id="rId34"/>
+    <p:sldId id="295" r:id="rId35"/>
   </p:sldIdLst>
   <p:sldSz cx="9144000" cy="6858000" type="screen4x3"/>
   <p:notesSz cx="6858000" cy="9144000"/>
@@ -236,7 +241,7 @@
           <a:p>
             <a:fld id="{1A3D51CD-C6E5-C648-8A31-78D7A40B68FA}" type="datetimeFigureOut">
               <a:rPr lang="en-US" smtClean="0"/>
-              <a:t>3/20/17</a:t>
+              <a:t>3/21/17</a:t>
             </a:fld>
             <a:endParaRPr lang="en-US"/>
           </a:p>
@@ -653,7 +658,7 @@
           <a:p>
             <a:fld id="{078D3A81-2A6C-A641-A4CE-9D515A03F769}" type="slidenum">
               <a:rPr lang="en-US" smtClean="0"/>
-              <a:t>10</a:t>
+              <a:t>12</a:t>
             </a:fld>
             <a:endParaRPr lang="en-US"/>
           </a:p>
@@ -854,7 +859,7 @@
             <a:fld id="{017C792F-31EE-C344-A2D6-ED544E6AF3F4}" type="datetimeFigureOut">
               <a:rPr lang="en-US" smtClean="0"/>
               <a:pPr/>
-              <a:t>3/20/17</a:t>
+              <a:t>3/21/17</a:t>
             </a:fld>
             <a:endParaRPr lang="en-US"/>
           </a:p>
@@ -1021,7 +1026,7 @@
             <a:fld id="{017C792F-31EE-C344-A2D6-ED544E6AF3F4}" type="datetimeFigureOut">
               <a:rPr lang="en-US" smtClean="0"/>
               <a:pPr/>
-              <a:t>3/20/17</a:t>
+              <a:t>3/21/17</a:t>
             </a:fld>
             <a:endParaRPr lang="en-US"/>
           </a:p>
@@ -1198,7 +1203,7 @@
             <a:fld id="{017C792F-31EE-C344-A2D6-ED544E6AF3F4}" type="datetimeFigureOut">
               <a:rPr lang="en-US" smtClean="0"/>
               <a:pPr/>
-              <a:t>3/20/17</a:t>
+              <a:t>3/21/17</a:t>
             </a:fld>
             <a:endParaRPr lang="en-US"/>
           </a:p>
@@ -1370,7 +1375,7 @@
             <a:fld id="{017C792F-31EE-C344-A2D6-ED544E6AF3F4}" type="datetimeFigureOut">
               <a:rPr lang="en-US" smtClean="0"/>
               <a:pPr/>
-              <a:t>3/20/17</a:t>
+              <a:t>3/21/17</a:t>
             </a:fld>
             <a:endParaRPr lang="en-US"/>
           </a:p>
@@ -1613,7 +1618,7 @@
             <a:fld id="{017C792F-31EE-C344-A2D6-ED544E6AF3F4}" type="datetimeFigureOut">
               <a:rPr lang="en-US" smtClean="0"/>
               <a:pPr/>
-              <a:t>3/20/17</a:t>
+              <a:t>3/21/17</a:t>
             </a:fld>
             <a:endParaRPr lang="en-US"/>
           </a:p>
@@ -1903,7 +1908,7 @@
             <a:fld id="{017C792F-31EE-C344-A2D6-ED544E6AF3F4}" type="datetimeFigureOut">
               <a:rPr lang="en-US" smtClean="0"/>
               <a:pPr/>
-              <a:t>3/20/17</a:t>
+              <a:t>3/21/17</a:t>
             </a:fld>
             <a:endParaRPr lang="en-US"/>
           </a:p>
@@ -2327,7 +2332,7 @@
             <a:fld id="{017C792F-31EE-C344-A2D6-ED544E6AF3F4}" type="datetimeFigureOut">
               <a:rPr lang="en-US" smtClean="0"/>
               <a:pPr/>
-              <a:t>3/20/17</a:t>
+              <a:t>3/21/17</a:t>
             </a:fld>
             <a:endParaRPr lang="en-US"/>
           </a:p>
@@ -2447,7 +2452,7 @@
             <a:fld id="{017C792F-31EE-C344-A2D6-ED544E6AF3F4}" type="datetimeFigureOut">
               <a:rPr lang="en-US" smtClean="0"/>
               <a:pPr/>
-              <a:t>3/20/17</a:t>
+              <a:t>3/21/17</a:t>
             </a:fld>
             <a:endParaRPr lang="en-US"/>
           </a:p>
@@ -2539,7 +2544,7 @@
             <a:fld id="{017C792F-31EE-C344-A2D6-ED544E6AF3F4}" type="datetimeFigureOut">
               <a:rPr lang="en-US" smtClean="0"/>
               <a:pPr/>
-              <a:t>3/20/17</a:t>
+              <a:t>3/21/17</a:t>
             </a:fld>
             <a:endParaRPr lang="en-US"/>
           </a:p>
@@ -2813,7 +2818,7 @@
             <a:fld id="{017C792F-31EE-C344-A2D6-ED544E6AF3F4}" type="datetimeFigureOut">
               <a:rPr lang="en-US" smtClean="0"/>
               <a:pPr/>
-              <a:t>3/20/17</a:t>
+              <a:t>3/21/17</a:t>
             </a:fld>
             <a:endParaRPr lang="en-US"/>
           </a:p>
@@ -3067,7 +3072,7 @@
             <a:fld id="{017C792F-31EE-C344-A2D6-ED544E6AF3F4}" type="datetimeFigureOut">
               <a:rPr lang="en-US" smtClean="0"/>
               <a:pPr/>
-              <a:t>3/20/17</a:t>
+              <a:t>3/21/17</a:t>
             </a:fld>
             <a:endParaRPr lang="en-US"/>
           </a:p>
@@ -3277,7 +3282,7 @@
             <a:fld id="{017C792F-31EE-C344-A2D6-ED544E6AF3F4}" type="datetimeFigureOut">
               <a:rPr lang="en-US" smtClean="0"/>
               <a:pPr/>
-              <a:t>3/20/17</a:t>
+              <a:t>3/21/17</a:t>
             </a:fld>
             <a:endParaRPr lang="en-US"/>
           </a:p>
@@ -3918,46 +3923,54 @@
           <a:p>
             <a:r>
               <a:rPr lang="en-US" dirty="0" smtClean="0"/>
-              <a:t>Motivation for Machine Learning</a:t>
+              <a:t>Twitter for Disaster Management</a:t>
             </a:r>
             <a:endParaRPr lang="en-US" dirty="0"/>
           </a:p>
         </p:txBody>
       </p:sp>
-      <p:sp>
-        <p:nvSpPr>
-          <p:cNvPr id="3" name="Content Placeholder 2"/>
-          <p:cNvSpPr>
-            <a:spLocks noGrp="1"/>
-          </p:cNvSpPr>
-          <p:nvPr>
-            <p:ph idx="1"/>
-          </p:nvPr>
-        </p:nvSpPr>
+      <p:pic>
+        <p:nvPicPr>
+          <p:cNvPr id="4" name="Picture 3"/>
+          <p:cNvPicPr>
+            <a:picLocks noChangeAspect="1"/>
+          </p:cNvPicPr>
+          <p:nvPr/>
+        </p:nvPicPr>
+        <p:blipFill rotWithShape="1">
+          <a:blip r:embed="rId2">
+            <a:extLst>
+              <a:ext uri="{28A0092B-C50C-407E-A947-70E740481C1C}">
+                <a14:useLocalDpi xmlns:a14="http://schemas.microsoft.com/office/drawing/2010/main" val="0"/>
+              </a:ext>
+            </a:extLst>
+          </a:blip>
+          <a:srcRect l="1642" r="-1"/>
+          <a:stretch/>
+        </p:blipFill>
         <p:spPr>
           <a:xfrm>
-            <a:off x="457198" y="1347723"/>
-            <a:ext cx="8546123" cy="608428"/>
-          </a:xfrm>
-        </p:spPr>
-        <p:txBody>
-          <a:bodyPr/>
-          <a:lstStyle/>
-          <a:p>
-            <a:r>
-              <a:rPr lang="en-US" dirty="0" smtClean="0"/>
-              <a:t>Human language </a:t>
-            </a:r>
-            <a:r>
-              <a:rPr lang="en-US" dirty="0"/>
-              <a:t>is ambiguous</a:t>
-            </a:r>
-          </a:p>
-        </p:txBody>
-      </p:sp>
+            <a:off x="281354" y="1497323"/>
+            <a:ext cx="3682946" cy="4162254"/>
+          </a:xfrm>
+          <a:prstGeom prst="rect">
+            <a:avLst/>
+          </a:prstGeom>
+          <a:ln>
+            <a:noFill/>
+          </a:ln>
+          <a:effectLst>
+            <a:outerShdw blurRad="190500" algn="tl" rotWithShape="0">
+              <a:srgbClr val="000000">
+                <a:alpha val="70000"/>
+              </a:srgbClr>
+            </a:outerShdw>
+          </a:effectLst>
+        </p:spPr>
+      </p:pic>
       <p:pic>
         <p:nvPicPr>
-          <p:cNvPr id="6" name="Picture 5"/>
+          <p:cNvPr id="5" name="Picture 4"/>
           <p:cNvPicPr>
             <a:picLocks noChangeAspect="1"/>
           </p:cNvPicPr>
@@ -3977,270 +3990,28 @@
         </p:blipFill>
         <p:spPr>
           <a:xfrm>
-            <a:off x="469898" y="3994256"/>
-            <a:ext cx="7333571" cy="1066253"/>
+            <a:off x="4126028" y="1494955"/>
+            <a:ext cx="4796882" cy="4166988"/>
           </a:xfrm>
           <a:prstGeom prst="rect">
             <a:avLst/>
           </a:prstGeom>
           <a:ln>
-            <a:solidFill>
-              <a:schemeClr val="tx1"/>
-            </a:solidFill>
+            <a:noFill/>
           </a:ln>
-        </p:spPr>
-      </p:pic>
-      <p:pic>
-        <p:nvPicPr>
-          <p:cNvPr id="7" name="Picture 6"/>
-          <p:cNvPicPr>
-            <a:picLocks noChangeAspect="1"/>
-          </p:cNvPicPr>
-          <p:nvPr/>
-        </p:nvPicPr>
-        <p:blipFill rotWithShape="1">
-          <a:blip r:embed="rId4">
-            <a:extLst>
-              <a:ext uri="{28A0092B-C50C-407E-A947-70E740481C1C}">
-                <a14:useLocalDpi xmlns:a14="http://schemas.microsoft.com/office/drawing/2010/main" val="0"/>
-              </a:ext>
-            </a:extLst>
-          </a:blip>
-          <a:srcRect b="35584"/>
-          <a:stretch/>
-        </p:blipFill>
-        <p:spPr>
-          <a:xfrm>
-            <a:off x="469898" y="3097131"/>
-            <a:ext cx="7333571" cy="793536"/>
-          </a:xfrm>
-          <a:prstGeom prst="rect">
-            <a:avLst/>
-          </a:prstGeom>
-          <a:ln>
-            <a:solidFill>
-              <a:schemeClr val="tx1"/>
-            </a:solidFill>
-          </a:ln>
-        </p:spPr>
-      </p:pic>
-      <p:sp>
-        <p:nvSpPr>
-          <p:cNvPr id="15" name="Content Placeholder 2"/>
-          <p:cNvSpPr txBox="1">
-            <a:spLocks/>
-          </p:cNvSpPr>
-          <p:nvPr/>
-        </p:nvSpPr>
-        <p:spPr>
-          <a:xfrm>
-            <a:off x="450169" y="2059529"/>
-            <a:ext cx="8693831" cy="862388"/>
-          </a:xfrm>
-          <a:prstGeom prst="rect">
-            <a:avLst/>
-          </a:prstGeom>
-        </p:spPr>
-        <p:txBody>
-          <a:bodyPr vert="horz" lIns="91440" tIns="45720" rIns="91440" bIns="45720" rtlCol="0">
-            <a:normAutofit/>
-          </a:bodyPr>
-          <a:lstStyle>
-            <a:lvl1pPr marL="342900" indent="-342900" algn="l" defTabSz="457200" rtl="0" eaLnBrk="1" latinLnBrk="0" hangingPunct="1">
-              <a:spcBef>
-                <a:spcPct val="20000"/>
-              </a:spcBef>
-              <a:buFont typeface="Arial"/>
-              <a:buChar char="•"/>
-              <a:defRPr sz="3200" kern="1200">
-                <a:solidFill>
-                  <a:schemeClr val="tx1"/>
-                </a:solidFill>
-                <a:latin typeface="+mn-lt"/>
-                <a:ea typeface="+mn-ea"/>
-                <a:cs typeface="+mn-cs"/>
-              </a:defRPr>
-            </a:lvl1pPr>
-            <a:lvl2pPr marL="742950" indent="-285750" algn="l" defTabSz="457200" rtl="0" eaLnBrk="1" latinLnBrk="0" hangingPunct="1">
-              <a:spcBef>
-                <a:spcPct val="20000"/>
-              </a:spcBef>
-              <a:buFont typeface="Arial"/>
-              <a:buChar char="–"/>
-              <a:defRPr sz="2800" kern="1200">
-                <a:solidFill>
-                  <a:schemeClr val="tx1"/>
-                </a:solidFill>
-                <a:latin typeface="+mn-lt"/>
-                <a:ea typeface="+mn-ea"/>
-                <a:cs typeface="+mn-cs"/>
-              </a:defRPr>
-            </a:lvl2pPr>
-            <a:lvl3pPr marL="1143000" indent="-228600" algn="l" defTabSz="457200" rtl="0" eaLnBrk="1" latinLnBrk="0" hangingPunct="1">
-              <a:spcBef>
-                <a:spcPct val="20000"/>
-              </a:spcBef>
-              <a:buFont typeface="Arial"/>
-              <a:buChar char="•"/>
-              <a:defRPr sz="2400" kern="1200">
-                <a:solidFill>
-                  <a:schemeClr val="tx1"/>
-                </a:solidFill>
-                <a:latin typeface="+mn-lt"/>
-                <a:ea typeface="+mn-ea"/>
-                <a:cs typeface="+mn-cs"/>
-              </a:defRPr>
-            </a:lvl3pPr>
-            <a:lvl4pPr marL="1600200" indent="-228600" algn="l" defTabSz="457200" rtl="0" eaLnBrk="1" latinLnBrk="0" hangingPunct="1">
-              <a:spcBef>
-                <a:spcPct val="20000"/>
-              </a:spcBef>
-              <a:buFont typeface="Arial"/>
-              <a:buChar char="–"/>
-              <a:defRPr sz="2000" kern="1200">
-                <a:solidFill>
-                  <a:schemeClr val="tx1"/>
-                </a:solidFill>
-                <a:latin typeface="+mn-lt"/>
-                <a:ea typeface="+mn-ea"/>
-                <a:cs typeface="+mn-cs"/>
-              </a:defRPr>
-            </a:lvl4pPr>
-            <a:lvl5pPr marL="2057400" indent="-228600" algn="l" defTabSz="457200" rtl="0" eaLnBrk="1" latinLnBrk="0" hangingPunct="1">
-              <a:spcBef>
-                <a:spcPct val="20000"/>
-              </a:spcBef>
-              <a:buFont typeface="Arial"/>
-              <a:buChar char="»"/>
-              <a:defRPr sz="2000" kern="1200">
-                <a:solidFill>
-                  <a:schemeClr val="tx1"/>
-                </a:solidFill>
-                <a:latin typeface="+mn-lt"/>
-                <a:ea typeface="+mn-ea"/>
-                <a:cs typeface="+mn-cs"/>
-              </a:defRPr>
-            </a:lvl5pPr>
-            <a:lvl6pPr marL="2514600" indent="-228600" algn="l" defTabSz="457200" rtl="0" eaLnBrk="1" latinLnBrk="0" hangingPunct="1">
-              <a:spcBef>
-                <a:spcPct val="20000"/>
-              </a:spcBef>
-              <a:buFont typeface="Arial"/>
-              <a:buChar char="•"/>
-              <a:defRPr sz="2000" kern="1200">
-                <a:solidFill>
-                  <a:schemeClr val="tx1"/>
-                </a:solidFill>
-                <a:latin typeface="+mn-lt"/>
-                <a:ea typeface="+mn-ea"/>
-                <a:cs typeface="+mn-cs"/>
-              </a:defRPr>
-            </a:lvl6pPr>
-            <a:lvl7pPr marL="2971800" indent="-228600" algn="l" defTabSz="457200" rtl="0" eaLnBrk="1" latinLnBrk="0" hangingPunct="1">
-              <a:spcBef>
-                <a:spcPct val="20000"/>
-              </a:spcBef>
-              <a:buFont typeface="Arial"/>
-              <a:buChar char="•"/>
-              <a:defRPr sz="2000" kern="1200">
-                <a:solidFill>
-                  <a:schemeClr val="tx1"/>
-                </a:solidFill>
-                <a:latin typeface="+mn-lt"/>
-                <a:ea typeface="+mn-ea"/>
-                <a:cs typeface="+mn-cs"/>
-              </a:defRPr>
-            </a:lvl7pPr>
-            <a:lvl8pPr marL="3429000" indent="-228600" algn="l" defTabSz="457200" rtl="0" eaLnBrk="1" latinLnBrk="0" hangingPunct="1">
-              <a:spcBef>
-                <a:spcPct val="20000"/>
-              </a:spcBef>
-              <a:buFont typeface="Arial"/>
-              <a:buChar char="•"/>
-              <a:defRPr sz="2000" kern="1200">
-                <a:solidFill>
-                  <a:schemeClr val="tx1"/>
-                </a:solidFill>
-                <a:latin typeface="+mn-lt"/>
-                <a:ea typeface="+mn-ea"/>
-                <a:cs typeface="+mn-cs"/>
-              </a:defRPr>
-            </a:lvl8pPr>
-            <a:lvl9pPr marL="3886200" indent="-228600" algn="l" defTabSz="457200" rtl="0" eaLnBrk="1" latinLnBrk="0" hangingPunct="1">
-              <a:spcBef>
-                <a:spcPct val="20000"/>
-              </a:spcBef>
-              <a:buFont typeface="Arial"/>
-              <a:buChar char="•"/>
-              <a:defRPr sz="2000" kern="1200">
-                <a:solidFill>
-                  <a:schemeClr val="tx1"/>
-                </a:solidFill>
-                <a:latin typeface="+mn-lt"/>
-                <a:ea typeface="+mn-ea"/>
-                <a:cs typeface="+mn-cs"/>
-              </a:defRPr>
-            </a:lvl9pPr>
-          </a:lstStyle>
-          <a:p>
-            <a:pPr marL="0" indent="0">
-              <a:buNone/>
-            </a:pPr>
-            <a:r>
-              <a:rPr lang="en-US" sz="2400" dirty="0" smtClean="0"/>
-              <a:t>Could you come up with a </a:t>
-            </a:r>
-            <a:r>
-              <a:rPr lang="en-US" sz="2400" dirty="0" smtClean="0"/>
-              <a:t>general rule to </a:t>
-            </a:r>
-            <a:r>
-              <a:rPr lang="en-US" sz="2400" dirty="0" smtClean="0"/>
-              <a:t>tell which tweets are about natural disasters?</a:t>
-            </a:r>
-            <a:endParaRPr lang="en-US" sz="2400" dirty="0"/>
-          </a:p>
-        </p:txBody>
-      </p:sp>
-      <p:pic>
-        <p:nvPicPr>
-          <p:cNvPr id="11" name="Picture 10"/>
-          <p:cNvPicPr>
-            <a:picLocks noChangeAspect="1"/>
-          </p:cNvPicPr>
-          <p:nvPr/>
-        </p:nvPicPr>
-        <p:blipFill>
-          <a:blip r:embed="rId5">
-            <a:extLst>
-              <a:ext uri="{28A0092B-C50C-407E-A947-70E740481C1C}">
-                <a14:useLocalDpi xmlns:a14="http://schemas.microsoft.com/office/drawing/2010/main" val="0"/>
-              </a:ext>
-            </a:extLst>
-          </a:blip>
-          <a:stretch>
-            <a:fillRect/>
-          </a:stretch>
-        </p:blipFill>
-        <p:spPr>
-          <a:xfrm>
-            <a:off x="465409" y="5164098"/>
-            <a:ext cx="7338060" cy="825500"/>
-          </a:xfrm>
-          <a:prstGeom prst="rect">
-            <a:avLst/>
-          </a:prstGeom>
-          <a:ln>
-            <a:solidFill>
-              <a:schemeClr val="tx1"/>
-            </a:solidFill>
-          </a:ln>
+          <a:effectLst>
+            <a:outerShdw blurRad="190500" algn="tl" rotWithShape="0">
+              <a:srgbClr val="000000">
+                <a:alpha val="70000"/>
+              </a:srgbClr>
+            </a:outerShdw>
+          </a:effectLst>
         </p:spPr>
       </p:pic>
     </p:spTree>
     <p:extLst>
       <p:ext uri="{BB962C8B-B14F-4D97-AF65-F5344CB8AC3E}">
-        <p14:creationId xmlns:p14="http://schemas.microsoft.com/office/powerpoint/2010/main" val="1482366640"/>
+        <p14:creationId xmlns:p14="http://schemas.microsoft.com/office/powerpoint/2010/main" val="1067851627"/>
       </p:ext>
     </p:extLst>
   </p:cSld>
@@ -4320,12 +4091,16 @@
           <a:lstStyle/>
           <a:p>
             <a:r>
-              <a:rPr lang="en-US" dirty="0" smtClean="0"/>
-              <a:t>Human language </a:t>
+              <a:rPr lang="en-US"/>
+              <a:t>S</a:t>
+            </a:r>
+            <a:r>
+              <a:rPr lang="en-US" smtClean="0"/>
+              <a:t>ome </a:t>
             </a:r>
             <a:r>
               <a:rPr lang="en-US" dirty="0"/>
-              <a:t>is ambiguous</a:t>
+              <a:t>tasks are difficult to define algorithmically </a:t>
             </a:r>
           </a:p>
         </p:txBody>
@@ -4340,8 +4115,8 @@
         </p:nvSpPr>
         <p:spPr>
           <a:xfrm>
-            <a:off x="457199" y="1956150"/>
-            <a:ext cx="3158198" cy="2798729"/>
+            <a:off x="457198" y="1956151"/>
+            <a:ext cx="8546123" cy="608428"/>
           </a:xfrm>
           <a:prstGeom prst="rect">
             <a:avLst/>
@@ -4493,32 +4268,22 @@
               <a:buNone/>
             </a:pPr>
             <a:r>
+              <a:rPr lang="en-US" sz="2400" dirty="0"/>
+              <a:t>E</a:t>
+            </a:r>
+            <a:r>
               <a:rPr lang="en-US" sz="2400" dirty="0" smtClean="0"/>
-              <a:t>Using hashtags?</a:t>
-            </a:r>
-          </a:p>
-          <a:p>
-            <a:pPr marL="0" indent="0">
-              <a:buNone/>
-            </a:pPr>
-            <a:r>
-              <a:rPr lang="en-US" sz="2400" dirty="0" smtClean="0"/>
-              <a:t>– not too reliable:</a:t>
-            </a:r>
-          </a:p>
-          <a:p>
-            <a:pPr marL="0" indent="0">
-              <a:buNone/>
-            </a:pPr>
+              <a:t>xample: is there a bird in a given picture?</a:t>
+            </a:r>
             <a:endParaRPr lang="en-US" sz="2400" dirty="0"/>
           </a:p>
         </p:txBody>
       </p:sp>
       <p:pic>
         <p:nvPicPr>
-          <p:cNvPr id="5" name="Picture 4"/>
+          <p:cNvPr id="1026" name="Picture 2" descr="mage result for bird"/>
           <p:cNvPicPr>
-            <a:picLocks noChangeAspect="1"/>
+            <a:picLocks noChangeAspect="1" noChangeArrowheads="1"/>
           </p:cNvPicPr>
           <p:nvPr/>
         </p:nvPicPr>
@@ -4530,23 +4295,193 @@
               </a:ext>
             </a:extLst>
           </a:blip>
-          <a:srcRect r="1975"/>
+          <a:srcRect l="14705" r="17636" b="3607"/>
           <a:stretch/>
         </p:blipFill>
-        <p:spPr>
+        <p:spPr bwMode="auto">
           <a:xfrm>
-            <a:off x="3221503" y="1956150"/>
-            <a:ext cx="2637692" cy="4058686"/>
+            <a:off x="562708" y="2564579"/>
+            <a:ext cx="2340122" cy="1711999"/>
           </a:xfrm>
           <a:prstGeom prst="rect">
             <a:avLst/>
           </a:prstGeom>
+          <a:noFill/>
+          <a:extLst>
+            <a:ext uri="{909E8E84-426E-40DD-AFC4-6F175D3DCCD1}">
+              <a14:hiddenFill xmlns:a14="http://schemas.microsoft.com/office/drawing/2010/main">
+                <a:solidFill>
+                  <a:srgbClr val="FFFFFF"/>
+                </a:solidFill>
+              </a14:hiddenFill>
+            </a:ext>
+          </a:extLst>
+        </p:spPr>
+      </p:pic>
+      <p:pic>
+        <p:nvPicPr>
+          <p:cNvPr id="1028" name="Picture 4" descr="mage result"/>
+          <p:cNvPicPr>
+            <a:picLocks noChangeAspect="1" noChangeArrowheads="1"/>
+          </p:cNvPicPr>
+          <p:nvPr/>
+        </p:nvPicPr>
+        <p:blipFill rotWithShape="1">
+          <a:blip r:embed="rId3">
+            <a:extLst>
+              <a:ext uri="{28A0092B-C50C-407E-A947-70E740481C1C}">
+                <a14:useLocalDpi xmlns:a14="http://schemas.microsoft.com/office/drawing/2010/main" val="0"/>
+              </a:ext>
+            </a:extLst>
+          </a:blip>
+          <a:srcRect l="9533" t="8558" r="17450" b="7263"/>
+          <a:stretch/>
+        </p:blipFill>
+        <p:spPr bwMode="auto">
+          <a:xfrm>
+            <a:off x="2998763" y="2564579"/>
+            <a:ext cx="1908715" cy="1894879"/>
+          </a:xfrm>
+          <a:prstGeom prst="rect">
+            <a:avLst/>
+          </a:prstGeom>
+          <a:noFill/>
+          <a:extLst>
+            <a:ext uri="{909E8E84-426E-40DD-AFC4-6F175D3DCCD1}">
+              <a14:hiddenFill xmlns:a14="http://schemas.microsoft.com/office/drawing/2010/main">
+                <a:solidFill>
+                  <a:srgbClr val="FFFFFF"/>
+                </a:solidFill>
+              </a14:hiddenFill>
+            </a:ext>
+          </a:extLst>
+        </p:spPr>
+      </p:pic>
+      <p:pic>
+        <p:nvPicPr>
+          <p:cNvPr id="1030" name="Picture 6" descr="elated image"/>
+          <p:cNvPicPr>
+            <a:picLocks noChangeAspect="1" noChangeArrowheads="1"/>
+          </p:cNvPicPr>
+          <p:nvPr/>
+        </p:nvPicPr>
+        <p:blipFill rotWithShape="1">
+          <a:blip r:embed="rId4">
+            <a:extLst>
+              <a:ext uri="{28A0092B-C50C-407E-A947-70E740481C1C}">
+                <a14:useLocalDpi xmlns:a14="http://schemas.microsoft.com/office/drawing/2010/main" val="0"/>
+              </a:ext>
+            </a:extLst>
+          </a:blip>
+          <a:srcRect l="20863" t="11752" r="18040" b="19301"/>
+          <a:stretch/>
+        </p:blipFill>
+        <p:spPr bwMode="auto">
+          <a:xfrm>
+            <a:off x="583763" y="4354831"/>
+            <a:ext cx="2132179" cy="1525463"/>
+          </a:xfrm>
+          <a:prstGeom prst="rect">
+            <a:avLst/>
+          </a:prstGeom>
+          <a:noFill/>
+          <a:extLst>
+            <a:ext uri="{909E8E84-426E-40DD-AFC4-6F175D3DCCD1}">
+              <a14:hiddenFill xmlns:a14="http://schemas.microsoft.com/office/drawing/2010/main">
+                <a:solidFill>
+                  <a:srgbClr val="FFFFFF"/>
+                </a:solidFill>
+              </a14:hiddenFill>
+            </a:ext>
+          </a:extLst>
+        </p:spPr>
+      </p:pic>
+      <p:pic>
+        <p:nvPicPr>
+          <p:cNvPr id="1032" name="Picture 8" descr="mage result for bird funny"/>
+          <p:cNvPicPr>
+            <a:picLocks noChangeAspect="1" noChangeArrowheads="1"/>
+          </p:cNvPicPr>
+          <p:nvPr/>
+        </p:nvPicPr>
+        <p:blipFill>
+          <a:blip r:embed="rId5">
+            <a:extLst>
+              <a:ext uri="{28A0092B-C50C-407E-A947-70E740481C1C}">
+                <a14:useLocalDpi xmlns:a14="http://schemas.microsoft.com/office/drawing/2010/main" val="0"/>
+              </a:ext>
+            </a:extLst>
+          </a:blip>
+          <a:srcRect/>
+          <a:stretch>
+            <a:fillRect/>
+          </a:stretch>
+        </p:blipFill>
+        <p:spPr bwMode="auto">
+          <a:xfrm>
+            <a:off x="2790748" y="4557932"/>
+            <a:ext cx="2116730" cy="1322362"/>
+          </a:xfrm>
+          <a:prstGeom prst="rect">
+            <a:avLst/>
+          </a:prstGeom>
+          <a:noFill/>
+          <a:extLst>
+            <a:ext uri="{909E8E84-426E-40DD-AFC4-6F175D3DCCD1}">
+              <a14:hiddenFill xmlns:a14="http://schemas.microsoft.com/office/drawing/2010/main">
+                <a:solidFill>
+                  <a:srgbClr val="FFFFFF"/>
+                </a:solidFill>
+              </a14:hiddenFill>
+            </a:ext>
+          </a:extLst>
+        </p:spPr>
+      </p:pic>
+      <p:pic>
+        <p:nvPicPr>
+          <p:cNvPr id="1034" name="Picture 10" descr="asks"/>
+          <p:cNvPicPr>
+            <a:picLocks noChangeAspect="1" noChangeArrowheads="1"/>
+          </p:cNvPicPr>
+          <p:nvPr/>
+        </p:nvPicPr>
+        <p:blipFill>
+          <a:blip r:embed="rId6">
+            <a:extLst>
+              <a:ext uri="{28A0092B-C50C-407E-A947-70E740481C1C}">
+                <a14:useLocalDpi xmlns:a14="http://schemas.microsoft.com/office/drawing/2010/main" val="0"/>
+              </a:ext>
+            </a:extLst>
+          </a:blip>
+          <a:srcRect/>
+          <a:stretch>
+            <a:fillRect/>
+          </a:stretch>
+        </p:blipFill>
+        <p:spPr bwMode="auto">
+          <a:xfrm>
+            <a:off x="6035040" y="2067005"/>
+            <a:ext cx="2329694" cy="3909000"/>
+          </a:xfrm>
+          <a:prstGeom prst="rect">
+            <a:avLst/>
+          </a:prstGeom>
+          <a:noFill/>
+          <a:extLst>
+            <a:ext uri="{909E8E84-426E-40DD-AFC4-6F175D3DCCD1}">
+              <a14:hiddenFill xmlns:a14="http://schemas.microsoft.com/office/drawing/2010/main">
+                <a:solidFill>
+                  <a:srgbClr val="FFFFFF"/>
+                </a:solidFill>
+              </a14:hiddenFill>
+            </a:ext>
+          </a:extLst>
         </p:spPr>
       </p:pic>
     </p:spTree>
     <p:extLst>
       <p:ext uri="{BB962C8B-B14F-4D97-AF65-F5344CB8AC3E}">
-        <p14:creationId xmlns:p14="http://schemas.microsoft.com/office/powerpoint/2010/main" val="709546584"/>
+        <p14:creationId xmlns:p14="http://schemas.microsoft.com/office/powerpoint/2010/main" val="1874972098"/>
       </p:ext>
     </p:extLst>
   </p:cSld>
@@ -4593,13 +4528,13 @@
         <p:spPr/>
         <p:txBody>
           <a:bodyPr>
-            <a:normAutofit fontScale="90000"/>
+            <a:normAutofit/>
           </a:bodyPr>
           <a:lstStyle/>
           <a:p>
             <a:r>
               <a:rPr lang="en-US" dirty="0" smtClean="0"/>
-              <a:t>Supervised Learning Model Workflow</a:t>
+              <a:t>Motivation for Machine Learning</a:t>
             </a:r>
             <a:endParaRPr lang="en-US" dirty="0"/>
           </a:p>
@@ -4607,163 +4542,107 @@
       </p:sp>
       <p:sp>
         <p:nvSpPr>
-          <p:cNvPr id="4" name="Rounded Rectangle 3"/>
-          <p:cNvSpPr/>
-          <p:nvPr/>
+          <p:cNvPr id="3" name="Content Placeholder 2"/>
+          <p:cNvSpPr>
+            <a:spLocks noGrp="1"/>
+          </p:cNvSpPr>
+          <p:nvPr>
+            <p:ph idx="1"/>
+          </p:nvPr>
         </p:nvSpPr>
         <p:spPr>
           <a:xfrm>
-            <a:off x="457200" y="3013023"/>
-            <a:ext cx="2016177" cy="944380"/>
-          </a:xfrm>
-          <a:prstGeom prst="roundRect">
+            <a:off x="457198" y="1347723"/>
+            <a:ext cx="8546123" cy="608428"/>
+          </a:xfrm>
+        </p:spPr>
+        <p:txBody>
+          <a:bodyPr/>
+          <a:lstStyle/>
+          <a:p>
+            <a:r>
+              <a:rPr lang="en-US" dirty="0" smtClean="0"/>
+              <a:t>Human language </a:t>
+            </a:r>
+            <a:r>
+              <a:rPr lang="en-US" dirty="0"/>
+              <a:t>is ambiguous</a:t>
+            </a:r>
+          </a:p>
+        </p:txBody>
+      </p:sp>
+      <p:pic>
+        <p:nvPicPr>
+          <p:cNvPr id="6" name="Picture 5"/>
+          <p:cNvPicPr>
+            <a:picLocks noChangeAspect="1"/>
+          </p:cNvPicPr>
+          <p:nvPr/>
+        </p:nvPicPr>
+        <p:blipFill>
+          <a:blip r:embed="rId3">
+            <a:extLst>
+              <a:ext uri="{28A0092B-C50C-407E-A947-70E740481C1C}">
+                <a14:useLocalDpi xmlns:a14="http://schemas.microsoft.com/office/drawing/2010/main" val="0"/>
+              </a:ext>
+            </a:extLst>
+          </a:blip>
+          <a:stretch>
+            <a:fillRect/>
+          </a:stretch>
+        </p:blipFill>
+        <p:spPr>
+          <a:xfrm>
+            <a:off x="469898" y="3994256"/>
+            <a:ext cx="7333571" cy="1066253"/>
+          </a:xfrm>
+          <a:prstGeom prst="rect">
             <a:avLst/>
           </a:prstGeom>
           <a:ln>
-            <a:noFill/>
+            <a:solidFill>
+              <a:schemeClr val="tx1"/>
+            </a:solidFill>
           </a:ln>
         </p:spPr>
-        <p:style>
-          <a:lnRef idx="1">
-            <a:schemeClr val="accent1"/>
-          </a:lnRef>
-          <a:fillRef idx="3">
-            <a:schemeClr val="accent1"/>
-          </a:fillRef>
-          <a:effectRef idx="2">
-            <a:schemeClr val="accent1"/>
-          </a:effectRef>
-          <a:fontRef idx="minor">
-            <a:schemeClr val="lt1"/>
-          </a:fontRef>
-        </p:style>
-        <p:txBody>
-          <a:bodyPr rtlCol="0" anchor="ctr"/>
-          <a:lstStyle/>
-          <a:p>
-            <a:pPr algn="ctr"/>
-            <a:r>
-              <a:rPr lang="en-US" sz="3200" dirty="0" smtClean="0"/>
-              <a:t>Raw Data, Labels</a:t>
-            </a:r>
-            <a:endParaRPr lang="en-US" sz="3200" dirty="0"/>
-          </a:p>
-        </p:txBody>
-      </p:sp>
-      <p:sp>
-        <p:nvSpPr>
-          <p:cNvPr id="5" name="Striped Right Arrow 4"/>
-          <p:cNvSpPr/>
+      </p:pic>
+      <p:pic>
+        <p:nvPicPr>
+          <p:cNvPr id="7" name="Picture 6"/>
+          <p:cNvPicPr>
+            <a:picLocks noChangeAspect="1"/>
+          </p:cNvPicPr>
           <p:nvPr/>
-        </p:nvSpPr>
+        </p:nvPicPr>
+        <p:blipFill rotWithShape="1">
+          <a:blip r:embed="rId4">
+            <a:extLst>
+              <a:ext uri="{28A0092B-C50C-407E-A947-70E740481C1C}">
+                <a14:useLocalDpi xmlns:a14="http://schemas.microsoft.com/office/drawing/2010/main" val="0"/>
+              </a:ext>
+            </a:extLst>
+          </a:blip>
+          <a:srcRect b="35584"/>
+          <a:stretch/>
+        </p:blipFill>
         <p:spPr>
           <a:xfrm>
-            <a:off x="2844385" y="2563318"/>
-            <a:ext cx="2810658" cy="1858780"/>
-          </a:xfrm>
-          <a:prstGeom prst="stripedRightArrow">
+            <a:off x="469898" y="3097131"/>
+            <a:ext cx="7333571" cy="793536"/>
+          </a:xfrm>
+          <a:prstGeom prst="rect">
             <a:avLst/>
           </a:prstGeom>
           <a:ln>
-            <a:noFill/>
+            <a:solidFill>
+              <a:schemeClr val="tx1"/>
+            </a:solidFill>
           </a:ln>
         </p:spPr>
-        <p:style>
-          <a:lnRef idx="1">
-            <a:schemeClr val="accent1"/>
-          </a:lnRef>
-          <a:fillRef idx="3">
-            <a:schemeClr val="accent1"/>
-          </a:fillRef>
-          <a:effectRef idx="2">
-            <a:schemeClr val="accent1"/>
-          </a:effectRef>
-          <a:fontRef idx="minor">
-            <a:schemeClr val="lt1"/>
-          </a:fontRef>
-        </p:style>
-        <p:txBody>
-          <a:bodyPr rtlCol="0" anchor="ctr"/>
-          <a:lstStyle/>
-          <a:p>
-            <a:pPr algn="ctr"/>
-            <a:r>
-              <a:rPr lang="en-US" sz="3200" dirty="0" smtClean="0"/>
-              <a:t>Feature Extraction</a:t>
-            </a:r>
-            <a:endParaRPr lang="en-US" sz="3200" dirty="0"/>
-          </a:p>
-        </p:txBody>
-      </p:sp>
-      <p:sp>
-        <p:nvSpPr>
-          <p:cNvPr id="6" name="Rounded Rectangle 5"/>
-          <p:cNvSpPr/>
-          <p:nvPr/>
-        </p:nvSpPr>
-        <p:spPr>
-          <a:xfrm>
-            <a:off x="6026051" y="2615740"/>
-            <a:ext cx="2597045" cy="1806358"/>
-          </a:xfrm>
-          <a:prstGeom prst="roundRect">
-            <a:avLst/>
-          </a:prstGeom>
-          <a:gradFill flip="none" rotWithShape="1">
-            <a:gsLst>
-              <a:gs pos="0">
-                <a:srgbClr val="439007">
-                  <a:shade val="30000"/>
-                  <a:satMod val="115000"/>
-                </a:srgbClr>
-              </a:gs>
-              <a:gs pos="50000">
-                <a:srgbClr val="439007">
-                  <a:shade val="67500"/>
-                  <a:satMod val="115000"/>
-                </a:srgbClr>
-              </a:gs>
-              <a:gs pos="100000">
-                <a:srgbClr val="439007">
-                  <a:shade val="100000"/>
-                  <a:satMod val="115000"/>
-                </a:srgbClr>
-              </a:gs>
-            </a:gsLst>
-            <a:lin ang="16200000" scaled="1"/>
-            <a:tileRect/>
-          </a:gradFill>
-        </p:spPr>
-        <p:style>
-          <a:lnRef idx="1">
-            <a:schemeClr val="accent3"/>
-          </a:lnRef>
-          <a:fillRef idx="3">
-            <a:schemeClr val="accent3"/>
-          </a:fillRef>
-          <a:effectRef idx="2">
-            <a:schemeClr val="accent3"/>
-          </a:effectRef>
-          <a:fontRef idx="minor">
-            <a:schemeClr val="lt1"/>
-          </a:fontRef>
-        </p:style>
-        <p:txBody>
-          <a:bodyPr rtlCol="0" anchor="ctr"/>
-          <a:lstStyle/>
-          <a:p>
-            <a:pPr algn="ctr"/>
-            <a:r>
-              <a:rPr lang="en-US" sz="3200" dirty="0" smtClean="0"/>
-              <a:t>Preprocessed Data, Labels</a:t>
-            </a:r>
-            <a:endParaRPr lang="en-US" sz="3200" dirty="0"/>
-          </a:p>
-        </p:txBody>
-      </p:sp>
-      <p:sp>
-        <p:nvSpPr>
-          <p:cNvPr id="12" name="Title 1"/>
+      </p:pic>
+      <p:sp>
+        <p:nvSpPr>
+          <p:cNvPr id="15" name="Content Placeholder 2"/>
           <p:cNvSpPr txBox="1">
             <a:spLocks/>
           </p:cNvSpPr>
@@ -4771,51 +4650,221 @@
         </p:nvSpPr>
         <p:spPr>
           <a:xfrm>
-            <a:off x="352269" y="1283468"/>
-            <a:ext cx="8679305" cy="1144939"/>
+            <a:off x="450169" y="2059529"/>
+            <a:ext cx="8693831" cy="862388"/>
           </a:xfrm>
           <a:prstGeom prst="rect">
             <a:avLst/>
           </a:prstGeom>
         </p:spPr>
         <p:txBody>
-          <a:bodyPr vert="horz" lIns="91440" tIns="45720" rIns="91440" bIns="45720" rtlCol="0" anchor="ctr">
-            <a:normAutofit fontScale="97500"/>
+          <a:bodyPr vert="horz" lIns="91440" tIns="45720" rIns="91440" bIns="45720" rtlCol="0">
+            <a:normAutofit/>
           </a:bodyPr>
           <a:lstStyle>
-            <a:lvl1pPr algn="ctr" defTabSz="457200" rtl="0" eaLnBrk="1" latinLnBrk="0" hangingPunct="1">
+            <a:lvl1pPr marL="342900" indent="-342900" algn="l" defTabSz="457200" rtl="0" eaLnBrk="1" latinLnBrk="0" hangingPunct="1">
               <a:spcBef>
-                <a:spcPct val="0"/>
+                <a:spcPct val="20000"/>
               </a:spcBef>
-              <a:buNone/>
-              <a:defRPr sz="4400" kern="1200">
+              <a:buFont typeface="Arial"/>
+              <a:buChar char="•"/>
+              <a:defRPr sz="3200" kern="1200">
                 <a:solidFill>
                   <a:schemeClr val="tx1"/>
                 </a:solidFill>
-                <a:latin typeface="+mj-lt"/>
-                <a:ea typeface="+mj-ea"/>
-                <a:cs typeface="+mj-cs"/>
+                <a:latin typeface="+mn-lt"/>
+                <a:ea typeface="+mn-ea"/>
+                <a:cs typeface="+mn-cs"/>
               </a:defRPr>
             </a:lvl1pPr>
+            <a:lvl2pPr marL="742950" indent="-285750" algn="l" defTabSz="457200" rtl="0" eaLnBrk="1" latinLnBrk="0" hangingPunct="1">
+              <a:spcBef>
+                <a:spcPct val="20000"/>
+              </a:spcBef>
+              <a:buFont typeface="Arial"/>
+              <a:buChar char="–"/>
+              <a:defRPr sz="2800" kern="1200">
+                <a:solidFill>
+                  <a:schemeClr val="tx1"/>
+                </a:solidFill>
+                <a:latin typeface="+mn-lt"/>
+                <a:ea typeface="+mn-ea"/>
+                <a:cs typeface="+mn-cs"/>
+              </a:defRPr>
+            </a:lvl2pPr>
+            <a:lvl3pPr marL="1143000" indent="-228600" algn="l" defTabSz="457200" rtl="0" eaLnBrk="1" latinLnBrk="0" hangingPunct="1">
+              <a:spcBef>
+                <a:spcPct val="20000"/>
+              </a:spcBef>
+              <a:buFont typeface="Arial"/>
+              <a:buChar char="•"/>
+              <a:defRPr sz="2400" kern="1200">
+                <a:solidFill>
+                  <a:schemeClr val="tx1"/>
+                </a:solidFill>
+                <a:latin typeface="+mn-lt"/>
+                <a:ea typeface="+mn-ea"/>
+                <a:cs typeface="+mn-cs"/>
+              </a:defRPr>
+            </a:lvl3pPr>
+            <a:lvl4pPr marL="1600200" indent="-228600" algn="l" defTabSz="457200" rtl="0" eaLnBrk="1" latinLnBrk="0" hangingPunct="1">
+              <a:spcBef>
+                <a:spcPct val="20000"/>
+              </a:spcBef>
+              <a:buFont typeface="Arial"/>
+              <a:buChar char="–"/>
+              <a:defRPr sz="2000" kern="1200">
+                <a:solidFill>
+                  <a:schemeClr val="tx1"/>
+                </a:solidFill>
+                <a:latin typeface="+mn-lt"/>
+                <a:ea typeface="+mn-ea"/>
+                <a:cs typeface="+mn-cs"/>
+              </a:defRPr>
+            </a:lvl4pPr>
+            <a:lvl5pPr marL="2057400" indent="-228600" algn="l" defTabSz="457200" rtl="0" eaLnBrk="1" latinLnBrk="0" hangingPunct="1">
+              <a:spcBef>
+                <a:spcPct val="20000"/>
+              </a:spcBef>
+              <a:buFont typeface="Arial"/>
+              <a:buChar char="»"/>
+              <a:defRPr sz="2000" kern="1200">
+                <a:solidFill>
+                  <a:schemeClr val="tx1"/>
+                </a:solidFill>
+                <a:latin typeface="+mn-lt"/>
+                <a:ea typeface="+mn-ea"/>
+                <a:cs typeface="+mn-cs"/>
+              </a:defRPr>
+            </a:lvl5pPr>
+            <a:lvl6pPr marL="2514600" indent="-228600" algn="l" defTabSz="457200" rtl="0" eaLnBrk="1" latinLnBrk="0" hangingPunct="1">
+              <a:spcBef>
+                <a:spcPct val="20000"/>
+              </a:spcBef>
+              <a:buFont typeface="Arial"/>
+              <a:buChar char="•"/>
+              <a:defRPr sz="2000" kern="1200">
+                <a:solidFill>
+                  <a:schemeClr val="tx1"/>
+                </a:solidFill>
+                <a:latin typeface="+mn-lt"/>
+                <a:ea typeface="+mn-ea"/>
+                <a:cs typeface="+mn-cs"/>
+              </a:defRPr>
+            </a:lvl6pPr>
+            <a:lvl7pPr marL="2971800" indent="-228600" algn="l" defTabSz="457200" rtl="0" eaLnBrk="1" latinLnBrk="0" hangingPunct="1">
+              <a:spcBef>
+                <a:spcPct val="20000"/>
+              </a:spcBef>
+              <a:buFont typeface="Arial"/>
+              <a:buChar char="•"/>
+              <a:defRPr sz="2000" kern="1200">
+                <a:solidFill>
+                  <a:schemeClr val="tx1"/>
+                </a:solidFill>
+                <a:latin typeface="+mn-lt"/>
+                <a:ea typeface="+mn-ea"/>
+                <a:cs typeface="+mn-cs"/>
+              </a:defRPr>
+            </a:lvl7pPr>
+            <a:lvl8pPr marL="3429000" indent="-228600" algn="l" defTabSz="457200" rtl="0" eaLnBrk="1" latinLnBrk="0" hangingPunct="1">
+              <a:spcBef>
+                <a:spcPct val="20000"/>
+              </a:spcBef>
+              <a:buFont typeface="Arial"/>
+              <a:buChar char="•"/>
+              <a:defRPr sz="2000" kern="1200">
+                <a:solidFill>
+                  <a:schemeClr val="tx1"/>
+                </a:solidFill>
+                <a:latin typeface="+mn-lt"/>
+                <a:ea typeface="+mn-ea"/>
+                <a:cs typeface="+mn-cs"/>
+              </a:defRPr>
+            </a:lvl8pPr>
+            <a:lvl9pPr marL="3886200" indent="-228600" algn="l" defTabSz="457200" rtl="0" eaLnBrk="1" latinLnBrk="0" hangingPunct="1">
+              <a:spcBef>
+                <a:spcPct val="20000"/>
+              </a:spcBef>
+              <a:buFont typeface="Arial"/>
+              <a:buChar char="•"/>
+              <a:defRPr sz="2000" kern="1200">
+                <a:solidFill>
+                  <a:schemeClr val="tx1"/>
+                </a:solidFill>
+                <a:latin typeface="+mn-lt"/>
+                <a:ea typeface="+mn-ea"/>
+                <a:cs typeface="+mn-cs"/>
+              </a:defRPr>
+            </a:lvl9pPr>
           </a:lstStyle>
           <a:p>
-            <a:pPr algn="l"/>
-            <a:r>
-              <a:rPr lang="en-US" sz="3200" dirty="0" smtClean="0"/>
-              <a:t>Step 1: Collecting, cleaning, preprocessing of data (</a:t>
-            </a:r>
-            <a:r>
-              <a:rPr lang="en-US" sz="3200" smtClean="0"/>
-              <a:t>training data)</a:t>
-            </a:r>
-            <a:endParaRPr lang="en-US" sz="3200" dirty="0"/>
-          </a:p>
-        </p:txBody>
-      </p:sp>
+            <a:pPr marL="0" indent="0">
+              <a:buNone/>
+            </a:pPr>
+            <a:r>
+              <a:rPr lang="en-US" sz="2400" dirty="0"/>
+              <a:t>C</a:t>
+            </a:r>
+            <a:r>
+              <a:rPr lang="en-US" sz="2400" dirty="0" smtClean="0"/>
+              <a:t>ould </a:t>
+            </a:r>
+            <a:r>
+              <a:rPr lang="en-US" sz="2400" dirty="0" smtClean="0"/>
+              <a:t>you come up with a </a:t>
+            </a:r>
+            <a:r>
+              <a:rPr lang="en-US" sz="2400" u="sng" dirty="0" smtClean="0"/>
+              <a:t>general rule</a:t>
+            </a:r>
+            <a:r>
+              <a:rPr lang="en-US" sz="2400" dirty="0" smtClean="0"/>
+              <a:t> to tell which tweets are about natural disasters?</a:t>
+            </a:r>
+            <a:endParaRPr lang="en-US" sz="2400" dirty="0"/>
+          </a:p>
+        </p:txBody>
+      </p:sp>
+      <p:pic>
+        <p:nvPicPr>
+          <p:cNvPr id="11" name="Picture 10"/>
+          <p:cNvPicPr>
+            <a:picLocks noChangeAspect="1"/>
+          </p:cNvPicPr>
+          <p:nvPr/>
+        </p:nvPicPr>
+        <p:blipFill>
+          <a:blip r:embed="rId5">
+            <a:extLst>
+              <a:ext uri="{28A0092B-C50C-407E-A947-70E740481C1C}">
+                <a14:useLocalDpi xmlns:a14="http://schemas.microsoft.com/office/drawing/2010/main" val="0"/>
+              </a:ext>
+            </a:extLst>
+          </a:blip>
+          <a:stretch>
+            <a:fillRect/>
+          </a:stretch>
+        </p:blipFill>
+        <p:spPr>
+          <a:xfrm>
+            <a:off x="465409" y="5164098"/>
+            <a:ext cx="7338060" cy="825500"/>
+          </a:xfrm>
+          <a:prstGeom prst="rect">
+            <a:avLst/>
+          </a:prstGeom>
+          <a:ln>
+            <a:solidFill>
+              <a:schemeClr val="tx1"/>
+            </a:solidFill>
+          </a:ln>
+        </p:spPr>
+      </p:pic>
     </p:spTree>
     <p:extLst>
       <p:ext uri="{BB962C8B-B14F-4D97-AF65-F5344CB8AC3E}">
-        <p14:creationId xmlns:p14="http://schemas.microsoft.com/office/powerpoint/2010/main" val="1479253259"/>
+        <p14:creationId xmlns:p14="http://schemas.microsoft.com/office/powerpoint/2010/main" val="1482366640"/>
       </p:ext>
     </p:extLst>
   </p:cSld>
@@ -4862,13 +4911,13 @@
         <p:spPr/>
         <p:txBody>
           <a:bodyPr>
-            <a:normAutofit fontScale="90000"/>
+            <a:normAutofit/>
           </a:bodyPr>
           <a:lstStyle/>
           <a:p>
             <a:r>
               <a:rPr lang="en-US" dirty="0" smtClean="0"/>
-              <a:t>Supervised Learning Model Workflow</a:t>
+              <a:t>Motivation for Machine Learning</a:t>
             </a:r>
             <a:endParaRPr lang="en-US" dirty="0"/>
           </a:p>
@@ -4876,132 +4925,38 @@
       </p:sp>
       <p:sp>
         <p:nvSpPr>
-          <p:cNvPr id="6" name="Rounded Rectangle 5"/>
-          <p:cNvSpPr/>
-          <p:nvPr/>
+          <p:cNvPr id="3" name="Content Placeholder 2"/>
+          <p:cNvSpPr>
+            <a:spLocks noGrp="1"/>
+          </p:cNvSpPr>
+          <p:nvPr>
+            <p:ph idx="1"/>
+          </p:nvPr>
         </p:nvSpPr>
         <p:spPr>
           <a:xfrm>
-            <a:off x="311050" y="2375921"/>
-            <a:ext cx="2597045" cy="1806358"/>
-          </a:xfrm>
-          <a:prstGeom prst="roundRect">
-            <a:avLst/>
-          </a:prstGeom>
-          <a:gradFill flip="none" rotWithShape="1">
-            <a:gsLst>
-              <a:gs pos="0">
-                <a:srgbClr val="439007">
-                  <a:shade val="30000"/>
-                  <a:satMod val="115000"/>
-                </a:srgbClr>
-              </a:gs>
-              <a:gs pos="50000">
-                <a:srgbClr val="439007">
-                  <a:shade val="67500"/>
-                  <a:satMod val="115000"/>
-                </a:srgbClr>
-              </a:gs>
-              <a:gs pos="100000">
-                <a:srgbClr val="439007">
-                  <a:shade val="100000"/>
-                  <a:satMod val="115000"/>
-                </a:srgbClr>
-              </a:gs>
-            </a:gsLst>
-            <a:lin ang="16200000" scaled="1"/>
-            <a:tileRect/>
-          </a:gradFill>
-        </p:spPr>
-        <p:style>
-          <a:lnRef idx="1">
-            <a:schemeClr val="accent3"/>
-          </a:lnRef>
-          <a:fillRef idx="3">
-            <a:schemeClr val="accent3"/>
-          </a:fillRef>
-          <a:effectRef idx="2">
-            <a:schemeClr val="accent3"/>
-          </a:effectRef>
-          <a:fontRef idx="minor">
-            <a:schemeClr val="lt1"/>
-          </a:fontRef>
-        </p:style>
-        <p:txBody>
-          <a:bodyPr rtlCol="0" anchor="ctr"/>
+            <a:off x="457198" y="1347723"/>
+            <a:ext cx="8546123" cy="608428"/>
+          </a:xfrm>
+        </p:spPr>
+        <p:txBody>
+          <a:bodyPr/>
           <a:lstStyle/>
           <a:p>
-            <a:pPr algn="ctr"/>
-            <a:r>
-              <a:rPr lang="en-US" sz="3200" dirty="0" smtClean="0"/>
-              <a:t>Preprocessed Data, Labels</a:t>
-            </a:r>
-            <a:endParaRPr lang="en-US" sz="3200" dirty="0"/>
-          </a:p>
-        </p:txBody>
-      </p:sp>
-      <p:sp>
-        <p:nvSpPr>
-          <p:cNvPr id="7" name="Oval 6"/>
-          <p:cNvSpPr/>
-          <p:nvPr/>
-        </p:nvSpPr>
-        <p:spPr>
-          <a:xfrm>
-            <a:off x="6322099" y="2293518"/>
-            <a:ext cx="2627030" cy="1888761"/>
-          </a:xfrm>
-          <a:prstGeom prst="ellipse">
-            <a:avLst/>
-          </a:prstGeom>
-          <a:gradFill>
-            <a:gsLst>
-              <a:gs pos="0">
-                <a:srgbClr val="FF9300"/>
-              </a:gs>
-              <a:gs pos="100000">
-                <a:schemeClr val="accent6">
-                  <a:tint val="50000"/>
-                  <a:shade val="100000"/>
-                  <a:satMod val="350000"/>
-                </a:schemeClr>
-              </a:gs>
-            </a:gsLst>
-          </a:gradFill>
-          <a:ln>
-            <a:noFill/>
-          </a:ln>
-        </p:spPr>
-        <p:style>
-          <a:lnRef idx="1">
-            <a:schemeClr val="accent6"/>
-          </a:lnRef>
-          <a:fillRef idx="3">
-            <a:schemeClr val="accent6"/>
-          </a:fillRef>
-          <a:effectRef idx="2">
-            <a:schemeClr val="accent6"/>
-          </a:effectRef>
-          <a:fontRef idx="minor">
-            <a:schemeClr val="lt1"/>
-          </a:fontRef>
-        </p:style>
-        <p:txBody>
-          <a:bodyPr rtlCol="0" anchor="ctr"/>
-          <a:lstStyle/>
-          <a:p>
-            <a:pPr algn="ctr"/>
-            <a:r>
-              <a:rPr lang="en-US" sz="3200" dirty="0" smtClean="0"/>
-              <a:t>Machine Learning Algorithm</a:t>
-            </a:r>
-            <a:endParaRPr lang="en-US" sz="3200" dirty="0"/>
-          </a:p>
-        </p:txBody>
-      </p:sp>
-      <p:sp>
-        <p:nvSpPr>
-          <p:cNvPr id="10" name="Title 1"/>
+            <a:r>
+              <a:rPr lang="en-US" dirty="0" smtClean="0"/>
+              <a:t>Human language </a:t>
+            </a:r>
+            <a:r>
+              <a:rPr lang="en-US" dirty="0"/>
+              <a:t>is ambiguous</a:t>
+            </a:r>
+          </a:p>
+        </p:txBody>
+      </p:sp>
+      <p:sp>
+        <p:nvSpPr>
+          <p:cNvPr id="4" name="Content Placeholder 2"/>
           <p:cNvSpPr txBox="1">
             <a:spLocks/>
           </p:cNvSpPr>
@@ -5009,205 +4964,221 @@
         </p:nvSpPr>
         <p:spPr>
           <a:xfrm>
-            <a:off x="457200" y="1197340"/>
-            <a:ext cx="8679305" cy="1143000"/>
+            <a:off x="457199" y="1956150"/>
+            <a:ext cx="3158198" cy="2798729"/>
           </a:xfrm>
           <a:prstGeom prst="rect">
             <a:avLst/>
           </a:prstGeom>
         </p:spPr>
         <p:txBody>
-          <a:bodyPr vert="horz" lIns="91440" tIns="45720" rIns="91440" bIns="45720" rtlCol="0" anchor="ctr">
-            <a:normAutofit fontScale="97500"/>
+          <a:bodyPr vert="horz" lIns="91440" tIns="45720" rIns="91440" bIns="45720" rtlCol="0">
+            <a:normAutofit/>
           </a:bodyPr>
           <a:lstStyle>
-            <a:lvl1pPr algn="ctr" defTabSz="457200" rtl="0" eaLnBrk="1" latinLnBrk="0" hangingPunct="1">
+            <a:lvl1pPr marL="342900" indent="-342900" algn="l" defTabSz="457200" rtl="0" eaLnBrk="1" latinLnBrk="0" hangingPunct="1">
               <a:spcBef>
-                <a:spcPct val="0"/>
+                <a:spcPct val="20000"/>
               </a:spcBef>
-              <a:buNone/>
-              <a:defRPr sz="4400" kern="1200">
+              <a:buFont typeface="Arial"/>
+              <a:buChar char="•"/>
+              <a:defRPr sz="3200" kern="1200">
                 <a:solidFill>
                   <a:schemeClr val="tx1"/>
                 </a:solidFill>
-                <a:latin typeface="+mj-lt"/>
-                <a:ea typeface="+mj-ea"/>
-                <a:cs typeface="+mj-cs"/>
+                <a:latin typeface="+mn-lt"/>
+                <a:ea typeface="+mn-ea"/>
+                <a:cs typeface="+mn-cs"/>
               </a:defRPr>
             </a:lvl1pPr>
+            <a:lvl2pPr marL="742950" indent="-285750" algn="l" defTabSz="457200" rtl="0" eaLnBrk="1" latinLnBrk="0" hangingPunct="1">
+              <a:spcBef>
+                <a:spcPct val="20000"/>
+              </a:spcBef>
+              <a:buFont typeface="Arial"/>
+              <a:buChar char="–"/>
+              <a:defRPr sz="2800" kern="1200">
+                <a:solidFill>
+                  <a:schemeClr val="tx1"/>
+                </a:solidFill>
+                <a:latin typeface="+mn-lt"/>
+                <a:ea typeface="+mn-ea"/>
+                <a:cs typeface="+mn-cs"/>
+              </a:defRPr>
+            </a:lvl2pPr>
+            <a:lvl3pPr marL="1143000" indent="-228600" algn="l" defTabSz="457200" rtl="0" eaLnBrk="1" latinLnBrk="0" hangingPunct="1">
+              <a:spcBef>
+                <a:spcPct val="20000"/>
+              </a:spcBef>
+              <a:buFont typeface="Arial"/>
+              <a:buChar char="•"/>
+              <a:defRPr sz="2400" kern="1200">
+                <a:solidFill>
+                  <a:schemeClr val="tx1"/>
+                </a:solidFill>
+                <a:latin typeface="+mn-lt"/>
+                <a:ea typeface="+mn-ea"/>
+                <a:cs typeface="+mn-cs"/>
+              </a:defRPr>
+            </a:lvl3pPr>
+            <a:lvl4pPr marL="1600200" indent="-228600" algn="l" defTabSz="457200" rtl="0" eaLnBrk="1" latinLnBrk="0" hangingPunct="1">
+              <a:spcBef>
+                <a:spcPct val="20000"/>
+              </a:spcBef>
+              <a:buFont typeface="Arial"/>
+              <a:buChar char="–"/>
+              <a:defRPr sz="2000" kern="1200">
+                <a:solidFill>
+                  <a:schemeClr val="tx1"/>
+                </a:solidFill>
+                <a:latin typeface="+mn-lt"/>
+                <a:ea typeface="+mn-ea"/>
+                <a:cs typeface="+mn-cs"/>
+              </a:defRPr>
+            </a:lvl4pPr>
+            <a:lvl5pPr marL="2057400" indent="-228600" algn="l" defTabSz="457200" rtl="0" eaLnBrk="1" latinLnBrk="0" hangingPunct="1">
+              <a:spcBef>
+                <a:spcPct val="20000"/>
+              </a:spcBef>
+              <a:buFont typeface="Arial"/>
+              <a:buChar char="»"/>
+              <a:defRPr sz="2000" kern="1200">
+                <a:solidFill>
+                  <a:schemeClr val="tx1"/>
+                </a:solidFill>
+                <a:latin typeface="+mn-lt"/>
+                <a:ea typeface="+mn-ea"/>
+                <a:cs typeface="+mn-cs"/>
+              </a:defRPr>
+            </a:lvl5pPr>
+            <a:lvl6pPr marL="2514600" indent="-228600" algn="l" defTabSz="457200" rtl="0" eaLnBrk="1" latinLnBrk="0" hangingPunct="1">
+              <a:spcBef>
+                <a:spcPct val="20000"/>
+              </a:spcBef>
+              <a:buFont typeface="Arial"/>
+              <a:buChar char="•"/>
+              <a:defRPr sz="2000" kern="1200">
+                <a:solidFill>
+                  <a:schemeClr val="tx1"/>
+                </a:solidFill>
+                <a:latin typeface="+mn-lt"/>
+                <a:ea typeface="+mn-ea"/>
+                <a:cs typeface="+mn-cs"/>
+              </a:defRPr>
+            </a:lvl6pPr>
+            <a:lvl7pPr marL="2971800" indent="-228600" algn="l" defTabSz="457200" rtl="0" eaLnBrk="1" latinLnBrk="0" hangingPunct="1">
+              <a:spcBef>
+                <a:spcPct val="20000"/>
+              </a:spcBef>
+              <a:buFont typeface="Arial"/>
+              <a:buChar char="•"/>
+              <a:defRPr sz="2000" kern="1200">
+                <a:solidFill>
+                  <a:schemeClr val="tx1"/>
+                </a:solidFill>
+                <a:latin typeface="+mn-lt"/>
+                <a:ea typeface="+mn-ea"/>
+                <a:cs typeface="+mn-cs"/>
+              </a:defRPr>
+            </a:lvl7pPr>
+            <a:lvl8pPr marL="3429000" indent="-228600" algn="l" defTabSz="457200" rtl="0" eaLnBrk="1" latinLnBrk="0" hangingPunct="1">
+              <a:spcBef>
+                <a:spcPct val="20000"/>
+              </a:spcBef>
+              <a:buFont typeface="Arial"/>
+              <a:buChar char="•"/>
+              <a:defRPr sz="2000" kern="1200">
+                <a:solidFill>
+                  <a:schemeClr val="tx1"/>
+                </a:solidFill>
+                <a:latin typeface="+mn-lt"/>
+                <a:ea typeface="+mn-ea"/>
+                <a:cs typeface="+mn-cs"/>
+              </a:defRPr>
+            </a:lvl8pPr>
+            <a:lvl9pPr marL="3886200" indent="-228600" algn="l" defTabSz="457200" rtl="0" eaLnBrk="1" latinLnBrk="0" hangingPunct="1">
+              <a:spcBef>
+                <a:spcPct val="20000"/>
+              </a:spcBef>
+              <a:buFont typeface="Arial"/>
+              <a:buChar char="•"/>
+              <a:defRPr sz="2000" kern="1200">
+                <a:solidFill>
+                  <a:schemeClr val="tx1"/>
+                </a:solidFill>
+                <a:latin typeface="+mn-lt"/>
+                <a:ea typeface="+mn-ea"/>
+                <a:cs typeface="+mn-cs"/>
+              </a:defRPr>
+            </a:lvl9pPr>
           </a:lstStyle>
           <a:p>
-            <a:pPr algn="l"/>
-            <a:r>
-              <a:rPr lang="en-US" sz="3200" dirty="0" smtClean="0"/>
-              <a:t>Step 2: Training a machine learning model  </a:t>
-            </a:r>
-            <a:endParaRPr lang="en-US" sz="3200" dirty="0"/>
-          </a:p>
-        </p:txBody>
-      </p:sp>
-      <p:sp>
-        <p:nvSpPr>
-          <p:cNvPr id="22" name="Striped Right Arrow 21"/>
-          <p:cNvSpPr/>
+            <a:pPr marL="0" indent="0">
+              <a:buNone/>
+            </a:pPr>
+            <a:r>
+              <a:rPr lang="en-US" sz="2400" dirty="0" smtClean="0"/>
+              <a:t>Using </a:t>
+            </a:r>
+            <a:r>
+              <a:rPr lang="en-US" sz="2400" dirty="0" smtClean="0"/>
+              <a:t>hashtags</a:t>
+            </a:r>
+            <a:r>
+              <a:rPr lang="en-US" sz="2400" dirty="0" smtClean="0"/>
+              <a:t>?</a:t>
+            </a:r>
+          </a:p>
+          <a:p>
+            <a:pPr marL="0" indent="0">
+              <a:buNone/>
+            </a:pPr>
+            <a:r>
+              <a:rPr lang="en-US" sz="2400" dirty="0" smtClean="0"/>
+              <a:t>– not too reliable</a:t>
+            </a:r>
+          </a:p>
+          <a:p>
+            <a:pPr marL="0" indent="0">
+              <a:buNone/>
+            </a:pPr>
+            <a:endParaRPr lang="en-US" sz="2400" dirty="0"/>
+          </a:p>
+        </p:txBody>
+      </p:sp>
+      <p:pic>
+        <p:nvPicPr>
+          <p:cNvPr id="5" name="Picture 4"/>
+          <p:cNvPicPr>
+            <a:picLocks noChangeAspect="1"/>
+          </p:cNvPicPr>
           <p:nvPr/>
-        </p:nvSpPr>
+        </p:nvPicPr>
+        <p:blipFill rotWithShape="1">
+          <a:blip r:embed="rId2">
+            <a:extLst>
+              <a:ext uri="{28A0092B-C50C-407E-A947-70E740481C1C}">
+                <a14:useLocalDpi xmlns:a14="http://schemas.microsoft.com/office/drawing/2010/main" val="0"/>
+              </a:ext>
+            </a:extLst>
+          </a:blip>
+          <a:srcRect r="1975"/>
+          <a:stretch/>
+        </p:blipFill>
         <p:spPr>
           <a:xfrm>
-            <a:off x="3054245" y="2546476"/>
-            <a:ext cx="3121703" cy="1394085"/>
-          </a:xfrm>
-          <a:prstGeom prst="stripedRightArrow">
+            <a:off x="3411413" y="1956150"/>
+            <a:ext cx="2637692" cy="4058686"/>
+          </a:xfrm>
+          <a:prstGeom prst="rect">
             <a:avLst/>
           </a:prstGeom>
-          <a:solidFill>
-            <a:srgbClr val="439007"/>
-          </a:solidFill>
-          <a:ln>
-            <a:noFill/>
-          </a:ln>
-        </p:spPr>
-        <p:style>
-          <a:lnRef idx="1">
-            <a:schemeClr val="accent1"/>
-          </a:lnRef>
-          <a:fillRef idx="3">
-            <a:schemeClr val="accent1"/>
-          </a:fillRef>
-          <a:effectRef idx="2">
-            <a:schemeClr val="accent1"/>
-          </a:effectRef>
-          <a:fontRef idx="minor">
-            <a:schemeClr val="lt1"/>
-          </a:fontRef>
-        </p:style>
-        <p:txBody>
-          <a:bodyPr rtlCol="0" anchor="ctr"/>
-          <a:lstStyle/>
-          <a:p>
-            <a:pPr algn="ctr"/>
-            <a:r>
-              <a:rPr lang="en-US" sz="3200" dirty="0" smtClean="0"/>
-              <a:t>Feed the data</a:t>
-            </a:r>
-            <a:endParaRPr lang="en-US" sz="3200" dirty="0"/>
-          </a:p>
-        </p:txBody>
-      </p:sp>
-      <p:sp>
-        <p:nvSpPr>
-          <p:cNvPr id="23" name="Striped Right Arrow 22"/>
-          <p:cNvSpPr/>
-          <p:nvPr/>
-        </p:nvSpPr>
-        <p:spPr>
-          <a:xfrm rot="8296209">
-            <a:off x="5569715" y="3759624"/>
-            <a:ext cx="1046703" cy="848448"/>
-          </a:xfrm>
-          <a:prstGeom prst="stripedRightArrow">
-            <a:avLst/>
-          </a:prstGeom>
-          <a:ln>
-            <a:noFill/>
-          </a:ln>
-        </p:spPr>
-        <p:style>
-          <a:lnRef idx="1">
-            <a:schemeClr val="accent6"/>
-          </a:lnRef>
-          <a:fillRef idx="3">
-            <a:schemeClr val="accent6"/>
-          </a:fillRef>
-          <a:effectRef idx="2">
-            <a:schemeClr val="accent6"/>
-          </a:effectRef>
-          <a:fontRef idx="minor">
-            <a:schemeClr val="lt1"/>
-          </a:fontRef>
-        </p:style>
-        <p:txBody>
-          <a:bodyPr rtlCol="0" anchor="ctr"/>
-          <a:lstStyle/>
-          <a:p>
-            <a:pPr algn="ctr"/>
-            <a:endParaRPr lang="en-US"/>
-          </a:p>
-        </p:txBody>
-      </p:sp>
-      <p:sp>
-        <p:nvSpPr>
-          <p:cNvPr id="24" name="Oval 23"/>
-          <p:cNvSpPr/>
-          <p:nvPr/>
-        </p:nvSpPr>
-        <p:spPr>
-          <a:xfrm>
-            <a:off x="1944124" y="4399616"/>
-            <a:ext cx="4231823" cy="1615152"/>
-          </a:xfrm>
-          <a:prstGeom prst="ellipse">
-            <a:avLst/>
-          </a:prstGeom>
-          <a:gradFill flip="none" rotWithShape="1">
-            <a:gsLst>
-              <a:gs pos="0">
-                <a:srgbClr val="00B0F0">
-                  <a:shade val="30000"/>
-                  <a:satMod val="115000"/>
-                </a:srgbClr>
-              </a:gs>
-              <a:gs pos="50000">
-                <a:srgbClr val="00B0F0">
-                  <a:shade val="67500"/>
-                  <a:satMod val="115000"/>
-                </a:srgbClr>
-              </a:gs>
-              <a:gs pos="100000">
-                <a:srgbClr val="00B0F0">
-                  <a:shade val="100000"/>
-                  <a:satMod val="115000"/>
-                </a:srgbClr>
-              </a:gs>
-            </a:gsLst>
-            <a:lin ang="16200000" scaled="1"/>
-            <a:tileRect/>
-          </a:gradFill>
-          <a:ln>
-            <a:noFill/>
-          </a:ln>
-        </p:spPr>
-        <p:style>
-          <a:lnRef idx="1">
-            <a:schemeClr val="accent4"/>
-          </a:lnRef>
-          <a:fillRef idx="3">
-            <a:schemeClr val="accent4"/>
-          </a:fillRef>
-          <a:effectRef idx="2">
-            <a:schemeClr val="accent4"/>
-          </a:effectRef>
-          <a:fontRef idx="minor">
-            <a:schemeClr val="lt1"/>
-          </a:fontRef>
-        </p:style>
-        <p:txBody>
-          <a:bodyPr rtlCol="0" anchor="ctr"/>
-          <a:lstStyle/>
-          <a:p>
-            <a:pPr algn="ctr"/>
-            <a:r>
-              <a:rPr lang="en-US" sz="3200" dirty="0" smtClean="0"/>
-              <a:t>Trained Machine Learning Model</a:t>
-            </a:r>
-            <a:endParaRPr lang="en-US" sz="3200" dirty="0"/>
-          </a:p>
-        </p:txBody>
-      </p:sp>
+        </p:spPr>
+      </p:pic>
     </p:spTree>
     <p:extLst>
       <p:ext uri="{BB962C8B-B14F-4D97-AF65-F5344CB8AC3E}">
-        <p14:creationId xmlns:p14="http://schemas.microsoft.com/office/powerpoint/2010/main" val="1448376329"/>
+        <p14:creationId xmlns:p14="http://schemas.microsoft.com/office/powerpoint/2010/main" val="709546584"/>
       </p:ext>
     </p:extLst>
   </p:cSld>
@@ -5305,7 +5276,7 @@
             <a:pPr algn="ctr"/>
             <a:r>
               <a:rPr lang="en-US" sz="3200" dirty="0" smtClean="0"/>
-              <a:t>Unseen Raw Data</a:t>
+              <a:t>Raw Data, Labels</a:t>
             </a:r>
             <a:endParaRPr lang="en-US" sz="3200" dirty="0"/>
           </a:p>
@@ -5358,87 +5329,42 @@
       </p:sp>
       <p:sp>
         <p:nvSpPr>
-          <p:cNvPr id="12" name="Title 1"/>
-          <p:cNvSpPr txBox="1">
-            <a:spLocks/>
-          </p:cNvSpPr>
+          <p:cNvPr id="6" name="Rounded Rectangle 5"/>
+          <p:cNvSpPr/>
           <p:nvPr/>
         </p:nvSpPr>
         <p:spPr>
           <a:xfrm>
-            <a:off x="352269" y="1283468"/>
-            <a:ext cx="8679305" cy="1144939"/>
-          </a:xfrm>
-          <a:prstGeom prst="rect">
-            <a:avLst/>
-          </a:prstGeom>
-        </p:spPr>
-        <p:txBody>
-          <a:bodyPr vert="horz" lIns="91440" tIns="45720" rIns="91440" bIns="45720" rtlCol="0" anchor="ctr">
-            <a:normAutofit fontScale="97500"/>
-          </a:bodyPr>
-          <a:lstStyle>
-            <a:lvl1pPr algn="ctr" defTabSz="457200" rtl="0" eaLnBrk="1" latinLnBrk="0" hangingPunct="1">
-              <a:spcBef>
-                <a:spcPct val="0"/>
-              </a:spcBef>
-              <a:buNone/>
-              <a:defRPr sz="4400" kern="1200">
-                <a:solidFill>
-                  <a:schemeClr val="tx1"/>
-                </a:solidFill>
-                <a:latin typeface="+mj-lt"/>
-                <a:ea typeface="+mj-ea"/>
-                <a:cs typeface="+mj-cs"/>
-              </a:defRPr>
-            </a:lvl1pPr>
-          </a:lstStyle>
-          <a:p>
-            <a:pPr algn="l"/>
-            <a:r>
-              <a:rPr lang="en-US" sz="3200" dirty="0" smtClean="0"/>
-              <a:t>Step </a:t>
-            </a:r>
-            <a:r>
-              <a:rPr lang="en-US" sz="3200" dirty="0" smtClean="0"/>
-              <a:t>3.1</a:t>
-            </a:r>
-            <a:r>
-              <a:rPr lang="en-US" sz="3200" dirty="0" smtClean="0"/>
-              <a:t>: </a:t>
-            </a:r>
-            <a:r>
-              <a:rPr lang="en-US" sz="3200" dirty="0" smtClean="0"/>
-              <a:t>Preprocessing of unseen data (testing data</a:t>
-            </a:r>
-            <a:r>
-              <a:rPr lang="en-US" sz="3200" dirty="0" smtClean="0"/>
-              <a:t>)</a:t>
-            </a:r>
-            <a:endParaRPr lang="en-US" sz="3200" dirty="0"/>
-          </a:p>
-        </p:txBody>
-      </p:sp>
-      <p:sp>
-        <p:nvSpPr>
-          <p:cNvPr id="7" name="Rounded Rectangle 6"/>
-          <p:cNvSpPr/>
-          <p:nvPr/>
-        </p:nvSpPr>
-        <p:spPr>
-          <a:xfrm>
-            <a:off x="5905629" y="2633978"/>
+            <a:off x="6026051" y="2615740"/>
             <a:ext cx="2597045" cy="1806358"/>
           </a:xfrm>
           <a:prstGeom prst="roundRect">
             <a:avLst/>
           </a:prstGeom>
-          <a:solidFill>
-            <a:srgbClr val="C00000"/>
-          </a:solidFill>
-          <a:ln>
-            <a:noFill/>
-          </a:ln>
+          <a:gradFill flip="none" rotWithShape="1">
+            <a:gsLst>
+              <a:gs pos="0">
+                <a:srgbClr val="439007">
+                  <a:shade val="30000"/>
+                  <a:satMod val="115000"/>
+                </a:srgbClr>
+              </a:gs>
+              <a:gs pos="50000">
+                <a:srgbClr val="439007">
+                  <a:shade val="67500"/>
+                  <a:satMod val="115000"/>
+                </a:srgbClr>
+              </a:gs>
+              <a:gs pos="100000">
+                <a:srgbClr val="439007">
+                  <a:shade val="100000"/>
+                  <a:satMod val="115000"/>
+                </a:srgbClr>
+              </a:gs>
+            </a:gsLst>
+            <a:lin ang="16200000" scaled="1"/>
+            <a:tileRect/>
+          </a:gradFill>
         </p:spPr>
         <p:style>
           <a:lnRef idx="1">
@@ -5461,7 +5387,58 @@
             <a:pPr algn="ctr"/>
             <a:r>
               <a:rPr lang="en-US" sz="3200" dirty="0" smtClean="0"/>
-              <a:t>Preprocessed Unseen Data</a:t>
+              <a:t>Preprocessed Data, Labels</a:t>
+            </a:r>
+            <a:endParaRPr lang="en-US" sz="3200" dirty="0"/>
+          </a:p>
+        </p:txBody>
+      </p:sp>
+      <p:sp>
+        <p:nvSpPr>
+          <p:cNvPr id="12" name="Title 1"/>
+          <p:cNvSpPr txBox="1">
+            <a:spLocks/>
+          </p:cNvSpPr>
+          <p:nvPr/>
+        </p:nvSpPr>
+        <p:spPr>
+          <a:xfrm>
+            <a:off x="352269" y="1283468"/>
+            <a:ext cx="8679305" cy="1144939"/>
+          </a:xfrm>
+          <a:prstGeom prst="rect">
+            <a:avLst/>
+          </a:prstGeom>
+        </p:spPr>
+        <p:txBody>
+          <a:bodyPr vert="horz" lIns="91440" tIns="45720" rIns="91440" bIns="45720" rtlCol="0" anchor="ctr">
+            <a:normAutofit fontScale="97500"/>
+          </a:bodyPr>
+          <a:lstStyle>
+            <a:lvl1pPr algn="ctr" defTabSz="457200" rtl="0" eaLnBrk="1" latinLnBrk="0" hangingPunct="1">
+              <a:spcBef>
+                <a:spcPct val="0"/>
+              </a:spcBef>
+              <a:buNone/>
+              <a:defRPr sz="4400" kern="1200">
+                <a:solidFill>
+                  <a:schemeClr val="tx1"/>
+                </a:solidFill>
+                <a:latin typeface="+mj-lt"/>
+                <a:ea typeface="+mj-ea"/>
+                <a:cs typeface="+mj-cs"/>
+              </a:defRPr>
+            </a:lvl1pPr>
+          </a:lstStyle>
+          <a:p>
+            <a:pPr algn="l"/>
+            <a:r>
+              <a:rPr lang="en-US" sz="3200" dirty="0" smtClean="0"/>
+              <a:t>Step 1: Collecting, cleaning, preprocessing of data (</a:t>
+            </a:r>
+            <a:r>
+              <a:rPr lang="en-US" sz="3200" smtClean="0"/>
+              <a:t>training data)</a:t>
             </a:r>
             <a:endParaRPr lang="en-US" sz="3200" dirty="0"/>
           </a:p>
@@ -5470,7 +5447,7 @@
     </p:spTree>
     <p:extLst>
       <p:ext uri="{BB962C8B-B14F-4D97-AF65-F5344CB8AC3E}">
-        <p14:creationId xmlns:p14="http://schemas.microsoft.com/office/powerpoint/2010/main" val="521744437"/>
+        <p14:creationId xmlns:p14="http://schemas.microsoft.com/office/powerpoint/2010/main" val="1479253259"/>
       </p:ext>
     </p:extLst>
   </p:cSld>
@@ -5537,18 +5514,36 @@
         </p:nvSpPr>
         <p:spPr>
           <a:xfrm>
-            <a:off x="221109" y="2340340"/>
+            <a:off x="311050" y="2375921"/>
             <a:ext cx="2597045" cy="1806358"/>
           </a:xfrm>
           <a:prstGeom prst="roundRect">
             <a:avLst/>
           </a:prstGeom>
-          <a:solidFill>
-            <a:srgbClr val="C00000"/>
-          </a:solidFill>
-          <a:ln>
-            <a:noFill/>
-          </a:ln>
+          <a:gradFill flip="none" rotWithShape="1">
+            <a:gsLst>
+              <a:gs pos="0">
+                <a:srgbClr val="439007">
+                  <a:shade val="30000"/>
+                  <a:satMod val="115000"/>
+                </a:srgbClr>
+              </a:gs>
+              <a:gs pos="50000">
+                <a:srgbClr val="439007">
+                  <a:shade val="67500"/>
+                  <a:satMod val="115000"/>
+                </a:srgbClr>
+              </a:gs>
+              <a:gs pos="100000">
+                <a:srgbClr val="439007">
+                  <a:shade val="100000"/>
+                  <a:satMod val="115000"/>
+                </a:srgbClr>
+              </a:gs>
+            </a:gsLst>
+            <a:lin ang="16200000" scaled="1"/>
+            <a:tileRect/>
+          </a:gradFill>
         </p:spPr>
         <p:style>
           <a:lnRef idx="1">
@@ -5571,7 +5566,66 @@
             <a:pPr algn="ctr"/>
             <a:r>
               <a:rPr lang="en-US" sz="3200" dirty="0" smtClean="0"/>
-              <a:t>Preprocessed Unseen Data</a:t>
+              <a:t>Preprocessed Data, Labels</a:t>
+            </a:r>
+            <a:endParaRPr lang="en-US" sz="3200" dirty="0"/>
+          </a:p>
+        </p:txBody>
+      </p:sp>
+      <p:sp>
+        <p:nvSpPr>
+          <p:cNvPr id="7" name="Oval 6"/>
+          <p:cNvSpPr/>
+          <p:nvPr/>
+        </p:nvSpPr>
+        <p:spPr>
+          <a:xfrm>
+            <a:off x="6322099" y="2293518"/>
+            <a:ext cx="2627030" cy="1888761"/>
+          </a:xfrm>
+          <a:prstGeom prst="ellipse">
+            <a:avLst/>
+          </a:prstGeom>
+          <a:gradFill>
+            <a:gsLst>
+              <a:gs pos="0">
+                <a:srgbClr val="FF9300"/>
+              </a:gs>
+              <a:gs pos="100000">
+                <a:schemeClr val="accent6">
+                  <a:tint val="50000"/>
+                  <a:shade val="100000"/>
+                  <a:satMod val="350000"/>
+                </a:schemeClr>
+              </a:gs>
+            </a:gsLst>
+          </a:gradFill>
+          <a:ln>
+            <a:noFill/>
+          </a:ln>
+        </p:spPr>
+        <p:style>
+          <a:lnRef idx="1">
+            <a:schemeClr val="accent6"/>
+          </a:lnRef>
+          <a:fillRef idx="3">
+            <a:schemeClr val="accent6"/>
+          </a:fillRef>
+          <a:effectRef idx="2">
+            <a:schemeClr val="accent6"/>
+          </a:effectRef>
+          <a:fontRef idx="minor">
+            <a:schemeClr val="lt1"/>
+          </a:fontRef>
+        </p:style>
+        <p:txBody>
+          <a:bodyPr rtlCol="0" anchor="ctr"/>
+          <a:lstStyle/>
+          <a:p>
+            <a:pPr algn="ctr"/>
+            <a:r>
+              <a:rPr lang="en-US" sz="3200" dirty="0" smtClean="0"/>
+              <a:t>Machine Learning Algorithm</a:t>
             </a:r>
             <a:endParaRPr lang="en-US" sz="3200" dirty="0"/>
           </a:p>
@@ -5618,17 +5672,98 @@
             <a:pPr algn="l"/>
             <a:r>
               <a:rPr lang="en-US" sz="3200" dirty="0" smtClean="0"/>
-              <a:t>Step </a:t>
-            </a:r>
+              <a:t>Step 2: Training a machine learning model  </a:t>
+            </a:r>
+            <a:endParaRPr lang="en-US" sz="3200" dirty="0"/>
+          </a:p>
+        </p:txBody>
+      </p:sp>
+      <p:sp>
+        <p:nvSpPr>
+          <p:cNvPr id="22" name="Striped Right Arrow 21"/>
+          <p:cNvSpPr/>
+          <p:nvPr/>
+        </p:nvSpPr>
+        <p:spPr>
+          <a:xfrm>
+            <a:off x="3054245" y="2546476"/>
+            <a:ext cx="3121703" cy="1394085"/>
+          </a:xfrm>
+          <a:prstGeom prst="stripedRightArrow">
+            <a:avLst/>
+          </a:prstGeom>
+          <a:solidFill>
+            <a:srgbClr val="439007"/>
+          </a:solidFill>
+          <a:ln>
+            <a:noFill/>
+          </a:ln>
+        </p:spPr>
+        <p:style>
+          <a:lnRef idx="1">
+            <a:schemeClr val="accent1"/>
+          </a:lnRef>
+          <a:fillRef idx="3">
+            <a:schemeClr val="accent1"/>
+          </a:fillRef>
+          <a:effectRef idx="2">
+            <a:schemeClr val="accent1"/>
+          </a:effectRef>
+          <a:fontRef idx="minor">
+            <a:schemeClr val="lt1"/>
+          </a:fontRef>
+        </p:style>
+        <p:txBody>
+          <a:bodyPr rtlCol="0" anchor="ctr"/>
+          <a:lstStyle/>
+          <a:p>
+            <a:pPr algn="ctr"/>
             <a:r>
               <a:rPr lang="en-US" sz="3200" dirty="0" smtClean="0"/>
-              <a:t>3.2 : </a:t>
-            </a:r>
-            <a:r>
-              <a:rPr lang="en-US" sz="3200" dirty="0" smtClean="0"/>
-              <a:t>Predicting output on unseen data (testing data)</a:t>
+              <a:t>Feed the data</a:t>
             </a:r>
             <a:endParaRPr lang="en-US" sz="3200" dirty="0"/>
+          </a:p>
+        </p:txBody>
+      </p:sp>
+      <p:sp>
+        <p:nvSpPr>
+          <p:cNvPr id="23" name="Striped Right Arrow 22"/>
+          <p:cNvSpPr/>
+          <p:nvPr/>
+        </p:nvSpPr>
+        <p:spPr>
+          <a:xfrm rot="8296209">
+            <a:off x="5569715" y="3759624"/>
+            <a:ext cx="1046703" cy="848448"/>
+          </a:xfrm>
+          <a:prstGeom prst="stripedRightArrow">
+            <a:avLst/>
+          </a:prstGeom>
+          <a:ln>
+            <a:noFill/>
+          </a:ln>
+        </p:spPr>
+        <p:style>
+          <a:lnRef idx="1">
+            <a:schemeClr val="accent6"/>
+          </a:lnRef>
+          <a:fillRef idx="3">
+            <a:schemeClr val="accent6"/>
+          </a:fillRef>
+          <a:effectRef idx="2">
+            <a:schemeClr val="accent6"/>
+          </a:effectRef>
+          <a:fontRef idx="minor">
+            <a:schemeClr val="lt1"/>
+          </a:fontRef>
+        </p:style>
+        <p:txBody>
+          <a:bodyPr rtlCol="0" anchor="ctr"/>
+          <a:lstStyle/>
+          <a:p>
+            <a:pPr algn="ctr"/>
+            <a:endParaRPr lang="en-US"/>
           </a:p>
         </p:txBody>
       </p:sp>
@@ -5640,8 +5775,8 @@
         </p:nvSpPr>
         <p:spPr>
           <a:xfrm>
-            <a:off x="6067264" y="2049490"/>
-            <a:ext cx="2738603" cy="2421789"/>
+            <a:off x="1944124" y="4399616"/>
+            <a:ext cx="4231823" cy="1615152"/>
           </a:xfrm>
           <a:prstGeom prst="ellipse">
             <a:avLst/>
@@ -5701,6 +5836,479 @@
           </a:p>
         </p:txBody>
       </p:sp>
+    </p:spTree>
+    <p:extLst>
+      <p:ext uri="{BB962C8B-B14F-4D97-AF65-F5344CB8AC3E}">
+        <p14:creationId xmlns:p14="http://schemas.microsoft.com/office/powerpoint/2010/main" val="1448376329"/>
+      </p:ext>
+    </p:extLst>
+  </p:cSld>
+  <p:clrMapOvr>
+    <a:masterClrMapping/>
+  </p:clrMapOvr>
+  <p:timing>
+    <p:tnLst>
+      <p:par>
+        <p:cTn id="1" dur="indefinite" restart="never" nodeType="tmRoot"/>
+      </p:par>
+    </p:tnLst>
+  </p:timing>
+</p:sld>
+</file>
+
+<file path=ppt/slides/slide16.xml><?xml version="1.0" encoding="utf-8"?>
+<p:sld xmlns:a="http://schemas.openxmlformats.org/drawingml/2006/main" xmlns:r="http://schemas.openxmlformats.org/officeDocument/2006/relationships" xmlns:p="http://schemas.openxmlformats.org/presentationml/2006/main">
+  <p:cSld>
+    <p:spTree>
+      <p:nvGrpSpPr>
+        <p:cNvPr id="1" name=""/>
+        <p:cNvGrpSpPr/>
+        <p:nvPr/>
+      </p:nvGrpSpPr>
+      <p:grpSpPr>
+        <a:xfrm>
+          <a:off x="0" y="0"/>
+          <a:ext cx="0" cy="0"/>
+          <a:chOff x="0" y="0"/>
+          <a:chExt cx="0" cy="0"/>
+        </a:xfrm>
+      </p:grpSpPr>
+      <p:sp>
+        <p:nvSpPr>
+          <p:cNvPr id="2" name="Title 1"/>
+          <p:cNvSpPr>
+            <a:spLocks noGrp="1"/>
+          </p:cNvSpPr>
+          <p:nvPr>
+            <p:ph type="title"/>
+          </p:nvPr>
+        </p:nvSpPr>
+        <p:spPr/>
+        <p:txBody>
+          <a:bodyPr>
+            <a:normAutofit fontScale="90000"/>
+          </a:bodyPr>
+          <a:lstStyle/>
+          <a:p>
+            <a:r>
+              <a:rPr lang="en-US" dirty="0" smtClean="0"/>
+              <a:t>Supervised Learning Model Workflow</a:t>
+            </a:r>
+            <a:endParaRPr lang="en-US" dirty="0"/>
+          </a:p>
+        </p:txBody>
+      </p:sp>
+      <p:sp>
+        <p:nvSpPr>
+          <p:cNvPr id="4" name="Rounded Rectangle 3"/>
+          <p:cNvSpPr/>
+          <p:nvPr/>
+        </p:nvSpPr>
+        <p:spPr>
+          <a:xfrm>
+            <a:off x="457200" y="3013023"/>
+            <a:ext cx="2016177" cy="944380"/>
+          </a:xfrm>
+          <a:prstGeom prst="roundRect">
+            <a:avLst/>
+          </a:prstGeom>
+          <a:ln>
+            <a:noFill/>
+          </a:ln>
+        </p:spPr>
+        <p:style>
+          <a:lnRef idx="1">
+            <a:schemeClr val="accent1"/>
+          </a:lnRef>
+          <a:fillRef idx="3">
+            <a:schemeClr val="accent1"/>
+          </a:fillRef>
+          <a:effectRef idx="2">
+            <a:schemeClr val="accent1"/>
+          </a:effectRef>
+          <a:fontRef idx="minor">
+            <a:schemeClr val="lt1"/>
+          </a:fontRef>
+        </p:style>
+        <p:txBody>
+          <a:bodyPr rtlCol="0" anchor="ctr"/>
+          <a:lstStyle/>
+          <a:p>
+            <a:pPr algn="ctr"/>
+            <a:r>
+              <a:rPr lang="en-US" sz="3200" dirty="0" smtClean="0"/>
+              <a:t>Unseen Raw Data</a:t>
+            </a:r>
+            <a:endParaRPr lang="en-US" sz="3200" dirty="0"/>
+          </a:p>
+        </p:txBody>
+      </p:sp>
+      <p:sp>
+        <p:nvSpPr>
+          <p:cNvPr id="5" name="Striped Right Arrow 4"/>
+          <p:cNvSpPr/>
+          <p:nvPr/>
+        </p:nvSpPr>
+        <p:spPr>
+          <a:xfrm>
+            <a:off x="2844385" y="2563318"/>
+            <a:ext cx="2810658" cy="1858780"/>
+          </a:xfrm>
+          <a:prstGeom prst="stripedRightArrow">
+            <a:avLst/>
+          </a:prstGeom>
+          <a:ln>
+            <a:noFill/>
+          </a:ln>
+        </p:spPr>
+        <p:style>
+          <a:lnRef idx="1">
+            <a:schemeClr val="accent1"/>
+          </a:lnRef>
+          <a:fillRef idx="3">
+            <a:schemeClr val="accent1"/>
+          </a:fillRef>
+          <a:effectRef idx="2">
+            <a:schemeClr val="accent1"/>
+          </a:effectRef>
+          <a:fontRef idx="minor">
+            <a:schemeClr val="lt1"/>
+          </a:fontRef>
+        </p:style>
+        <p:txBody>
+          <a:bodyPr rtlCol="0" anchor="ctr"/>
+          <a:lstStyle/>
+          <a:p>
+            <a:pPr algn="ctr"/>
+            <a:r>
+              <a:rPr lang="en-US" sz="3200" dirty="0" smtClean="0"/>
+              <a:t>Feature Extraction</a:t>
+            </a:r>
+            <a:endParaRPr lang="en-US" sz="3200" dirty="0"/>
+          </a:p>
+        </p:txBody>
+      </p:sp>
+      <p:sp>
+        <p:nvSpPr>
+          <p:cNvPr id="12" name="Title 1"/>
+          <p:cNvSpPr txBox="1">
+            <a:spLocks/>
+          </p:cNvSpPr>
+          <p:nvPr/>
+        </p:nvSpPr>
+        <p:spPr>
+          <a:xfrm>
+            <a:off x="352269" y="1283468"/>
+            <a:ext cx="8679305" cy="1144939"/>
+          </a:xfrm>
+          <a:prstGeom prst="rect">
+            <a:avLst/>
+          </a:prstGeom>
+        </p:spPr>
+        <p:txBody>
+          <a:bodyPr vert="horz" lIns="91440" tIns="45720" rIns="91440" bIns="45720" rtlCol="0" anchor="ctr">
+            <a:normAutofit fontScale="97500"/>
+          </a:bodyPr>
+          <a:lstStyle>
+            <a:lvl1pPr algn="ctr" defTabSz="457200" rtl="0" eaLnBrk="1" latinLnBrk="0" hangingPunct="1">
+              <a:spcBef>
+                <a:spcPct val="0"/>
+              </a:spcBef>
+              <a:buNone/>
+              <a:defRPr sz="4400" kern="1200">
+                <a:solidFill>
+                  <a:schemeClr val="tx1"/>
+                </a:solidFill>
+                <a:latin typeface="+mj-lt"/>
+                <a:ea typeface="+mj-ea"/>
+                <a:cs typeface="+mj-cs"/>
+              </a:defRPr>
+            </a:lvl1pPr>
+          </a:lstStyle>
+          <a:p>
+            <a:pPr algn="l"/>
+            <a:r>
+              <a:rPr lang="en-US" sz="3200" dirty="0" smtClean="0"/>
+              <a:t>Step 3.1: Preprocessing of unseen data (testing data)</a:t>
+            </a:r>
+            <a:endParaRPr lang="en-US" sz="3200" dirty="0"/>
+          </a:p>
+        </p:txBody>
+      </p:sp>
+      <p:sp>
+        <p:nvSpPr>
+          <p:cNvPr id="7" name="Rounded Rectangle 6"/>
+          <p:cNvSpPr/>
+          <p:nvPr/>
+        </p:nvSpPr>
+        <p:spPr>
+          <a:xfrm>
+            <a:off x="5905629" y="2633978"/>
+            <a:ext cx="2597045" cy="1806358"/>
+          </a:xfrm>
+          <a:prstGeom prst="roundRect">
+            <a:avLst/>
+          </a:prstGeom>
+          <a:solidFill>
+            <a:srgbClr val="C00000"/>
+          </a:solidFill>
+          <a:ln>
+            <a:noFill/>
+          </a:ln>
+        </p:spPr>
+        <p:style>
+          <a:lnRef idx="1">
+            <a:schemeClr val="accent3"/>
+          </a:lnRef>
+          <a:fillRef idx="3">
+            <a:schemeClr val="accent3"/>
+          </a:fillRef>
+          <a:effectRef idx="2">
+            <a:schemeClr val="accent3"/>
+          </a:effectRef>
+          <a:fontRef idx="minor">
+            <a:schemeClr val="lt1"/>
+          </a:fontRef>
+        </p:style>
+        <p:txBody>
+          <a:bodyPr rtlCol="0" anchor="ctr"/>
+          <a:lstStyle/>
+          <a:p>
+            <a:pPr algn="ctr"/>
+            <a:r>
+              <a:rPr lang="en-US" sz="3200" dirty="0" smtClean="0"/>
+              <a:t>Preprocessed Unseen Data</a:t>
+            </a:r>
+            <a:endParaRPr lang="en-US" sz="3200" dirty="0"/>
+          </a:p>
+        </p:txBody>
+      </p:sp>
+    </p:spTree>
+    <p:extLst>
+      <p:ext uri="{BB962C8B-B14F-4D97-AF65-F5344CB8AC3E}">
+        <p14:creationId xmlns:p14="http://schemas.microsoft.com/office/powerpoint/2010/main" val="521744437"/>
+      </p:ext>
+    </p:extLst>
+  </p:cSld>
+  <p:clrMapOvr>
+    <a:masterClrMapping/>
+  </p:clrMapOvr>
+  <p:timing>
+    <p:tnLst>
+      <p:par>
+        <p:cTn id="1" dur="indefinite" restart="never" nodeType="tmRoot"/>
+      </p:par>
+    </p:tnLst>
+  </p:timing>
+</p:sld>
+</file>
+
+<file path=ppt/slides/slide17.xml><?xml version="1.0" encoding="utf-8"?>
+<p:sld xmlns:a="http://schemas.openxmlformats.org/drawingml/2006/main" xmlns:r="http://schemas.openxmlformats.org/officeDocument/2006/relationships" xmlns:p="http://schemas.openxmlformats.org/presentationml/2006/main">
+  <p:cSld>
+    <p:spTree>
+      <p:nvGrpSpPr>
+        <p:cNvPr id="1" name=""/>
+        <p:cNvGrpSpPr/>
+        <p:nvPr/>
+      </p:nvGrpSpPr>
+      <p:grpSpPr>
+        <a:xfrm>
+          <a:off x="0" y="0"/>
+          <a:ext cx="0" cy="0"/>
+          <a:chOff x="0" y="0"/>
+          <a:chExt cx="0" cy="0"/>
+        </a:xfrm>
+      </p:grpSpPr>
+      <p:sp>
+        <p:nvSpPr>
+          <p:cNvPr id="2" name="Title 1"/>
+          <p:cNvSpPr>
+            <a:spLocks noGrp="1"/>
+          </p:cNvSpPr>
+          <p:nvPr>
+            <p:ph type="title"/>
+          </p:nvPr>
+        </p:nvSpPr>
+        <p:spPr/>
+        <p:txBody>
+          <a:bodyPr>
+            <a:normAutofit fontScale="90000"/>
+          </a:bodyPr>
+          <a:lstStyle/>
+          <a:p>
+            <a:r>
+              <a:rPr lang="en-US" dirty="0" smtClean="0"/>
+              <a:t>Supervised Learning Model Workflow</a:t>
+            </a:r>
+            <a:endParaRPr lang="en-US" dirty="0"/>
+          </a:p>
+        </p:txBody>
+      </p:sp>
+      <p:sp>
+        <p:nvSpPr>
+          <p:cNvPr id="6" name="Rounded Rectangle 5"/>
+          <p:cNvSpPr/>
+          <p:nvPr/>
+        </p:nvSpPr>
+        <p:spPr>
+          <a:xfrm>
+            <a:off x="221109" y="2340340"/>
+            <a:ext cx="2597045" cy="1806358"/>
+          </a:xfrm>
+          <a:prstGeom prst="roundRect">
+            <a:avLst/>
+          </a:prstGeom>
+          <a:solidFill>
+            <a:srgbClr val="C00000"/>
+          </a:solidFill>
+          <a:ln>
+            <a:noFill/>
+          </a:ln>
+        </p:spPr>
+        <p:style>
+          <a:lnRef idx="1">
+            <a:schemeClr val="accent3"/>
+          </a:lnRef>
+          <a:fillRef idx="3">
+            <a:schemeClr val="accent3"/>
+          </a:fillRef>
+          <a:effectRef idx="2">
+            <a:schemeClr val="accent3"/>
+          </a:effectRef>
+          <a:fontRef idx="minor">
+            <a:schemeClr val="lt1"/>
+          </a:fontRef>
+        </p:style>
+        <p:txBody>
+          <a:bodyPr rtlCol="0" anchor="ctr"/>
+          <a:lstStyle/>
+          <a:p>
+            <a:pPr algn="ctr"/>
+            <a:r>
+              <a:rPr lang="en-US" sz="3200" dirty="0" smtClean="0"/>
+              <a:t>Preprocessed Unseen Data</a:t>
+            </a:r>
+            <a:endParaRPr lang="en-US" sz="3200" dirty="0"/>
+          </a:p>
+        </p:txBody>
+      </p:sp>
+      <p:sp>
+        <p:nvSpPr>
+          <p:cNvPr id="10" name="Title 1"/>
+          <p:cNvSpPr txBox="1">
+            <a:spLocks/>
+          </p:cNvSpPr>
+          <p:nvPr/>
+        </p:nvSpPr>
+        <p:spPr>
+          <a:xfrm>
+            <a:off x="457200" y="1197340"/>
+            <a:ext cx="8679305" cy="1143000"/>
+          </a:xfrm>
+          <a:prstGeom prst="rect">
+            <a:avLst/>
+          </a:prstGeom>
+        </p:spPr>
+        <p:txBody>
+          <a:bodyPr vert="horz" lIns="91440" tIns="45720" rIns="91440" bIns="45720" rtlCol="0" anchor="ctr">
+            <a:normAutofit fontScale="97500"/>
+          </a:bodyPr>
+          <a:lstStyle>
+            <a:lvl1pPr algn="ctr" defTabSz="457200" rtl="0" eaLnBrk="1" latinLnBrk="0" hangingPunct="1">
+              <a:spcBef>
+                <a:spcPct val="0"/>
+              </a:spcBef>
+              <a:buNone/>
+              <a:defRPr sz="4400" kern="1200">
+                <a:solidFill>
+                  <a:schemeClr val="tx1"/>
+                </a:solidFill>
+                <a:latin typeface="+mj-lt"/>
+                <a:ea typeface="+mj-ea"/>
+                <a:cs typeface="+mj-cs"/>
+              </a:defRPr>
+            </a:lvl1pPr>
+          </a:lstStyle>
+          <a:p>
+            <a:pPr algn="l"/>
+            <a:r>
+              <a:rPr lang="en-US" sz="3200" dirty="0" smtClean="0"/>
+              <a:t>Step 3.2 : Predicting output on unseen data (testing data)</a:t>
+            </a:r>
+            <a:endParaRPr lang="en-US" sz="3200" dirty="0"/>
+          </a:p>
+        </p:txBody>
+      </p:sp>
+      <p:sp>
+        <p:nvSpPr>
+          <p:cNvPr id="24" name="Oval 23"/>
+          <p:cNvSpPr/>
+          <p:nvPr/>
+        </p:nvSpPr>
+        <p:spPr>
+          <a:xfrm>
+            <a:off x="6067264" y="2049490"/>
+            <a:ext cx="2738603" cy="2421789"/>
+          </a:xfrm>
+          <a:prstGeom prst="ellipse">
+            <a:avLst/>
+          </a:prstGeom>
+          <a:gradFill flip="none" rotWithShape="1">
+            <a:gsLst>
+              <a:gs pos="0">
+                <a:srgbClr val="00B0F0">
+                  <a:shade val="30000"/>
+                  <a:satMod val="115000"/>
+                </a:srgbClr>
+              </a:gs>
+              <a:gs pos="50000">
+                <a:srgbClr val="00B0F0">
+                  <a:shade val="67500"/>
+                  <a:satMod val="115000"/>
+                </a:srgbClr>
+              </a:gs>
+              <a:gs pos="100000">
+                <a:srgbClr val="00B0F0">
+                  <a:shade val="100000"/>
+                  <a:satMod val="115000"/>
+                </a:srgbClr>
+              </a:gs>
+            </a:gsLst>
+            <a:lin ang="16200000" scaled="1"/>
+            <a:tileRect/>
+          </a:gradFill>
+          <a:ln>
+            <a:noFill/>
+          </a:ln>
+        </p:spPr>
+        <p:style>
+          <a:lnRef idx="1">
+            <a:schemeClr val="accent4"/>
+          </a:lnRef>
+          <a:fillRef idx="3">
+            <a:schemeClr val="accent4"/>
+          </a:fillRef>
+          <a:effectRef idx="2">
+            <a:schemeClr val="accent4"/>
+          </a:effectRef>
+          <a:fontRef idx="minor">
+            <a:schemeClr val="lt1"/>
+          </a:fontRef>
+        </p:style>
+        <p:txBody>
+          <a:bodyPr rtlCol="0" anchor="ctr"/>
+          <a:lstStyle/>
+          <a:p>
+            <a:pPr algn="ctr"/>
+            <a:r>
+              <a:rPr lang="en-US" sz="3200" dirty="0" smtClean="0"/>
+              <a:t>Trained Machine Learning Model</a:t>
+            </a:r>
+            <a:endParaRPr lang="en-US" sz="3200" dirty="0"/>
+          </a:p>
+        </p:txBody>
+      </p:sp>
       <p:sp>
         <p:nvSpPr>
           <p:cNvPr id="3" name="Striped Right Arrow 2"/>
@@ -5910,7 +6518,7 @@
 </p:sld>
 </file>
 
-<file path=ppt/slides/slide16.xml><?xml version="1.0" encoding="utf-8"?>
+<file path=ppt/slides/slide18.xml><?xml version="1.0" encoding="utf-8"?>
 <p:sld xmlns:a="http://schemas.openxmlformats.org/drawingml/2006/main" xmlns:r="http://schemas.openxmlformats.org/officeDocument/2006/relationships" xmlns:p="http://schemas.openxmlformats.org/presentationml/2006/main">
   <p:cSld>
     <p:spTree>
@@ -6052,7 +6660,7 @@
 </p:sld>
 </file>
 
-<file path=ppt/slides/slide17.xml><?xml version="1.0" encoding="utf-8"?>
+<file path=ppt/slides/slide19.xml><?xml version="1.0" encoding="utf-8"?>
 <p:sld xmlns:a="http://schemas.openxmlformats.org/drawingml/2006/main" xmlns:r="http://schemas.openxmlformats.org/officeDocument/2006/relationships" xmlns:p="http://schemas.openxmlformats.org/presentationml/2006/main">
   <p:cSld>
     <p:spTree>
@@ -6159,259 +6767,6 @@
     <p:extLst>
       <p:ext uri="{BB962C8B-B14F-4D97-AF65-F5344CB8AC3E}">
         <p14:creationId xmlns:p14="http://schemas.microsoft.com/office/powerpoint/2010/main" val="16198188"/>
-      </p:ext>
-    </p:extLst>
-  </p:cSld>
-  <p:clrMapOvr>
-    <a:masterClrMapping/>
-  </p:clrMapOvr>
-  <p:timing>
-    <p:tnLst>
-      <p:par>
-        <p:cTn id="1" dur="indefinite" restart="never" nodeType="tmRoot"/>
-      </p:par>
-    </p:tnLst>
-  </p:timing>
-</p:sld>
-</file>
-
-<file path=ppt/slides/slide18.xml><?xml version="1.0" encoding="utf-8"?>
-<p:sld xmlns:a="http://schemas.openxmlformats.org/drawingml/2006/main" xmlns:r="http://schemas.openxmlformats.org/officeDocument/2006/relationships" xmlns:p="http://schemas.openxmlformats.org/presentationml/2006/main">
-  <p:cSld>
-    <p:spTree>
-      <p:nvGrpSpPr>
-        <p:cNvPr id="1" name=""/>
-        <p:cNvGrpSpPr/>
-        <p:nvPr/>
-      </p:nvGrpSpPr>
-      <p:grpSpPr>
-        <a:xfrm>
-          <a:off x="0" y="0"/>
-          <a:ext cx="0" cy="0"/>
-          <a:chOff x="0" y="0"/>
-          <a:chExt cx="0" cy="0"/>
-        </a:xfrm>
-      </p:grpSpPr>
-      <p:sp>
-        <p:nvSpPr>
-          <p:cNvPr id="2" name="Title 1"/>
-          <p:cNvSpPr>
-            <a:spLocks noGrp="1"/>
-          </p:cNvSpPr>
-          <p:nvPr>
-            <p:ph type="title"/>
-          </p:nvPr>
-        </p:nvSpPr>
-        <p:spPr/>
-        <p:txBody>
-          <a:bodyPr>
-            <a:normAutofit/>
-          </a:bodyPr>
-          <a:lstStyle/>
-          <a:p>
-            <a:r>
-              <a:rPr lang="en-US" dirty="0" smtClean="0"/>
-              <a:t>Data Preprocessing</a:t>
-            </a:r>
-            <a:endParaRPr lang="en-US" dirty="0"/>
-          </a:p>
-        </p:txBody>
-      </p:sp>
-      <p:sp>
-        <p:nvSpPr>
-          <p:cNvPr id="3" name="Content Placeholder 2"/>
-          <p:cNvSpPr>
-            <a:spLocks noGrp="1"/>
-          </p:cNvSpPr>
-          <p:nvPr>
-            <p:ph idx="1"/>
-          </p:nvPr>
-        </p:nvSpPr>
-        <p:spPr>
-          <a:xfrm>
-            <a:off x="167640" y="1600201"/>
-            <a:ext cx="8793480" cy="4206240"/>
-          </a:xfrm>
-        </p:spPr>
-        <p:txBody>
-          <a:bodyPr/>
-          <a:lstStyle/>
-          <a:p>
-            <a:r>
-              <a:rPr lang="en-US" dirty="0" smtClean="0"/>
-              <a:t>Original tweets:</a:t>
-            </a:r>
-          </a:p>
-          <a:p>
-            <a:pPr marL="457200" indent="-457200">
-              <a:buFont typeface="+mj-lt"/>
-              <a:buAutoNum type="arabicPeriod"/>
-            </a:pPr>
-            <a:r>
-              <a:rPr lang="en-US" sz="2400" i="1" dirty="0" smtClean="0"/>
-              <a:t>“@</a:t>
-            </a:r>
-            <a:r>
-              <a:rPr lang="en-US" sz="2400" i="1" dirty="0" err="1"/>
-              <a:t>ibexgirl</a:t>
-            </a:r>
-            <a:r>
-              <a:rPr lang="en-US" sz="2400" i="1" dirty="0"/>
-              <a:t> thankfully Hurricane Waugh played it </a:t>
-            </a:r>
-            <a:r>
-              <a:rPr lang="en-US" sz="2400" i="1" dirty="0" smtClean="0"/>
-              <a:t>cool”</a:t>
-            </a:r>
-          </a:p>
-          <a:p>
-            <a:pPr marL="457200" indent="-457200">
-              <a:buFont typeface="+mj-lt"/>
-              <a:buAutoNum type="arabicPeriod"/>
-            </a:pPr>
-            <a:r>
-              <a:rPr lang="en-US" sz="2400" i="1" dirty="0"/>
-              <a:t>“I'm at Mad River Bar &amp;amp; Grille (New York, </a:t>
-            </a:r>
-            <a:r>
-              <a:rPr lang="en-US" sz="2400" i="1" dirty="0" smtClean="0"/>
-              <a:t>NY) http</a:t>
-            </a:r>
-            <a:r>
-              <a:rPr lang="en-US" sz="2400" i="1" dirty="0"/>
-              <a:t>://</a:t>
-            </a:r>
-            <a:r>
-              <a:rPr lang="en-US" sz="2400" i="1" dirty="0" smtClean="0"/>
-              <a:t>t.co/VSzKP”</a:t>
-            </a:r>
-          </a:p>
-          <a:p>
-            <a:r>
-              <a:rPr lang="en-US" dirty="0" smtClean="0"/>
-              <a:t>Preprocessed tweets:</a:t>
-            </a:r>
-            <a:endParaRPr lang="en-US" dirty="0"/>
-          </a:p>
-          <a:p>
-            <a:pPr marL="457200" indent="-457200">
-              <a:buFont typeface="+mj-lt"/>
-              <a:buAutoNum type="arabicPeriod"/>
-            </a:pPr>
-            <a:r>
-              <a:rPr lang="en-US" sz="2400" i="1" dirty="0" smtClean="0"/>
-              <a:t>“USERNAME </a:t>
-            </a:r>
-            <a:r>
-              <a:rPr lang="en-US" sz="2400" i="1" dirty="0"/>
-              <a:t>thankfully Hurricane Waugh played it </a:t>
-            </a:r>
-            <a:r>
-              <a:rPr lang="en-US" sz="2400" i="1" dirty="0" smtClean="0"/>
-              <a:t>cool”</a:t>
-            </a:r>
-          </a:p>
-          <a:p>
-            <a:pPr marL="457200" indent="-457200">
-              <a:buFont typeface="+mj-lt"/>
-              <a:buAutoNum type="arabicPeriod"/>
-            </a:pPr>
-            <a:r>
-              <a:rPr lang="en-US" sz="2400" i="1" dirty="0"/>
-              <a:t>“I'm at Mad River Bar &amp; Grille (New York, NY) URL”</a:t>
-            </a:r>
-          </a:p>
-          <a:p>
-            <a:pPr marL="0" indent="0">
-              <a:buNone/>
-            </a:pPr>
-            <a:endParaRPr lang="en-US" sz="2400" i="1" dirty="0"/>
-          </a:p>
-        </p:txBody>
-      </p:sp>
-    </p:spTree>
-    <p:extLst>
-      <p:ext uri="{BB962C8B-B14F-4D97-AF65-F5344CB8AC3E}">
-        <p14:creationId xmlns:p14="http://schemas.microsoft.com/office/powerpoint/2010/main" val="893666954"/>
-      </p:ext>
-    </p:extLst>
-  </p:cSld>
-  <p:clrMapOvr>
-    <a:masterClrMapping/>
-  </p:clrMapOvr>
-  <p:timing>
-    <p:tnLst>
-      <p:par>
-        <p:cTn id="1" dur="indefinite" restart="never" nodeType="tmRoot"/>
-      </p:par>
-    </p:tnLst>
-  </p:timing>
-</p:sld>
-</file>
-
-<file path=ppt/slides/slide19.xml><?xml version="1.0" encoding="utf-8"?>
-<p:sld xmlns:a="http://schemas.openxmlformats.org/drawingml/2006/main" xmlns:r="http://schemas.openxmlformats.org/officeDocument/2006/relationships" xmlns:p="http://schemas.openxmlformats.org/presentationml/2006/main">
-  <p:cSld>
-    <p:spTree>
-      <p:nvGrpSpPr>
-        <p:cNvPr id="1" name=""/>
-        <p:cNvGrpSpPr/>
-        <p:nvPr/>
-      </p:nvGrpSpPr>
-      <p:grpSpPr>
-        <a:xfrm>
-          <a:off x="0" y="0"/>
-          <a:ext cx="0" cy="0"/>
-          <a:chOff x="0" y="0"/>
-          <a:chExt cx="0" cy="0"/>
-        </a:xfrm>
-      </p:grpSpPr>
-      <p:sp>
-        <p:nvSpPr>
-          <p:cNvPr id="2" name="Title 1"/>
-          <p:cNvSpPr>
-            <a:spLocks noGrp="1"/>
-          </p:cNvSpPr>
-          <p:nvPr>
-            <p:ph type="title"/>
-          </p:nvPr>
-        </p:nvSpPr>
-        <p:spPr/>
-        <p:txBody>
-          <a:bodyPr/>
-          <a:lstStyle/>
-          <a:p>
-            <a:r>
-              <a:rPr lang="en-US" dirty="0" smtClean="0"/>
-              <a:t>Supervised Machine Learning</a:t>
-            </a:r>
-            <a:endParaRPr lang="en-US" dirty="0"/>
-          </a:p>
-        </p:txBody>
-      </p:sp>
-      <p:sp>
-        <p:nvSpPr>
-          <p:cNvPr id="3" name="Content Placeholder 2"/>
-          <p:cNvSpPr>
-            <a:spLocks noGrp="1"/>
-          </p:cNvSpPr>
-          <p:nvPr>
-            <p:ph idx="1"/>
-          </p:nvPr>
-        </p:nvSpPr>
-        <p:spPr/>
-        <p:txBody>
-          <a:bodyPr/>
-          <a:lstStyle/>
-          <a:p>
-            <a:endParaRPr lang="en-US" dirty="0"/>
-          </a:p>
-        </p:txBody>
-      </p:sp>
-    </p:spTree>
-    <p:extLst>
-      <p:ext uri="{BB962C8B-B14F-4D97-AF65-F5344CB8AC3E}">
-        <p14:creationId xmlns:p14="http://schemas.microsoft.com/office/powerpoint/2010/main" val="84683829"/>
       </p:ext>
     </p:extLst>
   </p:cSld>
@@ -6701,7 +7056,7 @@
           <a:p>
             <a:r>
               <a:rPr lang="en-US" dirty="0" smtClean="0"/>
-              <a:t>Domain Adaptation Terminology</a:t>
+              <a:t>Data Preprocessing</a:t>
             </a:r>
             <a:endParaRPr lang="en-US" dirty="0"/>
           </a:p>
@@ -6717,19 +7072,112 @@
             <p:ph idx="1"/>
           </p:nvPr>
         </p:nvSpPr>
-        <p:spPr/>
+        <p:spPr>
+          <a:xfrm>
+            <a:off x="167640" y="1600201"/>
+            <a:ext cx="8793480" cy="4206240"/>
+          </a:xfrm>
+        </p:spPr>
         <p:txBody>
           <a:bodyPr/>
           <a:lstStyle/>
           <a:p>
+            <a:r>
+              <a:rPr lang="en-US" dirty="0" smtClean="0"/>
+              <a:t>Original tweets:</a:t>
+            </a:r>
+          </a:p>
+          <a:p>
+            <a:pPr marL="457200" indent="-457200">
+              <a:buFont typeface="+mj-lt"/>
+              <a:buAutoNum type="arabicPeriod"/>
+            </a:pPr>
+            <a:r>
+              <a:rPr lang="en-US" sz="2400" i="1" dirty="0" smtClean="0"/>
+              <a:t>“@</a:t>
+            </a:r>
+            <a:r>
+              <a:rPr lang="en-US" sz="2400" i="1" dirty="0" err="1"/>
+              <a:t>ibexgirl</a:t>
+            </a:r>
+            <a:r>
+              <a:rPr lang="en-US" sz="2400" i="1" dirty="0"/>
+              <a:t> thankfully Hurricane Waugh played it </a:t>
+            </a:r>
+            <a:r>
+              <a:rPr lang="en-US" sz="2400" i="1" dirty="0" smtClean="0"/>
+              <a:t>cool”</a:t>
+            </a:r>
+          </a:p>
+          <a:p>
+            <a:pPr marL="457200" indent="-457200">
+              <a:buFont typeface="+mj-lt"/>
+              <a:buAutoNum type="arabicPeriod"/>
+            </a:pPr>
+            <a:r>
+              <a:rPr lang="en-US" sz="2400" i="1" dirty="0"/>
+              <a:t>“I'm at Mad River Bar &amp;amp; Grille (New York, </a:t>
+            </a:r>
+            <a:r>
+              <a:rPr lang="en-US" sz="2400" i="1" dirty="0" smtClean="0"/>
+              <a:t>NY) http</a:t>
+            </a:r>
+            <a:r>
+              <a:rPr lang="en-US" sz="2400" i="1" dirty="0"/>
+              <a:t>://</a:t>
+            </a:r>
+            <a:r>
+              <a:rPr lang="en-US" sz="2400" i="1" dirty="0" smtClean="0"/>
+              <a:t>t.co/VSzKP”</a:t>
+            </a:r>
+          </a:p>
+          <a:p>
+            <a:r>
+              <a:rPr lang="en-US" dirty="0" smtClean="0"/>
+              <a:t>Preprocessed tweets:</a:t>
+            </a:r>
             <a:endParaRPr lang="en-US" dirty="0"/>
+          </a:p>
+          <a:p>
+            <a:pPr marL="457200" indent="-457200">
+              <a:buFont typeface="+mj-lt"/>
+              <a:buAutoNum type="arabicPeriod"/>
+            </a:pPr>
+            <a:r>
+              <a:rPr lang="en-US" sz="2400" i="1" dirty="0" smtClean="0"/>
+              <a:t>“USERNAME </a:t>
+            </a:r>
+            <a:r>
+              <a:rPr lang="en-US" sz="2400" i="1" dirty="0"/>
+              <a:t>thankfully Hurricane Waugh played it </a:t>
+            </a:r>
+            <a:r>
+              <a:rPr lang="en-US" sz="2400" i="1" dirty="0" smtClean="0"/>
+              <a:t>cool”</a:t>
+            </a:r>
+          </a:p>
+          <a:p>
+            <a:pPr marL="457200" indent="-457200">
+              <a:buFont typeface="+mj-lt"/>
+              <a:buAutoNum type="arabicPeriod"/>
+            </a:pPr>
+            <a:r>
+              <a:rPr lang="en-US" sz="2400" i="1" dirty="0"/>
+              <a:t>“I'm at Mad River Bar &amp; Grille (New York, NY) URL”</a:t>
+            </a:r>
+          </a:p>
+          <a:p>
+            <a:pPr marL="0" indent="0">
+              <a:buNone/>
+            </a:pPr>
+            <a:endParaRPr lang="en-US" sz="2400" i="1" dirty="0"/>
           </a:p>
         </p:txBody>
       </p:sp>
     </p:spTree>
     <p:extLst>
       <p:ext uri="{BB962C8B-B14F-4D97-AF65-F5344CB8AC3E}">
-        <p14:creationId xmlns:p14="http://schemas.microsoft.com/office/powerpoint/2010/main" val="44570929"/>
+        <p14:creationId xmlns:p14="http://schemas.microsoft.com/office/powerpoint/2010/main" val="893666954"/>
       </p:ext>
     </p:extLst>
   </p:cSld>
@@ -6782,15 +7230,45 @@
           <a:p>
             <a:r>
               <a:rPr lang="en-US" dirty="0" smtClean="0"/>
-              <a:t>Motivation for Domain Adaptation</a:t>
+              <a:t>Data Description</a:t>
             </a:r>
             <a:endParaRPr lang="en-US" dirty="0"/>
           </a:p>
         </p:txBody>
       </p:sp>
-      <p:sp>
-        <p:nvSpPr>
-          <p:cNvPr id="3" name="Content Placeholder 2"/>
+      <p:pic>
+        <p:nvPicPr>
+          <p:cNvPr id="5" name="Picture 4"/>
+          <p:cNvPicPr>
+            <a:picLocks noChangeAspect="1"/>
+          </p:cNvPicPr>
+          <p:nvPr/>
+        </p:nvPicPr>
+        <p:blipFill>
+          <a:blip r:embed="rId2">
+            <a:extLst>
+              <a:ext uri="{28A0092B-C50C-407E-A947-70E740481C1C}">
+                <a14:useLocalDpi xmlns:a14="http://schemas.microsoft.com/office/drawing/2010/main" val="0"/>
+              </a:ext>
+            </a:extLst>
+          </a:blip>
+          <a:stretch>
+            <a:fillRect/>
+          </a:stretch>
+        </p:blipFill>
+        <p:spPr>
+          <a:xfrm>
+            <a:off x="1417320" y="1247584"/>
+            <a:ext cx="6477000" cy="4711588"/>
+          </a:xfrm>
+          <a:prstGeom prst="rect">
+            <a:avLst/>
+          </a:prstGeom>
+        </p:spPr>
+      </p:pic>
+      <p:sp>
+        <p:nvSpPr>
+          <p:cNvPr id="8" name="Content Placeholder 2"/>
           <p:cNvSpPr>
             <a:spLocks noGrp="1"/>
           </p:cNvSpPr>
@@ -6798,19 +7276,228 @@
             <p:ph idx="1"/>
           </p:nvPr>
         </p:nvSpPr>
-        <p:spPr/>
-        <p:txBody>
-          <a:bodyPr/>
+        <p:spPr>
+          <a:xfrm>
+            <a:off x="3939540" y="5196841"/>
+            <a:ext cx="1264920" cy="457199"/>
+          </a:xfrm>
+        </p:spPr>
+        <p:txBody>
+          <a:bodyPr>
+            <a:normAutofit fontScale="92500"/>
+          </a:bodyPr>
           <a:lstStyle/>
           <a:p>
-            <a:endParaRPr lang="en-US" dirty="0"/>
+            <a:pPr marL="0" indent="0">
+              <a:buNone/>
+            </a:pPr>
+            <a:r>
+              <a:rPr lang="en-US" sz="2400" dirty="0" smtClean="0">
+                <a:solidFill>
+                  <a:schemeClr val="bg1">
+                    <a:lumMod val="50000"/>
+                  </a:schemeClr>
+                </a:solidFill>
+              </a:rPr>
+              <a:t>Disasters</a:t>
+            </a:r>
+            <a:endParaRPr lang="en-US" sz="2400" dirty="0">
+              <a:solidFill>
+                <a:schemeClr val="bg1">
+                  <a:lumMod val="50000"/>
+                </a:schemeClr>
+              </a:solidFill>
+            </a:endParaRPr>
+          </a:p>
+        </p:txBody>
+      </p:sp>
+      <p:sp>
+        <p:nvSpPr>
+          <p:cNvPr id="9" name="Content Placeholder 2"/>
+          <p:cNvSpPr txBox="1">
+            <a:spLocks/>
+          </p:cNvSpPr>
+          <p:nvPr/>
+        </p:nvSpPr>
+        <p:spPr>
+          <a:xfrm>
+            <a:off x="213360" y="3168528"/>
+            <a:ext cx="1447800" cy="869699"/>
+          </a:xfrm>
+          <a:prstGeom prst="rect">
+            <a:avLst/>
+          </a:prstGeom>
+        </p:spPr>
+        <p:txBody>
+          <a:bodyPr vert="horz" lIns="91440" tIns="45720" rIns="91440" bIns="45720" rtlCol="0">
+            <a:normAutofit fontScale="92500"/>
+          </a:bodyPr>
+          <a:lstStyle>
+            <a:lvl1pPr marL="342900" indent="-342900" algn="l" defTabSz="457200" rtl="0" eaLnBrk="1" latinLnBrk="0" hangingPunct="1">
+              <a:spcBef>
+                <a:spcPct val="20000"/>
+              </a:spcBef>
+              <a:buFont typeface="Arial"/>
+              <a:buChar char="•"/>
+              <a:defRPr sz="3200" kern="1200">
+                <a:solidFill>
+                  <a:schemeClr val="tx1"/>
+                </a:solidFill>
+                <a:latin typeface="+mn-lt"/>
+                <a:ea typeface="+mn-ea"/>
+                <a:cs typeface="+mn-cs"/>
+              </a:defRPr>
+            </a:lvl1pPr>
+            <a:lvl2pPr marL="742950" indent="-285750" algn="l" defTabSz="457200" rtl="0" eaLnBrk="1" latinLnBrk="0" hangingPunct="1">
+              <a:spcBef>
+                <a:spcPct val="20000"/>
+              </a:spcBef>
+              <a:buFont typeface="Arial"/>
+              <a:buChar char="–"/>
+              <a:defRPr sz="2800" kern="1200">
+                <a:solidFill>
+                  <a:schemeClr val="tx1"/>
+                </a:solidFill>
+                <a:latin typeface="+mn-lt"/>
+                <a:ea typeface="+mn-ea"/>
+                <a:cs typeface="+mn-cs"/>
+              </a:defRPr>
+            </a:lvl2pPr>
+            <a:lvl3pPr marL="1143000" indent="-228600" algn="l" defTabSz="457200" rtl="0" eaLnBrk="1" latinLnBrk="0" hangingPunct="1">
+              <a:spcBef>
+                <a:spcPct val="20000"/>
+              </a:spcBef>
+              <a:buFont typeface="Arial"/>
+              <a:buChar char="•"/>
+              <a:defRPr sz="2400" kern="1200">
+                <a:solidFill>
+                  <a:schemeClr val="tx1"/>
+                </a:solidFill>
+                <a:latin typeface="+mn-lt"/>
+                <a:ea typeface="+mn-ea"/>
+                <a:cs typeface="+mn-cs"/>
+              </a:defRPr>
+            </a:lvl3pPr>
+            <a:lvl4pPr marL="1600200" indent="-228600" algn="l" defTabSz="457200" rtl="0" eaLnBrk="1" latinLnBrk="0" hangingPunct="1">
+              <a:spcBef>
+                <a:spcPct val="20000"/>
+              </a:spcBef>
+              <a:buFont typeface="Arial"/>
+              <a:buChar char="–"/>
+              <a:defRPr sz="2000" kern="1200">
+                <a:solidFill>
+                  <a:schemeClr val="tx1"/>
+                </a:solidFill>
+                <a:latin typeface="+mn-lt"/>
+                <a:ea typeface="+mn-ea"/>
+                <a:cs typeface="+mn-cs"/>
+              </a:defRPr>
+            </a:lvl4pPr>
+            <a:lvl5pPr marL="2057400" indent="-228600" algn="l" defTabSz="457200" rtl="0" eaLnBrk="1" latinLnBrk="0" hangingPunct="1">
+              <a:spcBef>
+                <a:spcPct val="20000"/>
+              </a:spcBef>
+              <a:buFont typeface="Arial"/>
+              <a:buChar char="»"/>
+              <a:defRPr sz="2000" kern="1200">
+                <a:solidFill>
+                  <a:schemeClr val="tx1"/>
+                </a:solidFill>
+                <a:latin typeface="+mn-lt"/>
+                <a:ea typeface="+mn-ea"/>
+                <a:cs typeface="+mn-cs"/>
+              </a:defRPr>
+            </a:lvl5pPr>
+            <a:lvl6pPr marL="2514600" indent="-228600" algn="l" defTabSz="457200" rtl="0" eaLnBrk="1" latinLnBrk="0" hangingPunct="1">
+              <a:spcBef>
+                <a:spcPct val="20000"/>
+              </a:spcBef>
+              <a:buFont typeface="Arial"/>
+              <a:buChar char="•"/>
+              <a:defRPr sz="2000" kern="1200">
+                <a:solidFill>
+                  <a:schemeClr val="tx1"/>
+                </a:solidFill>
+                <a:latin typeface="+mn-lt"/>
+                <a:ea typeface="+mn-ea"/>
+                <a:cs typeface="+mn-cs"/>
+              </a:defRPr>
+            </a:lvl6pPr>
+            <a:lvl7pPr marL="2971800" indent="-228600" algn="l" defTabSz="457200" rtl="0" eaLnBrk="1" latinLnBrk="0" hangingPunct="1">
+              <a:spcBef>
+                <a:spcPct val="20000"/>
+              </a:spcBef>
+              <a:buFont typeface="Arial"/>
+              <a:buChar char="•"/>
+              <a:defRPr sz="2000" kern="1200">
+                <a:solidFill>
+                  <a:schemeClr val="tx1"/>
+                </a:solidFill>
+                <a:latin typeface="+mn-lt"/>
+                <a:ea typeface="+mn-ea"/>
+                <a:cs typeface="+mn-cs"/>
+              </a:defRPr>
+            </a:lvl7pPr>
+            <a:lvl8pPr marL="3429000" indent="-228600" algn="l" defTabSz="457200" rtl="0" eaLnBrk="1" latinLnBrk="0" hangingPunct="1">
+              <a:spcBef>
+                <a:spcPct val="20000"/>
+              </a:spcBef>
+              <a:buFont typeface="Arial"/>
+              <a:buChar char="•"/>
+              <a:defRPr sz="2000" kern="1200">
+                <a:solidFill>
+                  <a:schemeClr val="tx1"/>
+                </a:solidFill>
+                <a:latin typeface="+mn-lt"/>
+                <a:ea typeface="+mn-ea"/>
+                <a:cs typeface="+mn-cs"/>
+              </a:defRPr>
+            </a:lvl8pPr>
+            <a:lvl9pPr marL="3886200" indent="-228600" algn="l" defTabSz="457200" rtl="0" eaLnBrk="1" latinLnBrk="0" hangingPunct="1">
+              <a:spcBef>
+                <a:spcPct val="20000"/>
+              </a:spcBef>
+              <a:buFont typeface="Arial"/>
+              <a:buChar char="•"/>
+              <a:defRPr sz="2000" kern="1200">
+                <a:solidFill>
+                  <a:schemeClr val="tx1"/>
+                </a:solidFill>
+                <a:latin typeface="+mn-lt"/>
+                <a:ea typeface="+mn-ea"/>
+                <a:cs typeface="+mn-cs"/>
+              </a:defRPr>
+            </a:lvl9pPr>
+          </a:lstStyle>
+          <a:p>
+            <a:pPr marL="0" indent="0">
+              <a:buFont typeface="Arial"/>
+              <a:buNone/>
+            </a:pPr>
+            <a:r>
+              <a:rPr lang="en-US" sz="2400" dirty="0" smtClean="0">
+                <a:solidFill>
+                  <a:schemeClr val="bg1">
+                    <a:lumMod val="50000"/>
+                  </a:schemeClr>
+                </a:solidFill>
+              </a:rPr>
+              <a:t>Number of samples</a:t>
+            </a:r>
+            <a:endParaRPr lang="en-US" sz="2400" dirty="0">
+              <a:solidFill>
+                <a:schemeClr val="bg1">
+                  <a:lumMod val="50000"/>
+                </a:schemeClr>
+              </a:solidFill>
+            </a:endParaRPr>
           </a:p>
         </p:txBody>
       </p:sp>
     </p:spTree>
     <p:extLst>
       <p:ext uri="{BB962C8B-B14F-4D97-AF65-F5344CB8AC3E}">
-        <p14:creationId xmlns:p14="http://schemas.microsoft.com/office/powerpoint/2010/main" val="493564228"/>
+        <p14:creationId xmlns:p14="http://schemas.microsoft.com/office/powerpoint/2010/main" val="1007780824"/>
       </p:ext>
     </p:extLst>
   </p:cSld>
@@ -6856,14 +7543,12 @@
         </p:nvSpPr>
         <p:spPr/>
         <p:txBody>
-          <a:bodyPr>
-            <a:normAutofit/>
-          </a:bodyPr>
+          <a:bodyPr/>
           <a:lstStyle/>
           <a:p>
             <a:r>
               <a:rPr lang="en-US" dirty="0" smtClean="0"/>
-              <a:t>Problem Definition</a:t>
+              <a:t>Supervised Machine Learning</a:t>
             </a:r>
             <a:endParaRPr lang="en-US" dirty="0"/>
           </a:p>
@@ -6884,6 +7569,10 @@
           <a:bodyPr/>
           <a:lstStyle/>
           <a:p>
+            <a:r>
+              <a:rPr lang="en-US" dirty="0" smtClean="0"/>
+              <a:t>assumes that training and testing data come from the same distribution</a:t>
+            </a:r>
             <a:endParaRPr lang="en-US" dirty="0"/>
           </a:p>
         </p:txBody>
@@ -6891,7 +7580,7 @@
     </p:spTree>
     <p:extLst>
       <p:ext uri="{BB962C8B-B14F-4D97-AF65-F5344CB8AC3E}">
-        <p14:creationId xmlns:p14="http://schemas.microsoft.com/office/powerpoint/2010/main" val="359868760"/>
+        <p14:creationId xmlns:p14="http://schemas.microsoft.com/office/powerpoint/2010/main" val="84683829"/>
       </p:ext>
     </p:extLst>
   </p:cSld>
@@ -6935,53 +7624,277 @@
             <p:ph type="title"/>
           </p:nvPr>
         </p:nvSpPr>
+        <p:spPr/>
+        <p:txBody>
+          <a:bodyPr>
+            <a:normAutofit/>
+          </a:bodyPr>
+          <a:lstStyle/>
+          <a:p>
+            <a:r>
+              <a:rPr lang="en-US" dirty="0" smtClean="0"/>
+              <a:t>Domain Adaptation Terminology</a:t>
+            </a:r>
+            <a:endParaRPr lang="en-US" dirty="0"/>
+          </a:p>
+        </p:txBody>
+      </p:sp>
+      <p:sp>
+        <p:nvSpPr>
+          <p:cNvPr id="4" name="Rounded Rectangle 3"/>
+          <p:cNvSpPr/>
+          <p:nvPr/>
+        </p:nvSpPr>
         <p:spPr>
           <a:xfrm>
-            <a:off x="0" y="457200"/>
-            <a:ext cx="9144000" cy="1143000"/>
-          </a:xfrm>
-        </p:spPr>
-        <p:txBody>
-          <a:bodyPr>
-            <a:noAutofit/>
-          </a:bodyPr>
+            <a:off x="1165858" y="1491478"/>
+            <a:ext cx="1965960" cy="1493520"/>
+          </a:xfrm>
+          <a:prstGeom prst="roundRect">
+            <a:avLst/>
+          </a:prstGeom>
+        </p:spPr>
+        <p:style>
+          <a:lnRef idx="1">
+            <a:schemeClr val="accent1"/>
+          </a:lnRef>
+          <a:fillRef idx="3">
+            <a:schemeClr val="accent1"/>
+          </a:fillRef>
+          <a:effectRef idx="2">
+            <a:schemeClr val="accent1"/>
+          </a:effectRef>
+          <a:fontRef idx="minor">
+            <a:schemeClr val="lt1"/>
+          </a:fontRef>
+        </p:style>
+        <p:txBody>
+          <a:bodyPr rtlCol="0" anchor="ctr"/>
           <a:lstStyle/>
           <a:p>
-            <a:r>
-              <a:rPr lang="en-US" sz="3900" dirty="0"/>
-              <a:t>Single-source Domain </a:t>
-            </a:r>
-            <a:r>
-              <a:rPr lang="en-US" sz="3900" dirty="0" smtClean="0"/>
-              <a:t>Adaptation Approach</a:t>
-            </a:r>
-            <a:endParaRPr lang="en-US" sz="3900" dirty="0"/>
-          </a:p>
-        </p:txBody>
-      </p:sp>
-      <p:sp>
-        <p:nvSpPr>
-          <p:cNvPr id="3" name="Content Placeholder 2"/>
-          <p:cNvSpPr>
-            <a:spLocks noGrp="1"/>
-          </p:cNvSpPr>
-          <p:nvPr>
-            <p:ph idx="1"/>
-          </p:nvPr>
-        </p:nvSpPr>
-        <p:spPr/>
-        <p:txBody>
-          <a:bodyPr/>
+            <a:pPr algn="ctr"/>
+            <a:r>
+              <a:rPr lang="en-US" sz="2800" dirty="0" smtClean="0"/>
+              <a:t>Previous disaster – “Source”</a:t>
+            </a:r>
+            <a:endParaRPr lang="en-US" sz="2800" dirty="0"/>
+          </a:p>
+        </p:txBody>
+      </p:sp>
+      <p:sp>
+        <p:nvSpPr>
+          <p:cNvPr id="5" name="Rounded Rectangle 4"/>
+          <p:cNvSpPr/>
+          <p:nvPr/>
+        </p:nvSpPr>
+        <p:spPr>
+          <a:xfrm>
+            <a:off x="4911089" y="1519916"/>
+            <a:ext cx="1996440" cy="1493520"/>
+          </a:xfrm>
+          <a:prstGeom prst="roundRect">
+            <a:avLst/>
+          </a:prstGeom>
+        </p:spPr>
+        <p:style>
+          <a:lnRef idx="1">
+            <a:schemeClr val="accent2"/>
+          </a:lnRef>
+          <a:fillRef idx="3">
+            <a:schemeClr val="accent2"/>
+          </a:fillRef>
+          <a:effectRef idx="2">
+            <a:schemeClr val="accent2"/>
+          </a:effectRef>
+          <a:fontRef idx="minor">
+            <a:schemeClr val="lt1"/>
+          </a:fontRef>
+        </p:style>
+        <p:txBody>
+          <a:bodyPr rtlCol="0" anchor="ctr"/>
           <a:lstStyle/>
           <a:p>
-            <a:endParaRPr lang="en-US" dirty="0"/>
+            <a:pPr algn="ctr"/>
+            <a:r>
+              <a:rPr lang="en-US" sz="2800" dirty="0" smtClean="0"/>
+              <a:t>Current disaster </a:t>
+            </a:r>
+            <a:r>
+              <a:rPr lang="en-US" sz="2800" smtClean="0"/>
+              <a:t>– “Target”</a:t>
+            </a:r>
+            <a:endParaRPr lang="en-US" sz="2800" dirty="0"/>
+          </a:p>
+        </p:txBody>
+      </p:sp>
+      <p:sp>
+        <p:nvSpPr>
+          <p:cNvPr id="7" name="Oval 6"/>
+          <p:cNvSpPr/>
+          <p:nvPr/>
+        </p:nvSpPr>
+        <p:spPr>
+          <a:xfrm>
+            <a:off x="914398" y="4432798"/>
+            <a:ext cx="2468880" cy="1402080"/>
+          </a:xfrm>
+          <a:prstGeom prst="ellipse">
+            <a:avLst/>
+          </a:prstGeom>
+        </p:spPr>
+        <p:style>
+          <a:lnRef idx="1">
+            <a:schemeClr val="accent1"/>
+          </a:lnRef>
+          <a:fillRef idx="3">
+            <a:schemeClr val="accent1"/>
+          </a:fillRef>
+          <a:effectRef idx="2">
+            <a:schemeClr val="accent1"/>
+          </a:effectRef>
+          <a:fontRef idx="minor">
+            <a:schemeClr val="lt1"/>
+          </a:fontRef>
+        </p:style>
+        <p:txBody>
+          <a:bodyPr rtlCol="0" anchor="ctr"/>
+          <a:lstStyle/>
+          <a:p>
+            <a:pPr algn="ctr"/>
+            <a:r>
+              <a:rPr lang="en-US" sz="2800" smtClean="0"/>
+              <a:t>Labels are available</a:t>
+            </a:r>
+            <a:endParaRPr lang="en-US" sz="2800"/>
+          </a:p>
+        </p:txBody>
+      </p:sp>
+      <p:sp>
+        <p:nvSpPr>
+          <p:cNvPr id="8" name="Striped Right Arrow 7"/>
+          <p:cNvSpPr/>
+          <p:nvPr/>
+        </p:nvSpPr>
+        <p:spPr>
+          <a:xfrm rot="16200000">
+            <a:off x="1657348" y="3388858"/>
+            <a:ext cx="982980" cy="640080"/>
+          </a:xfrm>
+          <a:prstGeom prst="stripedRightArrow">
+            <a:avLst/>
+          </a:prstGeom>
+        </p:spPr>
+        <p:style>
+          <a:lnRef idx="1">
+            <a:schemeClr val="accent1"/>
+          </a:lnRef>
+          <a:fillRef idx="3">
+            <a:schemeClr val="accent1"/>
+          </a:fillRef>
+          <a:effectRef idx="2">
+            <a:schemeClr val="accent1"/>
+          </a:effectRef>
+          <a:fontRef idx="minor">
+            <a:schemeClr val="lt1"/>
+          </a:fontRef>
+        </p:style>
+        <p:txBody>
+          <a:bodyPr rtlCol="0" anchor="ctr"/>
+          <a:lstStyle/>
+          <a:p>
+            <a:pPr algn="ctr"/>
+            <a:endParaRPr lang="en-US"/>
+          </a:p>
+        </p:txBody>
+      </p:sp>
+      <p:sp>
+        <p:nvSpPr>
+          <p:cNvPr id="9" name="Oval 8"/>
+          <p:cNvSpPr/>
+          <p:nvPr/>
+        </p:nvSpPr>
+        <p:spPr>
+          <a:xfrm>
+            <a:off x="4674869" y="4415516"/>
+            <a:ext cx="2468880" cy="1402080"/>
+          </a:xfrm>
+          <a:prstGeom prst="ellipse">
+            <a:avLst/>
+          </a:prstGeom>
+        </p:spPr>
+        <p:style>
+          <a:lnRef idx="1">
+            <a:schemeClr val="accent2"/>
+          </a:lnRef>
+          <a:fillRef idx="3">
+            <a:schemeClr val="accent2"/>
+          </a:fillRef>
+          <a:effectRef idx="2">
+            <a:schemeClr val="accent2"/>
+          </a:effectRef>
+          <a:fontRef idx="minor">
+            <a:schemeClr val="lt1"/>
+          </a:fontRef>
+        </p:style>
+        <p:txBody>
+          <a:bodyPr rtlCol="0" anchor="ctr"/>
+          <a:lstStyle/>
+          <a:p>
+            <a:pPr algn="ctr"/>
+            <a:r>
+              <a:rPr lang="en-US" sz="2800" dirty="0" smtClean="0"/>
+              <a:t>No labels are available</a:t>
+            </a:r>
+            <a:endParaRPr lang="en-US" sz="2800" dirty="0"/>
+          </a:p>
+        </p:txBody>
+      </p:sp>
+      <p:sp>
+        <p:nvSpPr>
+          <p:cNvPr id="11" name="Curved Down Arrow 10"/>
+          <p:cNvSpPr/>
+          <p:nvPr/>
+        </p:nvSpPr>
+        <p:spPr>
+          <a:xfrm rot="16200000" flipV="1">
+            <a:off x="6174064" y="3049591"/>
+            <a:ext cx="3451860" cy="1070691"/>
+          </a:xfrm>
+          <a:prstGeom prst="curvedDownArrow">
+            <a:avLst/>
+          </a:prstGeom>
+        </p:spPr>
+        <p:style>
+          <a:lnRef idx="1">
+            <a:schemeClr val="accent2"/>
+          </a:lnRef>
+          <a:fillRef idx="3">
+            <a:schemeClr val="accent2"/>
+          </a:fillRef>
+          <a:effectRef idx="2">
+            <a:schemeClr val="accent2"/>
+          </a:effectRef>
+          <a:fontRef idx="minor">
+            <a:schemeClr val="lt1"/>
+          </a:fontRef>
+        </p:style>
+        <p:txBody>
+          <a:bodyPr rtlCol="0" anchor="ctr"/>
+          <a:lstStyle/>
+          <a:p>
+            <a:pPr algn="ctr"/>
+            <a:endParaRPr lang="en-US">
+              <a:solidFill>
+                <a:schemeClr val="tx1"/>
+              </a:solidFill>
+            </a:endParaRPr>
           </a:p>
         </p:txBody>
       </p:sp>
     </p:spTree>
     <p:extLst>
       <p:ext uri="{BB962C8B-B14F-4D97-AF65-F5344CB8AC3E}">
-        <p14:creationId xmlns:p14="http://schemas.microsoft.com/office/powerpoint/2010/main" val="534998542"/>
+        <p14:creationId xmlns:p14="http://schemas.microsoft.com/office/powerpoint/2010/main" val="44570929"/>
       </p:ext>
     </p:extLst>
   </p:cSld>
@@ -7025,41 +7938,17 @@
             <p:ph type="title"/>
           </p:nvPr>
         </p:nvSpPr>
-        <p:spPr>
-          <a:xfrm>
-            <a:off x="0" y="457200"/>
-            <a:ext cx="9144000" cy="1143000"/>
-          </a:xfrm>
-        </p:spPr>
+        <p:spPr/>
         <p:txBody>
           <a:bodyPr>
-            <a:noAutofit/>
+            <a:normAutofit/>
           </a:bodyPr>
           <a:lstStyle/>
           <a:p>
             <a:r>
-              <a:rPr lang="en-US" sz="4000" dirty="0"/>
-              <a:t>Correlation Alignment Algorithm</a:t>
-            </a:r>
-            <a:endParaRPr lang="en-US" sz="3900" dirty="0"/>
-          </a:p>
-        </p:txBody>
-      </p:sp>
-      <p:sp>
-        <p:nvSpPr>
-          <p:cNvPr id="3" name="Content Placeholder 2"/>
-          <p:cNvSpPr>
-            <a:spLocks noGrp="1"/>
-          </p:cNvSpPr>
-          <p:nvPr>
-            <p:ph idx="1"/>
-          </p:nvPr>
-        </p:nvSpPr>
-        <p:spPr/>
-        <p:txBody>
-          <a:bodyPr/>
-          <a:lstStyle/>
-          <a:p>
+              <a:rPr lang="en-US" dirty="0" smtClean="0"/>
+              <a:t>Motivation for Domain Adaptation</a:t>
+            </a:r>
             <a:endParaRPr lang="en-US" dirty="0"/>
           </a:p>
         </p:txBody>
@@ -7067,7 +7956,7 @@
     </p:spTree>
     <p:extLst>
       <p:ext uri="{BB962C8B-B14F-4D97-AF65-F5344CB8AC3E}">
-        <p14:creationId xmlns:p14="http://schemas.microsoft.com/office/powerpoint/2010/main" val="517282395"/>
+        <p14:creationId xmlns:p14="http://schemas.microsoft.com/office/powerpoint/2010/main" val="493564228"/>
       </p:ext>
     </p:extLst>
   </p:cSld>
@@ -7111,29 +8000,259 @@
             <p:ph type="title"/>
           </p:nvPr>
         </p:nvSpPr>
+        <p:spPr/>
+        <p:txBody>
+          <a:bodyPr>
+            <a:normAutofit/>
+          </a:bodyPr>
+          <a:lstStyle/>
+          <a:p>
+            <a:r>
+              <a:rPr lang="en-US" dirty="0" smtClean="0"/>
+              <a:t>Problem Definition</a:t>
+            </a:r>
+            <a:endParaRPr lang="en-US" dirty="0"/>
+          </a:p>
+        </p:txBody>
+      </p:sp>
+      <p:sp>
+        <p:nvSpPr>
+          <p:cNvPr id="4" name="Rounded Rectangle 3"/>
+          <p:cNvSpPr/>
+          <p:nvPr/>
+        </p:nvSpPr>
         <p:spPr>
           <a:xfrm>
-            <a:off x="0" y="457200"/>
-            <a:ext cx="9144000" cy="1143000"/>
-          </a:xfrm>
-        </p:spPr>
-        <p:txBody>
-          <a:bodyPr>
-            <a:noAutofit/>
-          </a:bodyPr>
+            <a:off x="457200" y="3106918"/>
+            <a:ext cx="1965960" cy="1493520"/>
+          </a:xfrm>
+          <a:prstGeom prst="roundRect">
+            <a:avLst/>
+          </a:prstGeom>
+        </p:spPr>
+        <p:style>
+          <a:lnRef idx="1">
+            <a:schemeClr val="accent1"/>
+          </a:lnRef>
+          <a:fillRef idx="3">
+            <a:schemeClr val="accent1"/>
+          </a:fillRef>
+          <a:effectRef idx="2">
+            <a:schemeClr val="accent1"/>
+          </a:effectRef>
+          <a:fontRef idx="minor">
+            <a:schemeClr val="lt1"/>
+          </a:fontRef>
+        </p:style>
+        <p:txBody>
+          <a:bodyPr rtlCol="0" anchor="ctr"/>
           <a:lstStyle/>
           <a:p>
-            <a:r>
-              <a:rPr lang="en-US" sz="4000" dirty="0" smtClean="0"/>
-              <a:t>Feature Selection</a:t>
-            </a:r>
-            <a:endParaRPr lang="en-US" sz="3900" dirty="0"/>
-          </a:p>
-        </p:txBody>
-      </p:sp>
-      <p:sp>
-        <p:nvSpPr>
-          <p:cNvPr id="3" name="Content Placeholder 2"/>
+            <a:pPr algn="ctr"/>
+            <a:r>
+              <a:rPr lang="en-US" sz="2800" dirty="0" smtClean="0"/>
+              <a:t>Labeled Source Data</a:t>
+            </a:r>
+            <a:endParaRPr lang="en-US" sz="2800" dirty="0"/>
+          </a:p>
+        </p:txBody>
+      </p:sp>
+      <p:sp>
+        <p:nvSpPr>
+          <p:cNvPr id="5" name="Rounded Rectangle 4"/>
+          <p:cNvSpPr/>
+          <p:nvPr/>
+        </p:nvSpPr>
+        <p:spPr>
+          <a:xfrm>
+            <a:off x="3432809" y="3106918"/>
+            <a:ext cx="1996440" cy="1493520"/>
+          </a:xfrm>
+          <a:prstGeom prst="roundRect">
+            <a:avLst/>
+          </a:prstGeom>
+        </p:spPr>
+        <p:style>
+          <a:lnRef idx="1">
+            <a:schemeClr val="accent2"/>
+          </a:lnRef>
+          <a:fillRef idx="3">
+            <a:schemeClr val="accent2"/>
+          </a:fillRef>
+          <a:effectRef idx="2">
+            <a:schemeClr val="accent2"/>
+          </a:effectRef>
+          <a:fontRef idx="minor">
+            <a:schemeClr val="lt1"/>
+          </a:fontRef>
+        </p:style>
+        <p:txBody>
+          <a:bodyPr rtlCol="0" anchor="ctr"/>
+          <a:lstStyle/>
+          <a:p>
+            <a:pPr algn="ctr"/>
+            <a:r>
+              <a:rPr lang="en-US" sz="2800" dirty="0" smtClean="0"/>
+              <a:t>Unlabeled Target</a:t>
+            </a:r>
+            <a:r>
+              <a:rPr lang="en-US" sz="2800" dirty="0"/>
+              <a:t> </a:t>
+            </a:r>
+            <a:r>
+              <a:rPr lang="en-US" sz="2800" dirty="0" smtClean="0"/>
+              <a:t>Data</a:t>
+            </a:r>
+            <a:endParaRPr lang="en-US" sz="2800" dirty="0"/>
+          </a:p>
+        </p:txBody>
+      </p:sp>
+      <p:cxnSp>
+        <p:nvCxnSpPr>
+          <p:cNvPr id="9" name="Straight Connector 8"/>
+          <p:cNvCxnSpPr/>
+          <p:nvPr/>
+        </p:nvCxnSpPr>
+        <p:spPr>
+          <a:xfrm>
+            <a:off x="2910840" y="3642360"/>
+            <a:ext cx="0" cy="569458"/>
+          </a:xfrm>
+          <a:prstGeom prst="line">
+            <a:avLst/>
+          </a:prstGeom>
+        </p:spPr>
+        <p:style>
+          <a:lnRef idx="2">
+            <a:schemeClr val="accent1"/>
+          </a:lnRef>
+          <a:fillRef idx="0">
+            <a:schemeClr val="accent1"/>
+          </a:fillRef>
+          <a:effectRef idx="1">
+            <a:schemeClr val="accent1"/>
+          </a:effectRef>
+          <a:fontRef idx="minor">
+            <a:schemeClr val="tx1"/>
+          </a:fontRef>
+        </p:style>
+      </p:cxnSp>
+      <p:cxnSp>
+        <p:nvCxnSpPr>
+          <p:cNvPr id="10" name="Straight Connector 9"/>
+          <p:cNvCxnSpPr/>
+          <p:nvPr/>
+        </p:nvCxnSpPr>
+        <p:spPr>
+          <a:xfrm flipH="1" flipV="1">
+            <a:off x="2606040" y="3915847"/>
+            <a:ext cx="579120" cy="11242"/>
+          </a:xfrm>
+          <a:prstGeom prst="line">
+            <a:avLst/>
+          </a:prstGeom>
+        </p:spPr>
+        <p:style>
+          <a:lnRef idx="2">
+            <a:schemeClr val="accent1"/>
+          </a:lnRef>
+          <a:fillRef idx="0">
+            <a:schemeClr val="accent1"/>
+          </a:fillRef>
+          <a:effectRef idx="1">
+            <a:schemeClr val="accent1"/>
+          </a:effectRef>
+          <a:fontRef idx="minor">
+            <a:schemeClr val="tx1"/>
+          </a:fontRef>
+        </p:style>
+      </p:cxnSp>
+      <p:cxnSp>
+        <p:nvCxnSpPr>
+          <p:cNvPr id="21" name="Straight Arrow Connector 20"/>
+          <p:cNvCxnSpPr/>
+          <p:nvPr/>
+        </p:nvCxnSpPr>
+        <p:spPr>
+          <a:xfrm>
+            <a:off x="5623560" y="3853678"/>
+            <a:ext cx="685800" cy="0"/>
+          </a:xfrm>
+          <a:prstGeom prst="straightConnector1">
+            <a:avLst/>
+          </a:prstGeom>
+          <a:ln>
+            <a:tailEnd type="triangle"/>
+          </a:ln>
+        </p:spPr>
+        <p:style>
+          <a:lnRef idx="2">
+            <a:schemeClr val="accent1"/>
+          </a:lnRef>
+          <a:fillRef idx="0">
+            <a:schemeClr val="accent1"/>
+          </a:fillRef>
+          <a:effectRef idx="1">
+            <a:schemeClr val="accent1"/>
+          </a:effectRef>
+          <a:fontRef idx="minor">
+            <a:schemeClr val="tx1"/>
+          </a:fontRef>
+        </p:style>
+      </p:cxnSp>
+      <p:sp>
+        <p:nvSpPr>
+          <p:cNvPr id="22" name="Oval 21"/>
+          <p:cNvSpPr/>
+          <p:nvPr/>
+        </p:nvSpPr>
+        <p:spPr>
+          <a:xfrm>
+            <a:off x="6629400" y="2977378"/>
+            <a:ext cx="2270760" cy="1752600"/>
+          </a:xfrm>
+          <a:prstGeom prst="ellipse">
+            <a:avLst/>
+          </a:prstGeom>
+        </p:spPr>
+        <p:style>
+          <a:lnRef idx="1">
+            <a:schemeClr val="accent3"/>
+          </a:lnRef>
+          <a:fillRef idx="3">
+            <a:schemeClr val="accent3"/>
+          </a:fillRef>
+          <a:effectRef idx="2">
+            <a:schemeClr val="accent3"/>
+          </a:effectRef>
+          <a:fontRef idx="minor">
+            <a:schemeClr val="lt1"/>
+          </a:fontRef>
+        </p:style>
+        <p:txBody>
+          <a:bodyPr rtlCol="0" anchor="ctr"/>
+          <a:lstStyle/>
+          <a:p>
+            <a:pPr algn="ctr"/>
+            <a:r>
+              <a:rPr lang="en-US" sz="2800" dirty="0" smtClean="0">
+                <a:solidFill>
+                  <a:sysClr val="windowText" lastClr="000000"/>
+                </a:solidFill>
+              </a:rPr>
+              <a:t>Machine Learning Model</a:t>
+            </a:r>
+            <a:endParaRPr lang="en-US" sz="2800" dirty="0">
+              <a:solidFill>
+                <a:sysClr val="windowText" lastClr="000000"/>
+              </a:solidFill>
+            </a:endParaRPr>
+          </a:p>
+        </p:txBody>
+      </p:sp>
+      <p:sp>
+        <p:nvSpPr>
+          <p:cNvPr id="23" name="Content Placeholder 2"/>
           <p:cNvSpPr>
             <a:spLocks noGrp="1"/>
           </p:cNvSpPr>
@@ -7141,11 +8260,26 @@
             <p:ph idx="1"/>
           </p:nvPr>
         </p:nvSpPr>
-        <p:spPr/>
-        <p:txBody>
-          <a:bodyPr/>
+        <p:spPr>
+          <a:xfrm>
+            <a:off x="457200" y="1600201"/>
+            <a:ext cx="8229600" cy="1026658"/>
+          </a:xfrm>
+        </p:spPr>
+        <p:txBody>
+          <a:bodyPr>
+            <a:normAutofit lnSpcReduction="10000"/>
+          </a:bodyPr>
           <a:lstStyle/>
           <a:p>
+            <a:r>
+              <a:rPr lang="en-US" dirty="0" smtClean="0"/>
+              <a:t>learn a model from labeled source data </a:t>
+            </a:r>
+            <a:r>
+              <a:rPr lang="en-US" smtClean="0"/>
+              <a:t>and unlabeled target data:</a:t>
+            </a:r>
             <a:endParaRPr lang="en-US" dirty="0"/>
           </a:p>
         </p:txBody>
@@ -7153,7 +8287,7 @@
     </p:spTree>
     <p:extLst>
       <p:ext uri="{BB962C8B-B14F-4D97-AF65-F5344CB8AC3E}">
-        <p14:creationId xmlns:p14="http://schemas.microsoft.com/office/powerpoint/2010/main" val="2048412208"/>
+        <p14:creationId xmlns:p14="http://schemas.microsoft.com/office/powerpoint/2010/main" val="359868760"/>
       </p:ext>
     </p:extLst>
   </p:cSld>
@@ -7210,12 +8344,12 @@
           <a:lstStyle/>
           <a:p>
             <a:r>
-              <a:rPr lang="en-US" sz="4000" dirty="0"/>
-              <a:t>Naive Bayes </a:t>
-            </a:r>
-            <a:r>
-              <a:rPr lang="en-US" sz="4000" dirty="0" smtClean="0"/>
-              <a:t>Classifier</a:t>
+              <a:rPr lang="en-US" sz="3900" dirty="0"/>
+              <a:t>Single-source Domain </a:t>
+            </a:r>
+            <a:r>
+              <a:rPr lang="en-US" sz="3900" dirty="0" smtClean="0"/>
+              <a:t>Adaptation</a:t>
             </a:r>
             <a:endParaRPr lang="en-US" sz="3900" dirty="0"/>
           </a:p>
@@ -7243,7 +8377,7 @@
     </p:spTree>
     <p:extLst>
       <p:ext uri="{BB962C8B-B14F-4D97-AF65-F5344CB8AC3E}">
-        <p14:creationId xmlns:p14="http://schemas.microsoft.com/office/powerpoint/2010/main" val="951409709"/>
+        <p14:creationId xmlns:p14="http://schemas.microsoft.com/office/powerpoint/2010/main" val="534998542"/>
       </p:ext>
     </p:extLst>
   </p:cSld>
@@ -7300,8 +8434,8 @@
           <a:lstStyle/>
           <a:p>
             <a:r>
-              <a:rPr lang="en-US" sz="4000" dirty="0" smtClean="0"/>
-              <a:t>Experiments</a:t>
+              <a:rPr lang="en-US" sz="4000" dirty="0"/>
+              <a:t>Correlation Alignment Algorithm</a:t>
             </a:r>
             <a:endParaRPr lang="en-US" sz="3900" dirty="0"/>
           </a:p>
@@ -7329,7 +8463,7 @@
     </p:spTree>
     <p:extLst>
       <p:ext uri="{BB962C8B-B14F-4D97-AF65-F5344CB8AC3E}">
-        <p14:creationId xmlns:p14="http://schemas.microsoft.com/office/powerpoint/2010/main" val="856863972"/>
+        <p14:creationId xmlns:p14="http://schemas.microsoft.com/office/powerpoint/2010/main" val="517282395"/>
       </p:ext>
     </p:extLst>
   </p:cSld>
@@ -7387,7 +8521,7 @@
           <a:p>
             <a:r>
               <a:rPr lang="en-US" sz="4000" dirty="0" smtClean="0"/>
-              <a:t>Results</a:t>
+              <a:t>Feature Selection</a:t>
             </a:r>
             <a:endParaRPr lang="en-US" sz="3900" dirty="0"/>
           </a:p>
@@ -7415,7 +8549,7 @@
     </p:spTree>
     <p:extLst>
       <p:ext uri="{BB962C8B-B14F-4D97-AF65-F5344CB8AC3E}">
-        <p14:creationId xmlns:p14="http://schemas.microsoft.com/office/powerpoint/2010/main" val="2033631859"/>
+        <p14:creationId xmlns:p14="http://schemas.microsoft.com/office/powerpoint/2010/main" val="2048412208"/>
       </p:ext>
     </p:extLst>
   </p:cSld>
@@ -7459,16 +8593,27 @@
             <p:ph type="title"/>
           </p:nvPr>
         </p:nvSpPr>
-        <p:spPr/>
-        <p:txBody>
-          <a:bodyPr/>
+        <p:spPr>
+          <a:xfrm>
+            <a:off x="0" y="457200"/>
+            <a:ext cx="9144000" cy="1143000"/>
+          </a:xfrm>
+        </p:spPr>
+        <p:txBody>
+          <a:bodyPr>
+            <a:noAutofit/>
+          </a:bodyPr>
           <a:lstStyle/>
           <a:p>
             <a:r>
-              <a:rPr lang="en-US" dirty="0" smtClean="0"/>
-              <a:t>Terminology</a:t>
-            </a:r>
-            <a:endParaRPr lang="en-US" dirty="0"/>
+              <a:rPr lang="en-US" sz="4000" dirty="0"/>
+              <a:t>Naive Bayes </a:t>
+            </a:r>
+            <a:r>
+              <a:rPr lang="en-US" sz="4000" dirty="0" smtClean="0"/>
+              <a:t>Classifier</a:t>
+            </a:r>
+            <a:endParaRPr lang="en-US" sz="3900" dirty="0"/>
           </a:p>
         </p:txBody>
       </p:sp>
@@ -7491,82 +8636,10 @@
           </a:p>
         </p:txBody>
       </p:sp>
-      <p:pic>
-        <p:nvPicPr>
-          <p:cNvPr id="4" name="Picture 2" descr="ata_Science_VD.png"/>
-          <p:cNvPicPr>
-            <a:picLocks noChangeAspect="1" noChangeArrowheads="1"/>
-          </p:cNvPicPr>
-          <p:nvPr/>
-        </p:nvPicPr>
-        <p:blipFill>
-          <a:blip r:embed="rId2">
-            <a:extLst>
-              <a:ext uri="{28A0092B-C50C-407E-A947-70E740481C1C}">
-                <a14:useLocalDpi xmlns:a14="http://schemas.microsoft.com/office/drawing/2010/main" val="0"/>
-              </a:ext>
-            </a:extLst>
-          </a:blip>
-          <a:srcRect/>
-          <a:stretch>
-            <a:fillRect/>
-          </a:stretch>
-        </p:blipFill>
-        <p:spPr bwMode="auto">
-          <a:xfrm>
-            <a:off x="6477893" y="1491477"/>
-            <a:ext cx="2489483" cy="2376325"/>
-          </a:xfrm>
-          <a:prstGeom prst="rect">
-            <a:avLst/>
-          </a:prstGeom>
-          <a:noFill/>
-          <a:extLst>
-            <a:ext uri="{909E8E84-426E-40DD-AFC4-6F175D3DCCD1}">
-              <a14:hiddenFill xmlns:a14="http://schemas.microsoft.com/office/drawing/2010/main">
-                <a:solidFill>
-                  <a:srgbClr val="FFFFFF"/>
-                </a:solidFill>
-              </a14:hiddenFill>
-            </a:ext>
-          </a:extLst>
-        </p:spPr>
-      </p:pic>
-      <p:sp>
-        <p:nvSpPr>
-          <p:cNvPr id="5" name="Rectangle 4"/>
-          <p:cNvSpPr/>
-          <p:nvPr/>
-        </p:nvSpPr>
-        <p:spPr>
-          <a:xfrm>
-            <a:off x="8303456" y="3566337"/>
-            <a:ext cx="510344" cy="246221"/>
-          </a:xfrm>
-          <a:prstGeom prst="rect">
-            <a:avLst/>
-          </a:prstGeom>
-        </p:spPr>
-        <p:txBody>
-          <a:bodyPr wrap="square">
-            <a:spAutoFit/>
-          </a:bodyPr>
-          <a:lstStyle/>
-          <a:p>
-            <a:r>
-              <a:rPr lang="en-US" sz="1000" dirty="0" smtClean="0">
-                <a:hlinkClick r:id="rId3"/>
-              </a:rPr>
-              <a:t>[Link]</a:t>
-            </a:r>
-            <a:endParaRPr lang="en-US" sz="900" dirty="0"/>
-          </a:p>
-        </p:txBody>
-      </p:sp>
     </p:spTree>
     <p:extLst>
       <p:ext uri="{BB962C8B-B14F-4D97-AF65-F5344CB8AC3E}">
-        <p14:creationId xmlns:p14="http://schemas.microsoft.com/office/powerpoint/2010/main" val="980661722"/>
+        <p14:creationId xmlns:p14="http://schemas.microsoft.com/office/powerpoint/2010/main" val="951409709"/>
       </p:ext>
     </p:extLst>
   </p:cSld>
@@ -9162,6 +10235,444 @@
     <p:extLst>
       <p:ext uri="{BB962C8B-B14F-4D97-AF65-F5344CB8AC3E}">
         <p14:creationId xmlns:p14="http://schemas.microsoft.com/office/powerpoint/2010/main" val="1198626840"/>
+      </p:ext>
+    </p:extLst>
+  </p:cSld>
+  <p:clrMapOvr>
+    <a:masterClrMapping/>
+  </p:clrMapOvr>
+  <p:timing>
+    <p:tnLst>
+      <p:par>
+        <p:cTn id="1" dur="indefinite" restart="never" nodeType="tmRoot"/>
+      </p:par>
+    </p:tnLst>
+  </p:timing>
+</p:sld>
+</file>
+
+<file path=ppt/slides/slide30.xml><?xml version="1.0" encoding="utf-8"?>
+<p:sld xmlns:a="http://schemas.openxmlformats.org/drawingml/2006/main" xmlns:r="http://schemas.openxmlformats.org/officeDocument/2006/relationships" xmlns:p="http://schemas.openxmlformats.org/presentationml/2006/main">
+  <p:cSld>
+    <p:spTree>
+      <p:nvGrpSpPr>
+        <p:cNvPr id="1" name=""/>
+        <p:cNvGrpSpPr/>
+        <p:nvPr/>
+      </p:nvGrpSpPr>
+      <p:grpSpPr>
+        <a:xfrm>
+          <a:off x="0" y="0"/>
+          <a:ext cx="0" cy="0"/>
+          <a:chOff x="0" y="0"/>
+          <a:chExt cx="0" cy="0"/>
+        </a:xfrm>
+      </p:grpSpPr>
+      <p:sp>
+        <p:nvSpPr>
+          <p:cNvPr id="2" name="Title 1"/>
+          <p:cNvSpPr>
+            <a:spLocks noGrp="1"/>
+          </p:cNvSpPr>
+          <p:nvPr>
+            <p:ph type="title"/>
+          </p:nvPr>
+        </p:nvSpPr>
+        <p:spPr>
+          <a:xfrm>
+            <a:off x="0" y="457200"/>
+            <a:ext cx="9144000" cy="1143000"/>
+          </a:xfrm>
+        </p:spPr>
+        <p:txBody>
+          <a:bodyPr>
+            <a:noAutofit/>
+          </a:bodyPr>
+          <a:lstStyle/>
+          <a:p>
+            <a:r>
+              <a:rPr lang="en-US" sz="4000" dirty="0" smtClean="0"/>
+              <a:t>Experiments</a:t>
+            </a:r>
+            <a:endParaRPr lang="en-US" sz="3900" dirty="0"/>
+          </a:p>
+        </p:txBody>
+      </p:sp>
+      <p:sp>
+        <p:nvSpPr>
+          <p:cNvPr id="3" name="Content Placeholder 2"/>
+          <p:cNvSpPr>
+            <a:spLocks noGrp="1"/>
+          </p:cNvSpPr>
+          <p:nvPr>
+            <p:ph idx="1"/>
+          </p:nvPr>
+        </p:nvSpPr>
+        <p:spPr/>
+        <p:txBody>
+          <a:bodyPr/>
+          <a:lstStyle/>
+          <a:p>
+            <a:endParaRPr lang="en-US" dirty="0"/>
+          </a:p>
+        </p:txBody>
+      </p:sp>
+    </p:spTree>
+    <p:extLst>
+      <p:ext uri="{BB962C8B-B14F-4D97-AF65-F5344CB8AC3E}">
+        <p14:creationId xmlns:p14="http://schemas.microsoft.com/office/powerpoint/2010/main" val="856863972"/>
+      </p:ext>
+    </p:extLst>
+  </p:cSld>
+  <p:clrMapOvr>
+    <a:masterClrMapping/>
+  </p:clrMapOvr>
+  <p:timing>
+    <p:tnLst>
+      <p:par>
+        <p:cTn id="1" dur="indefinite" restart="never" nodeType="tmRoot"/>
+      </p:par>
+    </p:tnLst>
+  </p:timing>
+</p:sld>
+</file>
+
+<file path=ppt/slides/slide31.xml><?xml version="1.0" encoding="utf-8"?>
+<p:sld xmlns:a="http://schemas.openxmlformats.org/drawingml/2006/main" xmlns:r="http://schemas.openxmlformats.org/officeDocument/2006/relationships" xmlns:p="http://schemas.openxmlformats.org/presentationml/2006/main">
+  <p:cSld>
+    <p:spTree>
+      <p:nvGrpSpPr>
+        <p:cNvPr id="1" name=""/>
+        <p:cNvGrpSpPr/>
+        <p:nvPr/>
+      </p:nvGrpSpPr>
+      <p:grpSpPr>
+        <a:xfrm>
+          <a:off x="0" y="0"/>
+          <a:ext cx="0" cy="0"/>
+          <a:chOff x="0" y="0"/>
+          <a:chExt cx="0" cy="0"/>
+        </a:xfrm>
+      </p:grpSpPr>
+      <p:sp>
+        <p:nvSpPr>
+          <p:cNvPr id="2" name="Title 1"/>
+          <p:cNvSpPr>
+            <a:spLocks noGrp="1"/>
+          </p:cNvSpPr>
+          <p:nvPr>
+            <p:ph type="title"/>
+          </p:nvPr>
+        </p:nvSpPr>
+        <p:spPr>
+          <a:xfrm>
+            <a:off x="0" y="457200"/>
+            <a:ext cx="9144000" cy="1143000"/>
+          </a:xfrm>
+        </p:spPr>
+        <p:txBody>
+          <a:bodyPr>
+            <a:noAutofit/>
+          </a:bodyPr>
+          <a:lstStyle/>
+          <a:p>
+            <a:r>
+              <a:rPr lang="en-US" sz="4000" dirty="0" smtClean="0"/>
+              <a:t>Results</a:t>
+            </a:r>
+            <a:endParaRPr lang="en-US" sz="3900" dirty="0"/>
+          </a:p>
+        </p:txBody>
+      </p:sp>
+      <p:sp>
+        <p:nvSpPr>
+          <p:cNvPr id="3" name="Content Placeholder 2"/>
+          <p:cNvSpPr>
+            <a:spLocks noGrp="1"/>
+          </p:cNvSpPr>
+          <p:nvPr>
+            <p:ph idx="1"/>
+          </p:nvPr>
+        </p:nvSpPr>
+        <p:spPr/>
+        <p:txBody>
+          <a:bodyPr/>
+          <a:lstStyle/>
+          <a:p>
+            <a:endParaRPr lang="en-US" dirty="0"/>
+          </a:p>
+        </p:txBody>
+      </p:sp>
+    </p:spTree>
+    <p:extLst>
+      <p:ext uri="{BB962C8B-B14F-4D97-AF65-F5344CB8AC3E}">
+        <p14:creationId xmlns:p14="http://schemas.microsoft.com/office/powerpoint/2010/main" val="2033631859"/>
+      </p:ext>
+    </p:extLst>
+  </p:cSld>
+  <p:clrMapOvr>
+    <a:masterClrMapping/>
+  </p:clrMapOvr>
+  <p:timing>
+    <p:tnLst>
+      <p:par>
+        <p:cTn id="1" dur="indefinite" restart="never" nodeType="tmRoot"/>
+      </p:par>
+    </p:tnLst>
+  </p:timing>
+</p:sld>
+</file>
+
+<file path=ppt/slides/slide32.xml><?xml version="1.0" encoding="utf-8"?>
+<p:sld xmlns:a="http://schemas.openxmlformats.org/drawingml/2006/main" xmlns:r="http://schemas.openxmlformats.org/officeDocument/2006/relationships" xmlns:p="http://schemas.openxmlformats.org/presentationml/2006/main">
+  <p:cSld>
+    <p:spTree>
+      <p:nvGrpSpPr>
+        <p:cNvPr id="1" name=""/>
+        <p:cNvGrpSpPr/>
+        <p:nvPr/>
+      </p:nvGrpSpPr>
+      <p:grpSpPr>
+        <a:xfrm>
+          <a:off x="0" y="0"/>
+          <a:ext cx="0" cy="0"/>
+          <a:chOff x="0" y="0"/>
+          <a:chExt cx="0" cy="0"/>
+        </a:xfrm>
+      </p:grpSpPr>
+      <p:sp>
+        <p:nvSpPr>
+          <p:cNvPr id="2" name="Title 1"/>
+          <p:cNvSpPr>
+            <a:spLocks noGrp="1"/>
+          </p:cNvSpPr>
+          <p:nvPr>
+            <p:ph type="title"/>
+          </p:nvPr>
+        </p:nvSpPr>
+        <p:spPr>
+          <a:xfrm>
+            <a:off x="0" y="457200"/>
+            <a:ext cx="9144000" cy="1143000"/>
+          </a:xfrm>
+        </p:spPr>
+        <p:txBody>
+          <a:bodyPr>
+            <a:noAutofit/>
+          </a:bodyPr>
+          <a:lstStyle/>
+          <a:p>
+            <a:r>
+              <a:rPr lang="en-US" sz="3900" dirty="0" smtClean="0"/>
+              <a:t>Multi-source </a:t>
+            </a:r>
+            <a:r>
+              <a:rPr lang="en-US" sz="3900" dirty="0"/>
+              <a:t>Domain </a:t>
+            </a:r>
+            <a:r>
+              <a:rPr lang="en-US" sz="3900" dirty="0" smtClean="0"/>
+              <a:t>Adaptation</a:t>
+            </a:r>
+            <a:endParaRPr lang="en-US" sz="3900" dirty="0"/>
+          </a:p>
+        </p:txBody>
+      </p:sp>
+      <p:sp>
+        <p:nvSpPr>
+          <p:cNvPr id="3" name="Content Placeholder 2"/>
+          <p:cNvSpPr>
+            <a:spLocks noGrp="1"/>
+          </p:cNvSpPr>
+          <p:nvPr>
+            <p:ph idx="1"/>
+          </p:nvPr>
+        </p:nvSpPr>
+        <p:spPr/>
+        <p:txBody>
+          <a:bodyPr/>
+          <a:lstStyle/>
+          <a:p>
+            <a:endParaRPr lang="en-US" dirty="0"/>
+          </a:p>
+        </p:txBody>
+      </p:sp>
+    </p:spTree>
+    <p:extLst>
+      <p:ext uri="{BB962C8B-B14F-4D97-AF65-F5344CB8AC3E}">
+        <p14:creationId xmlns:p14="http://schemas.microsoft.com/office/powerpoint/2010/main" val="469045247"/>
+      </p:ext>
+    </p:extLst>
+  </p:cSld>
+  <p:clrMapOvr>
+    <a:masterClrMapping/>
+  </p:clrMapOvr>
+  <p:timing>
+    <p:tnLst>
+      <p:par>
+        <p:cTn id="1" dur="indefinite" restart="never" nodeType="tmRoot"/>
+      </p:par>
+    </p:tnLst>
+  </p:timing>
+</p:sld>
+</file>
+
+<file path=ppt/slides/slide33.xml><?xml version="1.0" encoding="utf-8"?>
+<p:sld xmlns:a="http://schemas.openxmlformats.org/drawingml/2006/main" xmlns:r="http://schemas.openxmlformats.org/officeDocument/2006/relationships" xmlns:p="http://schemas.openxmlformats.org/presentationml/2006/main">
+  <p:cSld>
+    <p:spTree>
+      <p:nvGrpSpPr>
+        <p:cNvPr id="1" name=""/>
+        <p:cNvGrpSpPr/>
+        <p:nvPr/>
+      </p:nvGrpSpPr>
+      <p:grpSpPr>
+        <a:xfrm>
+          <a:off x="0" y="0"/>
+          <a:ext cx="0" cy="0"/>
+          <a:chOff x="0" y="0"/>
+          <a:chExt cx="0" cy="0"/>
+        </a:xfrm>
+      </p:grpSpPr>
+      <p:sp>
+        <p:nvSpPr>
+          <p:cNvPr id="2" name="Title 1"/>
+          <p:cNvSpPr>
+            <a:spLocks noGrp="1"/>
+          </p:cNvSpPr>
+          <p:nvPr>
+            <p:ph type="title"/>
+          </p:nvPr>
+        </p:nvSpPr>
+        <p:spPr>
+          <a:xfrm>
+            <a:off x="0" y="457200"/>
+            <a:ext cx="9144000" cy="1143000"/>
+          </a:xfrm>
+        </p:spPr>
+        <p:txBody>
+          <a:bodyPr>
+            <a:noAutofit/>
+          </a:bodyPr>
+          <a:lstStyle/>
+          <a:p>
+            <a:r>
+              <a:rPr lang="en-US" sz="4000" dirty="0" smtClean="0"/>
+              <a:t>Experiments</a:t>
+            </a:r>
+            <a:endParaRPr lang="en-US" sz="3900" dirty="0"/>
+          </a:p>
+        </p:txBody>
+      </p:sp>
+      <p:sp>
+        <p:nvSpPr>
+          <p:cNvPr id="3" name="Content Placeholder 2"/>
+          <p:cNvSpPr>
+            <a:spLocks noGrp="1"/>
+          </p:cNvSpPr>
+          <p:nvPr>
+            <p:ph idx="1"/>
+          </p:nvPr>
+        </p:nvSpPr>
+        <p:spPr/>
+        <p:txBody>
+          <a:bodyPr/>
+          <a:lstStyle/>
+          <a:p>
+            <a:endParaRPr lang="en-US" dirty="0"/>
+          </a:p>
+        </p:txBody>
+      </p:sp>
+    </p:spTree>
+    <p:extLst>
+      <p:ext uri="{BB962C8B-B14F-4D97-AF65-F5344CB8AC3E}">
+        <p14:creationId xmlns:p14="http://schemas.microsoft.com/office/powerpoint/2010/main" val="707477925"/>
+      </p:ext>
+    </p:extLst>
+  </p:cSld>
+  <p:clrMapOvr>
+    <a:masterClrMapping/>
+  </p:clrMapOvr>
+  <p:timing>
+    <p:tnLst>
+      <p:par>
+        <p:cTn id="1" dur="indefinite" restart="never" nodeType="tmRoot"/>
+      </p:par>
+    </p:tnLst>
+  </p:timing>
+</p:sld>
+</file>
+
+<file path=ppt/slides/slide34.xml><?xml version="1.0" encoding="utf-8"?>
+<p:sld xmlns:a="http://schemas.openxmlformats.org/drawingml/2006/main" xmlns:r="http://schemas.openxmlformats.org/officeDocument/2006/relationships" xmlns:p="http://schemas.openxmlformats.org/presentationml/2006/main">
+  <p:cSld>
+    <p:spTree>
+      <p:nvGrpSpPr>
+        <p:cNvPr id="1" name=""/>
+        <p:cNvGrpSpPr/>
+        <p:nvPr/>
+      </p:nvGrpSpPr>
+      <p:grpSpPr>
+        <a:xfrm>
+          <a:off x="0" y="0"/>
+          <a:ext cx="0" cy="0"/>
+          <a:chOff x="0" y="0"/>
+          <a:chExt cx="0" cy="0"/>
+        </a:xfrm>
+      </p:grpSpPr>
+      <p:sp>
+        <p:nvSpPr>
+          <p:cNvPr id="2" name="Title 1"/>
+          <p:cNvSpPr>
+            <a:spLocks noGrp="1"/>
+          </p:cNvSpPr>
+          <p:nvPr>
+            <p:ph type="title"/>
+          </p:nvPr>
+        </p:nvSpPr>
+        <p:spPr>
+          <a:xfrm>
+            <a:off x="0" y="457200"/>
+            <a:ext cx="9144000" cy="1143000"/>
+          </a:xfrm>
+        </p:spPr>
+        <p:txBody>
+          <a:bodyPr>
+            <a:noAutofit/>
+          </a:bodyPr>
+          <a:lstStyle/>
+          <a:p>
+            <a:r>
+              <a:rPr lang="en-US" sz="4000" dirty="0" smtClean="0"/>
+              <a:t>Results</a:t>
+            </a:r>
+            <a:endParaRPr lang="en-US" sz="3900" dirty="0"/>
+          </a:p>
+        </p:txBody>
+      </p:sp>
+      <p:sp>
+        <p:nvSpPr>
+          <p:cNvPr id="3" name="Content Placeholder 2"/>
+          <p:cNvSpPr>
+            <a:spLocks noGrp="1"/>
+          </p:cNvSpPr>
+          <p:nvPr>
+            <p:ph idx="1"/>
+          </p:nvPr>
+        </p:nvSpPr>
+        <p:spPr/>
+        <p:txBody>
+          <a:bodyPr/>
+          <a:lstStyle/>
+          <a:p>
+            <a:endParaRPr lang="en-US" dirty="0"/>
+          </a:p>
+        </p:txBody>
+      </p:sp>
+    </p:spTree>
+    <p:extLst>
+      <p:ext uri="{BB962C8B-B14F-4D97-AF65-F5344CB8AC3E}">
+        <p14:creationId xmlns:p14="http://schemas.microsoft.com/office/powerpoint/2010/main" val="2112015683"/>
       </p:ext>
     </p:extLst>
   </p:cSld>
@@ -12385,70 +13896,1206 @@
             <p:ph idx="1"/>
           </p:nvPr>
         </p:nvSpPr>
-        <p:spPr/>
+        <p:spPr>
+          <a:xfrm>
+            <a:off x="457200" y="1291434"/>
+            <a:ext cx="8027233" cy="603121"/>
+          </a:xfrm>
+        </p:spPr>
         <p:txBody>
           <a:bodyPr/>
           <a:lstStyle/>
           <a:p>
             <a:r>
               <a:rPr lang="en-US" dirty="0" smtClean="0"/>
-              <a:t>Supervised Machine Learning</a:t>
-            </a:r>
-          </a:p>
+              <a:t>Instances (examples, observations)</a:t>
+            </a:r>
+          </a:p>
+        </p:txBody>
+      </p:sp>
+      <p:pic>
+        <p:nvPicPr>
+          <p:cNvPr id="4098" name="Picture 2"/>
+          <p:cNvPicPr>
+            <a:picLocks noChangeAspect="1" noChangeArrowheads="1"/>
+          </p:cNvPicPr>
+          <p:nvPr/>
+        </p:nvPicPr>
+        <p:blipFill>
+          <a:blip r:embed="rId2">
+            <a:extLst>
+              <a:ext uri="{28A0092B-C50C-407E-A947-70E740481C1C}">
+                <a14:useLocalDpi xmlns:a14="http://schemas.microsoft.com/office/drawing/2010/main" val="0"/>
+              </a:ext>
+            </a:extLst>
+          </a:blip>
+          <a:stretch>
+            <a:fillRect/>
+          </a:stretch>
+        </p:blipFill>
+        <p:spPr bwMode="auto">
+          <a:xfrm>
+            <a:off x="918679" y="1915410"/>
+            <a:ext cx="5744542" cy="2619367"/>
+          </a:xfrm>
+          <a:prstGeom prst="rect">
+            <a:avLst/>
+          </a:prstGeom>
+          <a:noFill/>
+          <a:extLst>
+            <a:ext uri="{909E8E84-426E-40DD-AFC4-6F175D3DCCD1}">
+              <a14:hiddenFill xmlns:a14="http://schemas.microsoft.com/office/drawing/2010/main">
+                <a:solidFill>
+                  <a:srgbClr val="FFFFFF"/>
+                </a:solidFill>
+              </a14:hiddenFill>
+            </a:ext>
+          </a:extLst>
+        </p:spPr>
+      </p:pic>
+      <p:sp>
+        <p:nvSpPr>
+          <p:cNvPr id="8" name="Content Placeholder 4"/>
+          <p:cNvSpPr txBox="1">
+            <a:spLocks/>
+          </p:cNvSpPr>
+          <p:nvPr/>
+        </p:nvSpPr>
+        <p:spPr>
+          <a:xfrm>
+            <a:off x="888999" y="4599101"/>
+            <a:ext cx="7797801" cy="739204"/>
+          </a:xfrm>
+          <a:prstGeom prst="rect">
+            <a:avLst/>
+          </a:prstGeom>
+        </p:spPr>
+        <p:txBody>
+          <a:bodyPr vert="horz" lIns="91440" tIns="45720" rIns="91440" bIns="45720" rtlCol="0">
+            <a:noAutofit/>
+          </a:bodyPr>
+          <a:lstStyle>
+            <a:lvl1pPr marL="342900" indent="-342900" algn="l" defTabSz="457200" rtl="0" eaLnBrk="1" latinLnBrk="0" hangingPunct="1">
+              <a:spcBef>
+                <a:spcPct val="20000"/>
+              </a:spcBef>
+              <a:buFont typeface="Arial"/>
+              <a:buChar char="•"/>
+              <a:defRPr sz="3200" kern="1200">
+                <a:solidFill>
+                  <a:schemeClr val="tx1"/>
+                </a:solidFill>
+                <a:latin typeface="+mn-lt"/>
+                <a:ea typeface="+mn-ea"/>
+                <a:cs typeface="+mn-cs"/>
+              </a:defRPr>
+            </a:lvl1pPr>
+            <a:lvl2pPr marL="742950" indent="-285750" algn="l" defTabSz="457200" rtl="0" eaLnBrk="1" latinLnBrk="0" hangingPunct="1">
+              <a:spcBef>
+                <a:spcPct val="20000"/>
+              </a:spcBef>
+              <a:buFont typeface="Arial"/>
+              <a:buChar char="–"/>
+              <a:defRPr sz="2800" kern="1200">
+                <a:solidFill>
+                  <a:schemeClr val="tx1"/>
+                </a:solidFill>
+                <a:latin typeface="+mn-lt"/>
+                <a:ea typeface="+mn-ea"/>
+                <a:cs typeface="+mn-cs"/>
+              </a:defRPr>
+            </a:lvl2pPr>
+            <a:lvl3pPr marL="1143000" indent="-228600" algn="l" defTabSz="457200" rtl="0" eaLnBrk="1" latinLnBrk="0" hangingPunct="1">
+              <a:spcBef>
+                <a:spcPct val="20000"/>
+              </a:spcBef>
+              <a:buFont typeface="Arial"/>
+              <a:buChar char="•"/>
+              <a:defRPr sz="2400" kern="1200">
+                <a:solidFill>
+                  <a:schemeClr val="tx1"/>
+                </a:solidFill>
+                <a:latin typeface="+mn-lt"/>
+                <a:ea typeface="+mn-ea"/>
+                <a:cs typeface="+mn-cs"/>
+              </a:defRPr>
+            </a:lvl3pPr>
+            <a:lvl4pPr marL="1600200" indent="-228600" algn="l" defTabSz="457200" rtl="0" eaLnBrk="1" latinLnBrk="0" hangingPunct="1">
+              <a:spcBef>
+                <a:spcPct val="20000"/>
+              </a:spcBef>
+              <a:buFont typeface="Arial"/>
+              <a:buChar char="–"/>
+              <a:defRPr sz="2000" kern="1200">
+                <a:solidFill>
+                  <a:schemeClr val="tx1"/>
+                </a:solidFill>
+                <a:latin typeface="+mn-lt"/>
+                <a:ea typeface="+mn-ea"/>
+                <a:cs typeface="+mn-cs"/>
+              </a:defRPr>
+            </a:lvl4pPr>
+            <a:lvl5pPr marL="2057400" indent="-228600" algn="l" defTabSz="457200" rtl="0" eaLnBrk="1" latinLnBrk="0" hangingPunct="1">
+              <a:spcBef>
+                <a:spcPct val="20000"/>
+              </a:spcBef>
+              <a:buFont typeface="Arial"/>
+              <a:buChar char="»"/>
+              <a:defRPr sz="2000" kern="1200">
+                <a:solidFill>
+                  <a:schemeClr val="tx1"/>
+                </a:solidFill>
+                <a:latin typeface="+mn-lt"/>
+                <a:ea typeface="+mn-ea"/>
+                <a:cs typeface="+mn-cs"/>
+              </a:defRPr>
+            </a:lvl5pPr>
+            <a:lvl6pPr marL="2514600" indent="-228600" algn="l" defTabSz="457200" rtl="0" eaLnBrk="1" latinLnBrk="0" hangingPunct="1">
+              <a:spcBef>
+                <a:spcPct val="20000"/>
+              </a:spcBef>
+              <a:buFont typeface="Arial"/>
+              <a:buChar char="•"/>
+              <a:defRPr sz="2000" kern="1200">
+                <a:solidFill>
+                  <a:schemeClr val="tx1"/>
+                </a:solidFill>
+                <a:latin typeface="+mn-lt"/>
+                <a:ea typeface="+mn-ea"/>
+                <a:cs typeface="+mn-cs"/>
+              </a:defRPr>
+            </a:lvl6pPr>
+            <a:lvl7pPr marL="2971800" indent="-228600" algn="l" defTabSz="457200" rtl="0" eaLnBrk="1" latinLnBrk="0" hangingPunct="1">
+              <a:spcBef>
+                <a:spcPct val="20000"/>
+              </a:spcBef>
+              <a:buFont typeface="Arial"/>
+              <a:buChar char="•"/>
+              <a:defRPr sz="2000" kern="1200">
+                <a:solidFill>
+                  <a:schemeClr val="tx1"/>
+                </a:solidFill>
+                <a:latin typeface="+mn-lt"/>
+                <a:ea typeface="+mn-ea"/>
+                <a:cs typeface="+mn-cs"/>
+              </a:defRPr>
+            </a:lvl7pPr>
+            <a:lvl8pPr marL="3429000" indent="-228600" algn="l" defTabSz="457200" rtl="0" eaLnBrk="1" latinLnBrk="0" hangingPunct="1">
+              <a:spcBef>
+                <a:spcPct val="20000"/>
+              </a:spcBef>
+              <a:buFont typeface="Arial"/>
+              <a:buChar char="•"/>
+              <a:defRPr sz="2000" kern="1200">
+                <a:solidFill>
+                  <a:schemeClr val="tx1"/>
+                </a:solidFill>
+                <a:latin typeface="+mn-lt"/>
+                <a:ea typeface="+mn-ea"/>
+                <a:cs typeface="+mn-cs"/>
+              </a:defRPr>
+            </a:lvl8pPr>
+            <a:lvl9pPr marL="3886200" indent="-228600" algn="l" defTabSz="457200" rtl="0" eaLnBrk="1" latinLnBrk="0" hangingPunct="1">
+              <a:spcBef>
+                <a:spcPct val="20000"/>
+              </a:spcBef>
+              <a:buFont typeface="Arial"/>
+              <a:buChar char="•"/>
+              <a:defRPr sz="2000" kern="1200">
+                <a:solidFill>
+                  <a:schemeClr val="tx1"/>
+                </a:solidFill>
+                <a:latin typeface="+mn-lt"/>
+                <a:ea typeface="+mn-ea"/>
+                <a:cs typeface="+mn-cs"/>
+              </a:defRPr>
+            </a:lvl9pPr>
+          </a:lstStyle>
           <a:p>
             <a:pPr marL="0" indent="0">
+              <a:buFont typeface="Arial"/>
               <a:buNone/>
             </a:pPr>
             <a:r>
               <a:rPr lang="en-US" dirty="0" smtClean="0"/>
-              <a:t>– learning from labeled data</a:t>
-            </a:r>
-          </a:p>
-          <a:p>
-            <a:pPr marL="0" indent="0">
-              <a:buNone/>
-            </a:pPr>
-            <a:endParaRPr lang="en-US" dirty="0" smtClean="0"/>
-          </a:p>
-          <a:p>
-            <a:r>
-              <a:rPr lang="en-US" dirty="0" smtClean="0"/>
-              <a:t>Unsupervised </a:t>
-            </a:r>
-            <a:r>
-              <a:rPr lang="en-US" dirty="0"/>
-              <a:t>Machine Learning</a:t>
-            </a:r>
-          </a:p>
-          <a:p>
-            <a:pPr marL="0" indent="0">
-              <a:buNone/>
-            </a:pPr>
-            <a:r>
-              <a:rPr lang="en-US" dirty="0"/>
-              <a:t>– learning from </a:t>
-            </a:r>
-            <a:r>
-              <a:rPr lang="en-US" dirty="0" smtClean="0"/>
-              <a:t>unlabeled </a:t>
-            </a:r>
-            <a:r>
-              <a:rPr lang="en-US" dirty="0"/>
-              <a:t>data</a:t>
-            </a:r>
-          </a:p>
-          <a:p>
-            <a:pPr marL="0" indent="0">
-              <a:buNone/>
-            </a:pPr>
-            <a:endParaRPr lang="en-US" dirty="0" smtClean="0"/>
+              <a:t>Could you predict the values of “Plat Tennis”?</a:t>
+            </a:r>
+          </a:p>
+        </p:txBody>
+      </p:sp>
+      <p:grpSp>
+        <p:nvGrpSpPr>
+          <p:cNvPr id="7" name="Group 6"/>
+          <p:cNvGrpSpPr/>
+          <p:nvPr/>
+        </p:nvGrpSpPr>
+        <p:grpSpPr>
+          <a:xfrm>
+            <a:off x="889000" y="5086351"/>
+            <a:ext cx="4715970" cy="792096"/>
+            <a:chOff x="889000" y="5086351"/>
+            <a:chExt cx="4715970" cy="792096"/>
+          </a:xfrm>
+        </p:grpSpPr>
+        <p:pic>
+          <p:nvPicPr>
+            <p:cNvPr id="4100" name="Picture 4"/>
+            <p:cNvPicPr>
+              <a:picLocks noChangeAspect="1" noChangeArrowheads="1"/>
+            </p:cNvPicPr>
+            <p:nvPr/>
+          </p:nvPicPr>
+          <p:blipFill>
+            <a:blip r:embed="rId3">
+              <a:extLst>
+                <a:ext uri="{28A0092B-C50C-407E-A947-70E740481C1C}">
+                  <a14:useLocalDpi xmlns:a14="http://schemas.microsoft.com/office/drawing/2010/main" val="0"/>
+                </a:ext>
+              </a:extLst>
+            </a:blip>
+            <a:stretch>
+              <a:fillRect/>
+            </a:stretch>
+          </p:blipFill>
+          <p:spPr bwMode="auto">
+            <a:xfrm>
+              <a:off x="889000" y="5207595"/>
+              <a:ext cx="4567420" cy="664186"/>
+            </a:xfrm>
+            <a:prstGeom prst="rect">
+              <a:avLst/>
+            </a:prstGeom>
+            <a:noFill/>
+            <a:extLst>
+              <a:ext uri="{909E8E84-426E-40DD-AFC4-6F175D3DCCD1}">
+                <a14:hiddenFill xmlns:a14="http://schemas.microsoft.com/office/drawing/2010/main">
+                  <a:solidFill>
+                    <a:srgbClr val="FFFFFF"/>
+                  </a:solidFill>
+                </a14:hiddenFill>
+              </a:ext>
+            </a:extLst>
+          </p:spPr>
+        </p:pic>
+        <p:sp>
+          <p:nvSpPr>
+            <p:cNvPr id="10" name="Content Placeholder 4"/>
+            <p:cNvSpPr txBox="1">
+              <a:spLocks/>
+            </p:cNvSpPr>
+            <p:nvPr/>
+          </p:nvSpPr>
+          <p:spPr>
+            <a:xfrm>
+              <a:off x="5413948" y="5086351"/>
+              <a:ext cx="176343" cy="291971"/>
+            </a:xfrm>
+            <a:prstGeom prst="rect">
+              <a:avLst/>
+            </a:prstGeom>
+          </p:spPr>
+          <p:txBody>
+            <a:bodyPr vert="horz" lIns="91440" tIns="45720" rIns="91440" bIns="45720" rtlCol="0">
+              <a:noAutofit/>
+            </a:bodyPr>
+            <a:lstStyle>
+              <a:lvl1pPr marL="342900" indent="-342900" algn="l" defTabSz="457200" rtl="0" eaLnBrk="1" latinLnBrk="0" hangingPunct="1">
+                <a:spcBef>
+                  <a:spcPct val="20000"/>
+                </a:spcBef>
+                <a:buFont typeface="Arial"/>
+                <a:buChar char="•"/>
+                <a:defRPr sz="3200" kern="1200">
+                  <a:solidFill>
+                    <a:schemeClr val="tx1"/>
+                  </a:solidFill>
+                  <a:latin typeface="+mn-lt"/>
+                  <a:ea typeface="+mn-ea"/>
+                  <a:cs typeface="+mn-cs"/>
+                </a:defRPr>
+              </a:lvl1pPr>
+              <a:lvl2pPr marL="742950" indent="-285750" algn="l" defTabSz="457200" rtl="0" eaLnBrk="1" latinLnBrk="0" hangingPunct="1">
+                <a:spcBef>
+                  <a:spcPct val="20000"/>
+                </a:spcBef>
+                <a:buFont typeface="Arial"/>
+                <a:buChar char="–"/>
+                <a:defRPr sz="2800" kern="1200">
+                  <a:solidFill>
+                    <a:schemeClr val="tx1"/>
+                  </a:solidFill>
+                  <a:latin typeface="+mn-lt"/>
+                  <a:ea typeface="+mn-ea"/>
+                  <a:cs typeface="+mn-cs"/>
+                </a:defRPr>
+              </a:lvl2pPr>
+              <a:lvl3pPr marL="1143000" indent="-228600" algn="l" defTabSz="457200" rtl="0" eaLnBrk="1" latinLnBrk="0" hangingPunct="1">
+                <a:spcBef>
+                  <a:spcPct val="20000"/>
+                </a:spcBef>
+                <a:buFont typeface="Arial"/>
+                <a:buChar char="•"/>
+                <a:defRPr sz="2400" kern="1200">
+                  <a:solidFill>
+                    <a:schemeClr val="tx1"/>
+                  </a:solidFill>
+                  <a:latin typeface="+mn-lt"/>
+                  <a:ea typeface="+mn-ea"/>
+                  <a:cs typeface="+mn-cs"/>
+                </a:defRPr>
+              </a:lvl3pPr>
+              <a:lvl4pPr marL="1600200" indent="-228600" algn="l" defTabSz="457200" rtl="0" eaLnBrk="1" latinLnBrk="0" hangingPunct="1">
+                <a:spcBef>
+                  <a:spcPct val="20000"/>
+                </a:spcBef>
+                <a:buFont typeface="Arial"/>
+                <a:buChar char="–"/>
+                <a:defRPr sz="2000" kern="1200">
+                  <a:solidFill>
+                    <a:schemeClr val="tx1"/>
+                  </a:solidFill>
+                  <a:latin typeface="+mn-lt"/>
+                  <a:ea typeface="+mn-ea"/>
+                  <a:cs typeface="+mn-cs"/>
+                </a:defRPr>
+              </a:lvl4pPr>
+              <a:lvl5pPr marL="2057400" indent="-228600" algn="l" defTabSz="457200" rtl="0" eaLnBrk="1" latinLnBrk="0" hangingPunct="1">
+                <a:spcBef>
+                  <a:spcPct val="20000"/>
+                </a:spcBef>
+                <a:buFont typeface="Arial"/>
+                <a:buChar char="»"/>
+                <a:defRPr sz="2000" kern="1200">
+                  <a:solidFill>
+                    <a:schemeClr val="tx1"/>
+                  </a:solidFill>
+                  <a:latin typeface="+mn-lt"/>
+                  <a:ea typeface="+mn-ea"/>
+                  <a:cs typeface="+mn-cs"/>
+                </a:defRPr>
+              </a:lvl5pPr>
+              <a:lvl6pPr marL="2514600" indent="-228600" algn="l" defTabSz="457200" rtl="0" eaLnBrk="1" latinLnBrk="0" hangingPunct="1">
+                <a:spcBef>
+                  <a:spcPct val="20000"/>
+                </a:spcBef>
+                <a:buFont typeface="Arial"/>
+                <a:buChar char="•"/>
+                <a:defRPr sz="2000" kern="1200">
+                  <a:solidFill>
+                    <a:schemeClr val="tx1"/>
+                  </a:solidFill>
+                  <a:latin typeface="+mn-lt"/>
+                  <a:ea typeface="+mn-ea"/>
+                  <a:cs typeface="+mn-cs"/>
+                </a:defRPr>
+              </a:lvl6pPr>
+              <a:lvl7pPr marL="2971800" indent="-228600" algn="l" defTabSz="457200" rtl="0" eaLnBrk="1" latinLnBrk="0" hangingPunct="1">
+                <a:spcBef>
+                  <a:spcPct val="20000"/>
+                </a:spcBef>
+                <a:buFont typeface="Arial"/>
+                <a:buChar char="•"/>
+                <a:defRPr sz="2000" kern="1200">
+                  <a:solidFill>
+                    <a:schemeClr val="tx1"/>
+                  </a:solidFill>
+                  <a:latin typeface="+mn-lt"/>
+                  <a:ea typeface="+mn-ea"/>
+                  <a:cs typeface="+mn-cs"/>
+                </a:defRPr>
+              </a:lvl7pPr>
+              <a:lvl8pPr marL="3429000" indent="-228600" algn="l" defTabSz="457200" rtl="0" eaLnBrk="1" latinLnBrk="0" hangingPunct="1">
+                <a:spcBef>
+                  <a:spcPct val="20000"/>
+                </a:spcBef>
+                <a:buFont typeface="Arial"/>
+                <a:buChar char="•"/>
+                <a:defRPr sz="2000" kern="1200">
+                  <a:solidFill>
+                    <a:schemeClr val="tx1"/>
+                  </a:solidFill>
+                  <a:latin typeface="+mn-lt"/>
+                  <a:ea typeface="+mn-ea"/>
+                  <a:cs typeface="+mn-cs"/>
+                </a:defRPr>
+              </a:lvl8pPr>
+              <a:lvl9pPr marL="3886200" indent="-228600" algn="l" defTabSz="457200" rtl="0" eaLnBrk="1" latinLnBrk="0" hangingPunct="1">
+                <a:spcBef>
+                  <a:spcPct val="20000"/>
+                </a:spcBef>
+                <a:buFont typeface="Arial"/>
+                <a:buChar char="•"/>
+                <a:defRPr sz="2000" kern="1200">
+                  <a:solidFill>
+                    <a:schemeClr val="tx1"/>
+                  </a:solidFill>
+                  <a:latin typeface="+mn-lt"/>
+                  <a:ea typeface="+mn-ea"/>
+                  <a:cs typeface="+mn-cs"/>
+                </a:defRPr>
+              </a:lvl9pPr>
+            </a:lstStyle>
+            <a:p>
+              <a:pPr marL="0" indent="0">
+                <a:buFont typeface="Arial"/>
+                <a:buNone/>
+              </a:pPr>
+              <a:r>
+                <a:rPr lang="en-US" sz="1600" dirty="0" smtClean="0"/>
+                <a:t>?</a:t>
+              </a:r>
+            </a:p>
+          </p:txBody>
+        </p:sp>
+        <p:sp>
+          <p:nvSpPr>
+            <p:cNvPr id="11" name="Content Placeholder 4"/>
+            <p:cNvSpPr txBox="1">
+              <a:spLocks/>
+            </p:cNvSpPr>
+            <p:nvPr/>
+          </p:nvSpPr>
+          <p:spPr>
+            <a:xfrm>
+              <a:off x="5428627" y="5586476"/>
+              <a:ext cx="176343" cy="291971"/>
+            </a:xfrm>
+            <a:prstGeom prst="rect">
+              <a:avLst/>
+            </a:prstGeom>
+          </p:spPr>
+          <p:txBody>
+            <a:bodyPr vert="horz" lIns="91440" tIns="45720" rIns="91440" bIns="45720" rtlCol="0">
+              <a:noAutofit/>
+            </a:bodyPr>
+            <a:lstStyle>
+              <a:lvl1pPr marL="342900" indent="-342900" algn="l" defTabSz="457200" rtl="0" eaLnBrk="1" latinLnBrk="0" hangingPunct="1">
+                <a:spcBef>
+                  <a:spcPct val="20000"/>
+                </a:spcBef>
+                <a:buFont typeface="Arial"/>
+                <a:buChar char="•"/>
+                <a:defRPr sz="3200" kern="1200">
+                  <a:solidFill>
+                    <a:schemeClr val="tx1"/>
+                  </a:solidFill>
+                  <a:latin typeface="+mn-lt"/>
+                  <a:ea typeface="+mn-ea"/>
+                  <a:cs typeface="+mn-cs"/>
+                </a:defRPr>
+              </a:lvl1pPr>
+              <a:lvl2pPr marL="742950" indent="-285750" algn="l" defTabSz="457200" rtl="0" eaLnBrk="1" latinLnBrk="0" hangingPunct="1">
+                <a:spcBef>
+                  <a:spcPct val="20000"/>
+                </a:spcBef>
+                <a:buFont typeface="Arial"/>
+                <a:buChar char="–"/>
+                <a:defRPr sz="2800" kern="1200">
+                  <a:solidFill>
+                    <a:schemeClr val="tx1"/>
+                  </a:solidFill>
+                  <a:latin typeface="+mn-lt"/>
+                  <a:ea typeface="+mn-ea"/>
+                  <a:cs typeface="+mn-cs"/>
+                </a:defRPr>
+              </a:lvl2pPr>
+              <a:lvl3pPr marL="1143000" indent="-228600" algn="l" defTabSz="457200" rtl="0" eaLnBrk="1" latinLnBrk="0" hangingPunct="1">
+                <a:spcBef>
+                  <a:spcPct val="20000"/>
+                </a:spcBef>
+                <a:buFont typeface="Arial"/>
+                <a:buChar char="•"/>
+                <a:defRPr sz="2400" kern="1200">
+                  <a:solidFill>
+                    <a:schemeClr val="tx1"/>
+                  </a:solidFill>
+                  <a:latin typeface="+mn-lt"/>
+                  <a:ea typeface="+mn-ea"/>
+                  <a:cs typeface="+mn-cs"/>
+                </a:defRPr>
+              </a:lvl3pPr>
+              <a:lvl4pPr marL="1600200" indent="-228600" algn="l" defTabSz="457200" rtl="0" eaLnBrk="1" latinLnBrk="0" hangingPunct="1">
+                <a:spcBef>
+                  <a:spcPct val="20000"/>
+                </a:spcBef>
+                <a:buFont typeface="Arial"/>
+                <a:buChar char="–"/>
+                <a:defRPr sz="2000" kern="1200">
+                  <a:solidFill>
+                    <a:schemeClr val="tx1"/>
+                  </a:solidFill>
+                  <a:latin typeface="+mn-lt"/>
+                  <a:ea typeface="+mn-ea"/>
+                  <a:cs typeface="+mn-cs"/>
+                </a:defRPr>
+              </a:lvl4pPr>
+              <a:lvl5pPr marL="2057400" indent="-228600" algn="l" defTabSz="457200" rtl="0" eaLnBrk="1" latinLnBrk="0" hangingPunct="1">
+                <a:spcBef>
+                  <a:spcPct val="20000"/>
+                </a:spcBef>
+                <a:buFont typeface="Arial"/>
+                <a:buChar char="»"/>
+                <a:defRPr sz="2000" kern="1200">
+                  <a:solidFill>
+                    <a:schemeClr val="tx1"/>
+                  </a:solidFill>
+                  <a:latin typeface="+mn-lt"/>
+                  <a:ea typeface="+mn-ea"/>
+                  <a:cs typeface="+mn-cs"/>
+                </a:defRPr>
+              </a:lvl5pPr>
+              <a:lvl6pPr marL="2514600" indent="-228600" algn="l" defTabSz="457200" rtl="0" eaLnBrk="1" latinLnBrk="0" hangingPunct="1">
+                <a:spcBef>
+                  <a:spcPct val="20000"/>
+                </a:spcBef>
+                <a:buFont typeface="Arial"/>
+                <a:buChar char="•"/>
+                <a:defRPr sz="2000" kern="1200">
+                  <a:solidFill>
+                    <a:schemeClr val="tx1"/>
+                  </a:solidFill>
+                  <a:latin typeface="+mn-lt"/>
+                  <a:ea typeface="+mn-ea"/>
+                  <a:cs typeface="+mn-cs"/>
+                </a:defRPr>
+              </a:lvl6pPr>
+              <a:lvl7pPr marL="2971800" indent="-228600" algn="l" defTabSz="457200" rtl="0" eaLnBrk="1" latinLnBrk="0" hangingPunct="1">
+                <a:spcBef>
+                  <a:spcPct val="20000"/>
+                </a:spcBef>
+                <a:buFont typeface="Arial"/>
+                <a:buChar char="•"/>
+                <a:defRPr sz="2000" kern="1200">
+                  <a:solidFill>
+                    <a:schemeClr val="tx1"/>
+                  </a:solidFill>
+                  <a:latin typeface="+mn-lt"/>
+                  <a:ea typeface="+mn-ea"/>
+                  <a:cs typeface="+mn-cs"/>
+                </a:defRPr>
+              </a:lvl7pPr>
+              <a:lvl8pPr marL="3429000" indent="-228600" algn="l" defTabSz="457200" rtl="0" eaLnBrk="1" latinLnBrk="0" hangingPunct="1">
+                <a:spcBef>
+                  <a:spcPct val="20000"/>
+                </a:spcBef>
+                <a:buFont typeface="Arial"/>
+                <a:buChar char="•"/>
+                <a:defRPr sz="2000" kern="1200">
+                  <a:solidFill>
+                    <a:schemeClr val="tx1"/>
+                  </a:solidFill>
+                  <a:latin typeface="+mn-lt"/>
+                  <a:ea typeface="+mn-ea"/>
+                  <a:cs typeface="+mn-cs"/>
+                </a:defRPr>
+              </a:lvl8pPr>
+              <a:lvl9pPr marL="3886200" indent="-228600" algn="l" defTabSz="457200" rtl="0" eaLnBrk="1" latinLnBrk="0" hangingPunct="1">
+                <a:spcBef>
+                  <a:spcPct val="20000"/>
+                </a:spcBef>
+                <a:buFont typeface="Arial"/>
+                <a:buChar char="•"/>
+                <a:defRPr sz="2000" kern="1200">
+                  <a:solidFill>
+                    <a:schemeClr val="tx1"/>
+                  </a:solidFill>
+                  <a:latin typeface="+mn-lt"/>
+                  <a:ea typeface="+mn-ea"/>
+                  <a:cs typeface="+mn-cs"/>
+                </a:defRPr>
+              </a:lvl9pPr>
+            </a:lstStyle>
+            <a:p>
+              <a:pPr marL="0" indent="0">
+                <a:buFont typeface="Arial"/>
+                <a:buNone/>
+              </a:pPr>
+              <a:r>
+                <a:rPr lang="en-US" sz="1600" dirty="0" smtClean="0"/>
+                <a:t>?</a:t>
+              </a:r>
+            </a:p>
+          </p:txBody>
+        </p:sp>
+        <p:sp>
+          <p:nvSpPr>
+            <p:cNvPr id="12" name="Content Placeholder 4"/>
+            <p:cNvSpPr txBox="1">
+              <a:spLocks/>
+            </p:cNvSpPr>
+            <p:nvPr/>
+          </p:nvSpPr>
+          <p:spPr>
+            <a:xfrm>
+              <a:off x="5427898" y="5354413"/>
+              <a:ext cx="176343" cy="291971"/>
+            </a:xfrm>
+            <a:prstGeom prst="rect">
+              <a:avLst/>
+            </a:prstGeom>
+          </p:spPr>
+          <p:txBody>
+            <a:bodyPr vert="horz" lIns="91440" tIns="45720" rIns="91440" bIns="45720" rtlCol="0">
+              <a:noAutofit/>
+            </a:bodyPr>
+            <a:lstStyle>
+              <a:lvl1pPr marL="342900" indent="-342900" algn="l" defTabSz="457200" rtl="0" eaLnBrk="1" latinLnBrk="0" hangingPunct="1">
+                <a:spcBef>
+                  <a:spcPct val="20000"/>
+                </a:spcBef>
+                <a:buFont typeface="Arial"/>
+                <a:buChar char="•"/>
+                <a:defRPr sz="3200" kern="1200">
+                  <a:solidFill>
+                    <a:schemeClr val="tx1"/>
+                  </a:solidFill>
+                  <a:latin typeface="+mn-lt"/>
+                  <a:ea typeface="+mn-ea"/>
+                  <a:cs typeface="+mn-cs"/>
+                </a:defRPr>
+              </a:lvl1pPr>
+              <a:lvl2pPr marL="742950" indent="-285750" algn="l" defTabSz="457200" rtl="0" eaLnBrk="1" latinLnBrk="0" hangingPunct="1">
+                <a:spcBef>
+                  <a:spcPct val="20000"/>
+                </a:spcBef>
+                <a:buFont typeface="Arial"/>
+                <a:buChar char="–"/>
+                <a:defRPr sz="2800" kern="1200">
+                  <a:solidFill>
+                    <a:schemeClr val="tx1"/>
+                  </a:solidFill>
+                  <a:latin typeface="+mn-lt"/>
+                  <a:ea typeface="+mn-ea"/>
+                  <a:cs typeface="+mn-cs"/>
+                </a:defRPr>
+              </a:lvl2pPr>
+              <a:lvl3pPr marL="1143000" indent="-228600" algn="l" defTabSz="457200" rtl="0" eaLnBrk="1" latinLnBrk="0" hangingPunct="1">
+                <a:spcBef>
+                  <a:spcPct val="20000"/>
+                </a:spcBef>
+                <a:buFont typeface="Arial"/>
+                <a:buChar char="•"/>
+                <a:defRPr sz="2400" kern="1200">
+                  <a:solidFill>
+                    <a:schemeClr val="tx1"/>
+                  </a:solidFill>
+                  <a:latin typeface="+mn-lt"/>
+                  <a:ea typeface="+mn-ea"/>
+                  <a:cs typeface="+mn-cs"/>
+                </a:defRPr>
+              </a:lvl3pPr>
+              <a:lvl4pPr marL="1600200" indent="-228600" algn="l" defTabSz="457200" rtl="0" eaLnBrk="1" latinLnBrk="0" hangingPunct="1">
+                <a:spcBef>
+                  <a:spcPct val="20000"/>
+                </a:spcBef>
+                <a:buFont typeface="Arial"/>
+                <a:buChar char="–"/>
+                <a:defRPr sz="2000" kern="1200">
+                  <a:solidFill>
+                    <a:schemeClr val="tx1"/>
+                  </a:solidFill>
+                  <a:latin typeface="+mn-lt"/>
+                  <a:ea typeface="+mn-ea"/>
+                  <a:cs typeface="+mn-cs"/>
+                </a:defRPr>
+              </a:lvl4pPr>
+              <a:lvl5pPr marL="2057400" indent="-228600" algn="l" defTabSz="457200" rtl="0" eaLnBrk="1" latinLnBrk="0" hangingPunct="1">
+                <a:spcBef>
+                  <a:spcPct val="20000"/>
+                </a:spcBef>
+                <a:buFont typeface="Arial"/>
+                <a:buChar char="»"/>
+                <a:defRPr sz="2000" kern="1200">
+                  <a:solidFill>
+                    <a:schemeClr val="tx1"/>
+                  </a:solidFill>
+                  <a:latin typeface="+mn-lt"/>
+                  <a:ea typeface="+mn-ea"/>
+                  <a:cs typeface="+mn-cs"/>
+                </a:defRPr>
+              </a:lvl5pPr>
+              <a:lvl6pPr marL="2514600" indent="-228600" algn="l" defTabSz="457200" rtl="0" eaLnBrk="1" latinLnBrk="0" hangingPunct="1">
+                <a:spcBef>
+                  <a:spcPct val="20000"/>
+                </a:spcBef>
+                <a:buFont typeface="Arial"/>
+                <a:buChar char="•"/>
+                <a:defRPr sz="2000" kern="1200">
+                  <a:solidFill>
+                    <a:schemeClr val="tx1"/>
+                  </a:solidFill>
+                  <a:latin typeface="+mn-lt"/>
+                  <a:ea typeface="+mn-ea"/>
+                  <a:cs typeface="+mn-cs"/>
+                </a:defRPr>
+              </a:lvl6pPr>
+              <a:lvl7pPr marL="2971800" indent="-228600" algn="l" defTabSz="457200" rtl="0" eaLnBrk="1" latinLnBrk="0" hangingPunct="1">
+                <a:spcBef>
+                  <a:spcPct val="20000"/>
+                </a:spcBef>
+                <a:buFont typeface="Arial"/>
+                <a:buChar char="•"/>
+                <a:defRPr sz="2000" kern="1200">
+                  <a:solidFill>
+                    <a:schemeClr val="tx1"/>
+                  </a:solidFill>
+                  <a:latin typeface="+mn-lt"/>
+                  <a:ea typeface="+mn-ea"/>
+                  <a:cs typeface="+mn-cs"/>
+                </a:defRPr>
+              </a:lvl7pPr>
+              <a:lvl8pPr marL="3429000" indent="-228600" algn="l" defTabSz="457200" rtl="0" eaLnBrk="1" latinLnBrk="0" hangingPunct="1">
+                <a:spcBef>
+                  <a:spcPct val="20000"/>
+                </a:spcBef>
+                <a:buFont typeface="Arial"/>
+                <a:buChar char="•"/>
+                <a:defRPr sz="2000" kern="1200">
+                  <a:solidFill>
+                    <a:schemeClr val="tx1"/>
+                  </a:solidFill>
+                  <a:latin typeface="+mn-lt"/>
+                  <a:ea typeface="+mn-ea"/>
+                  <a:cs typeface="+mn-cs"/>
+                </a:defRPr>
+              </a:lvl8pPr>
+              <a:lvl9pPr marL="3886200" indent="-228600" algn="l" defTabSz="457200" rtl="0" eaLnBrk="1" latinLnBrk="0" hangingPunct="1">
+                <a:spcBef>
+                  <a:spcPct val="20000"/>
+                </a:spcBef>
+                <a:buFont typeface="Arial"/>
+                <a:buChar char="•"/>
+                <a:defRPr sz="2000" kern="1200">
+                  <a:solidFill>
+                    <a:schemeClr val="tx1"/>
+                  </a:solidFill>
+                  <a:latin typeface="+mn-lt"/>
+                  <a:ea typeface="+mn-ea"/>
+                  <a:cs typeface="+mn-cs"/>
+                </a:defRPr>
+              </a:lvl9pPr>
+            </a:lstStyle>
+            <a:p>
+              <a:pPr marL="0" indent="0">
+                <a:buFont typeface="Arial"/>
+                <a:buNone/>
+              </a:pPr>
+              <a:r>
+                <a:rPr lang="en-US" sz="1600" dirty="0" smtClean="0"/>
+                <a:t>?</a:t>
+              </a:r>
+            </a:p>
+          </p:txBody>
+        </p:sp>
+      </p:grpSp>
+      <p:sp>
+        <p:nvSpPr>
+          <p:cNvPr id="15" name="Rectangle 14"/>
+          <p:cNvSpPr/>
+          <p:nvPr/>
+        </p:nvSpPr>
+        <p:spPr>
+          <a:xfrm>
+            <a:off x="851994" y="4516402"/>
+            <a:ext cx="510344" cy="246221"/>
+          </a:xfrm>
+          <a:prstGeom prst="rect">
+            <a:avLst/>
+          </a:prstGeom>
+        </p:spPr>
+        <p:txBody>
+          <a:bodyPr wrap="square">
+            <a:spAutoFit/>
+          </a:bodyPr>
+          <a:lstStyle/>
+          <a:p>
+            <a:r>
+              <a:rPr lang="en-US" sz="1000" dirty="0" smtClean="0">
+                <a:hlinkClick r:id="rId4"/>
+              </a:rPr>
+              <a:t>[</a:t>
+            </a:r>
+            <a:r>
+              <a:rPr lang="en-US" sz="1000" dirty="0" smtClean="0">
+                <a:hlinkClick r:id="rId5"/>
+              </a:rPr>
+              <a:t>Link</a:t>
+            </a:r>
+            <a:r>
+              <a:rPr lang="en-US" sz="1000" dirty="0" smtClean="0">
+                <a:hlinkClick r:id="rId4"/>
+              </a:rPr>
+              <a:t>]</a:t>
+            </a:r>
+            <a:endParaRPr lang="en-US" sz="900" dirty="0"/>
+          </a:p>
+        </p:txBody>
+      </p:sp>
+      <p:sp>
+        <p:nvSpPr>
+          <p:cNvPr id="16" name="Rectangle 15"/>
+          <p:cNvSpPr/>
+          <p:nvPr/>
+        </p:nvSpPr>
+        <p:spPr>
+          <a:xfrm>
+            <a:off x="851994" y="5869915"/>
+            <a:ext cx="510344" cy="246221"/>
+          </a:xfrm>
+          <a:prstGeom prst="rect">
+            <a:avLst/>
+          </a:prstGeom>
+        </p:spPr>
+        <p:txBody>
+          <a:bodyPr wrap="square">
+            <a:spAutoFit/>
+          </a:bodyPr>
+          <a:lstStyle/>
+          <a:p>
+            <a:r>
+              <a:rPr lang="en-US" sz="1000" dirty="0" smtClean="0">
+                <a:hlinkClick r:id="rId4"/>
+              </a:rPr>
+              <a:t>[</a:t>
+            </a:r>
+            <a:r>
+              <a:rPr lang="en-US" sz="1000" dirty="0" smtClean="0">
+                <a:hlinkClick r:id="rId5"/>
+              </a:rPr>
+              <a:t>Link</a:t>
+            </a:r>
+            <a:r>
+              <a:rPr lang="en-US" sz="1000" dirty="0" smtClean="0">
+                <a:hlinkClick r:id="rId4"/>
+              </a:rPr>
+              <a:t>]</a:t>
+            </a:r>
+            <a:endParaRPr lang="en-US" sz="900" dirty="0"/>
+          </a:p>
+        </p:txBody>
+      </p:sp>
+      <p:sp>
+        <p:nvSpPr>
+          <p:cNvPr id="6" name="Left Brace 5"/>
+          <p:cNvSpPr/>
+          <p:nvPr/>
+        </p:nvSpPr>
+        <p:spPr>
+          <a:xfrm rot="5400000">
+            <a:off x="3093676" y="-171289"/>
+            <a:ext cx="760241" cy="3965245"/>
+          </a:xfrm>
+          <a:prstGeom prst="leftBrace">
+            <a:avLst/>
+          </a:prstGeom>
+        </p:spPr>
+        <p:style>
+          <a:lnRef idx="2">
+            <a:schemeClr val="accent1"/>
+          </a:lnRef>
+          <a:fillRef idx="0">
+            <a:schemeClr val="accent1"/>
+          </a:fillRef>
+          <a:effectRef idx="1">
+            <a:schemeClr val="accent1"/>
+          </a:effectRef>
+          <a:fontRef idx="minor">
+            <a:schemeClr val="tx1"/>
+          </a:fontRef>
+        </p:style>
+        <p:txBody>
+          <a:bodyPr rtlCol="0" anchor="ctr"/>
+          <a:lstStyle/>
+          <a:p>
+            <a:pPr algn="ctr"/>
+            <a:endParaRPr lang="en-US"/>
+          </a:p>
+        </p:txBody>
+      </p:sp>
+      <p:sp>
+        <p:nvSpPr>
+          <p:cNvPr id="17" name="Oval 16"/>
+          <p:cNvSpPr/>
+          <p:nvPr/>
+        </p:nvSpPr>
+        <p:spPr>
+          <a:xfrm>
+            <a:off x="247339" y="271261"/>
+            <a:ext cx="2470878" cy="910492"/>
+          </a:xfrm>
+          <a:prstGeom prst="ellipse">
+            <a:avLst/>
+          </a:prstGeom>
+          <a:solidFill>
+            <a:schemeClr val="tx2">
+              <a:lumMod val="60000"/>
+              <a:lumOff val="40000"/>
+            </a:schemeClr>
+          </a:solidFill>
+        </p:spPr>
+        <p:style>
+          <a:lnRef idx="1">
+            <a:schemeClr val="accent1"/>
+          </a:lnRef>
+          <a:fillRef idx="3">
+            <a:schemeClr val="accent1"/>
+          </a:fillRef>
+          <a:effectRef idx="2">
+            <a:schemeClr val="accent1"/>
+          </a:effectRef>
+          <a:fontRef idx="minor">
+            <a:schemeClr val="lt1"/>
+          </a:fontRef>
+        </p:style>
+        <p:txBody>
+          <a:bodyPr rtlCol="0" anchor="ctr"/>
+          <a:lstStyle/>
+          <a:p>
+            <a:pPr algn="ctr"/>
+            <a:r>
+              <a:rPr lang="en-US" sz="3200" smtClean="0"/>
+              <a:t>Features</a:t>
+            </a:r>
+            <a:endParaRPr lang="en-US" sz="3200" dirty="0"/>
+          </a:p>
+        </p:txBody>
+      </p:sp>
+      <p:cxnSp>
+        <p:nvCxnSpPr>
+          <p:cNvPr id="18" name="Curved Connector 17"/>
+          <p:cNvCxnSpPr>
+            <a:stCxn id="17" idx="4"/>
+          </p:cNvCxnSpPr>
+          <p:nvPr/>
+        </p:nvCxnSpPr>
+        <p:spPr>
+          <a:xfrm rot="16200000" flipH="1">
+            <a:off x="2363985" y="300546"/>
+            <a:ext cx="228604" cy="1991018"/>
+          </a:xfrm>
+          <a:prstGeom prst="curvedConnector2">
+            <a:avLst/>
+          </a:prstGeom>
+          <a:ln>
+            <a:tailEnd type="triangle"/>
+          </a:ln>
+        </p:spPr>
+        <p:style>
+          <a:lnRef idx="2">
+            <a:schemeClr val="accent1"/>
+          </a:lnRef>
+          <a:fillRef idx="0">
+            <a:schemeClr val="accent1"/>
+          </a:fillRef>
+          <a:effectRef idx="1">
+            <a:schemeClr val="accent1"/>
+          </a:effectRef>
+          <a:fontRef idx="minor">
+            <a:schemeClr val="tx1"/>
+          </a:fontRef>
+        </p:style>
+      </p:cxnSp>
+      <p:cxnSp>
+        <p:nvCxnSpPr>
+          <p:cNvPr id="21" name="Straight Connector 20"/>
+          <p:cNvCxnSpPr/>
+          <p:nvPr/>
+        </p:nvCxnSpPr>
+        <p:spPr>
+          <a:xfrm>
+            <a:off x="719527" y="2212310"/>
+            <a:ext cx="6168243" cy="12018"/>
+          </a:xfrm>
+          <a:prstGeom prst="line">
+            <a:avLst/>
+          </a:prstGeom>
+        </p:spPr>
+        <p:style>
+          <a:lnRef idx="2">
+            <a:schemeClr val="accent1"/>
+          </a:lnRef>
+          <a:fillRef idx="0">
+            <a:schemeClr val="accent1"/>
+          </a:fillRef>
+          <a:effectRef idx="1">
+            <a:schemeClr val="accent1"/>
+          </a:effectRef>
+          <a:fontRef idx="minor">
+            <a:schemeClr val="tx1"/>
+          </a:fontRef>
+        </p:style>
+      </p:cxnSp>
+      <p:cxnSp>
+        <p:nvCxnSpPr>
+          <p:cNvPr id="29" name="Curved Connector 28"/>
+          <p:cNvCxnSpPr/>
+          <p:nvPr/>
+        </p:nvCxnSpPr>
+        <p:spPr>
+          <a:xfrm rot="10800000" flipV="1">
+            <a:off x="6692904" y="1633927"/>
+            <a:ext cx="577326" cy="464693"/>
+          </a:xfrm>
+          <a:prstGeom prst="curvedConnector3">
+            <a:avLst/>
+          </a:prstGeom>
+          <a:ln>
+            <a:tailEnd type="triangle"/>
+          </a:ln>
+        </p:spPr>
+        <p:style>
+          <a:lnRef idx="2">
+            <a:schemeClr val="accent1"/>
+          </a:lnRef>
+          <a:fillRef idx="0">
+            <a:schemeClr val="accent1"/>
+          </a:fillRef>
+          <a:effectRef idx="1">
+            <a:schemeClr val="accent1"/>
+          </a:effectRef>
+          <a:fontRef idx="minor">
+            <a:schemeClr val="tx1"/>
+          </a:fontRef>
+        </p:style>
+      </p:cxnSp>
+      <p:sp>
+        <p:nvSpPr>
+          <p:cNvPr id="30" name="Oval 29"/>
+          <p:cNvSpPr/>
+          <p:nvPr/>
+        </p:nvSpPr>
+        <p:spPr>
+          <a:xfrm>
+            <a:off x="7270230" y="1011836"/>
+            <a:ext cx="1723868" cy="1244182"/>
+          </a:xfrm>
+          <a:prstGeom prst="ellipse">
+            <a:avLst/>
+          </a:prstGeom>
+          <a:solidFill>
+            <a:schemeClr val="tx2">
+              <a:lumMod val="60000"/>
+              <a:lumOff val="40000"/>
+            </a:schemeClr>
+          </a:solidFill>
+        </p:spPr>
+        <p:style>
+          <a:lnRef idx="1">
+            <a:schemeClr val="accent1"/>
+          </a:lnRef>
+          <a:fillRef idx="3">
+            <a:schemeClr val="accent1"/>
+          </a:fillRef>
+          <a:effectRef idx="2">
+            <a:schemeClr val="accent1"/>
+          </a:effectRef>
+          <a:fontRef idx="minor">
+            <a:schemeClr val="lt1"/>
+          </a:fontRef>
+        </p:style>
+        <p:txBody>
+          <a:bodyPr rtlCol="0" anchor="ctr"/>
+          <a:lstStyle/>
+          <a:p>
+            <a:pPr algn="ctr"/>
+            <a:r>
+              <a:rPr lang="en-US" sz="3200" dirty="0" smtClean="0"/>
+              <a:t>Label (class)</a:t>
+            </a:r>
+            <a:endParaRPr lang="en-US" sz="3200" dirty="0"/>
+          </a:p>
+        </p:txBody>
+      </p:sp>
+      <p:sp>
+        <p:nvSpPr>
+          <p:cNvPr id="19" name="Left Brace 18"/>
+          <p:cNvSpPr/>
+          <p:nvPr/>
+        </p:nvSpPr>
+        <p:spPr>
+          <a:xfrm rot="10800000">
+            <a:off x="6395375" y="2255110"/>
+            <a:ext cx="760241" cy="2287721"/>
+          </a:xfrm>
+          <a:prstGeom prst="leftBrace">
+            <a:avLst/>
+          </a:prstGeom>
+        </p:spPr>
+        <p:style>
+          <a:lnRef idx="2">
+            <a:schemeClr val="accent1"/>
+          </a:lnRef>
+          <a:fillRef idx="0">
+            <a:schemeClr val="accent1"/>
+          </a:fillRef>
+          <a:effectRef idx="1">
+            <a:schemeClr val="accent1"/>
+          </a:effectRef>
+          <a:fontRef idx="minor">
+            <a:schemeClr val="tx1"/>
+          </a:fontRef>
+        </p:style>
+        <p:txBody>
+          <a:bodyPr rtlCol="0" anchor="ctr"/>
+          <a:lstStyle/>
+          <a:p>
+            <a:pPr algn="ctr"/>
+            <a:endParaRPr lang="en-US"/>
+          </a:p>
+        </p:txBody>
+      </p:sp>
+      <p:sp>
+        <p:nvSpPr>
+          <p:cNvPr id="20" name="Oval 19"/>
+          <p:cNvSpPr/>
+          <p:nvPr/>
+        </p:nvSpPr>
+        <p:spPr>
+          <a:xfrm>
+            <a:off x="7221012" y="2751080"/>
+            <a:ext cx="1873770" cy="1295779"/>
+          </a:xfrm>
+          <a:prstGeom prst="ellipse">
+            <a:avLst/>
+          </a:prstGeom>
+          <a:solidFill>
+            <a:schemeClr val="tx2">
+              <a:lumMod val="60000"/>
+              <a:lumOff val="40000"/>
+            </a:schemeClr>
+          </a:solidFill>
+        </p:spPr>
+        <p:style>
+          <a:lnRef idx="1">
+            <a:schemeClr val="accent1"/>
+          </a:lnRef>
+          <a:fillRef idx="3">
+            <a:schemeClr val="accent1"/>
+          </a:fillRef>
+          <a:effectRef idx="2">
+            <a:schemeClr val="accent1"/>
+          </a:effectRef>
+          <a:fontRef idx="minor">
+            <a:schemeClr val="lt1"/>
+          </a:fontRef>
+        </p:style>
+        <p:txBody>
+          <a:bodyPr rtlCol="0" anchor="ctr"/>
+          <a:lstStyle/>
+          <a:p>
+            <a:pPr algn="ctr"/>
+            <a:r>
+              <a:rPr lang="en-US" sz="2800" dirty="0" smtClean="0"/>
+              <a:t>Training data</a:t>
+            </a:r>
+            <a:endParaRPr lang="en-US" sz="2800" dirty="0"/>
           </a:p>
         </p:txBody>
       </p:sp>
     </p:spTree>
     <p:extLst>
       <p:ext uri="{BB962C8B-B14F-4D97-AF65-F5344CB8AC3E}">
-        <p14:creationId xmlns:p14="http://schemas.microsoft.com/office/powerpoint/2010/main" val="1317207938"/>
+        <p14:creationId xmlns:p14="http://schemas.microsoft.com/office/powerpoint/2010/main" val="139538594"/>
       </p:ext>
     </p:extLst>
   </p:cSld>
@@ -12494,72 +15141,54 @@
         </p:nvSpPr>
         <p:spPr/>
         <p:txBody>
-          <a:bodyPr>
-            <a:normAutofit/>
-          </a:bodyPr>
+          <a:bodyPr/>
           <a:lstStyle/>
           <a:p>
             <a:r>
               <a:rPr lang="en-US" dirty="0" smtClean="0"/>
-              <a:t>Twitter for Disaster </a:t>
-            </a:r>
+              <a:t>Terminology</a:t>
+            </a:r>
+            <a:endParaRPr lang="en-US" dirty="0"/>
+          </a:p>
+        </p:txBody>
+      </p:sp>
+      <p:sp>
+        <p:nvSpPr>
+          <p:cNvPr id="3" name="Content Placeholder 2"/>
+          <p:cNvSpPr>
+            <a:spLocks noGrp="1"/>
+          </p:cNvSpPr>
+          <p:nvPr>
+            <p:ph idx="1"/>
+          </p:nvPr>
+        </p:nvSpPr>
+        <p:spPr>
+          <a:xfrm>
+            <a:off x="457200" y="1291434"/>
+            <a:ext cx="8027233" cy="603121"/>
+          </a:xfrm>
+        </p:spPr>
+        <p:txBody>
+          <a:bodyPr/>
+          <a:lstStyle/>
+          <a:p>
             <a:r>
               <a:rPr lang="en-US" dirty="0" smtClean="0"/>
-              <a:t>Management</a:t>
-            </a:r>
-            <a:endParaRPr lang="en-US" dirty="0"/>
+              <a:t>Instances (examples, observations)</a:t>
+            </a:r>
           </a:p>
         </p:txBody>
       </p:sp>
       <p:pic>
         <p:nvPicPr>
-          <p:cNvPr id="4" name="Picture 3"/>
+          <p:cNvPr id="4098" name="Picture 2"/>
           <p:cNvPicPr>
-            <a:picLocks noChangeAspect="1"/>
-          </p:cNvPicPr>
-          <p:nvPr/>
-        </p:nvPicPr>
-        <p:blipFill rotWithShape="1">
-          <a:blip r:embed="rId2">
-            <a:extLst>
-              <a:ext uri="{28A0092B-C50C-407E-A947-70E740481C1C}">
-                <a14:useLocalDpi xmlns:a14="http://schemas.microsoft.com/office/drawing/2010/main" val="0"/>
-              </a:ext>
-            </a:extLst>
-          </a:blip>
-          <a:srcRect l="1642" r="-1"/>
-          <a:stretch/>
-        </p:blipFill>
-        <p:spPr>
-          <a:xfrm>
-            <a:off x="281354" y="1497323"/>
-            <a:ext cx="3682946" cy="4162254"/>
-          </a:xfrm>
-          <a:prstGeom prst="rect">
-            <a:avLst/>
-          </a:prstGeom>
-          <a:ln>
-            <a:noFill/>
-          </a:ln>
-          <a:effectLst>
-            <a:outerShdw blurRad="190500" algn="tl" rotWithShape="0">
-              <a:srgbClr val="000000">
-                <a:alpha val="70000"/>
-              </a:srgbClr>
-            </a:outerShdw>
-          </a:effectLst>
-        </p:spPr>
-      </p:pic>
-      <p:pic>
-        <p:nvPicPr>
-          <p:cNvPr id="5" name="Picture 4"/>
-          <p:cNvPicPr>
-            <a:picLocks noChangeAspect="1"/>
+            <a:picLocks noChangeAspect="1" noChangeArrowheads="1"/>
           </p:cNvPicPr>
           <p:nvPr/>
         </p:nvPicPr>
         <p:blipFill>
-          <a:blip r:embed="rId3">
+          <a:blip r:embed="rId2">
             <a:extLst>
               <a:ext uri="{28A0092B-C50C-407E-A947-70E740481C1C}">
                 <a14:useLocalDpi xmlns:a14="http://schemas.microsoft.com/office/drawing/2010/main" val="0"/>
@@ -12570,30 +15199,1255 @@
             <a:fillRect/>
           </a:stretch>
         </p:blipFill>
-        <p:spPr>
+        <p:spPr bwMode="auto">
           <a:xfrm>
-            <a:off x="4126028" y="1494955"/>
-            <a:ext cx="4796882" cy="4166988"/>
+            <a:off x="918679" y="1915410"/>
+            <a:ext cx="5744542" cy="2619367"/>
           </a:xfrm>
           <a:prstGeom prst="rect">
             <a:avLst/>
           </a:prstGeom>
+          <a:noFill/>
+          <a:extLst>
+            <a:ext uri="{909E8E84-426E-40DD-AFC4-6F175D3DCCD1}">
+              <a14:hiddenFill xmlns:a14="http://schemas.microsoft.com/office/drawing/2010/main">
+                <a:solidFill>
+                  <a:srgbClr val="FFFFFF"/>
+                </a:solidFill>
+              </a14:hiddenFill>
+            </a:ext>
+          </a:extLst>
+        </p:spPr>
+      </p:pic>
+      <p:sp>
+        <p:nvSpPr>
+          <p:cNvPr id="8" name="Content Placeholder 4"/>
+          <p:cNvSpPr txBox="1">
+            <a:spLocks/>
+          </p:cNvSpPr>
+          <p:nvPr/>
+        </p:nvSpPr>
+        <p:spPr>
+          <a:xfrm>
+            <a:off x="888999" y="4599101"/>
+            <a:ext cx="7797801" cy="739204"/>
+          </a:xfrm>
+          <a:prstGeom prst="rect">
+            <a:avLst/>
+          </a:prstGeom>
+        </p:spPr>
+        <p:txBody>
+          <a:bodyPr vert="horz" lIns="91440" tIns="45720" rIns="91440" bIns="45720" rtlCol="0">
+            <a:noAutofit/>
+          </a:bodyPr>
+          <a:lstStyle>
+            <a:lvl1pPr marL="342900" indent="-342900" algn="l" defTabSz="457200" rtl="0" eaLnBrk="1" latinLnBrk="0" hangingPunct="1">
+              <a:spcBef>
+                <a:spcPct val="20000"/>
+              </a:spcBef>
+              <a:buFont typeface="Arial"/>
+              <a:buChar char="•"/>
+              <a:defRPr sz="3200" kern="1200">
+                <a:solidFill>
+                  <a:schemeClr val="tx1"/>
+                </a:solidFill>
+                <a:latin typeface="+mn-lt"/>
+                <a:ea typeface="+mn-ea"/>
+                <a:cs typeface="+mn-cs"/>
+              </a:defRPr>
+            </a:lvl1pPr>
+            <a:lvl2pPr marL="742950" indent="-285750" algn="l" defTabSz="457200" rtl="0" eaLnBrk="1" latinLnBrk="0" hangingPunct="1">
+              <a:spcBef>
+                <a:spcPct val="20000"/>
+              </a:spcBef>
+              <a:buFont typeface="Arial"/>
+              <a:buChar char="–"/>
+              <a:defRPr sz="2800" kern="1200">
+                <a:solidFill>
+                  <a:schemeClr val="tx1"/>
+                </a:solidFill>
+                <a:latin typeface="+mn-lt"/>
+                <a:ea typeface="+mn-ea"/>
+                <a:cs typeface="+mn-cs"/>
+              </a:defRPr>
+            </a:lvl2pPr>
+            <a:lvl3pPr marL="1143000" indent="-228600" algn="l" defTabSz="457200" rtl="0" eaLnBrk="1" latinLnBrk="0" hangingPunct="1">
+              <a:spcBef>
+                <a:spcPct val="20000"/>
+              </a:spcBef>
+              <a:buFont typeface="Arial"/>
+              <a:buChar char="•"/>
+              <a:defRPr sz="2400" kern="1200">
+                <a:solidFill>
+                  <a:schemeClr val="tx1"/>
+                </a:solidFill>
+                <a:latin typeface="+mn-lt"/>
+                <a:ea typeface="+mn-ea"/>
+                <a:cs typeface="+mn-cs"/>
+              </a:defRPr>
+            </a:lvl3pPr>
+            <a:lvl4pPr marL="1600200" indent="-228600" algn="l" defTabSz="457200" rtl="0" eaLnBrk="1" latinLnBrk="0" hangingPunct="1">
+              <a:spcBef>
+                <a:spcPct val="20000"/>
+              </a:spcBef>
+              <a:buFont typeface="Arial"/>
+              <a:buChar char="–"/>
+              <a:defRPr sz="2000" kern="1200">
+                <a:solidFill>
+                  <a:schemeClr val="tx1"/>
+                </a:solidFill>
+                <a:latin typeface="+mn-lt"/>
+                <a:ea typeface="+mn-ea"/>
+                <a:cs typeface="+mn-cs"/>
+              </a:defRPr>
+            </a:lvl4pPr>
+            <a:lvl5pPr marL="2057400" indent="-228600" algn="l" defTabSz="457200" rtl="0" eaLnBrk="1" latinLnBrk="0" hangingPunct="1">
+              <a:spcBef>
+                <a:spcPct val="20000"/>
+              </a:spcBef>
+              <a:buFont typeface="Arial"/>
+              <a:buChar char="»"/>
+              <a:defRPr sz="2000" kern="1200">
+                <a:solidFill>
+                  <a:schemeClr val="tx1"/>
+                </a:solidFill>
+                <a:latin typeface="+mn-lt"/>
+                <a:ea typeface="+mn-ea"/>
+                <a:cs typeface="+mn-cs"/>
+              </a:defRPr>
+            </a:lvl5pPr>
+            <a:lvl6pPr marL="2514600" indent="-228600" algn="l" defTabSz="457200" rtl="0" eaLnBrk="1" latinLnBrk="0" hangingPunct="1">
+              <a:spcBef>
+                <a:spcPct val="20000"/>
+              </a:spcBef>
+              <a:buFont typeface="Arial"/>
+              <a:buChar char="•"/>
+              <a:defRPr sz="2000" kern="1200">
+                <a:solidFill>
+                  <a:schemeClr val="tx1"/>
+                </a:solidFill>
+                <a:latin typeface="+mn-lt"/>
+                <a:ea typeface="+mn-ea"/>
+                <a:cs typeface="+mn-cs"/>
+              </a:defRPr>
+            </a:lvl6pPr>
+            <a:lvl7pPr marL="2971800" indent="-228600" algn="l" defTabSz="457200" rtl="0" eaLnBrk="1" latinLnBrk="0" hangingPunct="1">
+              <a:spcBef>
+                <a:spcPct val="20000"/>
+              </a:spcBef>
+              <a:buFont typeface="Arial"/>
+              <a:buChar char="•"/>
+              <a:defRPr sz="2000" kern="1200">
+                <a:solidFill>
+                  <a:schemeClr val="tx1"/>
+                </a:solidFill>
+                <a:latin typeface="+mn-lt"/>
+                <a:ea typeface="+mn-ea"/>
+                <a:cs typeface="+mn-cs"/>
+              </a:defRPr>
+            </a:lvl7pPr>
+            <a:lvl8pPr marL="3429000" indent="-228600" algn="l" defTabSz="457200" rtl="0" eaLnBrk="1" latinLnBrk="0" hangingPunct="1">
+              <a:spcBef>
+                <a:spcPct val="20000"/>
+              </a:spcBef>
+              <a:buFont typeface="Arial"/>
+              <a:buChar char="•"/>
+              <a:defRPr sz="2000" kern="1200">
+                <a:solidFill>
+                  <a:schemeClr val="tx1"/>
+                </a:solidFill>
+                <a:latin typeface="+mn-lt"/>
+                <a:ea typeface="+mn-ea"/>
+                <a:cs typeface="+mn-cs"/>
+              </a:defRPr>
+            </a:lvl8pPr>
+            <a:lvl9pPr marL="3886200" indent="-228600" algn="l" defTabSz="457200" rtl="0" eaLnBrk="1" latinLnBrk="0" hangingPunct="1">
+              <a:spcBef>
+                <a:spcPct val="20000"/>
+              </a:spcBef>
+              <a:buFont typeface="Arial"/>
+              <a:buChar char="•"/>
+              <a:defRPr sz="2000" kern="1200">
+                <a:solidFill>
+                  <a:schemeClr val="tx1"/>
+                </a:solidFill>
+                <a:latin typeface="+mn-lt"/>
+                <a:ea typeface="+mn-ea"/>
+                <a:cs typeface="+mn-cs"/>
+              </a:defRPr>
+            </a:lvl9pPr>
+          </a:lstStyle>
+          <a:p>
+            <a:pPr marL="0" indent="0">
+              <a:buFont typeface="Arial"/>
+              <a:buNone/>
+            </a:pPr>
+            <a:r>
+              <a:rPr lang="en-US" dirty="0" smtClean="0"/>
+              <a:t>Could you predict the values of “Plat Tennis”?</a:t>
+            </a:r>
+          </a:p>
+        </p:txBody>
+      </p:sp>
+      <p:grpSp>
+        <p:nvGrpSpPr>
+          <p:cNvPr id="7" name="Group 6"/>
+          <p:cNvGrpSpPr/>
+          <p:nvPr/>
+        </p:nvGrpSpPr>
+        <p:grpSpPr>
+          <a:xfrm>
+            <a:off x="889000" y="5086351"/>
+            <a:ext cx="4715970" cy="792096"/>
+            <a:chOff x="889000" y="5086351"/>
+            <a:chExt cx="4715970" cy="792096"/>
+          </a:xfrm>
+        </p:grpSpPr>
+        <p:pic>
+          <p:nvPicPr>
+            <p:cNvPr id="4100" name="Picture 4"/>
+            <p:cNvPicPr>
+              <a:picLocks noChangeAspect="1" noChangeArrowheads="1"/>
+            </p:cNvPicPr>
+            <p:nvPr/>
+          </p:nvPicPr>
+          <p:blipFill>
+            <a:blip r:embed="rId3">
+              <a:extLst>
+                <a:ext uri="{28A0092B-C50C-407E-A947-70E740481C1C}">
+                  <a14:useLocalDpi xmlns:a14="http://schemas.microsoft.com/office/drawing/2010/main" val="0"/>
+                </a:ext>
+              </a:extLst>
+            </a:blip>
+            <a:stretch>
+              <a:fillRect/>
+            </a:stretch>
+          </p:blipFill>
+          <p:spPr bwMode="auto">
+            <a:xfrm>
+              <a:off x="889000" y="5207595"/>
+              <a:ext cx="4567420" cy="664186"/>
+            </a:xfrm>
+            <a:prstGeom prst="rect">
+              <a:avLst/>
+            </a:prstGeom>
+            <a:noFill/>
+            <a:extLst>
+              <a:ext uri="{909E8E84-426E-40DD-AFC4-6F175D3DCCD1}">
+                <a14:hiddenFill xmlns:a14="http://schemas.microsoft.com/office/drawing/2010/main">
+                  <a:solidFill>
+                    <a:srgbClr val="FFFFFF"/>
+                  </a:solidFill>
+                </a14:hiddenFill>
+              </a:ext>
+            </a:extLst>
+          </p:spPr>
+        </p:pic>
+        <p:sp>
+          <p:nvSpPr>
+            <p:cNvPr id="10" name="Content Placeholder 4"/>
+            <p:cNvSpPr txBox="1">
+              <a:spLocks/>
+            </p:cNvSpPr>
+            <p:nvPr/>
+          </p:nvSpPr>
+          <p:spPr>
+            <a:xfrm>
+              <a:off x="5413948" y="5086351"/>
+              <a:ext cx="176343" cy="291971"/>
+            </a:xfrm>
+            <a:prstGeom prst="rect">
+              <a:avLst/>
+            </a:prstGeom>
+          </p:spPr>
+          <p:txBody>
+            <a:bodyPr vert="horz" lIns="91440" tIns="45720" rIns="91440" bIns="45720" rtlCol="0">
+              <a:noAutofit/>
+            </a:bodyPr>
+            <a:lstStyle>
+              <a:lvl1pPr marL="342900" indent="-342900" algn="l" defTabSz="457200" rtl="0" eaLnBrk="1" latinLnBrk="0" hangingPunct="1">
+                <a:spcBef>
+                  <a:spcPct val="20000"/>
+                </a:spcBef>
+                <a:buFont typeface="Arial"/>
+                <a:buChar char="•"/>
+                <a:defRPr sz="3200" kern="1200">
+                  <a:solidFill>
+                    <a:schemeClr val="tx1"/>
+                  </a:solidFill>
+                  <a:latin typeface="+mn-lt"/>
+                  <a:ea typeface="+mn-ea"/>
+                  <a:cs typeface="+mn-cs"/>
+                </a:defRPr>
+              </a:lvl1pPr>
+              <a:lvl2pPr marL="742950" indent="-285750" algn="l" defTabSz="457200" rtl="0" eaLnBrk="1" latinLnBrk="0" hangingPunct="1">
+                <a:spcBef>
+                  <a:spcPct val="20000"/>
+                </a:spcBef>
+                <a:buFont typeface="Arial"/>
+                <a:buChar char="–"/>
+                <a:defRPr sz="2800" kern="1200">
+                  <a:solidFill>
+                    <a:schemeClr val="tx1"/>
+                  </a:solidFill>
+                  <a:latin typeface="+mn-lt"/>
+                  <a:ea typeface="+mn-ea"/>
+                  <a:cs typeface="+mn-cs"/>
+                </a:defRPr>
+              </a:lvl2pPr>
+              <a:lvl3pPr marL="1143000" indent="-228600" algn="l" defTabSz="457200" rtl="0" eaLnBrk="1" latinLnBrk="0" hangingPunct="1">
+                <a:spcBef>
+                  <a:spcPct val="20000"/>
+                </a:spcBef>
+                <a:buFont typeface="Arial"/>
+                <a:buChar char="•"/>
+                <a:defRPr sz="2400" kern="1200">
+                  <a:solidFill>
+                    <a:schemeClr val="tx1"/>
+                  </a:solidFill>
+                  <a:latin typeface="+mn-lt"/>
+                  <a:ea typeface="+mn-ea"/>
+                  <a:cs typeface="+mn-cs"/>
+                </a:defRPr>
+              </a:lvl3pPr>
+              <a:lvl4pPr marL="1600200" indent="-228600" algn="l" defTabSz="457200" rtl="0" eaLnBrk="1" latinLnBrk="0" hangingPunct="1">
+                <a:spcBef>
+                  <a:spcPct val="20000"/>
+                </a:spcBef>
+                <a:buFont typeface="Arial"/>
+                <a:buChar char="–"/>
+                <a:defRPr sz="2000" kern="1200">
+                  <a:solidFill>
+                    <a:schemeClr val="tx1"/>
+                  </a:solidFill>
+                  <a:latin typeface="+mn-lt"/>
+                  <a:ea typeface="+mn-ea"/>
+                  <a:cs typeface="+mn-cs"/>
+                </a:defRPr>
+              </a:lvl4pPr>
+              <a:lvl5pPr marL="2057400" indent="-228600" algn="l" defTabSz="457200" rtl="0" eaLnBrk="1" latinLnBrk="0" hangingPunct="1">
+                <a:spcBef>
+                  <a:spcPct val="20000"/>
+                </a:spcBef>
+                <a:buFont typeface="Arial"/>
+                <a:buChar char="»"/>
+                <a:defRPr sz="2000" kern="1200">
+                  <a:solidFill>
+                    <a:schemeClr val="tx1"/>
+                  </a:solidFill>
+                  <a:latin typeface="+mn-lt"/>
+                  <a:ea typeface="+mn-ea"/>
+                  <a:cs typeface="+mn-cs"/>
+                </a:defRPr>
+              </a:lvl5pPr>
+              <a:lvl6pPr marL="2514600" indent="-228600" algn="l" defTabSz="457200" rtl="0" eaLnBrk="1" latinLnBrk="0" hangingPunct="1">
+                <a:spcBef>
+                  <a:spcPct val="20000"/>
+                </a:spcBef>
+                <a:buFont typeface="Arial"/>
+                <a:buChar char="•"/>
+                <a:defRPr sz="2000" kern="1200">
+                  <a:solidFill>
+                    <a:schemeClr val="tx1"/>
+                  </a:solidFill>
+                  <a:latin typeface="+mn-lt"/>
+                  <a:ea typeface="+mn-ea"/>
+                  <a:cs typeface="+mn-cs"/>
+                </a:defRPr>
+              </a:lvl6pPr>
+              <a:lvl7pPr marL="2971800" indent="-228600" algn="l" defTabSz="457200" rtl="0" eaLnBrk="1" latinLnBrk="0" hangingPunct="1">
+                <a:spcBef>
+                  <a:spcPct val="20000"/>
+                </a:spcBef>
+                <a:buFont typeface="Arial"/>
+                <a:buChar char="•"/>
+                <a:defRPr sz="2000" kern="1200">
+                  <a:solidFill>
+                    <a:schemeClr val="tx1"/>
+                  </a:solidFill>
+                  <a:latin typeface="+mn-lt"/>
+                  <a:ea typeface="+mn-ea"/>
+                  <a:cs typeface="+mn-cs"/>
+                </a:defRPr>
+              </a:lvl7pPr>
+              <a:lvl8pPr marL="3429000" indent="-228600" algn="l" defTabSz="457200" rtl="0" eaLnBrk="1" latinLnBrk="0" hangingPunct="1">
+                <a:spcBef>
+                  <a:spcPct val="20000"/>
+                </a:spcBef>
+                <a:buFont typeface="Arial"/>
+                <a:buChar char="•"/>
+                <a:defRPr sz="2000" kern="1200">
+                  <a:solidFill>
+                    <a:schemeClr val="tx1"/>
+                  </a:solidFill>
+                  <a:latin typeface="+mn-lt"/>
+                  <a:ea typeface="+mn-ea"/>
+                  <a:cs typeface="+mn-cs"/>
+                </a:defRPr>
+              </a:lvl8pPr>
+              <a:lvl9pPr marL="3886200" indent="-228600" algn="l" defTabSz="457200" rtl="0" eaLnBrk="1" latinLnBrk="0" hangingPunct="1">
+                <a:spcBef>
+                  <a:spcPct val="20000"/>
+                </a:spcBef>
+                <a:buFont typeface="Arial"/>
+                <a:buChar char="•"/>
+                <a:defRPr sz="2000" kern="1200">
+                  <a:solidFill>
+                    <a:schemeClr val="tx1"/>
+                  </a:solidFill>
+                  <a:latin typeface="+mn-lt"/>
+                  <a:ea typeface="+mn-ea"/>
+                  <a:cs typeface="+mn-cs"/>
+                </a:defRPr>
+              </a:lvl9pPr>
+            </a:lstStyle>
+            <a:p>
+              <a:pPr marL="0" indent="0">
+                <a:buFont typeface="Arial"/>
+                <a:buNone/>
+              </a:pPr>
+              <a:r>
+                <a:rPr lang="en-US" sz="1600" dirty="0" smtClean="0"/>
+                <a:t>?</a:t>
+              </a:r>
+            </a:p>
+          </p:txBody>
+        </p:sp>
+        <p:sp>
+          <p:nvSpPr>
+            <p:cNvPr id="11" name="Content Placeholder 4"/>
+            <p:cNvSpPr txBox="1">
+              <a:spLocks/>
+            </p:cNvSpPr>
+            <p:nvPr/>
+          </p:nvSpPr>
+          <p:spPr>
+            <a:xfrm>
+              <a:off x="5428627" y="5586476"/>
+              <a:ext cx="176343" cy="291971"/>
+            </a:xfrm>
+            <a:prstGeom prst="rect">
+              <a:avLst/>
+            </a:prstGeom>
+          </p:spPr>
+          <p:txBody>
+            <a:bodyPr vert="horz" lIns="91440" tIns="45720" rIns="91440" bIns="45720" rtlCol="0">
+              <a:noAutofit/>
+            </a:bodyPr>
+            <a:lstStyle>
+              <a:lvl1pPr marL="342900" indent="-342900" algn="l" defTabSz="457200" rtl="0" eaLnBrk="1" latinLnBrk="0" hangingPunct="1">
+                <a:spcBef>
+                  <a:spcPct val="20000"/>
+                </a:spcBef>
+                <a:buFont typeface="Arial"/>
+                <a:buChar char="•"/>
+                <a:defRPr sz="3200" kern="1200">
+                  <a:solidFill>
+                    <a:schemeClr val="tx1"/>
+                  </a:solidFill>
+                  <a:latin typeface="+mn-lt"/>
+                  <a:ea typeface="+mn-ea"/>
+                  <a:cs typeface="+mn-cs"/>
+                </a:defRPr>
+              </a:lvl1pPr>
+              <a:lvl2pPr marL="742950" indent="-285750" algn="l" defTabSz="457200" rtl="0" eaLnBrk="1" latinLnBrk="0" hangingPunct="1">
+                <a:spcBef>
+                  <a:spcPct val="20000"/>
+                </a:spcBef>
+                <a:buFont typeface="Arial"/>
+                <a:buChar char="–"/>
+                <a:defRPr sz="2800" kern="1200">
+                  <a:solidFill>
+                    <a:schemeClr val="tx1"/>
+                  </a:solidFill>
+                  <a:latin typeface="+mn-lt"/>
+                  <a:ea typeface="+mn-ea"/>
+                  <a:cs typeface="+mn-cs"/>
+                </a:defRPr>
+              </a:lvl2pPr>
+              <a:lvl3pPr marL="1143000" indent="-228600" algn="l" defTabSz="457200" rtl="0" eaLnBrk="1" latinLnBrk="0" hangingPunct="1">
+                <a:spcBef>
+                  <a:spcPct val="20000"/>
+                </a:spcBef>
+                <a:buFont typeface="Arial"/>
+                <a:buChar char="•"/>
+                <a:defRPr sz="2400" kern="1200">
+                  <a:solidFill>
+                    <a:schemeClr val="tx1"/>
+                  </a:solidFill>
+                  <a:latin typeface="+mn-lt"/>
+                  <a:ea typeface="+mn-ea"/>
+                  <a:cs typeface="+mn-cs"/>
+                </a:defRPr>
+              </a:lvl3pPr>
+              <a:lvl4pPr marL="1600200" indent="-228600" algn="l" defTabSz="457200" rtl="0" eaLnBrk="1" latinLnBrk="0" hangingPunct="1">
+                <a:spcBef>
+                  <a:spcPct val="20000"/>
+                </a:spcBef>
+                <a:buFont typeface="Arial"/>
+                <a:buChar char="–"/>
+                <a:defRPr sz="2000" kern="1200">
+                  <a:solidFill>
+                    <a:schemeClr val="tx1"/>
+                  </a:solidFill>
+                  <a:latin typeface="+mn-lt"/>
+                  <a:ea typeface="+mn-ea"/>
+                  <a:cs typeface="+mn-cs"/>
+                </a:defRPr>
+              </a:lvl4pPr>
+              <a:lvl5pPr marL="2057400" indent="-228600" algn="l" defTabSz="457200" rtl="0" eaLnBrk="1" latinLnBrk="0" hangingPunct="1">
+                <a:spcBef>
+                  <a:spcPct val="20000"/>
+                </a:spcBef>
+                <a:buFont typeface="Arial"/>
+                <a:buChar char="»"/>
+                <a:defRPr sz="2000" kern="1200">
+                  <a:solidFill>
+                    <a:schemeClr val="tx1"/>
+                  </a:solidFill>
+                  <a:latin typeface="+mn-lt"/>
+                  <a:ea typeface="+mn-ea"/>
+                  <a:cs typeface="+mn-cs"/>
+                </a:defRPr>
+              </a:lvl5pPr>
+              <a:lvl6pPr marL="2514600" indent="-228600" algn="l" defTabSz="457200" rtl="0" eaLnBrk="1" latinLnBrk="0" hangingPunct="1">
+                <a:spcBef>
+                  <a:spcPct val="20000"/>
+                </a:spcBef>
+                <a:buFont typeface="Arial"/>
+                <a:buChar char="•"/>
+                <a:defRPr sz="2000" kern="1200">
+                  <a:solidFill>
+                    <a:schemeClr val="tx1"/>
+                  </a:solidFill>
+                  <a:latin typeface="+mn-lt"/>
+                  <a:ea typeface="+mn-ea"/>
+                  <a:cs typeface="+mn-cs"/>
+                </a:defRPr>
+              </a:lvl6pPr>
+              <a:lvl7pPr marL="2971800" indent="-228600" algn="l" defTabSz="457200" rtl="0" eaLnBrk="1" latinLnBrk="0" hangingPunct="1">
+                <a:spcBef>
+                  <a:spcPct val="20000"/>
+                </a:spcBef>
+                <a:buFont typeface="Arial"/>
+                <a:buChar char="•"/>
+                <a:defRPr sz="2000" kern="1200">
+                  <a:solidFill>
+                    <a:schemeClr val="tx1"/>
+                  </a:solidFill>
+                  <a:latin typeface="+mn-lt"/>
+                  <a:ea typeface="+mn-ea"/>
+                  <a:cs typeface="+mn-cs"/>
+                </a:defRPr>
+              </a:lvl7pPr>
+              <a:lvl8pPr marL="3429000" indent="-228600" algn="l" defTabSz="457200" rtl="0" eaLnBrk="1" latinLnBrk="0" hangingPunct="1">
+                <a:spcBef>
+                  <a:spcPct val="20000"/>
+                </a:spcBef>
+                <a:buFont typeface="Arial"/>
+                <a:buChar char="•"/>
+                <a:defRPr sz="2000" kern="1200">
+                  <a:solidFill>
+                    <a:schemeClr val="tx1"/>
+                  </a:solidFill>
+                  <a:latin typeface="+mn-lt"/>
+                  <a:ea typeface="+mn-ea"/>
+                  <a:cs typeface="+mn-cs"/>
+                </a:defRPr>
+              </a:lvl8pPr>
+              <a:lvl9pPr marL="3886200" indent="-228600" algn="l" defTabSz="457200" rtl="0" eaLnBrk="1" latinLnBrk="0" hangingPunct="1">
+                <a:spcBef>
+                  <a:spcPct val="20000"/>
+                </a:spcBef>
+                <a:buFont typeface="Arial"/>
+                <a:buChar char="•"/>
+                <a:defRPr sz="2000" kern="1200">
+                  <a:solidFill>
+                    <a:schemeClr val="tx1"/>
+                  </a:solidFill>
+                  <a:latin typeface="+mn-lt"/>
+                  <a:ea typeface="+mn-ea"/>
+                  <a:cs typeface="+mn-cs"/>
+                </a:defRPr>
+              </a:lvl9pPr>
+            </a:lstStyle>
+            <a:p>
+              <a:pPr marL="0" indent="0">
+                <a:buFont typeface="Arial"/>
+                <a:buNone/>
+              </a:pPr>
+              <a:r>
+                <a:rPr lang="en-US" sz="1600" dirty="0" smtClean="0"/>
+                <a:t>?</a:t>
+              </a:r>
+            </a:p>
+          </p:txBody>
+        </p:sp>
+        <p:sp>
+          <p:nvSpPr>
+            <p:cNvPr id="12" name="Content Placeholder 4"/>
+            <p:cNvSpPr txBox="1">
+              <a:spLocks/>
+            </p:cNvSpPr>
+            <p:nvPr/>
+          </p:nvSpPr>
+          <p:spPr>
+            <a:xfrm>
+              <a:off x="5427898" y="5354413"/>
+              <a:ext cx="176343" cy="291971"/>
+            </a:xfrm>
+            <a:prstGeom prst="rect">
+              <a:avLst/>
+            </a:prstGeom>
+          </p:spPr>
+          <p:txBody>
+            <a:bodyPr vert="horz" lIns="91440" tIns="45720" rIns="91440" bIns="45720" rtlCol="0">
+              <a:noAutofit/>
+            </a:bodyPr>
+            <a:lstStyle>
+              <a:lvl1pPr marL="342900" indent="-342900" algn="l" defTabSz="457200" rtl="0" eaLnBrk="1" latinLnBrk="0" hangingPunct="1">
+                <a:spcBef>
+                  <a:spcPct val="20000"/>
+                </a:spcBef>
+                <a:buFont typeface="Arial"/>
+                <a:buChar char="•"/>
+                <a:defRPr sz="3200" kern="1200">
+                  <a:solidFill>
+                    <a:schemeClr val="tx1"/>
+                  </a:solidFill>
+                  <a:latin typeface="+mn-lt"/>
+                  <a:ea typeface="+mn-ea"/>
+                  <a:cs typeface="+mn-cs"/>
+                </a:defRPr>
+              </a:lvl1pPr>
+              <a:lvl2pPr marL="742950" indent="-285750" algn="l" defTabSz="457200" rtl="0" eaLnBrk="1" latinLnBrk="0" hangingPunct="1">
+                <a:spcBef>
+                  <a:spcPct val="20000"/>
+                </a:spcBef>
+                <a:buFont typeface="Arial"/>
+                <a:buChar char="–"/>
+                <a:defRPr sz="2800" kern="1200">
+                  <a:solidFill>
+                    <a:schemeClr val="tx1"/>
+                  </a:solidFill>
+                  <a:latin typeface="+mn-lt"/>
+                  <a:ea typeface="+mn-ea"/>
+                  <a:cs typeface="+mn-cs"/>
+                </a:defRPr>
+              </a:lvl2pPr>
+              <a:lvl3pPr marL="1143000" indent="-228600" algn="l" defTabSz="457200" rtl="0" eaLnBrk="1" latinLnBrk="0" hangingPunct="1">
+                <a:spcBef>
+                  <a:spcPct val="20000"/>
+                </a:spcBef>
+                <a:buFont typeface="Arial"/>
+                <a:buChar char="•"/>
+                <a:defRPr sz="2400" kern="1200">
+                  <a:solidFill>
+                    <a:schemeClr val="tx1"/>
+                  </a:solidFill>
+                  <a:latin typeface="+mn-lt"/>
+                  <a:ea typeface="+mn-ea"/>
+                  <a:cs typeface="+mn-cs"/>
+                </a:defRPr>
+              </a:lvl3pPr>
+              <a:lvl4pPr marL="1600200" indent="-228600" algn="l" defTabSz="457200" rtl="0" eaLnBrk="1" latinLnBrk="0" hangingPunct="1">
+                <a:spcBef>
+                  <a:spcPct val="20000"/>
+                </a:spcBef>
+                <a:buFont typeface="Arial"/>
+                <a:buChar char="–"/>
+                <a:defRPr sz="2000" kern="1200">
+                  <a:solidFill>
+                    <a:schemeClr val="tx1"/>
+                  </a:solidFill>
+                  <a:latin typeface="+mn-lt"/>
+                  <a:ea typeface="+mn-ea"/>
+                  <a:cs typeface="+mn-cs"/>
+                </a:defRPr>
+              </a:lvl4pPr>
+              <a:lvl5pPr marL="2057400" indent="-228600" algn="l" defTabSz="457200" rtl="0" eaLnBrk="1" latinLnBrk="0" hangingPunct="1">
+                <a:spcBef>
+                  <a:spcPct val="20000"/>
+                </a:spcBef>
+                <a:buFont typeface="Arial"/>
+                <a:buChar char="»"/>
+                <a:defRPr sz="2000" kern="1200">
+                  <a:solidFill>
+                    <a:schemeClr val="tx1"/>
+                  </a:solidFill>
+                  <a:latin typeface="+mn-lt"/>
+                  <a:ea typeface="+mn-ea"/>
+                  <a:cs typeface="+mn-cs"/>
+                </a:defRPr>
+              </a:lvl5pPr>
+              <a:lvl6pPr marL="2514600" indent="-228600" algn="l" defTabSz="457200" rtl="0" eaLnBrk="1" latinLnBrk="0" hangingPunct="1">
+                <a:spcBef>
+                  <a:spcPct val="20000"/>
+                </a:spcBef>
+                <a:buFont typeface="Arial"/>
+                <a:buChar char="•"/>
+                <a:defRPr sz="2000" kern="1200">
+                  <a:solidFill>
+                    <a:schemeClr val="tx1"/>
+                  </a:solidFill>
+                  <a:latin typeface="+mn-lt"/>
+                  <a:ea typeface="+mn-ea"/>
+                  <a:cs typeface="+mn-cs"/>
+                </a:defRPr>
+              </a:lvl6pPr>
+              <a:lvl7pPr marL="2971800" indent="-228600" algn="l" defTabSz="457200" rtl="0" eaLnBrk="1" latinLnBrk="0" hangingPunct="1">
+                <a:spcBef>
+                  <a:spcPct val="20000"/>
+                </a:spcBef>
+                <a:buFont typeface="Arial"/>
+                <a:buChar char="•"/>
+                <a:defRPr sz="2000" kern="1200">
+                  <a:solidFill>
+                    <a:schemeClr val="tx1"/>
+                  </a:solidFill>
+                  <a:latin typeface="+mn-lt"/>
+                  <a:ea typeface="+mn-ea"/>
+                  <a:cs typeface="+mn-cs"/>
+                </a:defRPr>
+              </a:lvl7pPr>
+              <a:lvl8pPr marL="3429000" indent="-228600" algn="l" defTabSz="457200" rtl="0" eaLnBrk="1" latinLnBrk="0" hangingPunct="1">
+                <a:spcBef>
+                  <a:spcPct val="20000"/>
+                </a:spcBef>
+                <a:buFont typeface="Arial"/>
+                <a:buChar char="•"/>
+                <a:defRPr sz="2000" kern="1200">
+                  <a:solidFill>
+                    <a:schemeClr val="tx1"/>
+                  </a:solidFill>
+                  <a:latin typeface="+mn-lt"/>
+                  <a:ea typeface="+mn-ea"/>
+                  <a:cs typeface="+mn-cs"/>
+                </a:defRPr>
+              </a:lvl8pPr>
+              <a:lvl9pPr marL="3886200" indent="-228600" algn="l" defTabSz="457200" rtl="0" eaLnBrk="1" latinLnBrk="0" hangingPunct="1">
+                <a:spcBef>
+                  <a:spcPct val="20000"/>
+                </a:spcBef>
+                <a:buFont typeface="Arial"/>
+                <a:buChar char="•"/>
+                <a:defRPr sz="2000" kern="1200">
+                  <a:solidFill>
+                    <a:schemeClr val="tx1"/>
+                  </a:solidFill>
+                  <a:latin typeface="+mn-lt"/>
+                  <a:ea typeface="+mn-ea"/>
+                  <a:cs typeface="+mn-cs"/>
+                </a:defRPr>
+              </a:lvl9pPr>
+            </a:lstStyle>
+            <a:p>
+              <a:pPr marL="0" indent="0">
+                <a:buFont typeface="Arial"/>
+                <a:buNone/>
+              </a:pPr>
+              <a:r>
+                <a:rPr lang="en-US" sz="1600" dirty="0" smtClean="0"/>
+                <a:t>?</a:t>
+              </a:r>
+            </a:p>
+          </p:txBody>
+        </p:sp>
+      </p:grpSp>
+      <p:sp>
+        <p:nvSpPr>
+          <p:cNvPr id="15" name="Rectangle 14"/>
+          <p:cNvSpPr/>
+          <p:nvPr/>
+        </p:nvSpPr>
+        <p:spPr>
+          <a:xfrm>
+            <a:off x="851994" y="4516402"/>
+            <a:ext cx="510344" cy="246221"/>
+          </a:xfrm>
+          <a:prstGeom prst="rect">
+            <a:avLst/>
+          </a:prstGeom>
+        </p:spPr>
+        <p:txBody>
+          <a:bodyPr wrap="square">
+            <a:spAutoFit/>
+          </a:bodyPr>
+          <a:lstStyle/>
+          <a:p>
+            <a:r>
+              <a:rPr lang="en-US" sz="1000" dirty="0" smtClean="0">
+                <a:hlinkClick r:id="rId4"/>
+              </a:rPr>
+              <a:t>[</a:t>
+            </a:r>
+            <a:r>
+              <a:rPr lang="en-US" sz="1000" dirty="0" smtClean="0">
+                <a:hlinkClick r:id="rId5"/>
+              </a:rPr>
+              <a:t>Link</a:t>
+            </a:r>
+            <a:r>
+              <a:rPr lang="en-US" sz="1000" dirty="0" smtClean="0">
+                <a:hlinkClick r:id="rId4"/>
+              </a:rPr>
+              <a:t>]</a:t>
+            </a:r>
+            <a:endParaRPr lang="en-US" sz="900" dirty="0"/>
+          </a:p>
+        </p:txBody>
+      </p:sp>
+      <p:sp>
+        <p:nvSpPr>
+          <p:cNvPr id="16" name="Rectangle 15"/>
+          <p:cNvSpPr/>
+          <p:nvPr/>
+        </p:nvSpPr>
+        <p:spPr>
+          <a:xfrm>
+            <a:off x="851994" y="5869915"/>
+            <a:ext cx="510344" cy="246221"/>
+          </a:xfrm>
+          <a:prstGeom prst="rect">
+            <a:avLst/>
+          </a:prstGeom>
+        </p:spPr>
+        <p:txBody>
+          <a:bodyPr wrap="square">
+            <a:spAutoFit/>
+          </a:bodyPr>
+          <a:lstStyle/>
+          <a:p>
+            <a:r>
+              <a:rPr lang="en-US" sz="1000" dirty="0" smtClean="0">
+                <a:hlinkClick r:id="rId4"/>
+              </a:rPr>
+              <a:t>[</a:t>
+            </a:r>
+            <a:r>
+              <a:rPr lang="en-US" sz="1000" dirty="0" smtClean="0">
+                <a:hlinkClick r:id="rId5"/>
+              </a:rPr>
+              <a:t>Link</a:t>
+            </a:r>
+            <a:r>
+              <a:rPr lang="en-US" sz="1000" dirty="0" smtClean="0">
+                <a:hlinkClick r:id="rId4"/>
+              </a:rPr>
+              <a:t>]</a:t>
+            </a:r>
+            <a:endParaRPr lang="en-US" sz="900" dirty="0"/>
+          </a:p>
+        </p:txBody>
+      </p:sp>
+      <p:sp>
+        <p:nvSpPr>
+          <p:cNvPr id="6" name="Left Brace 5"/>
+          <p:cNvSpPr/>
+          <p:nvPr/>
+        </p:nvSpPr>
+        <p:spPr>
+          <a:xfrm rot="5400000">
+            <a:off x="3093676" y="-171289"/>
+            <a:ext cx="760241" cy="3965245"/>
+          </a:xfrm>
+          <a:prstGeom prst="leftBrace">
+            <a:avLst/>
+          </a:prstGeom>
+        </p:spPr>
+        <p:style>
+          <a:lnRef idx="2">
+            <a:schemeClr val="accent1"/>
+          </a:lnRef>
+          <a:fillRef idx="0">
+            <a:schemeClr val="accent1"/>
+          </a:fillRef>
+          <a:effectRef idx="1">
+            <a:schemeClr val="accent1"/>
+          </a:effectRef>
+          <a:fontRef idx="minor">
+            <a:schemeClr val="tx1"/>
+          </a:fontRef>
+        </p:style>
+        <p:txBody>
+          <a:bodyPr rtlCol="0" anchor="ctr"/>
+          <a:lstStyle/>
+          <a:p>
+            <a:pPr algn="ctr"/>
+            <a:endParaRPr lang="en-US"/>
+          </a:p>
+        </p:txBody>
+      </p:sp>
+      <p:sp>
+        <p:nvSpPr>
+          <p:cNvPr id="17" name="Oval 16"/>
+          <p:cNvSpPr/>
+          <p:nvPr/>
+        </p:nvSpPr>
+        <p:spPr>
+          <a:xfrm>
+            <a:off x="247339" y="271261"/>
+            <a:ext cx="2470878" cy="910492"/>
+          </a:xfrm>
+          <a:prstGeom prst="ellipse">
+            <a:avLst/>
+          </a:prstGeom>
+          <a:solidFill>
+            <a:schemeClr val="tx2">
+              <a:lumMod val="60000"/>
+              <a:lumOff val="40000"/>
+            </a:schemeClr>
+          </a:solidFill>
+        </p:spPr>
+        <p:style>
+          <a:lnRef idx="1">
+            <a:schemeClr val="accent1"/>
+          </a:lnRef>
+          <a:fillRef idx="3">
+            <a:schemeClr val="accent1"/>
+          </a:fillRef>
+          <a:effectRef idx="2">
+            <a:schemeClr val="accent1"/>
+          </a:effectRef>
+          <a:fontRef idx="minor">
+            <a:schemeClr val="lt1"/>
+          </a:fontRef>
+        </p:style>
+        <p:txBody>
+          <a:bodyPr rtlCol="0" anchor="ctr"/>
+          <a:lstStyle/>
+          <a:p>
+            <a:pPr algn="ctr"/>
+            <a:r>
+              <a:rPr lang="en-US" sz="3200" smtClean="0"/>
+              <a:t>Features</a:t>
+            </a:r>
+            <a:endParaRPr lang="en-US" sz="3200" dirty="0"/>
+          </a:p>
+        </p:txBody>
+      </p:sp>
+      <p:cxnSp>
+        <p:nvCxnSpPr>
+          <p:cNvPr id="18" name="Curved Connector 17"/>
+          <p:cNvCxnSpPr>
+            <a:stCxn id="17" idx="4"/>
+          </p:cNvCxnSpPr>
+          <p:nvPr/>
+        </p:nvCxnSpPr>
+        <p:spPr>
+          <a:xfrm rot="16200000" flipH="1">
+            <a:off x="2363985" y="300546"/>
+            <a:ext cx="228604" cy="1991018"/>
+          </a:xfrm>
+          <a:prstGeom prst="curvedConnector2">
+            <a:avLst/>
+          </a:prstGeom>
           <a:ln>
-            <a:noFill/>
+            <a:tailEnd type="triangle"/>
           </a:ln>
-          <a:effectLst>
-            <a:outerShdw blurRad="190500" algn="tl" rotWithShape="0">
-              <a:srgbClr val="000000">
-                <a:alpha val="70000"/>
-              </a:srgbClr>
-            </a:outerShdw>
-          </a:effectLst>
-        </p:spPr>
-      </p:pic>
+        </p:spPr>
+        <p:style>
+          <a:lnRef idx="2">
+            <a:schemeClr val="accent1"/>
+          </a:lnRef>
+          <a:fillRef idx="0">
+            <a:schemeClr val="accent1"/>
+          </a:fillRef>
+          <a:effectRef idx="1">
+            <a:schemeClr val="accent1"/>
+          </a:effectRef>
+          <a:fontRef idx="minor">
+            <a:schemeClr val="tx1"/>
+          </a:fontRef>
+        </p:style>
+      </p:cxnSp>
+      <p:cxnSp>
+        <p:nvCxnSpPr>
+          <p:cNvPr id="21" name="Straight Connector 20"/>
+          <p:cNvCxnSpPr/>
+          <p:nvPr/>
+        </p:nvCxnSpPr>
+        <p:spPr>
+          <a:xfrm>
+            <a:off x="719527" y="2212310"/>
+            <a:ext cx="6168243" cy="12018"/>
+          </a:xfrm>
+          <a:prstGeom prst="line">
+            <a:avLst/>
+          </a:prstGeom>
+        </p:spPr>
+        <p:style>
+          <a:lnRef idx="2">
+            <a:schemeClr val="accent1"/>
+          </a:lnRef>
+          <a:fillRef idx="0">
+            <a:schemeClr val="accent1"/>
+          </a:fillRef>
+          <a:effectRef idx="1">
+            <a:schemeClr val="accent1"/>
+          </a:effectRef>
+          <a:fontRef idx="minor">
+            <a:schemeClr val="tx1"/>
+          </a:fontRef>
+        </p:style>
+      </p:cxnSp>
+      <p:cxnSp>
+        <p:nvCxnSpPr>
+          <p:cNvPr id="29" name="Curved Connector 28"/>
+          <p:cNvCxnSpPr/>
+          <p:nvPr/>
+        </p:nvCxnSpPr>
+        <p:spPr>
+          <a:xfrm rot="10800000" flipV="1">
+            <a:off x="6692904" y="1633927"/>
+            <a:ext cx="577326" cy="464693"/>
+          </a:xfrm>
+          <a:prstGeom prst="curvedConnector3">
+            <a:avLst/>
+          </a:prstGeom>
+          <a:ln>
+            <a:tailEnd type="triangle"/>
+          </a:ln>
+        </p:spPr>
+        <p:style>
+          <a:lnRef idx="2">
+            <a:schemeClr val="accent1"/>
+          </a:lnRef>
+          <a:fillRef idx="0">
+            <a:schemeClr val="accent1"/>
+          </a:fillRef>
+          <a:effectRef idx="1">
+            <a:schemeClr val="accent1"/>
+          </a:effectRef>
+          <a:fontRef idx="minor">
+            <a:schemeClr val="tx1"/>
+          </a:fontRef>
+        </p:style>
+      </p:cxnSp>
+      <p:sp>
+        <p:nvSpPr>
+          <p:cNvPr id="30" name="Oval 29"/>
+          <p:cNvSpPr/>
+          <p:nvPr/>
+        </p:nvSpPr>
+        <p:spPr>
+          <a:xfrm>
+            <a:off x="7270230" y="1011836"/>
+            <a:ext cx="1723868" cy="1244182"/>
+          </a:xfrm>
+          <a:prstGeom prst="ellipse">
+            <a:avLst/>
+          </a:prstGeom>
+          <a:solidFill>
+            <a:schemeClr val="tx2">
+              <a:lumMod val="60000"/>
+              <a:lumOff val="40000"/>
+            </a:schemeClr>
+          </a:solidFill>
+        </p:spPr>
+        <p:style>
+          <a:lnRef idx="1">
+            <a:schemeClr val="accent1"/>
+          </a:lnRef>
+          <a:fillRef idx="3">
+            <a:schemeClr val="accent1"/>
+          </a:fillRef>
+          <a:effectRef idx="2">
+            <a:schemeClr val="accent1"/>
+          </a:effectRef>
+          <a:fontRef idx="minor">
+            <a:schemeClr val="lt1"/>
+          </a:fontRef>
+        </p:style>
+        <p:txBody>
+          <a:bodyPr rtlCol="0" anchor="ctr"/>
+          <a:lstStyle/>
+          <a:p>
+            <a:pPr algn="ctr"/>
+            <a:r>
+              <a:rPr lang="en-US" sz="3200" dirty="0" smtClean="0"/>
+              <a:t>Label (class)</a:t>
+            </a:r>
+            <a:endParaRPr lang="en-US" sz="3200" dirty="0"/>
+          </a:p>
+        </p:txBody>
+      </p:sp>
+      <p:sp>
+        <p:nvSpPr>
+          <p:cNvPr id="19" name="Left Brace 18"/>
+          <p:cNvSpPr/>
+          <p:nvPr/>
+        </p:nvSpPr>
+        <p:spPr>
+          <a:xfrm rot="10800000">
+            <a:off x="6395375" y="2255110"/>
+            <a:ext cx="760241" cy="2287721"/>
+          </a:xfrm>
+          <a:prstGeom prst="leftBrace">
+            <a:avLst/>
+          </a:prstGeom>
+        </p:spPr>
+        <p:style>
+          <a:lnRef idx="2">
+            <a:schemeClr val="accent1"/>
+          </a:lnRef>
+          <a:fillRef idx="0">
+            <a:schemeClr val="accent1"/>
+          </a:fillRef>
+          <a:effectRef idx="1">
+            <a:schemeClr val="accent1"/>
+          </a:effectRef>
+          <a:fontRef idx="minor">
+            <a:schemeClr val="tx1"/>
+          </a:fontRef>
+        </p:style>
+        <p:txBody>
+          <a:bodyPr rtlCol="0" anchor="ctr"/>
+          <a:lstStyle/>
+          <a:p>
+            <a:pPr algn="ctr"/>
+            <a:endParaRPr lang="en-US"/>
+          </a:p>
+        </p:txBody>
+      </p:sp>
+      <p:sp>
+        <p:nvSpPr>
+          <p:cNvPr id="20" name="Oval 19"/>
+          <p:cNvSpPr/>
+          <p:nvPr/>
+        </p:nvSpPr>
+        <p:spPr>
+          <a:xfrm>
+            <a:off x="7205772" y="2751080"/>
+            <a:ext cx="1873770" cy="1295779"/>
+          </a:xfrm>
+          <a:prstGeom prst="ellipse">
+            <a:avLst/>
+          </a:prstGeom>
+          <a:solidFill>
+            <a:schemeClr val="tx2">
+              <a:lumMod val="60000"/>
+              <a:lumOff val="40000"/>
+            </a:schemeClr>
+          </a:solidFill>
+        </p:spPr>
+        <p:style>
+          <a:lnRef idx="1">
+            <a:schemeClr val="accent1"/>
+          </a:lnRef>
+          <a:fillRef idx="3">
+            <a:schemeClr val="accent1"/>
+          </a:fillRef>
+          <a:effectRef idx="2">
+            <a:schemeClr val="accent1"/>
+          </a:effectRef>
+          <a:fontRef idx="minor">
+            <a:schemeClr val="lt1"/>
+          </a:fontRef>
+        </p:style>
+        <p:txBody>
+          <a:bodyPr rtlCol="0" anchor="ctr"/>
+          <a:lstStyle/>
+          <a:p>
+            <a:pPr algn="ctr"/>
+            <a:r>
+              <a:rPr lang="en-US" sz="2800" dirty="0" smtClean="0"/>
+              <a:t>Training data</a:t>
+            </a:r>
+            <a:endParaRPr lang="en-US" sz="2800" dirty="0"/>
+          </a:p>
+        </p:txBody>
+      </p:sp>
+      <p:sp>
+        <p:nvSpPr>
+          <p:cNvPr id="22" name="Left Brace 21"/>
+          <p:cNvSpPr/>
+          <p:nvPr/>
+        </p:nvSpPr>
+        <p:spPr>
+          <a:xfrm rot="10800000">
+            <a:off x="5345488" y="5143270"/>
+            <a:ext cx="760241" cy="874031"/>
+          </a:xfrm>
+          <a:prstGeom prst="leftBrace">
+            <a:avLst/>
+          </a:prstGeom>
+        </p:spPr>
+        <p:style>
+          <a:lnRef idx="2">
+            <a:schemeClr val="accent1"/>
+          </a:lnRef>
+          <a:fillRef idx="0">
+            <a:schemeClr val="accent1"/>
+          </a:fillRef>
+          <a:effectRef idx="1">
+            <a:schemeClr val="accent1"/>
+          </a:effectRef>
+          <a:fontRef idx="minor">
+            <a:schemeClr val="tx1"/>
+          </a:fontRef>
+        </p:style>
+        <p:txBody>
+          <a:bodyPr rtlCol="0" anchor="ctr"/>
+          <a:lstStyle/>
+          <a:p>
+            <a:pPr algn="ctr"/>
+            <a:endParaRPr lang="en-US"/>
+          </a:p>
+        </p:txBody>
+      </p:sp>
+      <p:sp>
+        <p:nvSpPr>
+          <p:cNvPr id="23" name="Oval 22"/>
+          <p:cNvSpPr/>
+          <p:nvPr/>
+        </p:nvSpPr>
+        <p:spPr>
+          <a:xfrm>
+            <a:off x="6119679" y="5254018"/>
+            <a:ext cx="2829804" cy="630255"/>
+          </a:xfrm>
+          <a:prstGeom prst="ellipse">
+            <a:avLst/>
+          </a:prstGeom>
+          <a:solidFill>
+            <a:schemeClr val="tx2">
+              <a:lumMod val="60000"/>
+              <a:lumOff val="40000"/>
+            </a:schemeClr>
+          </a:solidFill>
+        </p:spPr>
+        <p:style>
+          <a:lnRef idx="1">
+            <a:schemeClr val="accent1"/>
+          </a:lnRef>
+          <a:fillRef idx="3">
+            <a:schemeClr val="accent1"/>
+          </a:fillRef>
+          <a:effectRef idx="2">
+            <a:schemeClr val="accent1"/>
+          </a:effectRef>
+          <a:fontRef idx="minor">
+            <a:schemeClr val="lt1"/>
+          </a:fontRef>
+        </p:style>
+        <p:txBody>
+          <a:bodyPr rtlCol="0" anchor="ctr"/>
+          <a:lstStyle/>
+          <a:p>
+            <a:pPr algn="ctr"/>
+            <a:r>
+              <a:rPr lang="en-US" sz="2800" smtClean="0"/>
+              <a:t>Testing data</a:t>
+            </a:r>
+            <a:endParaRPr lang="en-US" sz="2800" dirty="0"/>
+          </a:p>
+        </p:txBody>
+      </p:sp>
     </p:spTree>
     <p:extLst>
       <p:ext uri="{BB962C8B-B14F-4D97-AF65-F5344CB8AC3E}">
-        <p14:creationId xmlns:p14="http://schemas.microsoft.com/office/powerpoint/2010/main" val="1067851627"/>
+        <p14:creationId xmlns:p14="http://schemas.microsoft.com/office/powerpoint/2010/main" val="791741617"/>
       </p:ext>
     </p:extLst>
   </p:cSld>
@@ -12627,367 +16481,16 @@
           <a:chExt cx="0" cy="0"/>
         </a:xfrm>
       </p:grpSpPr>
-      <p:sp>
-        <p:nvSpPr>
-          <p:cNvPr id="2" name="Title 1"/>
-          <p:cNvSpPr>
-            <a:spLocks noGrp="1"/>
-          </p:cNvSpPr>
-          <p:nvPr>
-            <p:ph type="title"/>
-          </p:nvPr>
-        </p:nvSpPr>
-        <p:spPr/>
-        <p:txBody>
-          <a:bodyPr>
-            <a:normAutofit/>
-          </a:bodyPr>
-          <a:lstStyle/>
-          <a:p>
-            <a:r>
-              <a:rPr lang="en-US" dirty="0" smtClean="0"/>
-              <a:t>Motivation for Machine Learning</a:t>
-            </a:r>
-            <a:endParaRPr lang="en-US" dirty="0"/>
-          </a:p>
-        </p:txBody>
-      </p:sp>
-      <p:sp>
-        <p:nvSpPr>
-          <p:cNvPr id="3" name="Content Placeholder 2"/>
-          <p:cNvSpPr>
-            <a:spLocks noGrp="1"/>
-          </p:cNvSpPr>
-          <p:nvPr>
-            <p:ph idx="1"/>
-          </p:nvPr>
-        </p:nvSpPr>
-        <p:spPr>
-          <a:xfrm>
-            <a:off x="457198" y="1347723"/>
-            <a:ext cx="8546123" cy="608428"/>
-          </a:xfrm>
-        </p:spPr>
-        <p:txBody>
-          <a:bodyPr/>
-          <a:lstStyle/>
-          <a:p>
-            <a:r>
-              <a:rPr lang="en-US"/>
-              <a:t>S</a:t>
-            </a:r>
-            <a:r>
-              <a:rPr lang="en-US" smtClean="0"/>
-              <a:t>ome </a:t>
-            </a:r>
-            <a:r>
-              <a:rPr lang="en-US" dirty="0"/>
-              <a:t>tasks are difficult to define algorithmically </a:t>
-            </a:r>
-          </a:p>
-        </p:txBody>
-      </p:sp>
-      <p:sp>
-        <p:nvSpPr>
-          <p:cNvPr id="4" name="Content Placeholder 2"/>
-          <p:cNvSpPr txBox="1">
-            <a:spLocks/>
-          </p:cNvSpPr>
-          <p:nvPr/>
-        </p:nvSpPr>
-        <p:spPr>
-          <a:xfrm>
-            <a:off x="457198" y="1956151"/>
-            <a:ext cx="8546123" cy="608428"/>
-          </a:xfrm>
-          <a:prstGeom prst="rect">
-            <a:avLst/>
-          </a:prstGeom>
-        </p:spPr>
-        <p:txBody>
-          <a:bodyPr vert="horz" lIns="91440" tIns="45720" rIns="91440" bIns="45720" rtlCol="0">
-            <a:normAutofit/>
-          </a:bodyPr>
-          <a:lstStyle>
-            <a:lvl1pPr marL="342900" indent="-342900" algn="l" defTabSz="457200" rtl="0" eaLnBrk="1" latinLnBrk="0" hangingPunct="1">
-              <a:spcBef>
-                <a:spcPct val="20000"/>
-              </a:spcBef>
-              <a:buFont typeface="Arial"/>
-              <a:buChar char="•"/>
-              <a:defRPr sz="3200" kern="1200">
-                <a:solidFill>
-                  <a:schemeClr val="tx1"/>
-                </a:solidFill>
-                <a:latin typeface="+mn-lt"/>
-                <a:ea typeface="+mn-ea"/>
-                <a:cs typeface="+mn-cs"/>
-              </a:defRPr>
-            </a:lvl1pPr>
-            <a:lvl2pPr marL="742950" indent="-285750" algn="l" defTabSz="457200" rtl="0" eaLnBrk="1" latinLnBrk="0" hangingPunct="1">
-              <a:spcBef>
-                <a:spcPct val="20000"/>
-              </a:spcBef>
-              <a:buFont typeface="Arial"/>
-              <a:buChar char="–"/>
-              <a:defRPr sz="2800" kern="1200">
-                <a:solidFill>
-                  <a:schemeClr val="tx1"/>
-                </a:solidFill>
-                <a:latin typeface="+mn-lt"/>
-                <a:ea typeface="+mn-ea"/>
-                <a:cs typeface="+mn-cs"/>
-              </a:defRPr>
-            </a:lvl2pPr>
-            <a:lvl3pPr marL="1143000" indent="-228600" algn="l" defTabSz="457200" rtl="0" eaLnBrk="1" latinLnBrk="0" hangingPunct="1">
-              <a:spcBef>
-                <a:spcPct val="20000"/>
-              </a:spcBef>
-              <a:buFont typeface="Arial"/>
-              <a:buChar char="•"/>
-              <a:defRPr sz="2400" kern="1200">
-                <a:solidFill>
-                  <a:schemeClr val="tx1"/>
-                </a:solidFill>
-                <a:latin typeface="+mn-lt"/>
-                <a:ea typeface="+mn-ea"/>
-                <a:cs typeface="+mn-cs"/>
-              </a:defRPr>
-            </a:lvl3pPr>
-            <a:lvl4pPr marL="1600200" indent="-228600" algn="l" defTabSz="457200" rtl="0" eaLnBrk="1" latinLnBrk="0" hangingPunct="1">
-              <a:spcBef>
-                <a:spcPct val="20000"/>
-              </a:spcBef>
-              <a:buFont typeface="Arial"/>
-              <a:buChar char="–"/>
-              <a:defRPr sz="2000" kern="1200">
-                <a:solidFill>
-                  <a:schemeClr val="tx1"/>
-                </a:solidFill>
-                <a:latin typeface="+mn-lt"/>
-                <a:ea typeface="+mn-ea"/>
-                <a:cs typeface="+mn-cs"/>
-              </a:defRPr>
-            </a:lvl4pPr>
-            <a:lvl5pPr marL="2057400" indent="-228600" algn="l" defTabSz="457200" rtl="0" eaLnBrk="1" latinLnBrk="0" hangingPunct="1">
-              <a:spcBef>
-                <a:spcPct val="20000"/>
-              </a:spcBef>
-              <a:buFont typeface="Arial"/>
-              <a:buChar char="»"/>
-              <a:defRPr sz="2000" kern="1200">
-                <a:solidFill>
-                  <a:schemeClr val="tx1"/>
-                </a:solidFill>
-                <a:latin typeface="+mn-lt"/>
-                <a:ea typeface="+mn-ea"/>
-                <a:cs typeface="+mn-cs"/>
-              </a:defRPr>
-            </a:lvl5pPr>
-            <a:lvl6pPr marL="2514600" indent="-228600" algn="l" defTabSz="457200" rtl="0" eaLnBrk="1" latinLnBrk="0" hangingPunct="1">
-              <a:spcBef>
-                <a:spcPct val="20000"/>
-              </a:spcBef>
-              <a:buFont typeface="Arial"/>
-              <a:buChar char="•"/>
-              <a:defRPr sz="2000" kern="1200">
-                <a:solidFill>
-                  <a:schemeClr val="tx1"/>
-                </a:solidFill>
-                <a:latin typeface="+mn-lt"/>
-                <a:ea typeface="+mn-ea"/>
-                <a:cs typeface="+mn-cs"/>
-              </a:defRPr>
-            </a:lvl6pPr>
-            <a:lvl7pPr marL="2971800" indent="-228600" algn="l" defTabSz="457200" rtl="0" eaLnBrk="1" latinLnBrk="0" hangingPunct="1">
-              <a:spcBef>
-                <a:spcPct val="20000"/>
-              </a:spcBef>
-              <a:buFont typeface="Arial"/>
-              <a:buChar char="•"/>
-              <a:defRPr sz="2000" kern="1200">
-                <a:solidFill>
-                  <a:schemeClr val="tx1"/>
-                </a:solidFill>
-                <a:latin typeface="+mn-lt"/>
-                <a:ea typeface="+mn-ea"/>
-                <a:cs typeface="+mn-cs"/>
-              </a:defRPr>
-            </a:lvl7pPr>
-            <a:lvl8pPr marL="3429000" indent="-228600" algn="l" defTabSz="457200" rtl="0" eaLnBrk="1" latinLnBrk="0" hangingPunct="1">
-              <a:spcBef>
-                <a:spcPct val="20000"/>
-              </a:spcBef>
-              <a:buFont typeface="Arial"/>
-              <a:buChar char="•"/>
-              <a:defRPr sz="2000" kern="1200">
-                <a:solidFill>
-                  <a:schemeClr val="tx1"/>
-                </a:solidFill>
-                <a:latin typeface="+mn-lt"/>
-                <a:ea typeface="+mn-ea"/>
-                <a:cs typeface="+mn-cs"/>
-              </a:defRPr>
-            </a:lvl8pPr>
-            <a:lvl9pPr marL="3886200" indent="-228600" algn="l" defTabSz="457200" rtl="0" eaLnBrk="1" latinLnBrk="0" hangingPunct="1">
-              <a:spcBef>
-                <a:spcPct val="20000"/>
-              </a:spcBef>
-              <a:buFont typeface="Arial"/>
-              <a:buChar char="•"/>
-              <a:defRPr sz="2000" kern="1200">
-                <a:solidFill>
-                  <a:schemeClr val="tx1"/>
-                </a:solidFill>
-                <a:latin typeface="+mn-lt"/>
-                <a:ea typeface="+mn-ea"/>
-                <a:cs typeface="+mn-cs"/>
-              </a:defRPr>
-            </a:lvl9pPr>
-          </a:lstStyle>
-          <a:p>
-            <a:pPr marL="0" indent="0">
-              <a:buNone/>
-            </a:pPr>
-            <a:r>
-              <a:rPr lang="en-US" sz="2400" dirty="0"/>
-              <a:t>E</a:t>
-            </a:r>
-            <a:r>
-              <a:rPr lang="en-US" sz="2400" dirty="0" smtClean="0"/>
-              <a:t>xample: is there a bird in a given picture?</a:t>
-            </a:r>
-            <a:endParaRPr lang="en-US" sz="2400" dirty="0"/>
-          </a:p>
-        </p:txBody>
-      </p:sp>
       <p:pic>
         <p:nvPicPr>
-          <p:cNvPr id="1026" name="Picture 2" descr="mage result for bird"/>
-          <p:cNvPicPr>
-            <a:picLocks noChangeAspect="1" noChangeArrowheads="1"/>
-          </p:cNvPicPr>
-          <p:nvPr/>
-        </p:nvPicPr>
-        <p:blipFill rotWithShape="1">
-          <a:blip r:embed="rId2">
-            <a:extLst>
-              <a:ext uri="{28A0092B-C50C-407E-A947-70E740481C1C}">
-                <a14:useLocalDpi xmlns:a14="http://schemas.microsoft.com/office/drawing/2010/main" val="0"/>
-              </a:ext>
-            </a:extLst>
-          </a:blip>
-          <a:srcRect l="14705" r="17636" b="3607"/>
-          <a:stretch/>
-        </p:blipFill>
-        <p:spPr bwMode="auto">
-          <a:xfrm>
-            <a:off x="562708" y="2564579"/>
-            <a:ext cx="2340122" cy="1711999"/>
-          </a:xfrm>
-          <a:prstGeom prst="rect">
-            <a:avLst/>
-          </a:prstGeom>
-          <a:noFill/>
-          <a:extLst>
-            <a:ext uri="{909E8E84-426E-40DD-AFC4-6F175D3DCCD1}">
-              <a14:hiddenFill xmlns:a14="http://schemas.microsoft.com/office/drawing/2010/main">
-                <a:solidFill>
-                  <a:srgbClr val="FFFFFF"/>
-                </a:solidFill>
-              </a14:hiddenFill>
-            </a:ext>
-          </a:extLst>
-        </p:spPr>
-      </p:pic>
-      <p:pic>
-        <p:nvPicPr>
-          <p:cNvPr id="1028" name="Picture 4" descr="mage result"/>
-          <p:cNvPicPr>
-            <a:picLocks noChangeAspect="1" noChangeArrowheads="1"/>
-          </p:cNvPicPr>
-          <p:nvPr/>
-        </p:nvPicPr>
-        <p:blipFill rotWithShape="1">
-          <a:blip r:embed="rId3">
-            <a:extLst>
-              <a:ext uri="{28A0092B-C50C-407E-A947-70E740481C1C}">
-                <a14:useLocalDpi xmlns:a14="http://schemas.microsoft.com/office/drawing/2010/main" val="0"/>
-              </a:ext>
-            </a:extLst>
-          </a:blip>
-          <a:srcRect l="9533" t="8558" r="17450" b="7263"/>
-          <a:stretch/>
-        </p:blipFill>
-        <p:spPr bwMode="auto">
-          <a:xfrm>
-            <a:off x="2998763" y="2564579"/>
-            <a:ext cx="1908715" cy="1894879"/>
-          </a:xfrm>
-          <a:prstGeom prst="rect">
-            <a:avLst/>
-          </a:prstGeom>
-          <a:noFill/>
-          <a:extLst>
-            <a:ext uri="{909E8E84-426E-40DD-AFC4-6F175D3DCCD1}">
-              <a14:hiddenFill xmlns:a14="http://schemas.microsoft.com/office/drawing/2010/main">
-                <a:solidFill>
-                  <a:srgbClr val="FFFFFF"/>
-                </a:solidFill>
-              </a14:hiddenFill>
-            </a:ext>
-          </a:extLst>
-        </p:spPr>
-      </p:pic>
-      <p:pic>
-        <p:nvPicPr>
-          <p:cNvPr id="1030" name="Picture 6" descr="elated image"/>
-          <p:cNvPicPr>
-            <a:picLocks noChangeAspect="1" noChangeArrowheads="1"/>
-          </p:cNvPicPr>
-          <p:nvPr/>
-        </p:nvPicPr>
-        <p:blipFill rotWithShape="1">
-          <a:blip r:embed="rId4">
-            <a:extLst>
-              <a:ext uri="{28A0092B-C50C-407E-A947-70E740481C1C}">
-                <a14:useLocalDpi xmlns:a14="http://schemas.microsoft.com/office/drawing/2010/main" val="0"/>
-              </a:ext>
-            </a:extLst>
-          </a:blip>
-          <a:srcRect l="20863" t="11752" r="18040" b="19301"/>
-          <a:stretch/>
-        </p:blipFill>
-        <p:spPr bwMode="auto">
-          <a:xfrm>
-            <a:off x="583763" y="4354831"/>
-            <a:ext cx="2132179" cy="1525463"/>
-          </a:xfrm>
-          <a:prstGeom prst="rect">
-            <a:avLst/>
-          </a:prstGeom>
-          <a:noFill/>
-          <a:extLst>
-            <a:ext uri="{909E8E84-426E-40DD-AFC4-6F175D3DCCD1}">
-              <a14:hiddenFill xmlns:a14="http://schemas.microsoft.com/office/drawing/2010/main">
-                <a:solidFill>
-                  <a:srgbClr val="FFFFFF"/>
-                </a:solidFill>
-              </a14:hiddenFill>
-            </a:ext>
-          </a:extLst>
-        </p:spPr>
-      </p:pic>
-      <p:pic>
-        <p:nvPicPr>
-          <p:cNvPr id="1032" name="Picture 8" descr="mage result for bird funny"/>
+          <p:cNvPr id="1026" name="Picture 2" descr="mage result for predict stock price"/>
           <p:cNvPicPr>
             <a:picLocks noChangeAspect="1" noChangeArrowheads="1"/>
           </p:cNvPicPr>
           <p:nvPr/>
         </p:nvPicPr>
         <p:blipFill>
-          <a:blip r:embed="rId5">
+          <a:blip r:embed="rId2">
             <a:extLst>
               <a:ext uri="{28A0092B-C50C-407E-A947-70E740481C1C}">
                 <a14:useLocalDpi xmlns:a14="http://schemas.microsoft.com/office/drawing/2010/main" val="0"/>
@@ -13001,8 +16504,8 @@
         </p:blipFill>
         <p:spPr bwMode="auto">
           <a:xfrm>
-            <a:off x="2790748" y="4557932"/>
-            <a:ext cx="2116730" cy="1322362"/>
+            <a:off x="5669280" y="1535872"/>
+            <a:ext cx="3474720" cy="3136390"/>
           </a:xfrm>
           <a:prstGeom prst="rect">
             <a:avLst/>
@@ -13019,51 +16522,183 @@
           </a:extLst>
         </p:spPr>
       </p:pic>
-      <p:pic>
-        <p:nvPicPr>
-          <p:cNvPr id="1034" name="Picture 10" descr="asks"/>
-          <p:cNvPicPr>
-            <a:picLocks noChangeAspect="1" noChangeArrowheads="1"/>
-          </p:cNvPicPr>
+      <p:sp>
+        <p:nvSpPr>
+          <p:cNvPr id="2" name="Title 1"/>
+          <p:cNvSpPr>
+            <a:spLocks noGrp="1"/>
+          </p:cNvSpPr>
+          <p:nvPr>
+            <p:ph type="title"/>
+          </p:nvPr>
+        </p:nvSpPr>
+        <p:spPr/>
+        <p:txBody>
+          <a:bodyPr/>
+          <a:lstStyle/>
+          <a:p>
+            <a:r>
+              <a:rPr lang="en-US" dirty="0" smtClean="0"/>
+              <a:t>Terminology</a:t>
+            </a:r>
+            <a:endParaRPr lang="en-US" dirty="0"/>
+          </a:p>
+        </p:txBody>
+      </p:sp>
+      <p:sp>
+        <p:nvSpPr>
+          <p:cNvPr id="3" name="Content Placeholder 2"/>
+          <p:cNvSpPr>
+            <a:spLocks noGrp="1"/>
+          </p:cNvSpPr>
+          <p:nvPr>
+            <p:ph idx="1"/>
+          </p:nvPr>
+        </p:nvSpPr>
+        <p:spPr>
+          <a:xfrm>
+            <a:off x="289560" y="1356360"/>
+            <a:ext cx="8229600" cy="4525963"/>
+          </a:xfrm>
+        </p:spPr>
+        <p:txBody>
+          <a:bodyPr>
+            <a:normAutofit fontScale="92500" lnSpcReduction="10000"/>
+          </a:bodyPr>
+          <a:lstStyle/>
+          <a:p>
+            <a:r>
+              <a:rPr lang="en-US" dirty="0" smtClean="0"/>
+              <a:t>Supervised Machine Learning</a:t>
+            </a:r>
+          </a:p>
+          <a:p>
+            <a:pPr marL="0" indent="0">
+              <a:buNone/>
+            </a:pPr>
+            <a:r>
+              <a:rPr lang="en-US" dirty="0" smtClean="0"/>
+              <a:t>– learning from labeled </a:t>
+            </a:r>
+            <a:r>
+              <a:rPr lang="en-US" dirty="0" smtClean="0"/>
+              <a:t>data</a:t>
+            </a:r>
+          </a:p>
+          <a:p>
+            <a:pPr marL="0" indent="0">
+              <a:buNone/>
+            </a:pPr>
+            <a:endParaRPr lang="en-US" dirty="0" smtClean="0"/>
+          </a:p>
+          <a:p>
+            <a:r>
+              <a:rPr lang="en-US" dirty="0" smtClean="0"/>
+              <a:t>Unsupervised </a:t>
+            </a:r>
+            <a:r>
+              <a:rPr lang="en-US" dirty="0" smtClean="0"/>
+              <a:t>Machine </a:t>
+            </a:r>
+            <a:r>
+              <a:rPr lang="en-US" dirty="0"/>
+              <a:t>Learning</a:t>
+            </a:r>
+          </a:p>
+          <a:p>
+            <a:pPr marL="0" indent="0">
+              <a:buNone/>
+            </a:pPr>
+            <a:r>
+              <a:rPr lang="en-US" dirty="0"/>
+              <a:t>– learning from </a:t>
+            </a:r>
+            <a:r>
+              <a:rPr lang="en-US" dirty="0" smtClean="0"/>
+              <a:t>unlabeled </a:t>
+            </a:r>
+            <a:r>
+              <a:rPr lang="en-US" dirty="0" smtClean="0"/>
+              <a:t>data</a:t>
+            </a:r>
+          </a:p>
+          <a:p>
+            <a:pPr marL="0" indent="0">
+              <a:buNone/>
+            </a:pPr>
+            <a:endParaRPr lang="en-US" dirty="0"/>
+          </a:p>
+          <a:p>
+            <a:r>
+              <a:rPr lang="en-US" dirty="0" smtClean="0"/>
+              <a:t>What is being learned?</a:t>
+            </a:r>
+          </a:p>
+          <a:p>
+            <a:pPr marL="0" indent="0">
+              <a:buNone/>
+            </a:pPr>
+            <a:r>
+              <a:rPr lang="en-US" dirty="0" smtClean="0"/>
+              <a:t>– a hypothesis, i.e. parameters of a model that can make accurate predictions (e.g., stock prices)</a:t>
+            </a:r>
+            <a:endParaRPr lang="en-US" dirty="0"/>
+          </a:p>
+          <a:p>
+            <a:pPr marL="0" indent="0">
+              <a:buNone/>
+            </a:pPr>
+            <a:endParaRPr lang="en-US" dirty="0" smtClean="0"/>
+          </a:p>
+        </p:txBody>
+      </p:sp>
+      <p:sp>
+        <p:nvSpPr>
+          <p:cNvPr id="5" name="Rectangle 4"/>
+          <p:cNvSpPr/>
           <p:nvPr/>
-        </p:nvPicPr>
-        <p:blipFill>
-          <a:blip r:embed="rId6">
-            <a:extLst>
-              <a:ext uri="{28A0092B-C50C-407E-A947-70E740481C1C}">
-                <a14:useLocalDpi xmlns:a14="http://schemas.microsoft.com/office/drawing/2010/main" val="0"/>
-              </a:ext>
-            </a:extLst>
-          </a:blip>
-          <a:srcRect/>
-          <a:stretch>
-            <a:fillRect/>
-          </a:stretch>
-        </p:blipFill>
-        <p:spPr bwMode="auto">
+        </p:nvSpPr>
+        <p:spPr>
           <a:xfrm>
-            <a:off x="6035040" y="2067005"/>
-            <a:ext cx="2329694" cy="3909000"/>
+            <a:off x="8347808" y="4716656"/>
+            <a:ext cx="510344" cy="246221"/>
           </a:xfrm>
           <a:prstGeom prst="rect">
             <a:avLst/>
           </a:prstGeom>
-          <a:noFill/>
-          <a:extLst>
-            <a:ext uri="{909E8E84-426E-40DD-AFC4-6F175D3DCCD1}">
-              <a14:hiddenFill xmlns:a14="http://schemas.microsoft.com/office/drawing/2010/main">
-                <a:solidFill>
-                  <a:srgbClr val="FFFFFF"/>
-                </a:solidFill>
-              </a14:hiddenFill>
-            </a:ext>
-          </a:extLst>
-        </p:spPr>
-      </p:pic>
+        </p:spPr>
+        <p:txBody>
+          <a:bodyPr wrap="square">
+            <a:spAutoFit/>
+          </a:bodyPr>
+          <a:lstStyle/>
+          <a:p>
+            <a:r>
+              <a:rPr lang="en-US" sz="1000" dirty="0" smtClean="0">
+                <a:hlinkClick r:id="rId3"/>
+              </a:rPr>
+              <a:t>[</a:t>
+            </a:r>
+            <a:r>
+              <a:rPr lang="en-US" sz="1000" dirty="0" smtClean="0">
+                <a:hlinkClick r:id="rId4"/>
+              </a:rPr>
+              <a:t>Link</a:t>
+            </a:r>
+            <a:r>
+              <a:rPr lang="en-US" sz="1000" dirty="0" smtClean="0">
+                <a:hlinkClick r:id="rId3"/>
+              </a:rPr>
+              <a:t>]</a:t>
+            </a:r>
+            <a:endParaRPr lang="en-US" sz="900" dirty="0"/>
+          </a:p>
+        </p:txBody>
+      </p:sp>
     </p:spTree>
     <p:extLst>
       <p:ext uri="{BB962C8B-B14F-4D97-AF65-F5344CB8AC3E}">
-        <p14:creationId xmlns:p14="http://schemas.microsoft.com/office/powerpoint/2010/main" val="1874972098"/>
+        <p14:creationId xmlns:p14="http://schemas.microsoft.com/office/powerpoint/2010/main" val="1317207938"/>
       </p:ext>
     </p:extLst>
   </p:cSld>

--- a/grad-presentation-sopova 2.pptx
+++ b/grad-presentation-sopova 2.pptx
@@ -31,8 +31,8 @@
     <p:sldId id="292" r:id="rId22"/>
     <p:sldId id="258" r:id="rId23"/>
     <p:sldId id="271" r:id="rId24"/>
-    <p:sldId id="284" r:id="rId25"/>
-    <p:sldId id="274" r:id="rId26"/>
+    <p:sldId id="274" r:id="rId25"/>
+    <p:sldId id="284" r:id="rId26"/>
     <p:sldId id="275" r:id="rId27"/>
     <p:sldId id="276" r:id="rId28"/>
     <p:sldId id="281" r:id="rId29"/>
@@ -4593,7 +4593,7 @@
         </p:blipFill>
         <p:spPr>
           <a:xfrm>
-            <a:off x="469898" y="3994256"/>
+            <a:off x="469898" y="2934040"/>
             <a:ext cx="7333571" cy="1066253"/>
           </a:xfrm>
           <a:prstGeom prst="rect">
@@ -4627,7 +4627,7 @@
         </p:blipFill>
         <p:spPr>
           <a:xfrm>
-            <a:off x="469898" y="3097131"/>
+            <a:off x="469898" y="5084043"/>
             <a:ext cx="7333571" cy="793536"/>
           </a:xfrm>
           <a:prstGeom prst="rect">
@@ -4650,7 +4650,7 @@
         </p:nvSpPr>
         <p:spPr>
           <a:xfrm>
-            <a:off x="450169" y="2059529"/>
+            <a:off x="450169" y="1956151"/>
             <a:ext cx="8693831" cy="862388"/>
           </a:xfrm>
           <a:prstGeom prst="rect">
@@ -4808,11 +4808,7 @@
             </a:r>
             <a:r>
               <a:rPr lang="en-US" sz="2400" dirty="0" smtClean="0"/>
-              <a:t>ould </a:t>
-            </a:r>
-            <a:r>
-              <a:rPr lang="en-US" sz="2400" dirty="0" smtClean="0"/>
-              <a:t>you come up with a </a:t>
+              <a:t>ould you come up with a </a:t>
             </a:r>
             <a:r>
               <a:rPr lang="en-US" sz="2400" u="sng" dirty="0" smtClean="0"/>
@@ -4820,7 +4816,15 @@
             </a:r>
             <a:r>
               <a:rPr lang="en-US" sz="2400" dirty="0" smtClean="0"/>
-              <a:t> to tell which tweets are about natural disasters?</a:t>
+              <a:t> </a:t>
+            </a:r>
+            <a:r>
+              <a:rPr lang="en-US" sz="2400" dirty="0" smtClean="0"/>
+              <a:t>identify tweets about </a:t>
+            </a:r>
+            <a:r>
+              <a:rPr lang="en-US" sz="2400" dirty="0" smtClean="0"/>
+              <a:t>natural disasters? </a:t>
             </a:r>
             <a:endParaRPr lang="en-US" sz="2400" dirty="0"/>
           </a:p>
@@ -4848,7 +4852,7 @@
         </p:blipFill>
         <p:spPr>
           <a:xfrm>
-            <a:off x="465409" y="5164098"/>
+            <a:off x="469898" y="4129418"/>
             <a:ext cx="7338060" cy="825500"/>
           </a:xfrm>
           <a:prstGeom prst="rect">
@@ -4964,7 +4968,7 @@
         </p:nvSpPr>
         <p:spPr>
           <a:xfrm>
-            <a:off x="457199" y="1956150"/>
+            <a:off x="457198" y="2955396"/>
             <a:ext cx="3158198" cy="2798729"/>
           </a:xfrm>
           <a:prstGeom prst="rect">
@@ -5117,16 +5121,16 @@
               <a:buNone/>
             </a:pPr>
             <a:r>
+              <a:rPr lang="is-IS" sz="2400" dirty="0" smtClean="0"/>
+              <a:t>..maybe u</a:t>
+            </a:r>
+            <a:r>
               <a:rPr lang="en-US" sz="2400" dirty="0" smtClean="0"/>
-              <a:t>Using </a:t>
+              <a:t>se </a:t>
             </a:r>
             <a:r>
               <a:rPr lang="en-US" sz="2400" dirty="0" smtClean="0"/>
-              <a:t>hashtags</a:t>
-            </a:r>
-            <a:r>
-              <a:rPr lang="en-US" sz="2400" dirty="0" smtClean="0"/>
-              <a:t>?</a:t>
+              <a:t>hashtags?</a:t>
             </a:r>
           </a:p>
           <a:p>
@@ -5135,8 +5139,17 @@
             </a:pPr>
             <a:r>
               <a:rPr lang="en-US" sz="2400" dirty="0" smtClean="0"/>
-              <a:t>– not too reliable</a:t>
-            </a:r>
+              <a:t>	– </a:t>
+            </a:r>
+            <a:r>
+              <a:rPr lang="en-US" sz="2400" dirty="0" smtClean="0"/>
+              <a:t>not too </a:t>
+            </a:r>
+            <a:r>
+              <a:rPr lang="en-US" sz="2400" dirty="0" smtClean="0"/>
+              <a:t>reliable</a:t>
+            </a:r>
+            <a:endParaRPr lang="en-US" sz="2400" dirty="0" smtClean="0"/>
           </a:p>
           <a:p>
             <a:pPr marL="0" indent="0">
@@ -5162,19 +5175,209 @@
               </a:ext>
             </a:extLst>
           </a:blip>
-          <a:srcRect r="1975"/>
+          <a:srcRect l="1" r="1975" b="3353"/>
           <a:stretch/>
         </p:blipFill>
         <p:spPr>
           <a:xfrm>
-            <a:off x="3411413" y="1956150"/>
-            <a:ext cx="2637692" cy="4058686"/>
+            <a:off x="3534506" y="2472840"/>
+            <a:ext cx="2391505" cy="3556490"/>
           </a:xfrm>
           <a:prstGeom prst="rect">
             <a:avLst/>
           </a:prstGeom>
         </p:spPr>
       </p:pic>
+      <p:sp>
+        <p:nvSpPr>
+          <p:cNvPr id="6" name="Content Placeholder 2"/>
+          <p:cNvSpPr txBox="1">
+            <a:spLocks/>
+          </p:cNvSpPr>
+          <p:nvPr/>
+        </p:nvSpPr>
+        <p:spPr>
+          <a:xfrm>
+            <a:off x="457198" y="1956151"/>
+            <a:ext cx="8693831" cy="862388"/>
+          </a:xfrm>
+          <a:prstGeom prst="rect">
+            <a:avLst/>
+          </a:prstGeom>
+        </p:spPr>
+        <p:txBody>
+          <a:bodyPr vert="horz" lIns="91440" tIns="45720" rIns="91440" bIns="45720" rtlCol="0">
+            <a:normAutofit/>
+          </a:bodyPr>
+          <a:lstStyle>
+            <a:lvl1pPr marL="342900" indent="-342900" algn="l" defTabSz="457200" rtl="0" eaLnBrk="1" latinLnBrk="0" hangingPunct="1">
+              <a:spcBef>
+                <a:spcPct val="20000"/>
+              </a:spcBef>
+              <a:buFont typeface="Arial"/>
+              <a:buChar char="•"/>
+              <a:defRPr sz="3200" kern="1200">
+                <a:solidFill>
+                  <a:schemeClr val="tx1"/>
+                </a:solidFill>
+                <a:latin typeface="+mn-lt"/>
+                <a:ea typeface="+mn-ea"/>
+                <a:cs typeface="+mn-cs"/>
+              </a:defRPr>
+            </a:lvl1pPr>
+            <a:lvl2pPr marL="742950" indent="-285750" algn="l" defTabSz="457200" rtl="0" eaLnBrk="1" latinLnBrk="0" hangingPunct="1">
+              <a:spcBef>
+                <a:spcPct val="20000"/>
+              </a:spcBef>
+              <a:buFont typeface="Arial"/>
+              <a:buChar char="–"/>
+              <a:defRPr sz="2800" kern="1200">
+                <a:solidFill>
+                  <a:schemeClr val="tx1"/>
+                </a:solidFill>
+                <a:latin typeface="+mn-lt"/>
+                <a:ea typeface="+mn-ea"/>
+                <a:cs typeface="+mn-cs"/>
+              </a:defRPr>
+            </a:lvl2pPr>
+            <a:lvl3pPr marL="1143000" indent="-228600" algn="l" defTabSz="457200" rtl="0" eaLnBrk="1" latinLnBrk="0" hangingPunct="1">
+              <a:spcBef>
+                <a:spcPct val="20000"/>
+              </a:spcBef>
+              <a:buFont typeface="Arial"/>
+              <a:buChar char="•"/>
+              <a:defRPr sz="2400" kern="1200">
+                <a:solidFill>
+                  <a:schemeClr val="tx1"/>
+                </a:solidFill>
+                <a:latin typeface="+mn-lt"/>
+                <a:ea typeface="+mn-ea"/>
+                <a:cs typeface="+mn-cs"/>
+              </a:defRPr>
+            </a:lvl3pPr>
+            <a:lvl4pPr marL="1600200" indent="-228600" algn="l" defTabSz="457200" rtl="0" eaLnBrk="1" latinLnBrk="0" hangingPunct="1">
+              <a:spcBef>
+                <a:spcPct val="20000"/>
+              </a:spcBef>
+              <a:buFont typeface="Arial"/>
+              <a:buChar char="–"/>
+              <a:defRPr sz="2000" kern="1200">
+                <a:solidFill>
+                  <a:schemeClr val="tx1"/>
+                </a:solidFill>
+                <a:latin typeface="+mn-lt"/>
+                <a:ea typeface="+mn-ea"/>
+                <a:cs typeface="+mn-cs"/>
+              </a:defRPr>
+            </a:lvl4pPr>
+            <a:lvl5pPr marL="2057400" indent="-228600" algn="l" defTabSz="457200" rtl="0" eaLnBrk="1" latinLnBrk="0" hangingPunct="1">
+              <a:spcBef>
+                <a:spcPct val="20000"/>
+              </a:spcBef>
+              <a:buFont typeface="Arial"/>
+              <a:buChar char="»"/>
+              <a:defRPr sz="2000" kern="1200">
+                <a:solidFill>
+                  <a:schemeClr val="tx1"/>
+                </a:solidFill>
+                <a:latin typeface="+mn-lt"/>
+                <a:ea typeface="+mn-ea"/>
+                <a:cs typeface="+mn-cs"/>
+              </a:defRPr>
+            </a:lvl5pPr>
+            <a:lvl6pPr marL="2514600" indent="-228600" algn="l" defTabSz="457200" rtl="0" eaLnBrk="1" latinLnBrk="0" hangingPunct="1">
+              <a:spcBef>
+                <a:spcPct val="20000"/>
+              </a:spcBef>
+              <a:buFont typeface="Arial"/>
+              <a:buChar char="•"/>
+              <a:defRPr sz="2000" kern="1200">
+                <a:solidFill>
+                  <a:schemeClr val="tx1"/>
+                </a:solidFill>
+                <a:latin typeface="+mn-lt"/>
+                <a:ea typeface="+mn-ea"/>
+                <a:cs typeface="+mn-cs"/>
+              </a:defRPr>
+            </a:lvl6pPr>
+            <a:lvl7pPr marL="2971800" indent="-228600" algn="l" defTabSz="457200" rtl="0" eaLnBrk="1" latinLnBrk="0" hangingPunct="1">
+              <a:spcBef>
+                <a:spcPct val="20000"/>
+              </a:spcBef>
+              <a:buFont typeface="Arial"/>
+              <a:buChar char="•"/>
+              <a:defRPr sz="2000" kern="1200">
+                <a:solidFill>
+                  <a:schemeClr val="tx1"/>
+                </a:solidFill>
+                <a:latin typeface="+mn-lt"/>
+                <a:ea typeface="+mn-ea"/>
+                <a:cs typeface="+mn-cs"/>
+              </a:defRPr>
+            </a:lvl7pPr>
+            <a:lvl8pPr marL="3429000" indent="-228600" algn="l" defTabSz="457200" rtl="0" eaLnBrk="1" latinLnBrk="0" hangingPunct="1">
+              <a:spcBef>
+                <a:spcPct val="20000"/>
+              </a:spcBef>
+              <a:buFont typeface="Arial"/>
+              <a:buChar char="•"/>
+              <a:defRPr sz="2000" kern="1200">
+                <a:solidFill>
+                  <a:schemeClr val="tx1"/>
+                </a:solidFill>
+                <a:latin typeface="+mn-lt"/>
+                <a:ea typeface="+mn-ea"/>
+                <a:cs typeface="+mn-cs"/>
+              </a:defRPr>
+            </a:lvl8pPr>
+            <a:lvl9pPr marL="3886200" indent="-228600" algn="l" defTabSz="457200" rtl="0" eaLnBrk="1" latinLnBrk="0" hangingPunct="1">
+              <a:spcBef>
+                <a:spcPct val="20000"/>
+              </a:spcBef>
+              <a:buFont typeface="Arial"/>
+              <a:buChar char="•"/>
+              <a:defRPr sz="2000" kern="1200">
+                <a:solidFill>
+                  <a:schemeClr val="tx1"/>
+                </a:solidFill>
+                <a:latin typeface="+mn-lt"/>
+                <a:ea typeface="+mn-ea"/>
+                <a:cs typeface="+mn-cs"/>
+              </a:defRPr>
+            </a:lvl9pPr>
+          </a:lstStyle>
+          <a:p>
+            <a:pPr marL="0" indent="0">
+              <a:buNone/>
+            </a:pPr>
+            <a:r>
+              <a:rPr lang="en-US" sz="2400" dirty="0"/>
+              <a:t>C</a:t>
+            </a:r>
+            <a:r>
+              <a:rPr lang="en-US" sz="2400" dirty="0" smtClean="0"/>
+              <a:t>ould you come up with a </a:t>
+            </a:r>
+            <a:r>
+              <a:rPr lang="en-US" sz="2400" u="sng" dirty="0" smtClean="0"/>
+              <a:t>general rule</a:t>
+            </a:r>
+            <a:r>
+              <a:rPr lang="en-US" sz="2400" dirty="0" smtClean="0"/>
+              <a:t> </a:t>
+            </a:r>
+            <a:r>
+              <a:rPr lang="en-US" sz="2400" dirty="0" smtClean="0"/>
+              <a:t>identify tweets about </a:t>
+            </a:r>
+            <a:r>
+              <a:rPr lang="en-US" sz="2400" dirty="0" smtClean="0"/>
+              <a:t>natural disasters? </a:t>
+            </a:r>
+            <a:endParaRPr lang="en-US" sz="2400" dirty="0"/>
+          </a:p>
+        </p:txBody>
+      </p:sp>
     </p:spTree>
     <p:extLst>
       <p:ext uri="{BB962C8B-B14F-4D97-AF65-F5344CB8AC3E}">
@@ -6640,6 +6843,340 @@
           </a:p>
         </p:txBody>
       </p:sp>
+      <p:sp>
+        <p:nvSpPr>
+          <p:cNvPr id="5" name="Content Placeholder 2"/>
+          <p:cNvSpPr txBox="1">
+            <a:spLocks/>
+          </p:cNvSpPr>
+          <p:nvPr/>
+        </p:nvSpPr>
+        <p:spPr>
+          <a:xfrm>
+            <a:off x="205740" y="3032417"/>
+            <a:ext cx="251460" cy="427064"/>
+          </a:xfrm>
+          <a:prstGeom prst="rect">
+            <a:avLst/>
+          </a:prstGeom>
+        </p:spPr>
+        <p:txBody>
+          <a:bodyPr vert="horz" lIns="91440" tIns="45720" rIns="91440" bIns="45720" rtlCol="0">
+            <a:normAutofit lnSpcReduction="10000"/>
+          </a:bodyPr>
+          <a:lstStyle>
+            <a:lvl1pPr marL="342900" indent="-342900" algn="l" defTabSz="457200" rtl="0" eaLnBrk="1" latinLnBrk="0" hangingPunct="1">
+              <a:spcBef>
+                <a:spcPct val="20000"/>
+              </a:spcBef>
+              <a:buFont typeface="Arial"/>
+              <a:buChar char="•"/>
+              <a:defRPr sz="3200" kern="1200">
+                <a:solidFill>
+                  <a:schemeClr val="tx1"/>
+                </a:solidFill>
+                <a:latin typeface="+mn-lt"/>
+                <a:ea typeface="+mn-ea"/>
+                <a:cs typeface="+mn-cs"/>
+              </a:defRPr>
+            </a:lvl1pPr>
+            <a:lvl2pPr marL="742950" indent="-285750" algn="l" defTabSz="457200" rtl="0" eaLnBrk="1" latinLnBrk="0" hangingPunct="1">
+              <a:spcBef>
+                <a:spcPct val="20000"/>
+              </a:spcBef>
+              <a:buFont typeface="Arial"/>
+              <a:buChar char="–"/>
+              <a:defRPr sz="2800" kern="1200">
+                <a:solidFill>
+                  <a:schemeClr val="tx1"/>
+                </a:solidFill>
+                <a:latin typeface="+mn-lt"/>
+                <a:ea typeface="+mn-ea"/>
+                <a:cs typeface="+mn-cs"/>
+              </a:defRPr>
+            </a:lvl2pPr>
+            <a:lvl3pPr marL="1143000" indent="-228600" algn="l" defTabSz="457200" rtl="0" eaLnBrk="1" latinLnBrk="0" hangingPunct="1">
+              <a:spcBef>
+                <a:spcPct val="20000"/>
+              </a:spcBef>
+              <a:buFont typeface="Arial"/>
+              <a:buChar char="•"/>
+              <a:defRPr sz="2400" kern="1200">
+                <a:solidFill>
+                  <a:schemeClr val="tx1"/>
+                </a:solidFill>
+                <a:latin typeface="+mn-lt"/>
+                <a:ea typeface="+mn-ea"/>
+                <a:cs typeface="+mn-cs"/>
+              </a:defRPr>
+            </a:lvl3pPr>
+            <a:lvl4pPr marL="1600200" indent="-228600" algn="l" defTabSz="457200" rtl="0" eaLnBrk="1" latinLnBrk="0" hangingPunct="1">
+              <a:spcBef>
+                <a:spcPct val="20000"/>
+              </a:spcBef>
+              <a:buFont typeface="Arial"/>
+              <a:buChar char="–"/>
+              <a:defRPr sz="2000" kern="1200">
+                <a:solidFill>
+                  <a:schemeClr val="tx1"/>
+                </a:solidFill>
+                <a:latin typeface="+mn-lt"/>
+                <a:ea typeface="+mn-ea"/>
+                <a:cs typeface="+mn-cs"/>
+              </a:defRPr>
+            </a:lvl4pPr>
+            <a:lvl5pPr marL="2057400" indent="-228600" algn="l" defTabSz="457200" rtl="0" eaLnBrk="1" latinLnBrk="0" hangingPunct="1">
+              <a:spcBef>
+                <a:spcPct val="20000"/>
+              </a:spcBef>
+              <a:buFont typeface="Arial"/>
+              <a:buChar char="»"/>
+              <a:defRPr sz="2000" kern="1200">
+                <a:solidFill>
+                  <a:schemeClr val="tx1"/>
+                </a:solidFill>
+                <a:latin typeface="+mn-lt"/>
+                <a:ea typeface="+mn-ea"/>
+                <a:cs typeface="+mn-cs"/>
+              </a:defRPr>
+            </a:lvl5pPr>
+            <a:lvl6pPr marL="2514600" indent="-228600" algn="l" defTabSz="457200" rtl="0" eaLnBrk="1" latinLnBrk="0" hangingPunct="1">
+              <a:spcBef>
+                <a:spcPct val="20000"/>
+              </a:spcBef>
+              <a:buFont typeface="Arial"/>
+              <a:buChar char="•"/>
+              <a:defRPr sz="2000" kern="1200">
+                <a:solidFill>
+                  <a:schemeClr val="tx1"/>
+                </a:solidFill>
+                <a:latin typeface="+mn-lt"/>
+                <a:ea typeface="+mn-ea"/>
+                <a:cs typeface="+mn-cs"/>
+              </a:defRPr>
+            </a:lvl6pPr>
+            <a:lvl7pPr marL="2971800" indent="-228600" algn="l" defTabSz="457200" rtl="0" eaLnBrk="1" latinLnBrk="0" hangingPunct="1">
+              <a:spcBef>
+                <a:spcPct val="20000"/>
+              </a:spcBef>
+              <a:buFont typeface="Arial"/>
+              <a:buChar char="•"/>
+              <a:defRPr sz="2000" kern="1200">
+                <a:solidFill>
+                  <a:schemeClr val="tx1"/>
+                </a:solidFill>
+                <a:latin typeface="+mn-lt"/>
+                <a:ea typeface="+mn-ea"/>
+                <a:cs typeface="+mn-cs"/>
+              </a:defRPr>
+            </a:lvl7pPr>
+            <a:lvl8pPr marL="3429000" indent="-228600" algn="l" defTabSz="457200" rtl="0" eaLnBrk="1" latinLnBrk="0" hangingPunct="1">
+              <a:spcBef>
+                <a:spcPct val="20000"/>
+              </a:spcBef>
+              <a:buFont typeface="Arial"/>
+              <a:buChar char="•"/>
+              <a:defRPr sz="2000" kern="1200">
+                <a:solidFill>
+                  <a:schemeClr val="tx1"/>
+                </a:solidFill>
+                <a:latin typeface="+mn-lt"/>
+                <a:ea typeface="+mn-ea"/>
+                <a:cs typeface="+mn-cs"/>
+              </a:defRPr>
+            </a:lvl8pPr>
+            <a:lvl9pPr marL="3886200" indent="-228600" algn="l" defTabSz="457200" rtl="0" eaLnBrk="1" latinLnBrk="0" hangingPunct="1">
+              <a:spcBef>
+                <a:spcPct val="20000"/>
+              </a:spcBef>
+              <a:buFont typeface="Arial"/>
+              <a:buChar char="•"/>
+              <a:defRPr sz="2000" kern="1200">
+                <a:solidFill>
+                  <a:schemeClr val="tx1"/>
+                </a:solidFill>
+                <a:latin typeface="+mn-lt"/>
+                <a:ea typeface="+mn-ea"/>
+                <a:cs typeface="+mn-cs"/>
+              </a:defRPr>
+            </a:lvl9pPr>
+          </a:lstStyle>
+          <a:p>
+            <a:pPr marL="0" indent="0">
+              <a:buFont typeface="Arial"/>
+              <a:buNone/>
+            </a:pPr>
+            <a:endParaRPr lang="en-US" sz="2400" dirty="0"/>
+          </a:p>
+        </p:txBody>
+      </p:sp>
+      <p:sp>
+        <p:nvSpPr>
+          <p:cNvPr id="6" name="Content Placeholder 2"/>
+          <p:cNvSpPr txBox="1">
+            <a:spLocks/>
+          </p:cNvSpPr>
+          <p:nvPr/>
+        </p:nvSpPr>
+        <p:spPr>
+          <a:xfrm>
+            <a:off x="258420" y="3987549"/>
+            <a:ext cx="251460" cy="427064"/>
+          </a:xfrm>
+          <a:prstGeom prst="rect">
+            <a:avLst/>
+          </a:prstGeom>
+        </p:spPr>
+        <p:txBody>
+          <a:bodyPr vert="horz" lIns="91440" tIns="45720" rIns="91440" bIns="45720" rtlCol="0">
+            <a:normAutofit lnSpcReduction="10000"/>
+          </a:bodyPr>
+          <a:lstStyle>
+            <a:lvl1pPr marL="342900" indent="-342900" algn="l" defTabSz="457200" rtl="0" eaLnBrk="1" latinLnBrk="0" hangingPunct="1">
+              <a:spcBef>
+                <a:spcPct val="20000"/>
+              </a:spcBef>
+              <a:buFont typeface="Arial"/>
+              <a:buChar char="•"/>
+              <a:defRPr sz="3200" kern="1200">
+                <a:solidFill>
+                  <a:schemeClr val="tx1"/>
+                </a:solidFill>
+                <a:latin typeface="+mn-lt"/>
+                <a:ea typeface="+mn-ea"/>
+                <a:cs typeface="+mn-cs"/>
+              </a:defRPr>
+            </a:lvl1pPr>
+            <a:lvl2pPr marL="742950" indent="-285750" algn="l" defTabSz="457200" rtl="0" eaLnBrk="1" latinLnBrk="0" hangingPunct="1">
+              <a:spcBef>
+                <a:spcPct val="20000"/>
+              </a:spcBef>
+              <a:buFont typeface="Arial"/>
+              <a:buChar char="–"/>
+              <a:defRPr sz="2800" kern="1200">
+                <a:solidFill>
+                  <a:schemeClr val="tx1"/>
+                </a:solidFill>
+                <a:latin typeface="+mn-lt"/>
+                <a:ea typeface="+mn-ea"/>
+                <a:cs typeface="+mn-cs"/>
+              </a:defRPr>
+            </a:lvl2pPr>
+            <a:lvl3pPr marL="1143000" indent="-228600" algn="l" defTabSz="457200" rtl="0" eaLnBrk="1" latinLnBrk="0" hangingPunct="1">
+              <a:spcBef>
+                <a:spcPct val="20000"/>
+              </a:spcBef>
+              <a:buFont typeface="Arial"/>
+              <a:buChar char="•"/>
+              <a:defRPr sz="2400" kern="1200">
+                <a:solidFill>
+                  <a:schemeClr val="tx1"/>
+                </a:solidFill>
+                <a:latin typeface="+mn-lt"/>
+                <a:ea typeface="+mn-ea"/>
+                <a:cs typeface="+mn-cs"/>
+              </a:defRPr>
+            </a:lvl3pPr>
+            <a:lvl4pPr marL="1600200" indent="-228600" algn="l" defTabSz="457200" rtl="0" eaLnBrk="1" latinLnBrk="0" hangingPunct="1">
+              <a:spcBef>
+                <a:spcPct val="20000"/>
+              </a:spcBef>
+              <a:buFont typeface="Arial"/>
+              <a:buChar char="–"/>
+              <a:defRPr sz="2000" kern="1200">
+                <a:solidFill>
+                  <a:schemeClr val="tx1"/>
+                </a:solidFill>
+                <a:latin typeface="+mn-lt"/>
+                <a:ea typeface="+mn-ea"/>
+                <a:cs typeface="+mn-cs"/>
+              </a:defRPr>
+            </a:lvl4pPr>
+            <a:lvl5pPr marL="2057400" indent="-228600" algn="l" defTabSz="457200" rtl="0" eaLnBrk="1" latinLnBrk="0" hangingPunct="1">
+              <a:spcBef>
+                <a:spcPct val="20000"/>
+              </a:spcBef>
+              <a:buFont typeface="Arial"/>
+              <a:buChar char="»"/>
+              <a:defRPr sz="2000" kern="1200">
+                <a:solidFill>
+                  <a:schemeClr val="tx1"/>
+                </a:solidFill>
+                <a:latin typeface="+mn-lt"/>
+                <a:ea typeface="+mn-ea"/>
+                <a:cs typeface="+mn-cs"/>
+              </a:defRPr>
+            </a:lvl5pPr>
+            <a:lvl6pPr marL="2514600" indent="-228600" algn="l" defTabSz="457200" rtl="0" eaLnBrk="1" latinLnBrk="0" hangingPunct="1">
+              <a:spcBef>
+                <a:spcPct val="20000"/>
+              </a:spcBef>
+              <a:buFont typeface="Arial"/>
+              <a:buChar char="•"/>
+              <a:defRPr sz="2000" kern="1200">
+                <a:solidFill>
+                  <a:schemeClr val="tx1"/>
+                </a:solidFill>
+                <a:latin typeface="+mn-lt"/>
+                <a:ea typeface="+mn-ea"/>
+                <a:cs typeface="+mn-cs"/>
+              </a:defRPr>
+            </a:lvl6pPr>
+            <a:lvl7pPr marL="2971800" indent="-228600" algn="l" defTabSz="457200" rtl="0" eaLnBrk="1" latinLnBrk="0" hangingPunct="1">
+              <a:spcBef>
+                <a:spcPct val="20000"/>
+              </a:spcBef>
+              <a:buFont typeface="Arial"/>
+              <a:buChar char="•"/>
+              <a:defRPr sz="2000" kern="1200">
+                <a:solidFill>
+                  <a:schemeClr val="tx1"/>
+                </a:solidFill>
+                <a:latin typeface="+mn-lt"/>
+                <a:ea typeface="+mn-ea"/>
+                <a:cs typeface="+mn-cs"/>
+              </a:defRPr>
+            </a:lvl7pPr>
+            <a:lvl8pPr marL="3429000" indent="-228600" algn="l" defTabSz="457200" rtl="0" eaLnBrk="1" latinLnBrk="0" hangingPunct="1">
+              <a:spcBef>
+                <a:spcPct val="20000"/>
+              </a:spcBef>
+              <a:buFont typeface="Arial"/>
+              <a:buChar char="•"/>
+              <a:defRPr sz="2000" kern="1200">
+                <a:solidFill>
+                  <a:schemeClr val="tx1"/>
+                </a:solidFill>
+                <a:latin typeface="+mn-lt"/>
+                <a:ea typeface="+mn-ea"/>
+                <a:cs typeface="+mn-cs"/>
+              </a:defRPr>
+            </a:lvl8pPr>
+            <a:lvl9pPr marL="3886200" indent="-228600" algn="l" defTabSz="457200" rtl="0" eaLnBrk="1" latinLnBrk="0" hangingPunct="1">
+              <a:spcBef>
+                <a:spcPct val="20000"/>
+              </a:spcBef>
+              <a:buFont typeface="Arial"/>
+              <a:buChar char="•"/>
+              <a:defRPr sz="2000" kern="1200">
+                <a:solidFill>
+                  <a:schemeClr val="tx1"/>
+                </a:solidFill>
+                <a:latin typeface="+mn-lt"/>
+                <a:ea typeface="+mn-ea"/>
+                <a:cs typeface="+mn-cs"/>
+              </a:defRPr>
+            </a:lvl9pPr>
+          </a:lstStyle>
+          <a:p>
+            <a:pPr marL="0" indent="0">
+              <a:buFont typeface="Arial"/>
+              <a:buNone/>
+            </a:pPr>
+            <a:endParaRPr lang="en-US" sz="2400" dirty="0"/>
+          </a:p>
+        </p:txBody>
+      </p:sp>
     </p:spTree>
     <p:extLst>
       <p:ext uri="{BB962C8B-B14F-4D97-AF65-F5344CB8AC3E}">
@@ -7211,31 +7748,6 @@
           <a:chExt cx="0" cy="0"/>
         </a:xfrm>
       </p:grpSpPr>
-      <p:sp>
-        <p:nvSpPr>
-          <p:cNvPr id="2" name="Title 1"/>
-          <p:cNvSpPr>
-            <a:spLocks noGrp="1"/>
-          </p:cNvSpPr>
-          <p:nvPr>
-            <p:ph type="title"/>
-          </p:nvPr>
-        </p:nvSpPr>
-        <p:spPr/>
-        <p:txBody>
-          <a:bodyPr>
-            <a:normAutofit/>
-          </a:bodyPr>
-          <a:lstStyle/>
-          <a:p>
-            <a:r>
-              <a:rPr lang="en-US" dirty="0" smtClean="0"/>
-              <a:t>Data Description</a:t>
-            </a:r>
-            <a:endParaRPr lang="en-US" dirty="0"/>
-          </a:p>
-        </p:txBody>
-      </p:sp>
       <p:pic>
         <p:nvPicPr>
           <p:cNvPr id="5" name="Picture 4"/>
@@ -7258,14 +7770,39 @@
         </p:blipFill>
         <p:spPr>
           <a:xfrm>
-            <a:off x="1417320" y="1247584"/>
-            <a:ext cx="6477000" cy="4711588"/>
+            <a:off x="1402079" y="1097280"/>
+            <a:ext cx="6516019" cy="4846320"/>
           </a:xfrm>
           <a:prstGeom prst="rect">
             <a:avLst/>
           </a:prstGeom>
         </p:spPr>
       </p:pic>
+      <p:sp>
+        <p:nvSpPr>
+          <p:cNvPr id="2" name="Title 1"/>
+          <p:cNvSpPr>
+            <a:spLocks noGrp="1"/>
+          </p:cNvSpPr>
+          <p:nvPr>
+            <p:ph type="title"/>
+          </p:nvPr>
+        </p:nvSpPr>
+        <p:spPr/>
+        <p:txBody>
+          <a:bodyPr>
+            <a:normAutofit/>
+          </a:bodyPr>
+          <a:lstStyle/>
+          <a:p>
+            <a:r>
+              <a:rPr lang="en-US" dirty="0" smtClean="0"/>
+              <a:t>Data Description</a:t>
+            </a:r>
+            <a:endParaRPr lang="en-US" dirty="0"/>
+          </a:p>
+        </p:txBody>
+      </p:sp>
       <p:sp>
         <p:nvSpPr>
           <p:cNvPr id="8" name="Content Placeholder 2"/>
@@ -7278,7 +7815,7 @@
         </p:nvSpPr>
         <p:spPr>
           <a:xfrm>
-            <a:off x="3939540" y="5196841"/>
+            <a:off x="4290060" y="5151121"/>
             <a:ext cx="1264920" cy="457199"/>
           </a:xfrm>
         </p:spPr>
@@ -7321,7 +7858,7 @@
         </p:nvSpPr>
         <p:spPr>
           <a:xfrm>
-            <a:off x="213360" y="3168528"/>
+            <a:off x="205740" y="3032416"/>
             <a:ext cx="1447800" cy="869699"/>
           </a:xfrm>
           <a:prstGeom prst="rect">
@@ -7482,7 +8019,7 @@
                   </a:schemeClr>
                 </a:solidFill>
               </a:rPr>
-              <a:t>Number of samples</a:t>
+              <a:t>Number of instances</a:t>
             </a:r>
             <a:endParaRPr lang="en-US" sz="2400" dirty="0">
               <a:solidFill>
@@ -7564,16 +8101,476 @@
             <p:ph idx="1"/>
           </p:nvPr>
         </p:nvSpPr>
-        <p:spPr/>
+        <p:spPr>
+          <a:xfrm>
+            <a:off x="0" y="1491479"/>
+            <a:ext cx="9144000" cy="1708921"/>
+          </a:xfrm>
+        </p:spPr>
         <p:txBody>
           <a:bodyPr/>
           <a:lstStyle/>
           <a:p>
             <a:r>
               <a:rPr lang="en-US" dirty="0" smtClean="0"/>
-              <a:t>assumes that training and testing data come from the same distribution</a:t>
+              <a:t>assumes that training and testing data come from the same </a:t>
+            </a:r>
+            <a:r>
+              <a:rPr lang="en-US" dirty="0" smtClean="0"/>
+              <a:t>distribution </a:t>
+            </a:r>
+          </a:p>
+          <a:p>
+            <a:pPr marL="0" indent="0">
+              <a:buNone/>
+            </a:pPr>
+            <a:r>
+              <a:rPr lang="en-US" dirty="0" smtClean="0"/>
+              <a:t>→</a:t>
+            </a:r>
+            <a:r>
+              <a:rPr lang="en-US" dirty="0" smtClean="0"/>
+              <a:t> </a:t>
+            </a:r>
+            <a:r>
+              <a:rPr lang="en-US" dirty="0" smtClean="0"/>
+              <a:t>in real life scenarios, this does not always hold true</a:t>
             </a:r>
             <a:endParaRPr lang="en-US" dirty="0"/>
+          </a:p>
+        </p:txBody>
+      </p:sp>
+      <p:pic>
+        <p:nvPicPr>
+          <p:cNvPr id="7" name="Picture 6"/>
+          <p:cNvPicPr>
+            <a:picLocks noChangeAspect="1"/>
+          </p:cNvPicPr>
+          <p:nvPr/>
+        </p:nvPicPr>
+        <p:blipFill rotWithShape="1">
+          <a:blip r:embed="rId2">
+            <a:extLst>
+              <a:ext uri="{28A0092B-C50C-407E-A947-70E740481C1C}">
+                <a14:useLocalDpi xmlns:a14="http://schemas.microsoft.com/office/drawing/2010/main" val="0"/>
+              </a:ext>
+            </a:extLst>
+          </a:blip>
+          <a:srcRect t="3200" r="1552"/>
+          <a:stretch/>
+        </p:blipFill>
+        <p:spPr>
+          <a:xfrm>
+            <a:off x="178010" y="3200400"/>
+            <a:ext cx="3965365" cy="2270525"/>
+          </a:xfrm>
+          <a:prstGeom prst="rect">
+            <a:avLst/>
+          </a:prstGeom>
+        </p:spPr>
+      </p:pic>
+      <p:pic>
+        <p:nvPicPr>
+          <p:cNvPr id="8" name="Picture 7"/>
+          <p:cNvPicPr>
+            <a:picLocks noChangeAspect="1"/>
+          </p:cNvPicPr>
+          <p:nvPr/>
+        </p:nvPicPr>
+        <p:blipFill rotWithShape="1">
+          <a:blip r:embed="rId3">
+            <a:extLst>
+              <a:ext uri="{28A0092B-C50C-407E-A947-70E740481C1C}">
+                <a14:useLocalDpi xmlns:a14="http://schemas.microsoft.com/office/drawing/2010/main" val="0"/>
+              </a:ext>
+            </a:extLst>
+          </a:blip>
+          <a:srcRect r="947"/>
+          <a:stretch/>
+        </p:blipFill>
+        <p:spPr>
+          <a:xfrm>
+            <a:off x="4471987" y="3211395"/>
+            <a:ext cx="3871913" cy="2259530"/>
+          </a:xfrm>
+          <a:prstGeom prst="rect">
+            <a:avLst/>
+          </a:prstGeom>
+        </p:spPr>
+      </p:pic>
+      <p:sp>
+        <p:nvSpPr>
+          <p:cNvPr id="9" name="Content Placeholder 2"/>
+          <p:cNvSpPr txBox="1">
+            <a:spLocks/>
+          </p:cNvSpPr>
+          <p:nvPr/>
+        </p:nvSpPr>
+        <p:spPr>
+          <a:xfrm>
+            <a:off x="610498" y="5491453"/>
+            <a:ext cx="3100388" cy="382297"/>
+          </a:xfrm>
+          <a:prstGeom prst="rect">
+            <a:avLst/>
+          </a:prstGeom>
+        </p:spPr>
+        <p:txBody>
+          <a:bodyPr vert="horz" lIns="91440" tIns="45720" rIns="91440" bIns="45720" rtlCol="0">
+            <a:normAutofit fontScale="92500" lnSpcReduction="20000"/>
+          </a:bodyPr>
+          <a:lstStyle>
+            <a:lvl1pPr marL="342900" indent="-342900" algn="l" defTabSz="457200" rtl="0" eaLnBrk="1" latinLnBrk="0" hangingPunct="1">
+              <a:spcBef>
+                <a:spcPct val="20000"/>
+              </a:spcBef>
+              <a:buFont typeface="Arial"/>
+              <a:buChar char="•"/>
+              <a:defRPr sz="3200" kern="1200">
+                <a:solidFill>
+                  <a:schemeClr val="tx1"/>
+                </a:solidFill>
+                <a:latin typeface="+mn-lt"/>
+                <a:ea typeface="+mn-ea"/>
+                <a:cs typeface="+mn-cs"/>
+              </a:defRPr>
+            </a:lvl1pPr>
+            <a:lvl2pPr marL="742950" indent="-285750" algn="l" defTabSz="457200" rtl="0" eaLnBrk="1" latinLnBrk="0" hangingPunct="1">
+              <a:spcBef>
+                <a:spcPct val="20000"/>
+              </a:spcBef>
+              <a:buFont typeface="Arial"/>
+              <a:buChar char="–"/>
+              <a:defRPr sz="2800" kern="1200">
+                <a:solidFill>
+                  <a:schemeClr val="tx1"/>
+                </a:solidFill>
+                <a:latin typeface="+mn-lt"/>
+                <a:ea typeface="+mn-ea"/>
+                <a:cs typeface="+mn-cs"/>
+              </a:defRPr>
+            </a:lvl2pPr>
+            <a:lvl3pPr marL="1143000" indent="-228600" algn="l" defTabSz="457200" rtl="0" eaLnBrk="1" latinLnBrk="0" hangingPunct="1">
+              <a:spcBef>
+                <a:spcPct val="20000"/>
+              </a:spcBef>
+              <a:buFont typeface="Arial"/>
+              <a:buChar char="•"/>
+              <a:defRPr sz="2400" kern="1200">
+                <a:solidFill>
+                  <a:schemeClr val="tx1"/>
+                </a:solidFill>
+                <a:latin typeface="+mn-lt"/>
+                <a:ea typeface="+mn-ea"/>
+                <a:cs typeface="+mn-cs"/>
+              </a:defRPr>
+            </a:lvl3pPr>
+            <a:lvl4pPr marL="1600200" indent="-228600" algn="l" defTabSz="457200" rtl="0" eaLnBrk="1" latinLnBrk="0" hangingPunct="1">
+              <a:spcBef>
+                <a:spcPct val="20000"/>
+              </a:spcBef>
+              <a:buFont typeface="Arial"/>
+              <a:buChar char="–"/>
+              <a:defRPr sz="2000" kern="1200">
+                <a:solidFill>
+                  <a:schemeClr val="tx1"/>
+                </a:solidFill>
+                <a:latin typeface="+mn-lt"/>
+                <a:ea typeface="+mn-ea"/>
+                <a:cs typeface="+mn-cs"/>
+              </a:defRPr>
+            </a:lvl4pPr>
+            <a:lvl5pPr marL="2057400" indent="-228600" algn="l" defTabSz="457200" rtl="0" eaLnBrk="1" latinLnBrk="0" hangingPunct="1">
+              <a:spcBef>
+                <a:spcPct val="20000"/>
+              </a:spcBef>
+              <a:buFont typeface="Arial"/>
+              <a:buChar char="»"/>
+              <a:defRPr sz="2000" kern="1200">
+                <a:solidFill>
+                  <a:schemeClr val="tx1"/>
+                </a:solidFill>
+                <a:latin typeface="+mn-lt"/>
+                <a:ea typeface="+mn-ea"/>
+                <a:cs typeface="+mn-cs"/>
+              </a:defRPr>
+            </a:lvl5pPr>
+            <a:lvl6pPr marL="2514600" indent="-228600" algn="l" defTabSz="457200" rtl="0" eaLnBrk="1" latinLnBrk="0" hangingPunct="1">
+              <a:spcBef>
+                <a:spcPct val="20000"/>
+              </a:spcBef>
+              <a:buFont typeface="Arial"/>
+              <a:buChar char="•"/>
+              <a:defRPr sz="2000" kern="1200">
+                <a:solidFill>
+                  <a:schemeClr val="tx1"/>
+                </a:solidFill>
+                <a:latin typeface="+mn-lt"/>
+                <a:ea typeface="+mn-ea"/>
+                <a:cs typeface="+mn-cs"/>
+              </a:defRPr>
+            </a:lvl6pPr>
+            <a:lvl7pPr marL="2971800" indent="-228600" algn="l" defTabSz="457200" rtl="0" eaLnBrk="1" latinLnBrk="0" hangingPunct="1">
+              <a:spcBef>
+                <a:spcPct val="20000"/>
+              </a:spcBef>
+              <a:buFont typeface="Arial"/>
+              <a:buChar char="•"/>
+              <a:defRPr sz="2000" kern="1200">
+                <a:solidFill>
+                  <a:schemeClr val="tx1"/>
+                </a:solidFill>
+                <a:latin typeface="+mn-lt"/>
+                <a:ea typeface="+mn-ea"/>
+                <a:cs typeface="+mn-cs"/>
+              </a:defRPr>
+            </a:lvl7pPr>
+            <a:lvl8pPr marL="3429000" indent="-228600" algn="l" defTabSz="457200" rtl="0" eaLnBrk="1" latinLnBrk="0" hangingPunct="1">
+              <a:spcBef>
+                <a:spcPct val="20000"/>
+              </a:spcBef>
+              <a:buFont typeface="Arial"/>
+              <a:buChar char="•"/>
+              <a:defRPr sz="2000" kern="1200">
+                <a:solidFill>
+                  <a:schemeClr val="tx1"/>
+                </a:solidFill>
+                <a:latin typeface="+mn-lt"/>
+                <a:ea typeface="+mn-ea"/>
+                <a:cs typeface="+mn-cs"/>
+              </a:defRPr>
+            </a:lvl8pPr>
+            <a:lvl9pPr marL="3886200" indent="-228600" algn="l" defTabSz="457200" rtl="0" eaLnBrk="1" latinLnBrk="0" hangingPunct="1">
+              <a:spcBef>
+                <a:spcPct val="20000"/>
+              </a:spcBef>
+              <a:buFont typeface="Arial"/>
+              <a:buChar char="•"/>
+              <a:defRPr sz="2000" kern="1200">
+                <a:solidFill>
+                  <a:schemeClr val="tx1"/>
+                </a:solidFill>
+                <a:latin typeface="+mn-lt"/>
+                <a:ea typeface="+mn-ea"/>
+                <a:cs typeface="+mn-cs"/>
+              </a:defRPr>
+            </a:lvl9pPr>
+          </a:lstStyle>
+          <a:p>
+            <a:pPr marL="0" indent="0">
+              <a:buFont typeface="Arial"/>
+              <a:buNone/>
+            </a:pPr>
+            <a:r>
+              <a:rPr lang="en-US" sz="2400" dirty="0" smtClean="0">
+                <a:solidFill>
+                  <a:schemeClr val="bg1">
+                    <a:lumMod val="50000"/>
+                  </a:schemeClr>
+                </a:solidFill>
+              </a:rPr>
+              <a:t>Source (Sandy Hurricane)</a:t>
+            </a:r>
+            <a:endParaRPr lang="en-US" sz="2400" dirty="0">
+              <a:solidFill>
+                <a:schemeClr val="bg1">
+                  <a:lumMod val="50000"/>
+                </a:schemeClr>
+              </a:solidFill>
+            </a:endParaRPr>
+          </a:p>
+        </p:txBody>
+      </p:sp>
+      <p:sp>
+        <p:nvSpPr>
+          <p:cNvPr id="10" name="Content Placeholder 2"/>
+          <p:cNvSpPr txBox="1">
+            <a:spLocks/>
+          </p:cNvSpPr>
+          <p:nvPr/>
+        </p:nvSpPr>
+        <p:spPr>
+          <a:xfrm>
+            <a:off x="4997052" y="5493830"/>
+            <a:ext cx="2821782" cy="381108"/>
+          </a:xfrm>
+          <a:prstGeom prst="rect">
+            <a:avLst/>
+          </a:prstGeom>
+        </p:spPr>
+        <p:txBody>
+          <a:bodyPr vert="horz" lIns="91440" tIns="45720" rIns="91440" bIns="45720" rtlCol="0">
+            <a:normAutofit fontScale="92500" lnSpcReduction="20000"/>
+          </a:bodyPr>
+          <a:lstStyle>
+            <a:lvl1pPr marL="342900" indent="-342900" algn="l" defTabSz="457200" rtl="0" eaLnBrk="1" latinLnBrk="0" hangingPunct="1">
+              <a:spcBef>
+                <a:spcPct val="20000"/>
+              </a:spcBef>
+              <a:buFont typeface="Arial"/>
+              <a:buChar char="•"/>
+              <a:defRPr sz="3200" kern="1200">
+                <a:solidFill>
+                  <a:schemeClr val="tx1"/>
+                </a:solidFill>
+                <a:latin typeface="+mn-lt"/>
+                <a:ea typeface="+mn-ea"/>
+                <a:cs typeface="+mn-cs"/>
+              </a:defRPr>
+            </a:lvl1pPr>
+            <a:lvl2pPr marL="742950" indent="-285750" algn="l" defTabSz="457200" rtl="0" eaLnBrk="1" latinLnBrk="0" hangingPunct="1">
+              <a:spcBef>
+                <a:spcPct val="20000"/>
+              </a:spcBef>
+              <a:buFont typeface="Arial"/>
+              <a:buChar char="–"/>
+              <a:defRPr sz="2800" kern="1200">
+                <a:solidFill>
+                  <a:schemeClr val="tx1"/>
+                </a:solidFill>
+                <a:latin typeface="+mn-lt"/>
+                <a:ea typeface="+mn-ea"/>
+                <a:cs typeface="+mn-cs"/>
+              </a:defRPr>
+            </a:lvl2pPr>
+            <a:lvl3pPr marL="1143000" indent="-228600" algn="l" defTabSz="457200" rtl="0" eaLnBrk="1" latinLnBrk="0" hangingPunct="1">
+              <a:spcBef>
+                <a:spcPct val="20000"/>
+              </a:spcBef>
+              <a:buFont typeface="Arial"/>
+              <a:buChar char="•"/>
+              <a:defRPr sz="2400" kern="1200">
+                <a:solidFill>
+                  <a:schemeClr val="tx1"/>
+                </a:solidFill>
+                <a:latin typeface="+mn-lt"/>
+                <a:ea typeface="+mn-ea"/>
+                <a:cs typeface="+mn-cs"/>
+              </a:defRPr>
+            </a:lvl3pPr>
+            <a:lvl4pPr marL="1600200" indent="-228600" algn="l" defTabSz="457200" rtl="0" eaLnBrk="1" latinLnBrk="0" hangingPunct="1">
+              <a:spcBef>
+                <a:spcPct val="20000"/>
+              </a:spcBef>
+              <a:buFont typeface="Arial"/>
+              <a:buChar char="–"/>
+              <a:defRPr sz="2000" kern="1200">
+                <a:solidFill>
+                  <a:schemeClr val="tx1"/>
+                </a:solidFill>
+                <a:latin typeface="+mn-lt"/>
+                <a:ea typeface="+mn-ea"/>
+                <a:cs typeface="+mn-cs"/>
+              </a:defRPr>
+            </a:lvl4pPr>
+            <a:lvl5pPr marL="2057400" indent="-228600" algn="l" defTabSz="457200" rtl="0" eaLnBrk="1" latinLnBrk="0" hangingPunct="1">
+              <a:spcBef>
+                <a:spcPct val="20000"/>
+              </a:spcBef>
+              <a:buFont typeface="Arial"/>
+              <a:buChar char="»"/>
+              <a:defRPr sz="2000" kern="1200">
+                <a:solidFill>
+                  <a:schemeClr val="tx1"/>
+                </a:solidFill>
+                <a:latin typeface="+mn-lt"/>
+                <a:ea typeface="+mn-ea"/>
+                <a:cs typeface="+mn-cs"/>
+              </a:defRPr>
+            </a:lvl5pPr>
+            <a:lvl6pPr marL="2514600" indent="-228600" algn="l" defTabSz="457200" rtl="0" eaLnBrk="1" latinLnBrk="0" hangingPunct="1">
+              <a:spcBef>
+                <a:spcPct val="20000"/>
+              </a:spcBef>
+              <a:buFont typeface="Arial"/>
+              <a:buChar char="•"/>
+              <a:defRPr sz="2000" kern="1200">
+                <a:solidFill>
+                  <a:schemeClr val="tx1"/>
+                </a:solidFill>
+                <a:latin typeface="+mn-lt"/>
+                <a:ea typeface="+mn-ea"/>
+                <a:cs typeface="+mn-cs"/>
+              </a:defRPr>
+            </a:lvl6pPr>
+            <a:lvl7pPr marL="2971800" indent="-228600" algn="l" defTabSz="457200" rtl="0" eaLnBrk="1" latinLnBrk="0" hangingPunct="1">
+              <a:spcBef>
+                <a:spcPct val="20000"/>
+              </a:spcBef>
+              <a:buFont typeface="Arial"/>
+              <a:buChar char="•"/>
+              <a:defRPr sz="2000" kern="1200">
+                <a:solidFill>
+                  <a:schemeClr val="tx1"/>
+                </a:solidFill>
+                <a:latin typeface="+mn-lt"/>
+                <a:ea typeface="+mn-ea"/>
+                <a:cs typeface="+mn-cs"/>
+              </a:defRPr>
+            </a:lvl7pPr>
+            <a:lvl8pPr marL="3429000" indent="-228600" algn="l" defTabSz="457200" rtl="0" eaLnBrk="1" latinLnBrk="0" hangingPunct="1">
+              <a:spcBef>
+                <a:spcPct val="20000"/>
+              </a:spcBef>
+              <a:buFont typeface="Arial"/>
+              <a:buChar char="•"/>
+              <a:defRPr sz="2000" kern="1200">
+                <a:solidFill>
+                  <a:schemeClr val="tx1"/>
+                </a:solidFill>
+                <a:latin typeface="+mn-lt"/>
+                <a:ea typeface="+mn-ea"/>
+                <a:cs typeface="+mn-cs"/>
+              </a:defRPr>
+            </a:lvl8pPr>
+            <a:lvl9pPr marL="3886200" indent="-228600" algn="l" defTabSz="457200" rtl="0" eaLnBrk="1" latinLnBrk="0" hangingPunct="1">
+              <a:spcBef>
+                <a:spcPct val="20000"/>
+              </a:spcBef>
+              <a:buFont typeface="Arial"/>
+              <a:buChar char="•"/>
+              <a:defRPr sz="2000" kern="1200">
+                <a:solidFill>
+                  <a:schemeClr val="tx1"/>
+                </a:solidFill>
+                <a:latin typeface="+mn-lt"/>
+                <a:ea typeface="+mn-ea"/>
+                <a:cs typeface="+mn-cs"/>
+              </a:defRPr>
+            </a:lvl9pPr>
+          </a:lstStyle>
+          <a:p>
+            <a:pPr marL="0" indent="0">
+              <a:buFont typeface="Arial"/>
+              <a:buNone/>
+            </a:pPr>
+            <a:r>
+              <a:rPr lang="en-US" sz="2400" dirty="0" smtClean="0">
+                <a:solidFill>
+                  <a:schemeClr val="bg1">
+                    <a:lumMod val="50000"/>
+                  </a:schemeClr>
+                </a:solidFill>
+              </a:rPr>
+              <a:t>Target </a:t>
+            </a:r>
+            <a:r>
+              <a:rPr lang="en-US" sz="2400" smtClean="0">
+                <a:solidFill>
+                  <a:schemeClr val="bg1">
+                    <a:lumMod val="50000"/>
+                  </a:schemeClr>
+                </a:solidFill>
+              </a:rPr>
+              <a:t>(Alberta Floods)</a:t>
+            </a:r>
+            <a:endParaRPr lang="en-US" sz="2400" dirty="0">
+              <a:solidFill>
+                <a:schemeClr val="bg1">
+                  <a:lumMod val="50000"/>
+                </a:schemeClr>
+              </a:solidFill>
+            </a:endParaRPr>
           </a:p>
         </p:txBody>
       </p:sp>
@@ -7647,7 +8644,7 @@
         </p:nvSpPr>
         <p:spPr>
           <a:xfrm>
-            <a:off x="1165858" y="1491478"/>
+            <a:off x="510577" y="1456914"/>
             <a:ext cx="1965960" cy="1493520"/>
           </a:xfrm>
           <a:prstGeom prst="roundRect">
@@ -7689,7 +8686,7 @@
         </p:nvSpPr>
         <p:spPr>
           <a:xfrm>
-            <a:off x="4911089" y="1519916"/>
+            <a:off x="6221895" y="1370366"/>
             <a:ext cx="1996440" cy="1493520"/>
           </a:xfrm>
           <a:prstGeom prst="roundRect">
@@ -7717,11 +8714,7 @@
             <a:pPr algn="ctr"/>
             <a:r>
               <a:rPr lang="en-US" sz="2800" dirty="0" smtClean="0"/>
-              <a:t>Current disaster </a:t>
-            </a:r>
-            <a:r>
-              <a:rPr lang="en-US" sz="2800" smtClean="0"/>
-              <a:t>– “Target”</a:t>
+              <a:t>Current disaster – “Target”</a:t>
             </a:r>
             <a:endParaRPr lang="en-US" sz="2800" dirty="0"/>
           </a:p>
@@ -7735,7 +8728,7 @@
         </p:nvSpPr>
         <p:spPr>
           <a:xfrm>
-            <a:off x="914398" y="4432798"/>
+            <a:off x="259117" y="4398234"/>
             <a:ext cx="2468880" cy="1402080"/>
           </a:xfrm>
           <a:prstGeom prst="ellipse">
@@ -7762,10 +8755,10 @@
           <a:p>
             <a:pPr algn="ctr"/>
             <a:r>
-              <a:rPr lang="en-US" sz="2800" smtClean="0"/>
+              <a:rPr lang="en-US" sz="2800" dirty="0" smtClean="0"/>
               <a:t>Labels are available</a:t>
             </a:r>
-            <a:endParaRPr lang="en-US" sz="2800"/>
+            <a:endParaRPr lang="en-US" sz="2800" dirty="0"/>
           </a:p>
         </p:txBody>
       </p:sp>
@@ -7777,7 +8770,7 @@
         </p:nvSpPr>
         <p:spPr>
           <a:xfrm rot="16200000">
-            <a:off x="1657348" y="3388858"/>
+            <a:off x="1002067" y="3354294"/>
             <a:ext cx="982980" cy="640080"/>
           </a:xfrm>
           <a:prstGeom prst="stripedRightArrow">
@@ -7815,7 +8808,7 @@
         </p:nvSpPr>
         <p:spPr>
           <a:xfrm>
-            <a:off x="4674869" y="4415516"/>
+            <a:off x="5738187" y="4498788"/>
             <a:ext cx="2468880" cy="1402080"/>
           </a:xfrm>
           <a:prstGeom prst="ellipse">
@@ -7857,8 +8850,8 @@
         </p:nvSpPr>
         <p:spPr>
           <a:xfrm rot="16200000" flipV="1">
-            <a:off x="6174064" y="3049591"/>
-            <a:ext cx="3451860" cy="1070691"/>
+            <a:off x="6882764" y="3190605"/>
+            <a:ext cx="3451860" cy="758184"/>
           </a:xfrm>
           <a:prstGeom prst="curvedDownArrow">
             <a:avLst/>
@@ -7888,6 +8881,473 @@
                 <a:schemeClr val="tx1"/>
               </a:solidFill>
             </a:endParaRPr>
+          </a:p>
+        </p:txBody>
+      </p:sp>
+      <p:sp>
+        <p:nvSpPr>
+          <p:cNvPr id="10" name="Oval 9"/>
+          <p:cNvSpPr/>
+          <p:nvPr/>
+        </p:nvSpPr>
+        <p:spPr>
+          <a:xfrm>
+            <a:off x="2763740" y="3483439"/>
+            <a:ext cx="3734124" cy="914795"/>
+          </a:xfrm>
+          <a:prstGeom prst="ellipse">
+            <a:avLst/>
+          </a:prstGeom>
+        </p:spPr>
+        <p:style>
+          <a:lnRef idx="1">
+            <a:schemeClr val="accent3"/>
+          </a:lnRef>
+          <a:fillRef idx="3">
+            <a:schemeClr val="accent3"/>
+          </a:fillRef>
+          <a:effectRef idx="2">
+            <a:schemeClr val="accent3"/>
+          </a:effectRef>
+          <a:fontRef idx="minor">
+            <a:schemeClr val="lt1"/>
+          </a:fontRef>
+        </p:style>
+        <p:txBody>
+          <a:bodyPr rtlCol="0" anchor="ctr"/>
+          <a:lstStyle/>
+          <a:p>
+            <a:pPr algn="ctr"/>
+            <a:r>
+              <a:rPr lang="en-US" sz="2800" smtClean="0">
+                <a:solidFill>
+                  <a:sysClr val="windowText" lastClr="000000"/>
+                </a:solidFill>
+              </a:rPr>
+              <a:t>Machine Learning Model</a:t>
+            </a:r>
+            <a:endParaRPr lang="en-US" sz="2800" dirty="0">
+              <a:solidFill>
+                <a:sysClr val="windowText" lastClr="000000"/>
+              </a:solidFill>
+            </a:endParaRPr>
+          </a:p>
+        </p:txBody>
+      </p:sp>
+      <p:cxnSp>
+        <p:nvCxnSpPr>
+          <p:cNvPr id="16" name="Curved Connector 15"/>
+          <p:cNvCxnSpPr>
+            <a:stCxn id="10" idx="0"/>
+            <a:endCxn id="5" idx="1"/>
+          </p:cNvCxnSpPr>
+          <p:nvPr/>
+        </p:nvCxnSpPr>
+        <p:spPr>
+          <a:xfrm rot="5400000" flipH="1" flipV="1">
+            <a:off x="4743192" y="2004737"/>
+            <a:ext cx="1366313" cy="1591093"/>
+          </a:xfrm>
+          <a:prstGeom prst="curvedConnector2">
+            <a:avLst/>
+          </a:prstGeom>
+          <a:ln w="50800">
+            <a:solidFill>
+              <a:srgbClr val="92D050"/>
+            </a:solidFill>
+            <a:tailEnd type="stealth" w="lg" len="lg"/>
+          </a:ln>
+        </p:spPr>
+        <p:style>
+          <a:lnRef idx="2">
+            <a:schemeClr val="accent1"/>
+          </a:lnRef>
+          <a:fillRef idx="0">
+            <a:schemeClr val="accent1"/>
+          </a:fillRef>
+          <a:effectRef idx="1">
+            <a:schemeClr val="accent1"/>
+          </a:effectRef>
+          <a:fontRef idx="minor">
+            <a:schemeClr val="tx1"/>
+          </a:fontRef>
+        </p:style>
+      </p:cxnSp>
+      <p:sp>
+        <p:nvSpPr>
+          <p:cNvPr id="21" name="Content Placeholder 2"/>
+          <p:cNvSpPr txBox="1">
+            <a:spLocks/>
+          </p:cNvSpPr>
+          <p:nvPr/>
+        </p:nvSpPr>
+        <p:spPr>
+          <a:xfrm rot="1119881">
+            <a:off x="2482995" y="2476672"/>
+            <a:ext cx="1890235" cy="494102"/>
+          </a:xfrm>
+          <a:prstGeom prst="rect">
+            <a:avLst/>
+          </a:prstGeom>
+        </p:spPr>
+        <p:txBody>
+          <a:bodyPr vert="horz" lIns="91440" tIns="45720" rIns="91440" bIns="45720" rtlCol="0">
+            <a:normAutofit/>
+          </a:bodyPr>
+          <a:lstStyle>
+            <a:lvl1pPr marL="342900" indent="-342900" algn="l" defTabSz="457200" rtl="0" eaLnBrk="1" latinLnBrk="0" hangingPunct="1">
+              <a:spcBef>
+                <a:spcPct val="20000"/>
+              </a:spcBef>
+              <a:buFont typeface="Arial"/>
+              <a:buChar char="•"/>
+              <a:defRPr sz="3200" kern="1200">
+                <a:solidFill>
+                  <a:schemeClr val="tx1"/>
+                </a:solidFill>
+                <a:latin typeface="+mn-lt"/>
+                <a:ea typeface="+mn-ea"/>
+                <a:cs typeface="+mn-cs"/>
+              </a:defRPr>
+            </a:lvl1pPr>
+            <a:lvl2pPr marL="742950" indent="-285750" algn="l" defTabSz="457200" rtl="0" eaLnBrk="1" latinLnBrk="0" hangingPunct="1">
+              <a:spcBef>
+                <a:spcPct val="20000"/>
+              </a:spcBef>
+              <a:buFont typeface="Arial"/>
+              <a:buChar char="–"/>
+              <a:defRPr sz="2800" kern="1200">
+                <a:solidFill>
+                  <a:schemeClr val="tx1"/>
+                </a:solidFill>
+                <a:latin typeface="+mn-lt"/>
+                <a:ea typeface="+mn-ea"/>
+                <a:cs typeface="+mn-cs"/>
+              </a:defRPr>
+            </a:lvl2pPr>
+            <a:lvl3pPr marL="1143000" indent="-228600" algn="l" defTabSz="457200" rtl="0" eaLnBrk="1" latinLnBrk="0" hangingPunct="1">
+              <a:spcBef>
+                <a:spcPct val="20000"/>
+              </a:spcBef>
+              <a:buFont typeface="Arial"/>
+              <a:buChar char="•"/>
+              <a:defRPr sz="2400" kern="1200">
+                <a:solidFill>
+                  <a:schemeClr val="tx1"/>
+                </a:solidFill>
+                <a:latin typeface="+mn-lt"/>
+                <a:ea typeface="+mn-ea"/>
+                <a:cs typeface="+mn-cs"/>
+              </a:defRPr>
+            </a:lvl3pPr>
+            <a:lvl4pPr marL="1600200" indent="-228600" algn="l" defTabSz="457200" rtl="0" eaLnBrk="1" latinLnBrk="0" hangingPunct="1">
+              <a:spcBef>
+                <a:spcPct val="20000"/>
+              </a:spcBef>
+              <a:buFont typeface="Arial"/>
+              <a:buChar char="–"/>
+              <a:defRPr sz="2000" kern="1200">
+                <a:solidFill>
+                  <a:schemeClr val="tx1"/>
+                </a:solidFill>
+                <a:latin typeface="+mn-lt"/>
+                <a:ea typeface="+mn-ea"/>
+                <a:cs typeface="+mn-cs"/>
+              </a:defRPr>
+            </a:lvl4pPr>
+            <a:lvl5pPr marL="2057400" indent="-228600" algn="l" defTabSz="457200" rtl="0" eaLnBrk="1" latinLnBrk="0" hangingPunct="1">
+              <a:spcBef>
+                <a:spcPct val="20000"/>
+              </a:spcBef>
+              <a:buFont typeface="Arial"/>
+              <a:buChar char="»"/>
+              <a:defRPr sz="2000" kern="1200">
+                <a:solidFill>
+                  <a:schemeClr val="tx1"/>
+                </a:solidFill>
+                <a:latin typeface="+mn-lt"/>
+                <a:ea typeface="+mn-ea"/>
+                <a:cs typeface="+mn-cs"/>
+              </a:defRPr>
+            </a:lvl5pPr>
+            <a:lvl6pPr marL="2514600" indent="-228600" algn="l" defTabSz="457200" rtl="0" eaLnBrk="1" latinLnBrk="0" hangingPunct="1">
+              <a:spcBef>
+                <a:spcPct val="20000"/>
+              </a:spcBef>
+              <a:buFont typeface="Arial"/>
+              <a:buChar char="•"/>
+              <a:defRPr sz="2000" kern="1200">
+                <a:solidFill>
+                  <a:schemeClr val="tx1"/>
+                </a:solidFill>
+                <a:latin typeface="+mn-lt"/>
+                <a:ea typeface="+mn-ea"/>
+                <a:cs typeface="+mn-cs"/>
+              </a:defRPr>
+            </a:lvl6pPr>
+            <a:lvl7pPr marL="2971800" indent="-228600" algn="l" defTabSz="457200" rtl="0" eaLnBrk="1" latinLnBrk="0" hangingPunct="1">
+              <a:spcBef>
+                <a:spcPct val="20000"/>
+              </a:spcBef>
+              <a:buFont typeface="Arial"/>
+              <a:buChar char="•"/>
+              <a:defRPr sz="2000" kern="1200">
+                <a:solidFill>
+                  <a:schemeClr val="tx1"/>
+                </a:solidFill>
+                <a:latin typeface="+mn-lt"/>
+                <a:ea typeface="+mn-ea"/>
+                <a:cs typeface="+mn-cs"/>
+              </a:defRPr>
+            </a:lvl7pPr>
+            <a:lvl8pPr marL="3429000" indent="-228600" algn="l" defTabSz="457200" rtl="0" eaLnBrk="1" latinLnBrk="0" hangingPunct="1">
+              <a:spcBef>
+                <a:spcPct val="20000"/>
+              </a:spcBef>
+              <a:buFont typeface="Arial"/>
+              <a:buChar char="•"/>
+              <a:defRPr sz="2000" kern="1200">
+                <a:solidFill>
+                  <a:schemeClr val="tx1"/>
+                </a:solidFill>
+                <a:latin typeface="+mn-lt"/>
+                <a:ea typeface="+mn-ea"/>
+                <a:cs typeface="+mn-cs"/>
+              </a:defRPr>
+            </a:lvl8pPr>
+            <a:lvl9pPr marL="3886200" indent="-228600" algn="l" defTabSz="457200" rtl="0" eaLnBrk="1" latinLnBrk="0" hangingPunct="1">
+              <a:spcBef>
+                <a:spcPct val="20000"/>
+              </a:spcBef>
+              <a:buFont typeface="Arial"/>
+              <a:buChar char="•"/>
+              <a:defRPr sz="2000" kern="1200">
+                <a:solidFill>
+                  <a:schemeClr val="tx1"/>
+                </a:solidFill>
+                <a:latin typeface="+mn-lt"/>
+                <a:ea typeface="+mn-ea"/>
+                <a:cs typeface="+mn-cs"/>
+              </a:defRPr>
+            </a:lvl9pPr>
+          </a:lstStyle>
+          <a:p>
+            <a:pPr marL="0" indent="0">
+              <a:buFont typeface="Arial"/>
+              <a:buNone/>
+            </a:pPr>
+            <a:r>
+              <a:rPr lang="en-US" sz="2000" dirty="0" smtClean="0"/>
+              <a:t>Train the model</a:t>
+            </a:r>
+            <a:endParaRPr lang="en-US" sz="2000" dirty="0"/>
+          </a:p>
+        </p:txBody>
+      </p:sp>
+      <p:cxnSp>
+        <p:nvCxnSpPr>
+          <p:cNvPr id="6" name="Curved Connector 5"/>
+          <p:cNvCxnSpPr>
+            <a:stCxn id="4" idx="3"/>
+            <a:endCxn id="10" idx="0"/>
+          </p:cNvCxnSpPr>
+          <p:nvPr/>
+        </p:nvCxnSpPr>
+        <p:spPr>
+          <a:xfrm>
+            <a:off x="2476537" y="2203674"/>
+            <a:ext cx="2154265" cy="1279765"/>
+          </a:xfrm>
+          <a:prstGeom prst="curvedConnector2">
+            <a:avLst/>
+          </a:prstGeom>
+          <a:ln w="50800">
+            <a:tailEnd type="stealth" w="lg" len="lg"/>
+          </a:ln>
+        </p:spPr>
+        <p:style>
+          <a:lnRef idx="2">
+            <a:schemeClr val="accent1"/>
+          </a:lnRef>
+          <a:fillRef idx="0">
+            <a:schemeClr val="accent1"/>
+          </a:fillRef>
+          <a:effectRef idx="1">
+            <a:schemeClr val="accent1"/>
+          </a:effectRef>
+          <a:fontRef idx="minor">
+            <a:schemeClr val="tx1"/>
+          </a:fontRef>
+        </p:style>
+      </p:cxnSp>
+      <p:sp>
+        <p:nvSpPr>
+          <p:cNvPr id="41" name="Content Placeholder 2"/>
+          <p:cNvSpPr txBox="1">
+            <a:spLocks/>
+          </p:cNvSpPr>
+          <p:nvPr/>
+        </p:nvSpPr>
+        <p:spPr>
+          <a:xfrm rot="20347075">
+            <a:off x="4278764" y="1913350"/>
+            <a:ext cx="2240384" cy="494102"/>
+          </a:xfrm>
+          <a:prstGeom prst="rect">
+            <a:avLst/>
+          </a:prstGeom>
+        </p:spPr>
+        <p:txBody>
+          <a:bodyPr vert="horz" lIns="91440" tIns="45720" rIns="91440" bIns="45720" rtlCol="0">
+            <a:normAutofit/>
+          </a:bodyPr>
+          <a:lstStyle>
+            <a:lvl1pPr marL="342900" indent="-342900" algn="l" defTabSz="457200" rtl="0" eaLnBrk="1" latinLnBrk="0" hangingPunct="1">
+              <a:spcBef>
+                <a:spcPct val="20000"/>
+              </a:spcBef>
+              <a:buFont typeface="Arial"/>
+              <a:buChar char="•"/>
+              <a:defRPr sz="3200" kern="1200">
+                <a:solidFill>
+                  <a:schemeClr val="tx1"/>
+                </a:solidFill>
+                <a:latin typeface="+mn-lt"/>
+                <a:ea typeface="+mn-ea"/>
+                <a:cs typeface="+mn-cs"/>
+              </a:defRPr>
+            </a:lvl1pPr>
+            <a:lvl2pPr marL="742950" indent="-285750" algn="l" defTabSz="457200" rtl="0" eaLnBrk="1" latinLnBrk="0" hangingPunct="1">
+              <a:spcBef>
+                <a:spcPct val="20000"/>
+              </a:spcBef>
+              <a:buFont typeface="Arial"/>
+              <a:buChar char="–"/>
+              <a:defRPr sz="2800" kern="1200">
+                <a:solidFill>
+                  <a:schemeClr val="tx1"/>
+                </a:solidFill>
+                <a:latin typeface="+mn-lt"/>
+                <a:ea typeface="+mn-ea"/>
+                <a:cs typeface="+mn-cs"/>
+              </a:defRPr>
+            </a:lvl2pPr>
+            <a:lvl3pPr marL="1143000" indent="-228600" algn="l" defTabSz="457200" rtl="0" eaLnBrk="1" latinLnBrk="0" hangingPunct="1">
+              <a:spcBef>
+                <a:spcPct val="20000"/>
+              </a:spcBef>
+              <a:buFont typeface="Arial"/>
+              <a:buChar char="•"/>
+              <a:defRPr sz="2400" kern="1200">
+                <a:solidFill>
+                  <a:schemeClr val="tx1"/>
+                </a:solidFill>
+                <a:latin typeface="+mn-lt"/>
+                <a:ea typeface="+mn-ea"/>
+                <a:cs typeface="+mn-cs"/>
+              </a:defRPr>
+            </a:lvl3pPr>
+            <a:lvl4pPr marL="1600200" indent="-228600" algn="l" defTabSz="457200" rtl="0" eaLnBrk="1" latinLnBrk="0" hangingPunct="1">
+              <a:spcBef>
+                <a:spcPct val="20000"/>
+              </a:spcBef>
+              <a:buFont typeface="Arial"/>
+              <a:buChar char="–"/>
+              <a:defRPr sz="2000" kern="1200">
+                <a:solidFill>
+                  <a:schemeClr val="tx1"/>
+                </a:solidFill>
+                <a:latin typeface="+mn-lt"/>
+                <a:ea typeface="+mn-ea"/>
+                <a:cs typeface="+mn-cs"/>
+              </a:defRPr>
+            </a:lvl4pPr>
+            <a:lvl5pPr marL="2057400" indent="-228600" algn="l" defTabSz="457200" rtl="0" eaLnBrk="1" latinLnBrk="0" hangingPunct="1">
+              <a:spcBef>
+                <a:spcPct val="20000"/>
+              </a:spcBef>
+              <a:buFont typeface="Arial"/>
+              <a:buChar char="»"/>
+              <a:defRPr sz="2000" kern="1200">
+                <a:solidFill>
+                  <a:schemeClr val="tx1"/>
+                </a:solidFill>
+                <a:latin typeface="+mn-lt"/>
+                <a:ea typeface="+mn-ea"/>
+                <a:cs typeface="+mn-cs"/>
+              </a:defRPr>
+            </a:lvl5pPr>
+            <a:lvl6pPr marL="2514600" indent="-228600" algn="l" defTabSz="457200" rtl="0" eaLnBrk="1" latinLnBrk="0" hangingPunct="1">
+              <a:spcBef>
+                <a:spcPct val="20000"/>
+              </a:spcBef>
+              <a:buFont typeface="Arial"/>
+              <a:buChar char="•"/>
+              <a:defRPr sz="2000" kern="1200">
+                <a:solidFill>
+                  <a:schemeClr val="tx1"/>
+                </a:solidFill>
+                <a:latin typeface="+mn-lt"/>
+                <a:ea typeface="+mn-ea"/>
+                <a:cs typeface="+mn-cs"/>
+              </a:defRPr>
+            </a:lvl6pPr>
+            <a:lvl7pPr marL="2971800" indent="-228600" algn="l" defTabSz="457200" rtl="0" eaLnBrk="1" latinLnBrk="0" hangingPunct="1">
+              <a:spcBef>
+                <a:spcPct val="20000"/>
+              </a:spcBef>
+              <a:buFont typeface="Arial"/>
+              <a:buChar char="•"/>
+              <a:defRPr sz="2000" kern="1200">
+                <a:solidFill>
+                  <a:schemeClr val="tx1"/>
+                </a:solidFill>
+                <a:latin typeface="+mn-lt"/>
+                <a:ea typeface="+mn-ea"/>
+                <a:cs typeface="+mn-cs"/>
+              </a:defRPr>
+            </a:lvl7pPr>
+            <a:lvl8pPr marL="3429000" indent="-228600" algn="l" defTabSz="457200" rtl="0" eaLnBrk="1" latinLnBrk="0" hangingPunct="1">
+              <a:spcBef>
+                <a:spcPct val="20000"/>
+              </a:spcBef>
+              <a:buFont typeface="Arial"/>
+              <a:buChar char="•"/>
+              <a:defRPr sz="2000" kern="1200">
+                <a:solidFill>
+                  <a:schemeClr val="tx1"/>
+                </a:solidFill>
+                <a:latin typeface="+mn-lt"/>
+                <a:ea typeface="+mn-ea"/>
+                <a:cs typeface="+mn-cs"/>
+              </a:defRPr>
+            </a:lvl8pPr>
+            <a:lvl9pPr marL="3886200" indent="-228600" algn="l" defTabSz="457200" rtl="0" eaLnBrk="1" latinLnBrk="0" hangingPunct="1">
+              <a:spcBef>
+                <a:spcPct val="20000"/>
+              </a:spcBef>
+              <a:buFont typeface="Arial"/>
+              <a:buChar char="•"/>
+              <a:defRPr sz="2000" kern="1200">
+                <a:solidFill>
+                  <a:schemeClr val="tx1"/>
+                </a:solidFill>
+                <a:latin typeface="+mn-lt"/>
+                <a:ea typeface="+mn-ea"/>
+                <a:cs typeface="+mn-cs"/>
+              </a:defRPr>
+            </a:lvl9pPr>
+          </a:lstStyle>
+          <a:p>
+            <a:pPr marL="0" indent="0">
+              <a:buFont typeface="Arial"/>
+              <a:buNone/>
+            </a:pPr>
+            <a:r>
+              <a:rPr lang="en-US" sz="2000" dirty="0" smtClean="0"/>
+              <a:t>Make predictions</a:t>
+            </a:r>
+            <a:endParaRPr lang="en-US" sz="2000" dirty="0"/>
           </a:p>
         </p:txBody>
       </p:sp>
@@ -7947,7 +9407,276 @@
           <a:p>
             <a:r>
               <a:rPr lang="en-US" dirty="0" smtClean="0"/>
-              <a:t>Motivation for Domain Adaptation</a:t>
+              <a:t>Problem Definition</a:t>
+            </a:r>
+            <a:endParaRPr lang="en-US" dirty="0"/>
+          </a:p>
+        </p:txBody>
+      </p:sp>
+      <p:sp>
+        <p:nvSpPr>
+          <p:cNvPr id="4" name="Rounded Rectangle 3"/>
+          <p:cNvSpPr/>
+          <p:nvPr/>
+        </p:nvSpPr>
+        <p:spPr>
+          <a:xfrm>
+            <a:off x="457200" y="3106918"/>
+            <a:ext cx="1965960" cy="1493520"/>
+          </a:xfrm>
+          <a:prstGeom prst="roundRect">
+            <a:avLst/>
+          </a:prstGeom>
+        </p:spPr>
+        <p:style>
+          <a:lnRef idx="1">
+            <a:schemeClr val="accent1"/>
+          </a:lnRef>
+          <a:fillRef idx="3">
+            <a:schemeClr val="accent1"/>
+          </a:fillRef>
+          <a:effectRef idx="2">
+            <a:schemeClr val="accent1"/>
+          </a:effectRef>
+          <a:fontRef idx="minor">
+            <a:schemeClr val="lt1"/>
+          </a:fontRef>
+        </p:style>
+        <p:txBody>
+          <a:bodyPr rtlCol="0" anchor="ctr"/>
+          <a:lstStyle/>
+          <a:p>
+            <a:pPr algn="ctr"/>
+            <a:r>
+              <a:rPr lang="en-US" sz="2800" dirty="0" smtClean="0"/>
+              <a:t>Labeled Source Data</a:t>
+            </a:r>
+            <a:endParaRPr lang="en-US" sz="2800" dirty="0"/>
+          </a:p>
+        </p:txBody>
+      </p:sp>
+      <p:sp>
+        <p:nvSpPr>
+          <p:cNvPr id="5" name="Rounded Rectangle 4"/>
+          <p:cNvSpPr/>
+          <p:nvPr/>
+        </p:nvSpPr>
+        <p:spPr>
+          <a:xfrm>
+            <a:off x="3432809" y="3106918"/>
+            <a:ext cx="1996440" cy="1493520"/>
+          </a:xfrm>
+          <a:prstGeom prst="roundRect">
+            <a:avLst/>
+          </a:prstGeom>
+        </p:spPr>
+        <p:style>
+          <a:lnRef idx="1">
+            <a:schemeClr val="accent2"/>
+          </a:lnRef>
+          <a:fillRef idx="3">
+            <a:schemeClr val="accent2"/>
+          </a:fillRef>
+          <a:effectRef idx="2">
+            <a:schemeClr val="accent2"/>
+          </a:effectRef>
+          <a:fontRef idx="minor">
+            <a:schemeClr val="lt1"/>
+          </a:fontRef>
+        </p:style>
+        <p:txBody>
+          <a:bodyPr rtlCol="0" anchor="ctr"/>
+          <a:lstStyle/>
+          <a:p>
+            <a:pPr algn="ctr"/>
+            <a:r>
+              <a:rPr lang="en-US" sz="2800" dirty="0" smtClean="0"/>
+              <a:t>Unlabeled Target</a:t>
+            </a:r>
+            <a:r>
+              <a:rPr lang="en-US" sz="2800" dirty="0"/>
+              <a:t> </a:t>
+            </a:r>
+            <a:r>
+              <a:rPr lang="en-US" sz="2800" dirty="0" smtClean="0"/>
+              <a:t>Data</a:t>
+            </a:r>
+            <a:endParaRPr lang="en-US" sz="2800" dirty="0"/>
+          </a:p>
+        </p:txBody>
+      </p:sp>
+      <p:cxnSp>
+        <p:nvCxnSpPr>
+          <p:cNvPr id="9" name="Straight Connector 8"/>
+          <p:cNvCxnSpPr/>
+          <p:nvPr/>
+        </p:nvCxnSpPr>
+        <p:spPr>
+          <a:xfrm>
+            <a:off x="2910840" y="3642360"/>
+            <a:ext cx="0" cy="569458"/>
+          </a:xfrm>
+          <a:prstGeom prst="line">
+            <a:avLst/>
+          </a:prstGeom>
+        </p:spPr>
+        <p:style>
+          <a:lnRef idx="2">
+            <a:schemeClr val="accent1"/>
+          </a:lnRef>
+          <a:fillRef idx="0">
+            <a:schemeClr val="accent1"/>
+          </a:fillRef>
+          <a:effectRef idx="1">
+            <a:schemeClr val="accent1"/>
+          </a:effectRef>
+          <a:fontRef idx="minor">
+            <a:schemeClr val="tx1"/>
+          </a:fontRef>
+        </p:style>
+      </p:cxnSp>
+      <p:cxnSp>
+        <p:nvCxnSpPr>
+          <p:cNvPr id="10" name="Straight Connector 9"/>
+          <p:cNvCxnSpPr/>
+          <p:nvPr/>
+        </p:nvCxnSpPr>
+        <p:spPr>
+          <a:xfrm flipH="1" flipV="1">
+            <a:off x="2606040" y="3915847"/>
+            <a:ext cx="579120" cy="11242"/>
+          </a:xfrm>
+          <a:prstGeom prst="line">
+            <a:avLst/>
+          </a:prstGeom>
+        </p:spPr>
+        <p:style>
+          <a:lnRef idx="2">
+            <a:schemeClr val="accent1"/>
+          </a:lnRef>
+          <a:fillRef idx="0">
+            <a:schemeClr val="accent1"/>
+          </a:fillRef>
+          <a:effectRef idx="1">
+            <a:schemeClr val="accent1"/>
+          </a:effectRef>
+          <a:fontRef idx="minor">
+            <a:schemeClr val="tx1"/>
+          </a:fontRef>
+        </p:style>
+      </p:cxnSp>
+      <p:cxnSp>
+        <p:nvCxnSpPr>
+          <p:cNvPr id="21" name="Straight Arrow Connector 20"/>
+          <p:cNvCxnSpPr/>
+          <p:nvPr/>
+        </p:nvCxnSpPr>
+        <p:spPr>
+          <a:xfrm>
+            <a:off x="5623560" y="3853678"/>
+            <a:ext cx="685800" cy="0"/>
+          </a:xfrm>
+          <a:prstGeom prst="straightConnector1">
+            <a:avLst/>
+          </a:prstGeom>
+          <a:ln>
+            <a:tailEnd type="triangle"/>
+          </a:ln>
+        </p:spPr>
+        <p:style>
+          <a:lnRef idx="2">
+            <a:schemeClr val="accent1"/>
+          </a:lnRef>
+          <a:fillRef idx="0">
+            <a:schemeClr val="accent1"/>
+          </a:fillRef>
+          <a:effectRef idx="1">
+            <a:schemeClr val="accent1"/>
+          </a:effectRef>
+          <a:fontRef idx="minor">
+            <a:schemeClr val="tx1"/>
+          </a:fontRef>
+        </p:style>
+      </p:cxnSp>
+      <p:sp>
+        <p:nvSpPr>
+          <p:cNvPr id="22" name="Oval 21"/>
+          <p:cNvSpPr/>
+          <p:nvPr/>
+        </p:nvSpPr>
+        <p:spPr>
+          <a:xfrm>
+            <a:off x="6629400" y="2977378"/>
+            <a:ext cx="2270760" cy="1752600"/>
+          </a:xfrm>
+          <a:prstGeom prst="ellipse">
+            <a:avLst/>
+          </a:prstGeom>
+        </p:spPr>
+        <p:style>
+          <a:lnRef idx="1">
+            <a:schemeClr val="accent3"/>
+          </a:lnRef>
+          <a:fillRef idx="3">
+            <a:schemeClr val="accent3"/>
+          </a:fillRef>
+          <a:effectRef idx="2">
+            <a:schemeClr val="accent3"/>
+          </a:effectRef>
+          <a:fontRef idx="minor">
+            <a:schemeClr val="lt1"/>
+          </a:fontRef>
+        </p:style>
+        <p:txBody>
+          <a:bodyPr rtlCol="0" anchor="ctr"/>
+          <a:lstStyle/>
+          <a:p>
+            <a:pPr algn="ctr"/>
+            <a:r>
+              <a:rPr lang="en-US" sz="2800" dirty="0" smtClean="0">
+                <a:solidFill>
+                  <a:sysClr val="windowText" lastClr="000000"/>
+                </a:solidFill>
+              </a:rPr>
+              <a:t>Machine Learning Model</a:t>
+            </a:r>
+            <a:endParaRPr lang="en-US" sz="2800" dirty="0">
+              <a:solidFill>
+                <a:sysClr val="windowText" lastClr="000000"/>
+              </a:solidFill>
+            </a:endParaRPr>
+          </a:p>
+        </p:txBody>
+      </p:sp>
+      <p:sp>
+        <p:nvSpPr>
+          <p:cNvPr id="23" name="Content Placeholder 2"/>
+          <p:cNvSpPr>
+            <a:spLocks noGrp="1"/>
+          </p:cNvSpPr>
+          <p:nvPr>
+            <p:ph idx="1"/>
+          </p:nvPr>
+        </p:nvSpPr>
+        <p:spPr>
+          <a:xfrm>
+            <a:off x="457200" y="1600201"/>
+            <a:ext cx="8229600" cy="1026658"/>
+          </a:xfrm>
+        </p:spPr>
+        <p:txBody>
+          <a:bodyPr>
+            <a:normAutofit lnSpcReduction="10000"/>
+          </a:bodyPr>
+          <a:lstStyle/>
+          <a:p>
+            <a:r>
+              <a:rPr lang="en-US" dirty="0" smtClean="0"/>
+              <a:t>learn a model from labeled source data </a:t>
+            </a:r>
+            <a:r>
+              <a:rPr lang="en-US" smtClean="0"/>
+              <a:t>and unlabeled target data:</a:t>
             </a:r>
             <a:endParaRPr lang="en-US" dirty="0"/>
           </a:p>
@@ -7956,7 +9685,7 @@
     </p:spTree>
     <p:extLst>
       <p:ext uri="{BB962C8B-B14F-4D97-AF65-F5344CB8AC3E}">
-        <p14:creationId xmlns:p14="http://schemas.microsoft.com/office/powerpoint/2010/main" val="493564228"/>
+        <p14:creationId xmlns:p14="http://schemas.microsoft.com/office/powerpoint/2010/main" val="359868760"/>
       </p:ext>
     </p:extLst>
   </p:cSld>
@@ -7990,6 +9719,35 @@
           <a:chExt cx="0" cy="0"/>
         </a:xfrm>
       </p:grpSpPr>
+      <p:pic>
+        <p:nvPicPr>
+          <p:cNvPr id="4" name="Content Placeholder 3"/>
+          <p:cNvPicPr>
+            <a:picLocks noChangeAspect="1"/>
+          </p:cNvPicPr>
+          <p:nvPr/>
+        </p:nvPicPr>
+        <p:blipFill rotWithShape="1">
+          <a:blip r:embed="rId2">
+            <a:extLst>
+              <a:ext uri="{28A0092B-C50C-407E-A947-70E740481C1C}">
+                <a14:useLocalDpi xmlns:a14="http://schemas.microsoft.com/office/drawing/2010/main" val="0"/>
+              </a:ext>
+            </a:extLst>
+          </a:blip>
+          <a:srcRect l="1356" t="6061" r="9251" b="4034"/>
+          <a:stretch/>
+        </p:blipFill>
+        <p:spPr>
+          <a:xfrm>
+            <a:off x="3837214" y="1885950"/>
+            <a:ext cx="4673327" cy="4182258"/>
+          </a:xfrm>
+          <a:prstGeom prst="rect">
+            <a:avLst/>
+          </a:prstGeom>
+        </p:spPr>
+      </p:pic>
       <p:sp>
         <p:nvSpPr>
           <p:cNvPr id="2" name="Title 1"/>
@@ -8009,7 +9767,7 @@
           <a:p>
             <a:r>
               <a:rPr lang="en-US" dirty="0" smtClean="0"/>
-              <a:t>Problem Definition</a:t>
+              <a:t>Motivation for Domain Adaptation</a:t>
             </a:r>
             <a:endParaRPr lang="en-US" dirty="0"/>
           </a:p>
@@ -8017,242 +9775,7 @@
       </p:sp>
       <p:sp>
         <p:nvSpPr>
-          <p:cNvPr id="4" name="Rounded Rectangle 3"/>
-          <p:cNvSpPr/>
-          <p:nvPr/>
-        </p:nvSpPr>
-        <p:spPr>
-          <a:xfrm>
-            <a:off x="457200" y="3106918"/>
-            <a:ext cx="1965960" cy="1493520"/>
-          </a:xfrm>
-          <a:prstGeom prst="roundRect">
-            <a:avLst/>
-          </a:prstGeom>
-        </p:spPr>
-        <p:style>
-          <a:lnRef idx="1">
-            <a:schemeClr val="accent1"/>
-          </a:lnRef>
-          <a:fillRef idx="3">
-            <a:schemeClr val="accent1"/>
-          </a:fillRef>
-          <a:effectRef idx="2">
-            <a:schemeClr val="accent1"/>
-          </a:effectRef>
-          <a:fontRef idx="minor">
-            <a:schemeClr val="lt1"/>
-          </a:fontRef>
-        </p:style>
-        <p:txBody>
-          <a:bodyPr rtlCol="0" anchor="ctr"/>
-          <a:lstStyle/>
-          <a:p>
-            <a:pPr algn="ctr"/>
-            <a:r>
-              <a:rPr lang="en-US" sz="2800" dirty="0" smtClean="0"/>
-              <a:t>Labeled Source Data</a:t>
-            </a:r>
-            <a:endParaRPr lang="en-US" sz="2800" dirty="0"/>
-          </a:p>
-        </p:txBody>
-      </p:sp>
-      <p:sp>
-        <p:nvSpPr>
-          <p:cNvPr id="5" name="Rounded Rectangle 4"/>
-          <p:cNvSpPr/>
-          <p:nvPr/>
-        </p:nvSpPr>
-        <p:spPr>
-          <a:xfrm>
-            <a:off x="3432809" y="3106918"/>
-            <a:ext cx="1996440" cy="1493520"/>
-          </a:xfrm>
-          <a:prstGeom prst="roundRect">
-            <a:avLst/>
-          </a:prstGeom>
-        </p:spPr>
-        <p:style>
-          <a:lnRef idx="1">
-            <a:schemeClr val="accent2"/>
-          </a:lnRef>
-          <a:fillRef idx="3">
-            <a:schemeClr val="accent2"/>
-          </a:fillRef>
-          <a:effectRef idx="2">
-            <a:schemeClr val="accent2"/>
-          </a:effectRef>
-          <a:fontRef idx="minor">
-            <a:schemeClr val="lt1"/>
-          </a:fontRef>
-        </p:style>
-        <p:txBody>
-          <a:bodyPr rtlCol="0" anchor="ctr"/>
-          <a:lstStyle/>
-          <a:p>
-            <a:pPr algn="ctr"/>
-            <a:r>
-              <a:rPr lang="en-US" sz="2800" dirty="0" smtClean="0"/>
-              <a:t>Unlabeled Target</a:t>
-            </a:r>
-            <a:r>
-              <a:rPr lang="en-US" sz="2800" dirty="0"/>
-              <a:t> </a:t>
-            </a:r>
-            <a:r>
-              <a:rPr lang="en-US" sz="2800" dirty="0" smtClean="0"/>
-              <a:t>Data</a:t>
-            </a:r>
-            <a:endParaRPr lang="en-US" sz="2800" dirty="0"/>
-          </a:p>
-        </p:txBody>
-      </p:sp>
-      <p:cxnSp>
-        <p:nvCxnSpPr>
-          <p:cNvPr id="9" name="Straight Connector 8"/>
-          <p:cNvCxnSpPr/>
-          <p:nvPr/>
-        </p:nvCxnSpPr>
-        <p:spPr>
-          <a:xfrm>
-            <a:off x="2910840" y="3642360"/>
-            <a:ext cx="0" cy="569458"/>
-          </a:xfrm>
-          <a:prstGeom prst="line">
-            <a:avLst/>
-          </a:prstGeom>
-        </p:spPr>
-        <p:style>
-          <a:lnRef idx="2">
-            <a:schemeClr val="accent1"/>
-          </a:lnRef>
-          <a:fillRef idx="0">
-            <a:schemeClr val="accent1"/>
-          </a:fillRef>
-          <a:effectRef idx="1">
-            <a:schemeClr val="accent1"/>
-          </a:effectRef>
-          <a:fontRef idx="minor">
-            <a:schemeClr val="tx1"/>
-          </a:fontRef>
-        </p:style>
-      </p:cxnSp>
-      <p:cxnSp>
-        <p:nvCxnSpPr>
-          <p:cNvPr id="10" name="Straight Connector 9"/>
-          <p:cNvCxnSpPr/>
-          <p:nvPr/>
-        </p:nvCxnSpPr>
-        <p:spPr>
-          <a:xfrm flipH="1" flipV="1">
-            <a:off x="2606040" y="3915847"/>
-            <a:ext cx="579120" cy="11242"/>
-          </a:xfrm>
-          <a:prstGeom prst="line">
-            <a:avLst/>
-          </a:prstGeom>
-        </p:spPr>
-        <p:style>
-          <a:lnRef idx="2">
-            <a:schemeClr val="accent1"/>
-          </a:lnRef>
-          <a:fillRef idx="0">
-            <a:schemeClr val="accent1"/>
-          </a:fillRef>
-          <a:effectRef idx="1">
-            <a:schemeClr val="accent1"/>
-          </a:effectRef>
-          <a:fontRef idx="minor">
-            <a:schemeClr val="tx1"/>
-          </a:fontRef>
-        </p:style>
-      </p:cxnSp>
-      <p:cxnSp>
-        <p:nvCxnSpPr>
-          <p:cNvPr id="21" name="Straight Arrow Connector 20"/>
-          <p:cNvCxnSpPr/>
-          <p:nvPr/>
-        </p:nvCxnSpPr>
-        <p:spPr>
-          <a:xfrm>
-            <a:off x="5623560" y="3853678"/>
-            <a:ext cx="685800" cy="0"/>
-          </a:xfrm>
-          <a:prstGeom prst="straightConnector1">
-            <a:avLst/>
-          </a:prstGeom>
-          <a:ln>
-            <a:tailEnd type="triangle"/>
-          </a:ln>
-        </p:spPr>
-        <p:style>
-          <a:lnRef idx="2">
-            <a:schemeClr val="accent1"/>
-          </a:lnRef>
-          <a:fillRef idx="0">
-            <a:schemeClr val="accent1"/>
-          </a:fillRef>
-          <a:effectRef idx="1">
-            <a:schemeClr val="accent1"/>
-          </a:effectRef>
-          <a:fontRef idx="minor">
-            <a:schemeClr val="tx1"/>
-          </a:fontRef>
-        </p:style>
-      </p:cxnSp>
-      <p:sp>
-        <p:nvSpPr>
-          <p:cNvPr id="22" name="Oval 21"/>
-          <p:cNvSpPr/>
-          <p:nvPr/>
-        </p:nvSpPr>
-        <p:spPr>
-          <a:xfrm>
-            <a:off x="6629400" y="2977378"/>
-            <a:ext cx="2270760" cy="1752600"/>
-          </a:xfrm>
-          <a:prstGeom prst="ellipse">
-            <a:avLst/>
-          </a:prstGeom>
-        </p:spPr>
-        <p:style>
-          <a:lnRef idx="1">
-            <a:schemeClr val="accent3"/>
-          </a:lnRef>
-          <a:fillRef idx="3">
-            <a:schemeClr val="accent3"/>
-          </a:fillRef>
-          <a:effectRef idx="2">
-            <a:schemeClr val="accent3"/>
-          </a:effectRef>
-          <a:fontRef idx="minor">
-            <a:schemeClr val="lt1"/>
-          </a:fontRef>
-        </p:style>
-        <p:txBody>
-          <a:bodyPr rtlCol="0" anchor="ctr"/>
-          <a:lstStyle/>
-          <a:p>
-            <a:pPr algn="ctr"/>
-            <a:r>
-              <a:rPr lang="en-US" sz="2800" dirty="0" smtClean="0">
-                <a:solidFill>
-                  <a:sysClr val="windowText" lastClr="000000"/>
-                </a:solidFill>
-              </a:rPr>
-              <a:t>Machine Learning Model</a:t>
-            </a:r>
-            <a:endParaRPr lang="en-US" sz="2800" dirty="0">
-              <a:solidFill>
-                <a:sysClr val="windowText" lastClr="000000"/>
-              </a:solidFill>
-            </a:endParaRPr>
-          </a:p>
-        </p:txBody>
-      </p:sp>
-      <p:sp>
-        <p:nvSpPr>
-          <p:cNvPr id="23" name="Content Placeholder 2"/>
+          <p:cNvPr id="3" name="Content Placeholder 2"/>
           <p:cNvSpPr>
             <a:spLocks noGrp="1"/>
           </p:cNvSpPr>
@@ -8262,23 +9785,183 @@
         </p:nvSpPr>
         <p:spPr>
           <a:xfrm>
-            <a:off x="457200" y="1600201"/>
-            <a:ext cx="8229600" cy="1026658"/>
-          </a:xfrm>
-        </p:spPr>
-        <p:txBody>
-          <a:bodyPr>
-            <a:normAutofit lnSpcReduction="10000"/>
+            <a:off x="609600" y="2103121"/>
+            <a:ext cx="3156549" cy="2514598"/>
+          </a:xfrm>
+        </p:spPr>
+        <p:txBody>
+          <a:bodyPr/>
+          <a:lstStyle/>
+          <a:p>
+            <a:r>
+              <a:rPr lang="en-US" dirty="0" smtClean="0"/>
+              <a:t>Here the target disaster –Alberta Floods</a:t>
+            </a:r>
+          </a:p>
+        </p:txBody>
+      </p:sp>
+      <p:sp>
+        <p:nvSpPr>
+          <p:cNvPr id="5" name="Content Placeholder 2"/>
+          <p:cNvSpPr txBox="1">
+            <a:spLocks/>
+          </p:cNvSpPr>
+          <p:nvPr/>
+        </p:nvSpPr>
+        <p:spPr>
+          <a:xfrm>
+            <a:off x="609600" y="1417320"/>
+            <a:ext cx="8229600" cy="685801"/>
+          </a:xfrm>
+          <a:prstGeom prst="rect">
+            <a:avLst/>
+          </a:prstGeom>
+        </p:spPr>
+        <p:txBody>
+          <a:bodyPr vert="horz" lIns="91440" tIns="45720" rIns="91440" bIns="45720" rtlCol="0">
+            <a:normAutofit/>
           </a:bodyPr>
-          <a:lstStyle/>
+          <a:lstStyle>
+            <a:lvl1pPr marL="342900" indent="-342900" algn="l" defTabSz="457200" rtl="0" eaLnBrk="1" latinLnBrk="0" hangingPunct="1">
+              <a:spcBef>
+                <a:spcPct val="20000"/>
+              </a:spcBef>
+              <a:buFont typeface="Arial"/>
+              <a:buChar char="•"/>
+              <a:defRPr sz="3200" kern="1200">
+                <a:solidFill>
+                  <a:schemeClr val="tx1"/>
+                </a:solidFill>
+                <a:latin typeface="+mn-lt"/>
+                <a:ea typeface="+mn-ea"/>
+                <a:cs typeface="+mn-cs"/>
+              </a:defRPr>
+            </a:lvl1pPr>
+            <a:lvl2pPr marL="742950" indent="-285750" algn="l" defTabSz="457200" rtl="0" eaLnBrk="1" latinLnBrk="0" hangingPunct="1">
+              <a:spcBef>
+                <a:spcPct val="20000"/>
+              </a:spcBef>
+              <a:buFont typeface="Arial"/>
+              <a:buChar char="–"/>
+              <a:defRPr sz="2800" kern="1200">
+                <a:solidFill>
+                  <a:schemeClr val="tx1"/>
+                </a:solidFill>
+                <a:latin typeface="+mn-lt"/>
+                <a:ea typeface="+mn-ea"/>
+                <a:cs typeface="+mn-cs"/>
+              </a:defRPr>
+            </a:lvl2pPr>
+            <a:lvl3pPr marL="1143000" indent="-228600" algn="l" defTabSz="457200" rtl="0" eaLnBrk="1" latinLnBrk="0" hangingPunct="1">
+              <a:spcBef>
+                <a:spcPct val="20000"/>
+              </a:spcBef>
+              <a:buFont typeface="Arial"/>
+              <a:buChar char="•"/>
+              <a:defRPr sz="2400" kern="1200">
+                <a:solidFill>
+                  <a:schemeClr val="tx1"/>
+                </a:solidFill>
+                <a:latin typeface="+mn-lt"/>
+                <a:ea typeface="+mn-ea"/>
+                <a:cs typeface="+mn-cs"/>
+              </a:defRPr>
+            </a:lvl3pPr>
+            <a:lvl4pPr marL="1600200" indent="-228600" algn="l" defTabSz="457200" rtl="0" eaLnBrk="1" latinLnBrk="0" hangingPunct="1">
+              <a:spcBef>
+                <a:spcPct val="20000"/>
+              </a:spcBef>
+              <a:buFont typeface="Arial"/>
+              <a:buChar char="–"/>
+              <a:defRPr sz="2000" kern="1200">
+                <a:solidFill>
+                  <a:schemeClr val="tx1"/>
+                </a:solidFill>
+                <a:latin typeface="+mn-lt"/>
+                <a:ea typeface="+mn-ea"/>
+                <a:cs typeface="+mn-cs"/>
+              </a:defRPr>
+            </a:lvl4pPr>
+            <a:lvl5pPr marL="2057400" indent="-228600" algn="l" defTabSz="457200" rtl="0" eaLnBrk="1" latinLnBrk="0" hangingPunct="1">
+              <a:spcBef>
+                <a:spcPct val="20000"/>
+              </a:spcBef>
+              <a:buFont typeface="Arial"/>
+              <a:buChar char="»"/>
+              <a:defRPr sz="2000" kern="1200">
+                <a:solidFill>
+                  <a:schemeClr val="tx1"/>
+                </a:solidFill>
+                <a:latin typeface="+mn-lt"/>
+                <a:ea typeface="+mn-ea"/>
+                <a:cs typeface="+mn-cs"/>
+              </a:defRPr>
+            </a:lvl5pPr>
+            <a:lvl6pPr marL="2514600" indent="-228600" algn="l" defTabSz="457200" rtl="0" eaLnBrk="1" latinLnBrk="0" hangingPunct="1">
+              <a:spcBef>
+                <a:spcPct val="20000"/>
+              </a:spcBef>
+              <a:buFont typeface="Arial"/>
+              <a:buChar char="•"/>
+              <a:defRPr sz="2000" kern="1200">
+                <a:solidFill>
+                  <a:schemeClr val="tx1"/>
+                </a:solidFill>
+                <a:latin typeface="+mn-lt"/>
+                <a:ea typeface="+mn-ea"/>
+                <a:cs typeface="+mn-cs"/>
+              </a:defRPr>
+            </a:lvl6pPr>
+            <a:lvl7pPr marL="2971800" indent="-228600" algn="l" defTabSz="457200" rtl="0" eaLnBrk="1" latinLnBrk="0" hangingPunct="1">
+              <a:spcBef>
+                <a:spcPct val="20000"/>
+              </a:spcBef>
+              <a:buFont typeface="Arial"/>
+              <a:buChar char="•"/>
+              <a:defRPr sz="2000" kern="1200">
+                <a:solidFill>
+                  <a:schemeClr val="tx1"/>
+                </a:solidFill>
+                <a:latin typeface="+mn-lt"/>
+                <a:ea typeface="+mn-ea"/>
+                <a:cs typeface="+mn-cs"/>
+              </a:defRPr>
+            </a:lvl7pPr>
+            <a:lvl8pPr marL="3429000" indent="-228600" algn="l" defTabSz="457200" rtl="0" eaLnBrk="1" latinLnBrk="0" hangingPunct="1">
+              <a:spcBef>
+                <a:spcPct val="20000"/>
+              </a:spcBef>
+              <a:buFont typeface="Arial"/>
+              <a:buChar char="•"/>
+              <a:defRPr sz="2000" kern="1200">
+                <a:solidFill>
+                  <a:schemeClr val="tx1"/>
+                </a:solidFill>
+                <a:latin typeface="+mn-lt"/>
+                <a:ea typeface="+mn-ea"/>
+                <a:cs typeface="+mn-cs"/>
+              </a:defRPr>
+            </a:lvl8pPr>
+            <a:lvl9pPr marL="3886200" indent="-228600" algn="l" defTabSz="457200" rtl="0" eaLnBrk="1" latinLnBrk="0" hangingPunct="1">
+              <a:spcBef>
+                <a:spcPct val="20000"/>
+              </a:spcBef>
+              <a:buFont typeface="Arial"/>
+              <a:buChar char="•"/>
+              <a:defRPr sz="2000" kern="1200">
+                <a:solidFill>
+                  <a:schemeClr val="tx1"/>
+                </a:solidFill>
+                <a:latin typeface="+mn-lt"/>
+                <a:ea typeface="+mn-ea"/>
+                <a:cs typeface="+mn-cs"/>
+              </a:defRPr>
+            </a:lvl9pPr>
+          </a:lstStyle>
           <a:p>
             <a:r>
               <a:rPr lang="en-US" dirty="0" smtClean="0"/>
-              <a:t>learn a model from labeled source data </a:t>
-            </a:r>
-            <a:r>
-              <a:rPr lang="en-US" smtClean="0"/>
-              <a:t>and unlabeled target data:</a:t>
+              <a:t>improves the performance of a classifier!</a:t>
             </a:r>
             <a:endParaRPr lang="en-US" dirty="0"/>
           </a:p>
@@ -8287,7 +9970,7 @@
     </p:spTree>
     <p:extLst>
       <p:ext uri="{BB962C8B-B14F-4D97-AF65-F5344CB8AC3E}">
-        <p14:creationId xmlns:p14="http://schemas.microsoft.com/office/powerpoint/2010/main" val="359868760"/>
+        <p14:creationId xmlns:p14="http://schemas.microsoft.com/office/powerpoint/2010/main" val="493564228"/>
       </p:ext>
     </p:extLst>
   </p:cSld>
@@ -8357,7 +10040,7 @@
       </p:sp>
       <p:sp>
         <p:nvSpPr>
-          <p:cNvPr id="3" name="Content Placeholder 2"/>
+          <p:cNvPr id="5" name="Content Placeholder 4"/>
           <p:cNvSpPr>
             <a:spLocks noGrp="1"/>
           </p:cNvSpPr>
@@ -8370,7 +10053,7 @@
           <a:bodyPr/>
           <a:lstStyle/>
           <a:p>
-            <a:endParaRPr lang="en-US" dirty="0"/>
+            <a:endParaRPr lang="en-US"/>
           </a:p>
         </p:txBody>
       </p:sp>
@@ -8632,10 +10315,53 @@
           <a:bodyPr/>
           <a:lstStyle/>
           <a:p>
+            <a:r>
+              <a:rPr lang="en-US" dirty="0" smtClean="0"/>
+              <a:t>based on Bayes Theorem</a:t>
+            </a:r>
             <a:endParaRPr lang="en-US" dirty="0"/>
           </a:p>
         </p:txBody>
       </p:sp>
+      <p:pic>
+        <p:nvPicPr>
+          <p:cNvPr id="1026" name="Picture 2" descr="mage result for naive bayes"/>
+          <p:cNvPicPr>
+            <a:picLocks noChangeAspect="1" noChangeArrowheads="1"/>
+          </p:cNvPicPr>
+          <p:nvPr/>
+        </p:nvPicPr>
+        <p:blipFill rotWithShape="1">
+          <a:blip r:embed="rId2">
+            <a:extLst>
+              <a:ext uri="{28A0092B-C50C-407E-A947-70E740481C1C}">
+                <a14:useLocalDpi xmlns:a14="http://schemas.microsoft.com/office/drawing/2010/main" val="0"/>
+              </a:ext>
+            </a:extLst>
+          </a:blip>
+          <a:srcRect l="21240" b="63004"/>
+          <a:stretch/>
+        </p:blipFill>
+        <p:spPr bwMode="auto">
+          <a:xfrm>
+            <a:off x="1578769" y="2320131"/>
+            <a:ext cx="5986462" cy="1194595"/>
+          </a:xfrm>
+          <a:prstGeom prst="rect">
+            <a:avLst/>
+          </a:prstGeom>
+          <a:noFill/>
+          <a:extLst>
+            <a:ext uri="{909E8E84-426E-40DD-AFC4-6F175D3DCCD1}">
+              <a14:hiddenFill xmlns:a14="http://schemas.microsoft.com/office/drawing/2010/main">
+                <a:solidFill>
+                  <a:srgbClr val="FFFFFF"/>
+                </a:solidFill>
+              </a14:hiddenFill>
+            </a:ext>
+          </a:extLst>
+        </p:spPr>
+      </p:pic>
     </p:spTree>
     <p:extLst>
       <p:ext uri="{BB962C8B-B14F-4D97-AF65-F5344CB8AC3E}">
@@ -13632,89 +15358,6 @@
           </a:p>
         </p:txBody>
       </p:sp>
-      <p:sp>
-        <p:nvSpPr>
-          <p:cNvPr id="17" name="Oval 16"/>
-          <p:cNvSpPr/>
-          <p:nvPr/>
-        </p:nvSpPr>
-        <p:spPr>
-          <a:xfrm>
-            <a:off x="247339" y="271261"/>
-            <a:ext cx="2470878" cy="910492"/>
-          </a:xfrm>
-          <a:prstGeom prst="ellipse">
-            <a:avLst/>
-          </a:prstGeom>
-          <a:solidFill>
-            <a:schemeClr val="tx2">
-              <a:lumMod val="60000"/>
-              <a:lumOff val="40000"/>
-            </a:schemeClr>
-          </a:solidFill>
-        </p:spPr>
-        <p:style>
-          <a:lnRef idx="1">
-            <a:schemeClr val="accent1"/>
-          </a:lnRef>
-          <a:fillRef idx="3">
-            <a:schemeClr val="accent1"/>
-          </a:fillRef>
-          <a:effectRef idx="2">
-            <a:schemeClr val="accent1"/>
-          </a:effectRef>
-          <a:fontRef idx="minor">
-            <a:schemeClr val="lt1"/>
-          </a:fontRef>
-        </p:style>
-        <p:txBody>
-          <a:bodyPr rtlCol="0" anchor="ctr"/>
-          <a:lstStyle/>
-          <a:p>
-            <a:pPr algn="ctr"/>
-            <a:r>
-              <a:rPr lang="en-US" sz="3200" smtClean="0"/>
-              <a:t>Features</a:t>
-            </a:r>
-            <a:endParaRPr lang="en-US" sz="3200" dirty="0"/>
-          </a:p>
-        </p:txBody>
-      </p:sp>
-      <p:cxnSp>
-        <p:nvCxnSpPr>
-          <p:cNvPr id="18" name="Curved Connector 17"/>
-          <p:cNvCxnSpPr>
-            <a:stCxn id="17" idx="4"/>
-          </p:cNvCxnSpPr>
-          <p:nvPr/>
-        </p:nvCxnSpPr>
-        <p:spPr>
-          <a:xfrm rot="16200000" flipH="1">
-            <a:off x="2363985" y="300546"/>
-            <a:ext cx="228604" cy="1991018"/>
-          </a:xfrm>
-          <a:prstGeom prst="curvedConnector2">
-            <a:avLst/>
-          </a:prstGeom>
-          <a:ln>
-            <a:tailEnd type="triangle"/>
-          </a:ln>
-        </p:spPr>
-        <p:style>
-          <a:lnRef idx="2">
-            <a:schemeClr val="accent1"/>
-          </a:lnRef>
-          <a:fillRef idx="0">
-            <a:schemeClr val="accent1"/>
-          </a:fillRef>
-          <a:effectRef idx="1">
-            <a:schemeClr val="accent1"/>
-          </a:effectRef>
-          <a:fontRef idx="minor">
-            <a:schemeClr val="tx1"/>
-          </a:fontRef>
-        </p:style>
-      </p:cxnSp>
       <p:cxnSp>
         <p:nvCxnSpPr>
           <p:cNvPr id="21" name="Straight Connector 20"/>
@@ -13826,6 +15469,91 @@
           </a:p>
         </p:txBody>
       </p:sp>
+      <p:sp>
+        <p:nvSpPr>
+          <p:cNvPr id="22" name="Oval 21"/>
+          <p:cNvSpPr/>
+          <p:nvPr/>
+        </p:nvSpPr>
+        <p:spPr>
+          <a:xfrm>
+            <a:off x="36074" y="199825"/>
+            <a:ext cx="2910199" cy="1095628"/>
+          </a:xfrm>
+          <a:prstGeom prst="ellipse">
+            <a:avLst/>
+          </a:prstGeom>
+          <a:solidFill>
+            <a:schemeClr val="tx2">
+              <a:lumMod val="60000"/>
+              <a:lumOff val="40000"/>
+            </a:schemeClr>
+          </a:solidFill>
+        </p:spPr>
+        <p:style>
+          <a:lnRef idx="1">
+            <a:schemeClr val="accent1"/>
+          </a:lnRef>
+          <a:fillRef idx="3">
+            <a:schemeClr val="accent1"/>
+          </a:fillRef>
+          <a:effectRef idx="2">
+            <a:schemeClr val="accent1"/>
+          </a:effectRef>
+          <a:fontRef idx="minor">
+            <a:schemeClr val="lt1"/>
+          </a:fontRef>
+        </p:style>
+        <p:txBody>
+          <a:bodyPr rtlCol="0" anchor="ctr"/>
+          <a:lstStyle/>
+          <a:p>
+            <a:pPr algn="ctr"/>
+            <a:r>
+              <a:rPr lang="en-US" sz="3200" dirty="0" smtClean="0"/>
+              <a:t>Features </a:t>
+            </a:r>
+            <a:r>
+              <a:rPr lang="en-US" sz="3200" smtClean="0"/>
+              <a:t>(attributes)</a:t>
+            </a:r>
+            <a:endParaRPr lang="en-US" sz="3200" dirty="0"/>
+          </a:p>
+        </p:txBody>
+      </p:sp>
+      <p:cxnSp>
+        <p:nvCxnSpPr>
+          <p:cNvPr id="23" name="Curved Connector 22"/>
+          <p:cNvCxnSpPr/>
+          <p:nvPr/>
+        </p:nvCxnSpPr>
+        <p:spPr>
+          <a:xfrm rot="16200000" flipH="1">
+            <a:off x="2442730" y="343897"/>
+            <a:ext cx="158997" cy="2062108"/>
+          </a:xfrm>
+          <a:prstGeom prst="curvedConnector2">
+            <a:avLst/>
+          </a:prstGeom>
+          <a:ln>
+            <a:tailEnd type="triangle"/>
+          </a:ln>
+        </p:spPr>
+        <p:style>
+          <a:lnRef idx="2">
+            <a:schemeClr val="accent1"/>
+          </a:lnRef>
+          <a:fillRef idx="0">
+            <a:schemeClr val="accent1"/>
+          </a:fillRef>
+          <a:effectRef idx="1">
+            <a:schemeClr val="accent1"/>
+          </a:effectRef>
+          <a:fontRef idx="minor">
+            <a:schemeClr val="tx1"/>
+          </a:fontRef>
+        </p:style>
+      </p:cxnSp>
     </p:spTree>
     <p:extLst>
       <p:ext uri="{BB962C8B-B14F-4D97-AF65-F5344CB8AC3E}">
@@ -14812,89 +16540,6 @@
           </a:p>
         </p:txBody>
       </p:sp>
-      <p:sp>
-        <p:nvSpPr>
-          <p:cNvPr id="17" name="Oval 16"/>
-          <p:cNvSpPr/>
-          <p:nvPr/>
-        </p:nvSpPr>
-        <p:spPr>
-          <a:xfrm>
-            <a:off x="247339" y="271261"/>
-            <a:ext cx="2470878" cy="910492"/>
-          </a:xfrm>
-          <a:prstGeom prst="ellipse">
-            <a:avLst/>
-          </a:prstGeom>
-          <a:solidFill>
-            <a:schemeClr val="tx2">
-              <a:lumMod val="60000"/>
-              <a:lumOff val="40000"/>
-            </a:schemeClr>
-          </a:solidFill>
-        </p:spPr>
-        <p:style>
-          <a:lnRef idx="1">
-            <a:schemeClr val="accent1"/>
-          </a:lnRef>
-          <a:fillRef idx="3">
-            <a:schemeClr val="accent1"/>
-          </a:fillRef>
-          <a:effectRef idx="2">
-            <a:schemeClr val="accent1"/>
-          </a:effectRef>
-          <a:fontRef idx="minor">
-            <a:schemeClr val="lt1"/>
-          </a:fontRef>
-        </p:style>
-        <p:txBody>
-          <a:bodyPr rtlCol="0" anchor="ctr"/>
-          <a:lstStyle/>
-          <a:p>
-            <a:pPr algn="ctr"/>
-            <a:r>
-              <a:rPr lang="en-US" sz="3200" smtClean="0"/>
-              <a:t>Features</a:t>
-            </a:r>
-            <a:endParaRPr lang="en-US" sz="3200" dirty="0"/>
-          </a:p>
-        </p:txBody>
-      </p:sp>
-      <p:cxnSp>
-        <p:nvCxnSpPr>
-          <p:cNvPr id="18" name="Curved Connector 17"/>
-          <p:cNvCxnSpPr>
-            <a:stCxn id="17" idx="4"/>
-          </p:cNvCxnSpPr>
-          <p:nvPr/>
-        </p:nvCxnSpPr>
-        <p:spPr>
-          <a:xfrm rot="16200000" flipH="1">
-            <a:off x="2363985" y="300546"/>
-            <a:ext cx="228604" cy="1991018"/>
-          </a:xfrm>
-          <a:prstGeom prst="curvedConnector2">
-            <a:avLst/>
-          </a:prstGeom>
-          <a:ln>
-            <a:tailEnd type="triangle"/>
-          </a:ln>
-        </p:spPr>
-        <p:style>
-          <a:lnRef idx="2">
-            <a:schemeClr val="accent1"/>
-          </a:lnRef>
-          <a:fillRef idx="0">
-            <a:schemeClr val="accent1"/>
-          </a:fillRef>
-          <a:effectRef idx="1">
-            <a:schemeClr val="accent1"/>
-          </a:effectRef>
-          <a:fontRef idx="minor">
-            <a:schemeClr val="tx1"/>
-          </a:fontRef>
-        </p:style>
-      </p:cxnSp>
       <p:cxnSp>
         <p:nvCxnSpPr>
           <p:cNvPr id="21" name="Straight Connector 20"/>
@@ -15092,6 +16737,91 @@
           </a:p>
         </p:txBody>
       </p:sp>
+      <p:sp>
+        <p:nvSpPr>
+          <p:cNvPr id="22" name="Oval 21"/>
+          <p:cNvSpPr/>
+          <p:nvPr/>
+        </p:nvSpPr>
+        <p:spPr>
+          <a:xfrm>
+            <a:off x="36074" y="199825"/>
+            <a:ext cx="2910199" cy="1095628"/>
+          </a:xfrm>
+          <a:prstGeom prst="ellipse">
+            <a:avLst/>
+          </a:prstGeom>
+          <a:solidFill>
+            <a:schemeClr val="tx2">
+              <a:lumMod val="60000"/>
+              <a:lumOff val="40000"/>
+            </a:schemeClr>
+          </a:solidFill>
+        </p:spPr>
+        <p:style>
+          <a:lnRef idx="1">
+            <a:schemeClr val="accent1"/>
+          </a:lnRef>
+          <a:fillRef idx="3">
+            <a:schemeClr val="accent1"/>
+          </a:fillRef>
+          <a:effectRef idx="2">
+            <a:schemeClr val="accent1"/>
+          </a:effectRef>
+          <a:fontRef idx="minor">
+            <a:schemeClr val="lt1"/>
+          </a:fontRef>
+        </p:style>
+        <p:txBody>
+          <a:bodyPr rtlCol="0" anchor="ctr"/>
+          <a:lstStyle/>
+          <a:p>
+            <a:pPr algn="ctr"/>
+            <a:r>
+              <a:rPr lang="en-US" sz="3200" dirty="0" smtClean="0"/>
+              <a:t>Features </a:t>
+            </a:r>
+            <a:r>
+              <a:rPr lang="en-US" sz="3200" smtClean="0"/>
+              <a:t>(attributes)</a:t>
+            </a:r>
+            <a:endParaRPr lang="en-US" sz="3200" dirty="0"/>
+          </a:p>
+        </p:txBody>
+      </p:sp>
+      <p:cxnSp>
+        <p:nvCxnSpPr>
+          <p:cNvPr id="23" name="Curved Connector 22"/>
+          <p:cNvCxnSpPr/>
+          <p:nvPr/>
+        </p:nvCxnSpPr>
+        <p:spPr>
+          <a:xfrm rot="16200000" flipH="1">
+            <a:off x="2442730" y="343897"/>
+            <a:ext cx="158997" cy="2062108"/>
+          </a:xfrm>
+          <a:prstGeom prst="curvedConnector2">
+            <a:avLst/>
+          </a:prstGeom>
+          <a:ln>
+            <a:tailEnd type="triangle"/>
+          </a:ln>
+        </p:spPr>
+        <p:style>
+          <a:lnRef idx="2">
+            <a:schemeClr val="accent1"/>
+          </a:lnRef>
+          <a:fillRef idx="0">
+            <a:schemeClr val="accent1"/>
+          </a:fillRef>
+          <a:effectRef idx="1">
+            <a:schemeClr val="accent1"/>
+          </a:effectRef>
+          <a:fontRef idx="minor">
+            <a:schemeClr val="tx1"/>
+          </a:fontRef>
+        </p:style>
+      </p:cxnSp>
     </p:spTree>
     <p:extLst>
       <p:ext uri="{BB962C8B-B14F-4D97-AF65-F5344CB8AC3E}">
@@ -16086,8 +17816,8 @@
         </p:nvSpPr>
         <p:spPr>
           <a:xfrm>
-            <a:off x="247339" y="271261"/>
-            <a:ext cx="2470878" cy="910492"/>
+            <a:off x="36074" y="199825"/>
+            <a:ext cx="2910199" cy="1095628"/>
           </a:xfrm>
           <a:prstGeom prst="ellipse">
             <a:avLst/>
@@ -16119,8 +17849,12 @@
           <a:p>
             <a:pPr algn="ctr"/>
             <a:r>
+              <a:rPr lang="en-US" sz="3200" dirty="0" smtClean="0"/>
+              <a:t>Features </a:t>
+            </a:r>
+            <a:r>
               <a:rPr lang="en-US" sz="3200" smtClean="0"/>
-              <a:t>Features</a:t>
+              <a:t>(attributes)</a:t>
             </a:r>
             <a:endParaRPr lang="en-US" sz="3200" dirty="0"/>
           </a:p>
@@ -16136,8 +17870,8 @@
         </p:nvCxnSpPr>
         <p:spPr>
           <a:xfrm rot="16200000" flipH="1">
-            <a:off x="2363985" y="300546"/>
-            <a:ext cx="228604" cy="1991018"/>
+            <a:off x="2442730" y="343897"/>
+            <a:ext cx="158997" cy="2062108"/>
           </a:xfrm>
           <a:prstGeom prst="curvedConnector2">
             <a:avLst/>
@@ -16578,11 +18312,7 @@
             </a:pPr>
             <a:r>
               <a:rPr lang="en-US" dirty="0" smtClean="0"/>
-              <a:t>– learning from labeled </a:t>
-            </a:r>
-            <a:r>
-              <a:rPr lang="en-US" dirty="0" smtClean="0"/>
-              <a:t>data</a:t>
+              <a:t>– learning from labeled data</a:t>
             </a:r>
           </a:p>
           <a:p>
@@ -16594,11 +18324,7 @@
           <a:p>
             <a:r>
               <a:rPr lang="en-US" dirty="0" smtClean="0"/>
-              <a:t>Unsupervised </a:t>
-            </a:r>
-            <a:r>
-              <a:rPr lang="en-US" dirty="0" smtClean="0"/>
-              <a:t>Machine </a:t>
+              <a:t>Unsupervised Machine </a:t>
             </a:r>
             <a:r>
               <a:rPr lang="en-US" dirty="0"/>
@@ -16615,11 +18341,7 @@
             </a:r>
             <a:r>
               <a:rPr lang="en-US" dirty="0" smtClean="0"/>
-              <a:t>unlabeled </a:t>
-            </a:r>
-            <a:r>
-              <a:rPr lang="en-US" dirty="0" smtClean="0"/>
-              <a:t>data</a:t>
+              <a:t>unlabeled data</a:t>
             </a:r>
           </a:p>
           <a:p>
